--- a/ROP_FSB.pptx
+++ b/ROP_FSB.pptx
@@ -4,12 +4,35 @@
   <p:sldMasterIdLst>
     <p:sldMasterId id="2147483648" r:id="rId1"/>
   </p:sldMasterIdLst>
+  <p:notesMasterIdLst>
+    <p:notesMasterId r:id="rId27"/>
+  </p:notesMasterIdLst>
   <p:sldIdLst>
     <p:sldId id="256" r:id="rId2"/>
     <p:sldId id="257" r:id="rId3"/>
-    <p:sldId id="258" r:id="rId4"/>
+    <p:sldId id="269" r:id="rId4"/>
     <p:sldId id="259" r:id="rId5"/>
     <p:sldId id="260" r:id="rId6"/>
+    <p:sldId id="261" r:id="rId7"/>
+    <p:sldId id="264" r:id="rId8"/>
+    <p:sldId id="282" r:id="rId9"/>
+    <p:sldId id="262" r:id="rId10"/>
+    <p:sldId id="263" r:id="rId11"/>
+    <p:sldId id="265" r:id="rId12"/>
+    <p:sldId id="275" r:id="rId13"/>
+    <p:sldId id="266" r:id="rId14"/>
+    <p:sldId id="267" r:id="rId15"/>
+    <p:sldId id="268" r:id="rId16"/>
+    <p:sldId id="270" r:id="rId17"/>
+    <p:sldId id="280" r:id="rId18"/>
+    <p:sldId id="271" r:id="rId19"/>
+    <p:sldId id="281" r:id="rId20"/>
+    <p:sldId id="277" r:id="rId21"/>
+    <p:sldId id="278" r:id="rId22"/>
+    <p:sldId id="279" r:id="rId23"/>
+    <p:sldId id="272" r:id="rId24"/>
+    <p:sldId id="273" r:id="rId25"/>
+    <p:sldId id="276" r:id="rId26"/>
   </p:sldIdLst>
   <p:sldSz cx="12192000" cy="6858000"/>
   <p:notesSz cx="6858000" cy="9144000"/>
@@ -116,6 +139,355 @@
 </p:presentation>
 </file>
 
+<file path=ppt/notesMasters/notesMaster1.xml><?xml version="1.0" encoding="utf-8"?>
+<p:notesMaster xmlns:a="http://schemas.openxmlformats.org/drawingml/2006/main" xmlns:r="http://schemas.openxmlformats.org/officeDocument/2006/relationships" xmlns:p="http://schemas.openxmlformats.org/presentationml/2006/main">
+  <p:cSld>
+    <p:bg>
+      <p:bgRef idx="1001">
+        <a:schemeClr val="bg1"/>
+      </p:bgRef>
+    </p:bg>
+    <p:spTree>
+      <p:nvGrpSpPr>
+        <p:cNvPr id="1" name=""/>
+        <p:cNvGrpSpPr/>
+        <p:nvPr/>
+      </p:nvGrpSpPr>
+      <p:grpSpPr>
+        <a:xfrm>
+          <a:off x="0" y="0"/>
+          <a:ext cx="0" cy="0"/>
+          <a:chOff x="0" y="0"/>
+          <a:chExt cx="0" cy="0"/>
+        </a:xfrm>
+      </p:grpSpPr>
+      <p:sp>
+        <p:nvSpPr>
+          <p:cNvPr id="2" name="머리글 개체 틀 1"/>
+          <p:cNvSpPr>
+            <a:spLocks noGrp="1"/>
+          </p:cNvSpPr>
+          <p:nvPr>
+            <p:ph type="hdr" sz="quarter"/>
+          </p:nvPr>
+        </p:nvSpPr>
+        <p:spPr>
+          <a:xfrm>
+            <a:off x="0" y="0"/>
+            <a:ext cx="2971800" cy="458788"/>
+          </a:xfrm>
+          <a:prstGeom prst="rect">
+            <a:avLst/>
+          </a:prstGeom>
+        </p:spPr>
+        <p:txBody>
+          <a:bodyPr vert="horz" lIns="91440" tIns="45720" rIns="91440" bIns="45720" rtlCol="0"/>
+          <a:lstStyle>
+            <a:lvl1pPr algn="l">
+              <a:defRPr sz="1200"/>
+            </a:lvl1pPr>
+          </a:lstStyle>
+          <a:p>
+            <a:endParaRPr lang="ko-KR" altLang="en-US"/>
+          </a:p>
+        </p:txBody>
+      </p:sp>
+      <p:sp>
+        <p:nvSpPr>
+          <p:cNvPr id="3" name="날짜 개체 틀 2"/>
+          <p:cNvSpPr>
+            <a:spLocks noGrp="1"/>
+          </p:cNvSpPr>
+          <p:nvPr>
+            <p:ph type="dt" idx="1"/>
+          </p:nvPr>
+        </p:nvSpPr>
+        <p:spPr>
+          <a:xfrm>
+            <a:off x="3884613" y="0"/>
+            <a:ext cx="2971800" cy="458788"/>
+          </a:xfrm>
+          <a:prstGeom prst="rect">
+            <a:avLst/>
+          </a:prstGeom>
+        </p:spPr>
+        <p:txBody>
+          <a:bodyPr vert="horz" lIns="91440" tIns="45720" rIns="91440" bIns="45720" rtlCol="0"/>
+          <a:lstStyle>
+            <a:lvl1pPr algn="r">
+              <a:defRPr sz="1200"/>
+            </a:lvl1pPr>
+          </a:lstStyle>
+          <a:p>
+            <a:fld id="{D5B42DF0-0A15-42FD-B30F-784A52374DF3}" type="datetimeFigureOut">
+              <a:rPr lang="ko-KR" altLang="en-US" smtClean="0"/>
+              <a:t>2023-04-15</a:t>
+            </a:fld>
+            <a:endParaRPr lang="ko-KR" altLang="en-US"/>
+          </a:p>
+        </p:txBody>
+      </p:sp>
+      <p:sp>
+        <p:nvSpPr>
+          <p:cNvPr id="4" name="슬라이드 이미지 개체 틀 3"/>
+          <p:cNvSpPr>
+            <a:spLocks noGrp="1" noRot="1" noChangeAspect="1"/>
+          </p:cNvSpPr>
+          <p:nvPr>
+            <p:ph type="sldImg" idx="2"/>
+          </p:nvPr>
+        </p:nvSpPr>
+        <p:spPr>
+          <a:xfrm>
+            <a:off x="685800" y="1143000"/>
+            <a:ext cx="5486400" cy="3086100"/>
+          </a:xfrm>
+          <a:prstGeom prst="rect">
+            <a:avLst/>
+          </a:prstGeom>
+          <a:noFill/>
+          <a:ln w="12700">
+            <a:solidFill>
+              <a:prstClr val="black"/>
+            </a:solidFill>
+          </a:ln>
+        </p:spPr>
+        <p:txBody>
+          <a:bodyPr vert="horz" lIns="91440" tIns="45720" rIns="91440" bIns="45720" rtlCol="0" anchor="ctr"/>
+          <a:lstStyle/>
+          <a:p>
+            <a:endParaRPr lang="ko-KR" altLang="en-US"/>
+          </a:p>
+        </p:txBody>
+      </p:sp>
+      <p:sp>
+        <p:nvSpPr>
+          <p:cNvPr id="5" name="슬라이드 노트 개체 틀 4"/>
+          <p:cNvSpPr>
+            <a:spLocks noGrp="1"/>
+          </p:cNvSpPr>
+          <p:nvPr>
+            <p:ph type="body" sz="quarter" idx="3"/>
+          </p:nvPr>
+        </p:nvSpPr>
+        <p:spPr>
+          <a:xfrm>
+            <a:off x="685800" y="4400550"/>
+            <a:ext cx="5486400" cy="3600450"/>
+          </a:xfrm>
+          <a:prstGeom prst="rect">
+            <a:avLst/>
+          </a:prstGeom>
+        </p:spPr>
+        <p:txBody>
+          <a:bodyPr vert="horz" lIns="91440" tIns="45720" rIns="91440" bIns="45720" rtlCol="0"/>
+          <a:lstStyle/>
+          <a:p>
+            <a:pPr lvl="0"/>
+            <a:r>
+              <a:rPr lang="ko-KR" altLang="en-US"/>
+              <a:t>마스터 텍스트 스타일을 편집하려면 클릭</a:t>
+            </a:r>
+          </a:p>
+          <a:p>
+            <a:pPr lvl="1"/>
+            <a:r>
+              <a:rPr lang="ko-KR" altLang="en-US"/>
+              <a:t>두 번째 수준</a:t>
+            </a:r>
+          </a:p>
+          <a:p>
+            <a:pPr lvl="2"/>
+            <a:r>
+              <a:rPr lang="ko-KR" altLang="en-US"/>
+              <a:t>세 번째 수준</a:t>
+            </a:r>
+          </a:p>
+          <a:p>
+            <a:pPr lvl="3"/>
+            <a:r>
+              <a:rPr lang="ko-KR" altLang="en-US"/>
+              <a:t>네 번째 수준</a:t>
+            </a:r>
+          </a:p>
+          <a:p>
+            <a:pPr lvl="4"/>
+            <a:r>
+              <a:rPr lang="ko-KR" altLang="en-US"/>
+              <a:t>다섯 번째 수준</a:t>
+            </a:r>
+          </a:p>
+        </p:txBody>
+      </p:sp>
+      <p:sp>
+        <p:nvSpPr>
+          <p:cNvPr id="6" name="바닥글 개체 틀 5"/>
+          <p:cNvSpPr>
+            <a:spLocks noGrp="1"/>
+          </p:cNvSpPr>
+          <p:nvPr>
+            <p:ph type="ftr" sz="quarter" idx="4"/>
+          </p:nvPr>
+        </p:nvSpPr>
+        <p:spPr>
+          <a:xfrm>
+            <a:off x="0" y="8685213"/>
+            <a:ext cx="2971800" cy="458787"/>
+          </a:xfrm>
+          <a:prstGeom prst="rect">
+            <a:avLst/>
+          </a:prstGeom>
+        </p:spPr>
+        <p:txBody>
+          <a:bodyPr vert="horz" lIns="91440" tIns="45720" rIns="91440" bIns="45720" rtlCol="0" anchor="b"/>
+          <a:lstStyle>
+            <a:lvl1pPr algn="l">
+              <a:defRPr sz="1200"/>
+            </a:lvl1pPr>
+          </a:lstStyle>
+          <a:p>
+            <a:endParaRPr lang="ko-KR" altLang="en-US"/>
+          </a:p>
+        </p:txBody>
+      </p:sp>
+      <p:sp>
+        <p:nvSpPr>
+          <p:cNvPr id="7" name="슬라이드 번호 개체 틀 6"/>
+          <p:cNvSpPr>
+            <a:spLocks noGrp="1"/>
+          </p:cNvSpPr>
+          <p:nvPr>
+            <p:ph type="sldNum" sz="quarter" idx="5"/>
+          </p:nvPr>
+        </p:nvSpPr>
+        <p:spPr>
+          <a:xfrm>
+            <a:off x="3884613" y="8685213"/>
+            <a:ext cx="2971800" cy="458787"/>
+          </a:xfrm>
+          <a:prstGeom prst="rect">
+            <a:avLst/>
+          </a:prstGeom>
+        </p:spPr>
+        <p:txBody>
+          <a:bodyPr vert="horz" lIns="91440" tIns="45720" rIns="91440" bIns="45720" rtlCol="0" anchor="b"/>
+          <a:lstStyle>
+            <a:lvl1pPr algn="r">
+              <a:defRPr sz="1200"/>
+            </a:lvl1pPr>
+          </a:lstStyle>
+          <a:p>
+            <a:fld id="{B2B24149-05EE-49CC-BB21-4FDD1B77EF90}" type="slidenum">
+              <a:rPr lang="ko-KR" altLang="en-US" smtClean="0"/>
+              <a:t>‹#›</a:t>
+            </a:fld>
+            <a:endParaRPr lang="ko-KR" altLang="en-US"/>
+          </a:p>
+        </p:txBody>
+      </p:sp>
+    </p:spTree>
+    <p:extLst>
+      <p:ext uri="{BB962C8B-B14F-4D97-AF65-F5344CB8AC3E}">
+        <p14:creationId xmlns:p14="http://schemas.microsoft.com/office/powerpoint/2010/main" val="511321680"/>
+      </p:ext>
+    </p:extLst>
+  </p:cSld>
+  <p:clrMap bg1="lt1" tx1="dk1" bg2="lt2" tx2="dk2" accent1="accent1" accent2="accent2" accent3="accent3" accent4="accent4" accent5="accent5" accent6="accent6" hlink="hlink" folHlink="folHlink"/>
+  <p:notesStyle>
+    <a:lvl1pPr marL="0" algn="l" defTabSz="914400" rtl="0" eaLnBrk="1" latinLnBrk="1" hangingPunct="1">
+      <a:defRPr sz="1200" kern="1200">
+        <a:solidFill>
+          <a:schemeClr val="tx1"/>
+        </a:solidFill>
+        <a:latin typeface="+mn-lt"/>
+        <a:ea typeface="+mn-ea"/>
+        <a:cs typeface="+mn-cs"/>
+      </a:defRPr>
+    </a:lvl1pPr>
+    <a:lvl2pPr marL="457200" algn="l" defTabSz="914400" rtl="0" eaLnBrk="1" latinLnBrk="1" hangingPunct="1">
+      <a:defRPr sz="1200" kern="1200">
+        <a:solidFill>
+          <a:schemeClr val="tx1"/>
+        </a:solidFill>
+        <a:latin typeface="+mn-lt"/>
+        <a:ea typeface="+mn-ea"/>
+        <a:cs typeface="+mn-cs"/>
+      </a:defRPr>
+    </a:lvl2pPr>
+    <a:lvl3pPr marL="914400" algn="l" defTabSz="914400" rtl="0" eaLnBrk="1" latinLnBrk="1" hangingPunct="1">
+      <a:defRPr sz="1200" kern="1200">
+        <a:solidFill>
+          <a:schemeClr val="tx1"/>
+        </a:solidFill>
+        <a:latin typeface="+mn-lt"/>
+        <a:ea typeface="+mn-ea"/>
+        <a:cs typeface="+mn-cs"/>
+      </a:defRPr>
+    </a:lvl3pPr>
+    <a:lvl4pPr marL="1371600" algn="l" defTabSz="914400" rtl="0" eaLnBrk="1" latinLnBrk="1" hangingPunct="1">
+      <a:defRPr sz="1200" kern="1200">
+        <a:solidFill>
+          <a:schemeClr val="tx1"/>
+        </a:solidFill>
+        <a:latin typeface="+mn-lt"/>
+        <a:ea typeface="+mn-ea"/>
+        <a:cs typeface="+mn-cs"/>
+      </a:defRPr>
+    </a:lvl4pPr>
+    <a:lvl5pPr marL="1828800" algn="l" defTabSz="914400" rtl="0" eaLnBrk="1" latinLnBrk="1" hangingPunct="1">
+      <a:defRPr sz="1200" kern="1200">
+        <a:solidFill>
+          <a:schemeClr val="tx1"/>
+        </a:solidFill>
+        <a:latin typeface="+mn-lt"/>
+        <a:ea typeface="+mn-ea"/>
+        <a:cs typeface="+mn-cs"/>
+      </a:defRPr>
+    </a:lvl5pPr>
+    <a:lvl6pPr marL="2286000" algn="l" defTabSz="914400" rtl="0" eaLnBrk="1" latinLnBrk="1" hangingPunct="1">
+      <a:defRPr sz="1200" kern="1200">
+        <a:solidFill>
+          <a:schemeClr val="tx1"/>
+        </a:solidFill>
+        <a:latin typeface="+mn-lt"/>
+        <a:ea typeface="+mn-ea"/>
+        <a:cs typeface="+mn-cs"/>
+      </a:defRPr>
+    </a:lvl6pPr>
+    <a:lvl7pPr marL="2743200" algn="l" defTabSz="914400" rtl="0" eaLnBrk="1" latinLnBrk="1" hangingPunct="1">
+      <a:defRPr sz="1200" kern="1200">
+        <a:solidFill>
+          <a:schemeClr val="tx1"/>
+        </a:solidFill>
+        <a:latin typeface="+mn-lt"/>
+        <a:ea typeface="+mn-ea"/>
+        <a:cs typeface="+mn-cs"/>
+      </a:defRPr>
+    </a:lvl7pPr>
+    <a:lvl8pPr marL="3200400" algn="l" defTabSz="914400" rtl="0" eaLnBrk="1" latinLnBrk="1" hangingPunct="1">
+      <a:defRPr sz="1200" kern="1200">
+        <a:solidFill>
+          <a:schemeClr val="tx1"/>
+        </a:solidFill>
+        <a:latin typeface="+mn-lt"/>
+        <a:ea typeface="+mn-ea"/>
+        <a:cs typeface="+mn-cs"/>
+      </a:defRPr>
+    </a:lvl8pPr>
+    <a:lvl9pPr marL="3657600" algn="l" defTabSz="914400" rtl="0" eaLnBrk="1" latinLnBrk="1" hangingPunct="1">
+      <a:defRPr sz="1200" kern="1200">
+        <a:solidFill>
+          <a:schemeClr val="tx1"/>
+        </a:solidFill>
+        <a:latin typeface="+mn-lt"/>
+        <a:ea typeface="+mn-ea"/>
+        <a:cs typeface="+mn-cs"/>
+      </a:defRPr>
+    </a:lvl9pPr>
+  </p:notesStyle>
+</p:notesMaster>
+</file>
+
 <file path=ppt/slideLayouts/slideLayout1.xml><?xml version="1.0" encoding="utf-8"?>
 <p:sldLayout xmlns:a="http://schemas.openxmlformats.org/drawingml/2006/main" xmlns:r="http://schemas.openxmlformats.org/officeDocument/2006/relationships" xmlns:p="http://schemas.openxmlformats.org/presentationml/2006/main" type="title" preserve="1">
   <p:cSld name="제목 슬라이드">
@@ -263,7 +635,7 @@
           <a:p>
             <a:fld id="{1BFFA70A-BFF4-4A81-A92B-D978E3635823}" type="datetimeFigureOut">
               <a:rPr lang="ko-KR" altLang="en-US" smtClean="0"/>
-              <a:t>2023-04-11</a:t>
+              <a:t>2023-04-15</a:t>
             </a:fld>
             <a:endParaRPr lang="ko-KR" altLang="en-US"/>
           </a:p>
@@ -461,7 +833,7 @@
           <a:p>
             <a:fld id="{1BFFA70A-BFF4-4A81-A92B-D978E3635823}" type="datetimeFigureOut">
               <a:rPr lang="ko-KR" altLang="en-US" smtClean="0"/>
-              <a:t>2023-04-11</a:t>
+              <a:t>2023-04-15</a:t>
             </a:fld>
             <a:endParaRPr lang="ko-KR" altLang="en-US"/>
           </a:p>
@@ -669,7 +1041,7 @@
           <a:p>
             <a:fld id="{1BFFA70A-BFF4-4A81-A92B-D978E3635823}" type="datetimeFigureOut">
               <a:rPr lang="ko-KR" altLang="en-US" smtClean="0"/>
-              <a:t>2023-04-11</a:t>
+              <a:t>2023-04-15</a:t>
             </a:fld>
             <a:endParaRPr lang="ko-KR" altLang="en-US"/>
           </a:p>
@@ -867,7 +1239,7 @@
           <a:p>
             <a:fld id="{1BFFA70A-BFF4-4A81-A92B-D978E3635823}" type="datetimeFigureOut">
               <a:rPr lang="ko-KR" altLang="en-US" smtClean="0"/>
-              <a:t>2023-04-11</a:t>
+              <a:t>2023-04-15</a:t>
             </a:fld>
             <a:endParaRPr lang="ko-KR" altLang="en-US"/>
           </a:p>
@@ -1142,7 +1514,7 @@
           <a:p>
             <a:fld id="{1BFFA70A-BFF4-4A81-A92B-D978E3635823}" type="datetimeFigureOut">
               <a:rPr lang="ko-KR" altLang="en-US" smtClean="0"/>
-              <a:t>2023-04-11</a:t>
+              <a:t>2023-04-15</a:t>
             </a:fld>
             <a:endParaRPr lang="ko-KR" altLang="en-US"/>
           </a:p>
@@ -1407,7 +1779,7 @@
           <a:p>
             <a:fld id="{1BFFA70A-BFF4-4A81-A92B-D978E3635823}" type="datetimeFigureOut">
               <a:rPr lang="ko-KR" altLang="en-US" smtClean="0"/>
-              <a:t>2023-04-11</a:t>
+              <a:t>2023-04-15</a:t>
             </a:fld>
             <a:endParaRPr lang="ko-KR" altLang="en-US"/>
           </a:p>
@@ -1819,7 +2191,7 @@
           <a:p>
             <a:fld id="{1BFFA70A-BFF4-4A81-A92B-D978E3635823}" type="datetimeFigureOut">
               <a:rPr lang="ko-KR" altLang="en-US" smtClean="0"/>
-              <a:t>2023-04-11</a:t>
+              <a:t>2023-04-15</a:t>
             </a:fld>
             <a:endParaRPr lang="ko-KR" altLang="en-US"/>
           </a:p>
@@ -1960,7 +2332,7 @@
           <a:p>
             <a:fld id="{1BFFA70A-BFF4-4A81-A92B-D978E3635823}" type="datetimeFigureOut">
               <a:rPr lang="ko-KR" altLang="en-US" smtClean="0"/>
-              <a:t>2023-04-11</a:t>
+              <a:t>2023-04-15</a:t>
             </a:fld>
             <a:endParaRPr lang="ko-KR" altLang="en-US"/>
           </a:p>
@@ -2073,7 +2445,7 @@
           <a:p>
             <a:fld id="{1BFFA70A-BFF4-4A81-A92B-D978E3635823}" type="datetimeFigureOut">
               <a:rPr lang="ko-KR" altLang="en-US" smtClean="0"/>
-              <a:t>2023-04-11</a:t>
+              <a:t>2023-04-15</a:t>
             </a:fld>
             <a:endParaRPr lang="ko-KR" altLang="en-US"/>
           </a:p>
@@ -2384,7 +2756,7 @@
           <a:p>
             <a:fld id="{1BFFA70A-BFF4-4A81-A92B-D978E3635823}" type="datetimeFigureOut">
               <a:rPr lang="ko-KR" altLang="en-US" smtClean="0"/>
-              <a:t>2023-04-11</a:t>
+              <a:t>2023-04-15</a:t>
             </a:fld>
             <a:endParaRPr lang="ko-KR" altLang="en-US"/>
           </a:p>
@@ -2672,7 +3044,7 @@
           <a:p>
             <a:fld id="{1BFFA70A-BFF4-4A81-A92B-D978E3635823}" type="datetimeFigureOut">
               <a:rPr lang="ko-KR" altLang="en-US" smtClean="0"/>
-              <a:t>2023-04-11</a:t>
+              <a:t>2023-04-15</a:t>
             </a:fld>
             <a:endParaRPr lang="ko-KR" altLang="en-US"/>
           </a:p>
@@ -2913,7 +3285,7 @@
           <a:p>
             <a:fld id="{1BFFA70A-BFF4-4A81-A92B-D978E3635823}" type="datetimeFigureOut">
               <a:rPr lang="ko-KR" altLang="en-US" smtClean="0"/>
-              <a:t>2023-04-11</a:t>
+              <a:t>2023-04-15</a:t>
             </a:fld>
             <a:endParaRPr lang="ko-KR" altLang="en-US"/>
           </a:p>
@@ -3348,7 +3720,7 @@
         </p:nvSpPr>
         <p:spPr>
           <a:xfrm>
-            <a:off x="1346859" y="2933205"/>
+            <a:off x="1346856" y="2695924"/>
             <a:ext cx="9498281" cy="991590"/>
           </a:xfrm>
         </p:spPr>
@@ -3361,6 +3733,65 @@
               <a:t>ROP &amp; FSB</a:t>
             </a:r>
             <a:endParaRPr lang="ko-KR" altLang="en-US" dirty="0"/>
+          </a:p>
+        </p:txBody>
+      </p:sp>
+      <p:sp>
+        <p:nvSpPr>
+          <p:cNvPr id="3" name="제목 1">
+            <a:extLst>
+              <a:ext uri="{FF2B5EF4-FFF2-40B4-BE49-F238E27FC236}">
+                <a16:creationId xmlns:a16="http://schemas.microsoft.com/office/drawing/2014/main" id="{13644145-38E6-D0E7-A67C-5F94615F186D}"/>
+              </a:ext>
+            </a:extLst>
+          </p:cNvPr>
+          <p:cNvSpPr txBox="1">
+            <a:spLocks/>
+          </p:cNvSpPr>
+          <p:nvPr/>
+        </p:nvSpPr>
+        <p:spPr>
+          <a:xfrm>
+            <a:off x="1515485" y="4352079"/>
+            <a:ext cx="9161025" cy="538223"/>
+          </a:xfrm>
+          <a:prstGeom prst="rect">
+            <a:avLst/>
+          </a:prstGeom>
+        </p:spPr>
+        <p:txBody>
+          <a:bodyPr vert="horz" lIns="91440" tIns="45720" rIns="91440" bIns="45720" rtlCol="0" anchor="b">
+            <a:normAutofit/>
+          </a:bodyPr>
+          <a:lstStyle>
+            <a:lvl1pPr algn="ctr" defTabSz="914400" rtl="0" eaLnBrk="1" latinLnBrk="1" hangingPunct="1">
+              <a:lnSpc>
+                <a:spcPct val="90000"/>
+              </a:lnSpc>
+              <a:spcBef>
+                <a:spcPct val="0"/>
+              </a:spcBef>
+              <a:buNone/>
+              <a:defRPr sz="6000" kern="1200">
+                <a:solidFill>
+                  <a:schemeClr val="tx1"/>
+                </a:solidFill>
+                <a:latin typeface="+mj-lt"/>
+                <a:ea typeface="+mj-ea"/>
+                <a:cs typeface="+mj-cs"/>
+              </a:defRPr>
+            </a:lvl1pPr>
+          </a:lstStyle>
+          <a:p>
+            <a:r>
+              <a:rPr lang="en-US" altLang="ko-KR" sz="3000" dirty="0"/>
+              <a:t>CYDF 21 </a:t>
+            </a:r>
+            <a:r>
+              <a:rPr lang="ko-KR" altLang="en-US" sz="3000" dirty="0" err="1"/>
+              <a:t>오정민</a:t>
+            </a:r>
+            <a:endParaRPr lang="ko-KR" altLang="en-US" sz="3000" dirty="0"/>
           </a:p>
         </p:txBody>
       </p:sp>
@@ -3368,6 +3799,2049 @@
     <p:extLst>
       <p:ext uri="{BB962C8B-B14F-4D97-AF65-F5344CB8AC3E}">
         <p14:creationId xmlns:p14="http://schemas.microsoft.com/office/powerpoint/2010/main" val="2557743071"/>
+      </p:ext>
+    </p:extLst>
+  </p:cSld>
+  <p:clrMapOvr>
+    <a:masterClrMapping/>
+  </p:clrMapOvr>
+</p:sld>
+</file>
+
+<file path=ppt/slides/slide10.xml><?xml version="1.0" encoding="utf-8"?>
+<p:sld xmlns:a="http://schemas.openxmlformats.org/drawingml/2006/main" xmlns:r="http://schemas.openxmlformats.org/officeDocument/2006/relationships" xmlns:p="http://schemas.openxmlformats.org/presentationml/2006/main">
+  <p:cSld>
+    <p:spTree>
+      <p:nvGrpSpPr>
+        <p:cNvPr id="1" name=""/>
+        <p:cNvGrpSpPr/>
+        <p:nvPr/>
+      </p:nvGrpSpPr>
+      <p:grpSpPr>
+        <a:xfrm>
+          <a:off x="0" y="0"/>
+          <a:ext cx="0" cy="0"/>
+          <a:chOff x="0" y="0"/>
+          <a:chExt cx="0" cy="0"/>
+        </a:xfrm>
+      </p:grpSpPr>
+      <p:sp>
+        <p:nvSpPr>
+          <p:cNvPr id="2" name="제목 1">
+            <a:extLst>
+              <a:ext uri="{FF2B5EF4-FFF2-40B4-BE49-F238E27FC236}">
+                <a16:creationId xmlns:a16="http://schemas.microsoft.com/office/drawing/2014/main" id="{C71C8813-CE08-ADB9-DED7-14F8FC6F5DF5}"/>
+              </a:ext>
+            </a:extLst>
+          </p:cNvPr>
+          <p:cNvSpPr>
+            <a:spLocks noGrp="1"/>
+          </p:cNvSpPr>
+          <p:nvPr>
+            <p:ph type="title"/>
+          </p:nvPr>
+        </p:nvSpPr>
+        <p:spPr/>
+        <p:txBody>
+          <a:bodyPr/>
+          <a:lstStyle/>
+          <a:p>
+            <a:r>
+              <a:rPr lang="en-US" altLang="ko-KR" dirty="0"/>
+              <a:t>Example 2: 64bit ROP</a:t>
+            </a:r>
+            <a:endParaRPr lang="ko-KR" altLang="en-US" dirty="0"/>
+          </a:p>
+        </p:txBody>
+      </p:sp>
+      <p:pic>
+        <p:nvPicPr>
+          <p:cNvPr id="5" name="내용 개체 틀 4">
+            <a:extLst>
+              <a:ext uri="{FF2B5EF4-FFF2-40B4-BE49-F238E27FC236}">
+                <a16:creationId xmlns:a16="http://schemas.microsoft.com/office/drawing/2014/main" id="{1EFC3797-F2F7-9DFE-44E2-28AE62B4A76B}"/>
+              </a:ext>
+            </a:extLst>
+          </p:cNvPr>
+          <p:cNvPicPr>
+            <a:picLocks noGrp="1" noChangeAspect="1"/>
+          </p:cNvPicPr>
+          <p:nvPr>
+            <p:ph idx="1"/>
+          </p:nvPr>
+        </p:nvPicPr>
+        <p:blipFill>
+          <a:blip r:embed="rId2"/>
+          <a:stretch>
+            <a:fillRect/>
+          </a:stretch>
+        </p:blipFill>
+        <p:spPr>
+          <a:xfrm>
+            <a:off x="985566" y="1419585"/>
+            <a:ext cx="3236112" cy="3686168"/>
+          </a:xfrm>
+        </p:spPr>
+      </p:pic>
+      <p:pic>
+        <p:nvPicPr>
+          <p:cNvPr id="7" name="그림 6">
+            <a:extLst>
+              <a:ext uri="{FF2B5EF4-FFF2-40B4-BE49-F238E27FC236}">
+                <a16:creationId xmlns:a16="http://schemas.microsoft.com/office/drawing/2014/main" id="{5D1528A0-6EDE-386C-54E6-232CE66D209C}"/>
+              </a:ext>
+            </a:extLst>
+          </p:cNvPr>
+          <p:cNvPicPr>
+            <a:picLocks noChangeAspect="1"/>
+          </p:cNvPicPr>
+          <p:nvPr/>
+        </p:nvPicPr>
+        <p:blipFill>
+          <a:blip r:embed="rId3"/>
+          <a:stretch>
+            <a:fillRect/>
+          </a:stretch>
+        </p:blipFill>
+        <p:spPr>
+          <a:xfrm>
+            <a:off x="640721" y="5230503"/>
+            <a:ext cx="4022303" cy="1417153"/>
+          </a:xfrm>
+          <a:prstGeom prst="rect">
+            <a:avLst/>
+          </a:prstGeom>
+        </p:spPr>
+      </p:pic>
+      <p:sp>
+        <p:nvSpPr>
+          <p:cNvPr id="8" name="TextBox 7">
+            <a:extLst>
+              <a:ext uri="{FF2B5EF4-FFF2-40B4-BE49-F238E27FC236}">
+                <a16:creationId xmlns:a16="http://schemas.microsoft.com/office/drawing/2014/main" id="{E653821F-DBBF-CF51-F7EC-5A87C9AF942E}"/>
+              </a:ext>
+            </a:extLst>
+          </p:cNvPr>
+          <p:cNvSpPr txBox="1"/>
+          <p:nvPr/>
+        </p:nvSpPr>
+        <p:spPr>
+          <a:xfrm>
+            <a:off x="5215332" y="1466602"/>
+            <a:ext cx="5991102" cy="2862322"/>
+          </a:xfrm>
+          <a:prstGeom prst="rect">
+            <a:avLst/>
+          </a:prstGeom>
+          <a:noFill/>
+        </p:spPr>
+        <p:txBody>
+          <a:bodyPr wrap="square" rtlCol="0">
+            <a:spAutoFit/>
+          </a:bodyPr>
+          <a:lstStyle/>
+          <a:p>
+            <a:r>
+              <a:rPr lang="ko-KR" altLang="en-US" dirty="0"/>
+              <a:t>보호기법 확인</a:t>
+            </a:r>
+            <a:r>
+              <a:rPr lang="en-US" altLang="ko-KR" dirty="0"/>
+              <a:t>.</a:t>
+            </a:r>
+          </a:p>
+          <a:p>
+            <a:endParaRPr lang="en-US" altLang="ko-KR" dirty="0"/>
+          </a:p>
+          <a:p>
+            <a:r>
+              <a:rPr lang="ko-KR" altLang="en-US" dirty="0"/>
+              <a:t>딱 봐도 </a:t>
+            </a:r>
+            <a:r>
+              <a:rPr lang="en-US" altLang="ko-KR" dirty="0"/>
+              <a:t>gets</a:t>
+            </a:r>
+            <a:r>
+              <a:rPr lang="ko-KR" altLang="en-US" dirty="0"/>
+              <a:t>를 할 때</a:t>
+            </a:r>
+            <a:r>
+              <a:rPr lang="en-US" altLang="ko-KR" dirty="0"/>
+              <a:t>, buffer overflow </a:t>
+            </a:r>
+            <a:r>
+              <a:rPr lang="ko-KR" altLang="en-US" dirty="0"/>
+              <a:t>가능</a:t>
+            </a:r>
+            <a:r>
+              <a:rPr lang="en-US" altLang="ko-KR" dirty="0"/>
+              <a:t>.</a:t>
+            </a:r>
+          </a:p>
+          <a:p>
+            <a:endParaRPr lang="en-US" altLang="ko-KR" dirty="0"/>
+          </a:p>
+          <a:p>
+            <a:r>
+              <a:rPr lang="ko-KR" altLang="en-US" dirty="0"/>
+              <a:t>이후는 이전 문제와 동일함</a:t>
+            </a:r>
+            <a:r>
+              <a:rPr lang="en-US" altLang="ko-KR" dirty="0"/>
+              <a:t>.</a:t>
+            </a:r>
+          </a:p>
+          <a:p>
+            <a:endParaRPr lang="en-US" altLang="ko-KR" dirty="0"/>
+          </a:p>
+          <a:p>
+            <a:r>
+              <a:rPr lang="ko-KR" altLang="en-US" dirty="0"/>
+              <a:t>근데 </a:t>
+            </a:r>
+            <a:r>
+              <a:rPr lang="en-US" altLang="ko-KR" dirty="0"/>
+              <a:t>64bit ROP</a:t>
+            </a:r>
+            <a:r>
+              <a:rPr lang="ko-KR" altLang="en-US" dirty="0"/>
+              <a:t>이기 때문에 </a:t>
+            </a:r>
+            <a:r>
+              <a:rPr lang="en-US" altLang="ko-KR" dirty="0"/>
+              <a:t>function call</a:t>
+            </a:r>
+            <a:r>
+              <a:rPr lang="ko-KR" altLang="en-US" dirty="0"/>
+              <a:t>을 할 때 인자를 어떻게 넘겨줄 것인가</a:t>
+            </a:r>
+            <a:r>
+              <a:rPr lang="en-US" altLang="ko-KR" dirty="0"/>
+              <a:t>! </a:t>
+            </a:r>
+            <a:r>
+              <a:rPr lang="ko-KR" altLang="en-US" dirty="0"/>
+              <a:t>이게 중요</a:t>
+            </a:r>
+            <a:endParaRPr lang="en-US" altLang="ko-KR" dirty="0"/>
+          </a:p>
+          <a:p>
+            <a:endParaRPr lang="en-US" altLang="ko-KR" dirty="0"/>
+          </a:p>
+          <a:p>
+            <a:r>
+              <a:rPr lang="ko-KR" altLang="en-US" dirty="0"/>
+              <a:t>해당 예제는 좀 쉽게 인자 하나만 </a:t>
+            </a:r>
+            <a:r>
+              <a:rPr lang="ko-KR" altLang="en-US" dirty="0" err="1"/>
+              <a:t>해드렸습니당</a:t>
+            </a:r>
+            <a:r>
+              <a:rPr lang="en-US" altLang="ko-KR" dirty="0"/>
+              <a:t>.</a:t>
+            </a:r>
+          </a:p>
+        </p:txBody>
+      </p:sp>
+    </p:spTree>
+    <p:extLst>
+      <p:ext uri="{BB962C8B-B14F-4D97-AF65-F5344CB8AC3E}">
+        <p14:creationId xmlns:p14="http://schemas.microsoft.com/office/powerpoint/2010/main" val="2115587036"/>
+      </p:ext>
+    </p:extLst>
+  </p:cSld>
+  <p:clrMapOvr>
+    <a:masterClrMapping/>
+  </p:clrMapOvr>
+</p:sld>
+</file>
+
+<file path=ppt/slides/slide11.xml><?xml version="1.0" encoding="utf-8"?>
+<p:sld xmlns:a="http://schemas.openxmlformats.org/drawingml/2006/main" xmlns:r="http://schemas.openxmlformats.org/officeDocument/2006/relationships" xmlns:p="http://schemas.openxmlformats.org/presentationml/2006/main">
+  <p:cSld>
+    <p:spTree>
+      <p:nvGrpSpPr>
+        <p:cNvPr id="1" name=""/>
+        <p:cNvGrpSpPr/>
+        <p:nvPr/>
+      </p:nvGrpSpPr>
+      <p:grpSpPr>
+        <a:xfrm>
+          <a:off x="0" y="0"/>
+          <a:ext cx="0" cy="0"/>
+          <a:chOff x="0" y="0"/>
+          <a:chExt cx="0" cy="0"/>
+        </a:xfrm>
+      </p:grpSpPr>
+      <p:sp>
+        <p:nvSpPr>
+          <p:cNvPr id="2" name="제목 1">
+            <a:extLst>
+              <a:ext uri="{FF2B5EF4-FFF2-40B4-BE49-F238E27FC236}">
+                <a16:creationId xmlns:a16="http://schemas.microsoft.com/office/drawing/2014/main" id="{132CCD32-892B-8ADA-00D0-EC621ACA3477}"/>
+              </a:ext>
+            </a:extLst>
+          </p:cNvPr>
+          <p:cNvSpPr>
+            <a:spLocks noGrp="1"/>
+          </p:cNvSpPr>
+          <p:nvPr>
+            <p:ph type="title"/>
+          </p:nvPr>
+        </p:nvSpPr>
+        <p:spPr/>
+        <p:txBody>
+          <a:bodyPr/>
+          <a:lstStyle/>
+          <a:p>
+            <a:r>
+              <a:rPr lang="en-US" altLang="ko-KR" dirty="0"/>
+              <a:t>[Ref.] gadget </a:t>
+            </a:r>
+            <a:endParaRPr lang="ko-KR" altLang="en-US" dirty="0"/>
+          </a:p>
+        </p:txBody>
+      </p:sp>
+      <p:sp>
+        <p:nvSpPr>
+          <p:cNvPr id="3" name="내용 개체 틀 2">
+            <a:extLst>
+              <a:ext uri="{FF2B5EF4-FFF2-40B4-BE49-F238E27FC236}">
+                <a16:creationId xmlns:a16="http://schemas.microsoft.com/office/drawing/2014/main" id="{54C486FB-DBCF-CE73-8AD9-00D9F511D96A}"/>
+              </a:ext>
+            </a:extLst>
+          </p:cNvPr>
+          <p:cNvSpPr>
+            <a:spLocks noGrp="1"/>
+          </p:cNvSpPr>
+          <p:nvPr>
+            <p:ph idx="1"/>
+          </p:nvPr>
+        </p:nvSpPr>
+        <p:spPr/>
+        <p:txBody>
+          <a:bodyPr>
+            <a:normAutofit/>
+          </a:bodyPr>
+          <a:lstStyle/>
+          <a:p>
+            <a:pPr marL="0" indent="0">
+              <a:buNone/>
+            </a:pPr>
+            <a:r>
+              <a:rPr lang="en-US" altLang="ko-KR" sz="2300" dirty="0"/>
+              <a:t>64bit </a:t>
+            </a:r>
+            <a:r>
+              <a:rPr lang="ko-KR" altLang="en-US" sz="2300" dirty="0"/>
+              <a:t>의 경우 </a:t>
+            </a:r>
+            <a:r>
+              <a:rPr lang="en-US" altLang="ko-KR" sz="2300" dirty="0"/>
+              <a:t>calling convention</a:t>
+            </a:r>
+            <a:r>
+              <a:rPr lang="ko-KR" altLang="en-US" sz="2300" dirty="0"/>
+              <a:t>에 의해 레지스터를 이용해 인자 처리</a:t>
+            </a:r>
+            <a:r>
+              <a:rPr lang="en-US" altLang="ko-KR" sz="2300" dirty="0"/>
+              <a:t>.</a:t>
+            </a:r>
+          </a:p>
+          <a:p>
+            <a:pPr marL="0" indent="0">
+              <a:buNone/>
+            </a:pPr>
+            <a:r>
+              <a:rPr lang="en-US" altLang="ko-KR" sz="2300" dirty="0"/>
+              <a:t>-&gt;</a:t>
+            </a:r>
+            <a:r>
+              <a:rPr lang="ko-KR" altLang="en-US" sz="2300" dirty="0"/>
+              <a:t> </a:t>
+            </a:r>
+            <a:r>
+              <a:rPr lang="en-US" altLang="ko-KR" sz="2300" dirty="0" err="1"/>
+              <a:t>rdi</a:t>
+            </a:r>
+            <a:r>
+              <a:rPr lang="en-US" altLang="ko-KR" sz="2300" dirty="0"/>
+              <a:t>, </a:t>
+            </a:r>
+            <a:r>
+              <a:rPr lang="en-US" altLang="ko-KR" sz="2300" dirty="0" err="1"/>
+              <a:t>rsi</a:t>
+            </a:r>
+            <a:r>
+              <a:rPr lang="en-US" altLang="ko-KR" sz="2300" dirty="0"/>
+              <a:t>, </a:t>
+            </a:r>
+            <a:r>
+              <a:rPr lang="en-US" altLang="ko-KR" sz="2300" dirty="0" err="1"/>
+              <a:t>rdx</a:t>
+            </a:r>
+            <a:r>
+              <a:rPr lang="en-US" altLang="ko-KR" sz="2300" dirty="0"/>
+              <a:t>, </a:t>
+            </a:r>
+            <a:r>
+              <a:rPr lang="en-US" altLang="ko-KR" sz="2300" dirty="0" err="1"/>
+              <a:t>rcx</a:t>
+            </a:r>
+            <a:r>
+              <a:rPr lang="en-US" altLang="ko-KR" sz="2300" dirty="0"/>
+              <a:t>, r8, r9 … </a:t>
+            </a:r>
+            <a:r>
+              <a:rPr lang="ko-KR" altLang="en-US" sz="2300" dirty="0"/>
+              <a:t>순서</a:t>
+            </a:r>
+            <a:endParaRPr lang="en-US" altLang="ko-KR" sz="2300" dirty="0"/>
+          </a:p>
+          <a:p>
+            <a:pPr marL="0" indent="0">
+              <a:buNone/>
+            </a:pPr>
+            <a:endParaRPr lang="en-US" altLang="ko-KR" sz="2300" dirty="0"/>
+          </a:p>
+          <a:p>
+            <a:pPr marL="0" indent="0">
+              <a:buNone/>
+            </a:pPr>
+            <a:r>
+              <a:rPr lang="ko-KR" altLang="en-US" sz="2300" dirty="0"/>
+              <a:t>그러면 각각 인자를 </a:t>
+            </a:r>
+            <a:r>
+              <a:rPr lang="en-US" altLang="ko-KR" sz="2300" dirty="0"/>
+              <a:t>pop [register] </a:t>
+            </a:r>
+            <a:r>
+              <a:rPr lang="ko-KR" altLang="en-US" sz="2300" dirty="0"/>
+              <a:t>를 이용해 레지스터에 넣어줘야 하는데</a:t>
+            </a:r>
+            <a:r>
+              <a:rPr lang="en-US" altLang="ko-KR" sz="2300" dirty="0"/>
+              <a:t>, </a:t>
+            </a:r>
+            <a:r>
+              <a:rPr lang="ko-KR" altLang="en-US" sz="2300" dirty="0" err="1"/>
+              <a:t>가젯이</a:t>
+            </a:r>
+            <a:r>
+              <a:rPr lang="ko-KR" altLang="en-US" sz="2300" dirty="0"/>
+              <a:t> 없는 경우도 있음</a:t>
+            </a:r>
+            <a:r>
+              <a:rPr lang="en-US" altLang="ko-KR" sz="2300" dirty="0"/>
+              <a:t>.</a:t>
+            </a:r>
+          </a:p>
+          <a:p>
+            <a:pPr marL="0" indent="0">
+              <a:buNone/>
+            </a:pPr>
+            <a:endParaRPr lang="en-US" altLang="ko-KR" sz="2300" dirty="0"/>
+          </a:p>
+          <a:p>
+            <a:pPr marL="0" indent="0">
+              <a:buNone/>
+            </a:pPr>
+            <a:r>
+              <a:rPr lang="ko-KR" altLang="en-US" sz="2300" dirty="0"/>
+              <a:t>해당 경우는 </a:t>
+            </a:r>
+            <a:r>
+              <a:rPr lang="en-US" altLang="ko-KR" sz="2300" dirty="0"/>
+              <a:t>__</a:t>
+            </a:r>
+            <a:r>
+              <a:rPr lang="en-US" altLang="ko-KR" sz="2300" dirty="0" err="1"/>
+              <a:t>libc_csu_init</a:t>
+            </a:r>
+            <a:r>
+              <a:rPr lang="en-US" altLang="ko-KR" sz="2300" dirty="0"/>
+              <a:t>() </a:t>
+            </a:r>
+            <a:r>
+              <a:rPr lang="ko-KR" altLang="en-US" sz="2300" dirty="0"/>
+              <a:t>함수를 이용해서 처리하면 편합니다</a:t>
+            </a:r>
+            <a:r>
+              <a:rPr lang="en-US" altLang="ko-KR" sz="2300" dirty="0"/>
+              <a:t>.</a:t>
+            </a:r>
+          </a:p>
+          <a:p>
+            <a:pPr marL="0" indent="0">
+              <a:buNone/>
+            </a:pPr>
+            <a:endParaRPr lang="en-US" altLang="ko-KR" sz="2300" dirty="0"/>
+          </a:p>
+          <a:p>
+            <a:pPr marL="0" indent="0">
+              <a:buNone/>
+            </a:pPr>
+            <a:r>
+              <a:rPr lang="ko-KR" altLang="en-US" sz="2300" dirty="0"/>
+              <a:t>과제는 필요한 경우 그냥 제가 </a:t>
+            </a:r>
+            <a:r>
+              <a:rPr lang="ko-KR" altLang="en-US" sz="2300" dirty="0" err="1"/>
+              <a:t>가젯을</a:t>
+            </a:r>
+            <a:r>
+              <a:rPr lang="ko-KR" altLang="en-US" sz="2300" dirty="0"/>
+              <a:t> 넣어뒀으니까 나중에 여유가 될 때 </a:t>
+            </a:r>
+            <a:r>
+              <a:rPr lang="en-US" altLang="ko-KR" sz="2300" dirty="0"/>
+              <a:t>return to </a:t>
+            </a:r>
+            <a:r>
+              <a:rPr lang="en-US" altLang="ko-KR" sz="2300" dirty="0" err="1"/>
+              <a:t>csu</a:t>
+            </a:r>
+            <a:r>
+              <a:rPr lang="ko-KR" altLang="en-US" sz="2300" dirty="0"/>
+              <a:t>를 따로 공부해보시면 </a:t>
+            </a:r>
+            <a:r>
+              <a:rPr lang="ko-KR" altLang="en-US" sz="2300" dirty="0" err="1"/>
+              <a:t>좋슴당</a:t>
+            </a:r>
+            <a:endParaRPr lang="en-US" altLang="ko-KR" sz="2300" dirty="0"/>
+          </a:p>
+        </p:txBody>
+      </p:sp>
+    </p:spTree>
+    <p:extLst>
+      <p:ext uri="{BB962C8B-B14F-4D97-AF65-F5344CB8AC3E}">
+        <p14:creationId xmlns:p14="http://schemas.microsoft.com/office/powerpoint/2010/main" val="314044917"/>
+      </p:ext>
+    </p:extLst>
+  </p:cSld>
+  <p:clrMapOvr>
+    <a:masterClrMapping/>
+  </p:clrMapOvr>
+</p:sld>
+</file>
+
+<file path=ppt/slides/slide12.xml><?xml version="1.0" encoding="utf-8"?>
+<p:sld xmlns:a="http://schemas.openxmlformats.org/drawingml/2006/main" xmlns:r="http://schemas.openxmlformats.org/officeDocument/2006/relationships" xmlns:p="http://schemas.openxmlformats.org/presentationml/2006/main">
+  <p:cSld>
+    <p:spTree>
+      <p:nvGrpSpPr>
+        <p:cNvPr id="1" name=""/>
+        <p:cNvGrpSpPr/>
+        <p:nvPr/>
+      </p:nvGrpSpPr>
+      <p:grpSpPr>
+        <a:xfrm>
+          <a:off x="0" y="0"/>
+          <a:ext cx="0" cy="0"/>
+          <a:chOff x="0" y="0"/>
+          <a:chExt cx="0" cy="0"/>
+        </a:xfrm>
+      </p:grpSpPr>
+      <p:sp>
+        <p:nvSpPr>
+          <p:cNvPr id="2" name="제목 1">
+            <a:extLst>
+              <a:ext uri="{FF2B5EF4-FFF2-40B4-BE49-F238E27FC236}">
+                <a16:creationId xmlns:a16="http://schemas.microsoft.com/office/drawing/2014/main" id="{35C64855-B9DF-02B9-1899-86EBFDAEBDF0}"/>
+              </a:ext>
+            </a:extLst>
+          </p:cNvPr>
+          <p:cNvSpPr>
+            <a:spLocks noGrp="1"/>
+          </p:cNvSpPr>
+          <p:nvPr>
+            <p:ph type="title"/>
+          </p:nvPr>
+        </p:nvSpPr>
+        <p:spPr>
+          <a:xfrm>
+            <a:off x="838200" y="2766218"/>
+            <a:ext cx="10515600" cy="1325563"/>
+          </a:xfrm>
+        </p:spPr>
+        <p:txBody>
+          <a:bodyPr/>
+          <a:lstStyle/>
+          <a:p>
+            <a:pPr algn="ctr"/>
+            <a:r>
+              <a:rPr lang="en-US" altLang="ko-KR" b="1" dirty="0"/>
+              <a:t>ROP Q&amp;A</a:t>
+            </a:r>
+            <a:endParaRPr lang="ko-KR" altLang="en-US" b="1" dirty="0"/>
+          </a:p>
+        </p:txBody>
+      </p:sp>
+    </p:spTree>
+    <p:extLst>
+      <p:ext uri="{BB962C8B-B14F-4D97-AF65-F5344CB8AC3E}">
+        <p14:creationId xmlns:p14="http://schemas.microsoft.com/office/powerpoint/2010/main" val="2678125740"/>
+      </p:ext>
+    </p:extLst>
+  </p:cSld>
+  <p:clrMapOvr>
+    <a:masterClrMapping/>
+  </p:clrMapOvr>
+</p:sld>
+</file>
+
+<file path=ppt/slides/slide13.xml><?xml version="1.0" encoding="utf-8"?>
+<p:sld xmlns:a="http://schemas.openxmlformats.org/drawingml/2006/main" xmlns:r="http://schemas.openxmlformats.org/officeDocument/2006/relationships" xmlns:p="http://schemas.openxmlformats.org/presentationml/2006/main">
+  <p:cSld>
+    <p:spTree>
+      <p:nvGrpSpPr>
+        <p:cNvPr id="1" name=""/>
+        <p:cNvGrpSpPr/>
+        <p:nvPr/>
+      </p:nvGrpSpPr>
+      <p:grpSpPr>
+        <a:xfrm>
+          <a:off x="0" y="0"/>
+          <a:ext cx="0" cy="0"/>
+          <a:chOff x="0" y="0"/>
+          <a:chExt cx="0" cy="0"/>
+        </a:xfrm>
+      </p:grpSpPr>
+      <p:sp>
+        <p:nvSpPr>
+          <p:cNvPr id="2" name="제목 1">
+            <a:extLst>
+              <a:ext uri="{FF2B5EF4-FFF2-40B4-BE49-F238E27FC236}">
+                <a16:creationId xmlns:a16="http://schemas.microsoft.com/office/drawing/2014/main" id="{00EBB0F3-BD0E-D753-0E8F-9E9A8A76B5A2}"/>
+              </a:ext>
+            </a:extLst>
+          </p:cNvPr>
+          <p:cNvSpPr>
+            <a:spLocks noGrp="1"/>
+          </p:cNvSpPr>
+          <p:nvPr>
+            <p:ph type="title"/>
+          </p:nvPr>
+        </p:nvSpPr>
+        <p:spPr/>
+        <p:txBody>
+          <a:bodyPr>
+            <a:normAutofit/>
+          </a:bodyPr>
+          <a:lstStyle/>
+          <a:p>
+            <a:r>
+              <a:rPr lang="en-US" altLang="ko-KR" sz="4000" dirty="0"/>
+              <a:t>Background</a:t>
+            </a:r>
+            <a:r>
+              <a:rPr lang="ko-KR" altLang="en-US" sz="4000" dirty="0"/>
+              <a:t> </a:t>
+            </a:r>
+            <a:r>
+              <a:rPr lang="en-US" altLang="ko-KR" sz="4000" dirty="0"/>
+              <a:t>for</a:t>
+            </a:r>
+            <a:r>
+              <a:rPr lang="ko-KR" altLang="en-US" sz="4000" dirty="0"/>
+              <a:t> </a:t>
+            </a:r>
+            <a:r>
+              <a:rPr lang="en-US" altLang="ko-KR" sz="4000" dirty="0"/>
+              <a:t>FSB (One-shot gadget)</a:t>
+            </a:r>
+            <a:endParaRPr lang="ko-KR" altLang="en-US" sz="4000" dirty="0"/>
+          </a:p>
+        </p:txBody>
+      </p:sp>
+      <p:sp>
+        <p:nvSpPr>
+          <p:cNvPr id="3" name="내용 개체 틀 2">
+            <a:extLst>
+              <a:ext uri="{FF2B5EF4-FFF2-40B4-BE49-F238E27FC236}">
+                <a16:creationId xmlns:a16="http://schemas.microsoft.com/office/drawing/2014/main" id="{ECAB21DB-7123-62A7-652A-79E2C808F1C1}"/>
+              </a:ext>
+            </a:extLst>
+          </p:cNvPr>
+          <p:cNvSpPr>
+            <a:spLocks noGrp="1"/>
+          </p:cNvSpPr>
+          <p:nvPr>
+            <p:ph idx="1"/>
+          </p:nvPr>
+        </p:nvSpPr>
+        <p:spPr/>
+        <p:txBody>
+          <a:bodyPr/>
+          <a:lstStyle/>
+          <a:p>
+            <a:pPr marL="0" indent="0">
+              <a:buNone/>
+            </a:pPr>
+            <a:r>
+              <a:rPr lang="en-US" altLang="ko-KR" sz="2500" dirty="0"/>
+              <a:t>One-shot</a:t>
+            </a:r>
+            <a:r>
+              <a:rPr lang="ko-KR" altLang="en-US" sz="2500" dirty="0"/>
+              <a:t> </a:t>
+            </a:r>
+            <a:r>
+              <a:rPr lang="en-US" altLang="ko-KR" sz="2500" dirty="0"/>
+              <a:t>gadget</a:t>
+            </a:r>
+            <a:r>
+              <a:rPr lang="ko-KR" altLang="en-US" sz="2500" dirty="0"/>
+              <a:t>이 </a:t>
+            </a:r>
+            <a:r>
+              <a:rPr lang="ko-KR" altLang="en-US" sz="2500" dirty="0" err="1"/>
+              <a:t>뭔데</a:t>
+            </a:r>
+            <a:r>
+              <a:rPr lang="en-US" altLang="ko-KR" sz="2500" dirty="0"/>
+              <a:t>?</a:t>
+            </a:r>
+          </a:p>
+          <a:p>
+            <a:pPr marL="0" indent="0">
+              <a:buNone/>
+            </a:pPr>
+            <a:r>
+              <a:rPr lang="en-US" altLang="ko-KR" sz="2500" dirty="0"/>
+              <a:t>-&gt;</a:t>
+            </a:r>
+            <a:r>
+              <a:rPr lang="ko-KR" altLang="en-US" sz="2500" dirty="0"/>
+              <a:t> 라이브러리 내에 존재하는 그냥 냅다 쉘 실행시켜주는 코드</a:t>
+            </a:r>
+            <a:endParaRPr lang="en-US" altLang="ko-KR" sz="2500" dirty="0"/>
+          </a:p>
+          <a:p>
+            <a:pPr marL="0" indent="0">
+              <a:buNone/>
+            </a:pPr>
+            <a:endParaRPr lang="en-US" altLang="ko-KR" sz="2500" dirty="0"/>
+          </a:p>
+          <a:p>
+            <a:pPr marL="0" indent="0">
+              <a:buNone/>
+            </a:pPr>
+            <a:r>
+              <a:rPr lang="en-US" altLang="ko-KR" sz="2500" dirty="0" err="1"/>
+              <a:t>one_gadget</a:t>
+            </a:r>
+            <a:r>
+              <a:rPr lang="ko-KR" altLang="en-US" sz="2500" dirty="0"/>
+              <a:t>이라는 툴로 쉽게 찾아낼 수 있다</a:t>
+            </a:r>
+            <a:r>
+              <a:rPr lang="en-US" altLang="ko-KR" sz="2500" dirty="0"/>
+              <a:t>!</a:t>
+            </a:r>
+          </a:p>
+          <a:p>
+            <a:pPr marL="0" indent="0">
+              <a:buNone/>
+            </a:pPr>
+            <a:endParaRPr lang="en-US" altLang="ko-KR" sz="2000" dirty="0"/>
+          </a:p>
+          <a:p>
+            <a:pPr marL="0" indent="0">
+              <a:buNone/>
+            </a:pPr>
+            <a:r>
+              <a:rPr lang="ko-KR" altLang="en-US" sz="2000" dirty="0"/>
+              <a:t>아래의 두 명령어로 설치하고 맨 아래의 명령어로 실행하시면 됩니다</a:t>
+            </a:r>
+            <a:r>
+              <a:rPr lang="en-US" altLang="ko-KR" sz="2000" dirty="0"/>
+              <a:t>.</a:t>
+            </a:r>
+          </a:p>
+          <a:p>
+            <a:pPr marL="0" indent="0">
+              <a:buNone/>
+            </a:pPr>
+            <a:r>
+              <a:rPr lang="en-US" altLang="ko-KR" sz="1800" b="0" i="0" dirty="0" err="1">
+                <a:solidFill>
+                  <a:schemeClr val="bg1">
+                    <a:lumMod val="65000"/>
+                  </a:schemeClr>
+                </a:solidFill>
+                <a:effectLst/>
+                <a:latin typeface="Courier New" panose="02070309020205020404" pitchFamily="49" charset="0"/>
+              </a:rPr>
+              <a:t>sudo</a:t>
+            </a:r>
+            <a:r>
+              <a:rPr lang="en-US" altLang="ko-KR" sz="1800" b="0" i="0" dirty="0">
+                <a:solidFill>
+                  <a:schemeClr val="bg1">
+                    <a:lumMod val="65000"/>
+                  </a:schemeClr>
+                </a:solidFill>
+                <a:effectLst/>
+                <a:latin typeface="Courier New" panose="02070309020205020404" pitchFamily="49" charset="0"/>
+              </a:rPr>
+              <a:t> apt-get install ruby</a:t>
+            </a:r>
+          </a:p>
+          <a:p>
+            <a:pPr marL="0" indent="0">
+              <a:buNone/>
+            </a:pPr>
+            <a:r>
+              <a:rPr lang="en-US" altLang="ko-KR" sz="1800" b="0" i="0" dirty="0" err="1">
+                <a:solidFill>
+                  <a:schemeClr val="bg1">
+                    <a:lumMod val="65000"/>
+                  </a:schemeClr>
+                </a:solidFill>
+                <a:effectLst/>
+                <a:latin typeface="Courier New" panose="02070309020205020404" pitchFamily="49" charset="0"/>
+              </a:rPr>
+              <a:t>sudo</a:t>
+            </a:r>
+            <a:r>
+              <a:rPr lang="en-US" altLang="ko-KR" sz="1800" b="0" i="0" dirty="0">
+                <a:solidFill>
+                  <a:schemeClr val="bg1">
+                    <a:lumMod val="65000"/>
+                  </a:schemeClr>
+                </a:solidFill>
+                <a:effectLst/>
+                <a:latin typeface="Courier New" panose="02070309020205020404" pitchFamily="49" charset="0"/>
+              </a:rPr>
+              <a:t> gem install </a:t>
+            </a:r>
+            <a:r>
+              <a:rPr lang="en-US" altLang="ko-KR" sz="1800" b="0" i="0" dirty="0" err="1">
+                <a:solidFill>
+                  <a:schemeClr val="bg1">
+                    <a:lumMod val="65000"/>
+                  </a:schemeClr>
+                </a:solidFill>
+                <a:effectLst/>
+                <a:latin typeface="Courier New" panose="02070309020205020404" pitchFamily="49" charset="0"/>
+              </a:rPr>
+              <a:t>one_gadget</a:t>
+            </a:r>
+            <a:endParaRPr lang="en-US" altLang="ko-KR" sz="1800" dirty="0">
+              <a:solidFill>
+                <a:schemeClr val="bg1">
+                  <a:lumMod val="65000"/>
+                </a:schemeClr>
+              </a:solidFill>
+            </a:endParaRPr>
+          </a:p>
+          <a:p>
+            <a:pPr marL="0" indent="0">
+              <a:buNone/>
+            </a:pPr>
+            <a:r>
+              <a:rPr lang="en-US" altLang="ko-KR" sz="1800" dirty="0" err="1">
+                <a:solidFill>
+                  <a:schemeClr val="bg1">
+                    <a:lumMod val="65000"/>
+                  </a:schemeClr>
+                </a:solidFill>
+                <a:latin typeface="Courier New" panose="02070309020205020404" pitchFamily="49" charset="0"/>
+                <a:cs typeface="Courier New" panose="02070309020205020404" pitchFamily="49" charset="0"/>
+              </a:rPr>
+              <a:t>one_gadget</a:t>
+            </a:r>
+            <a:r>
+              <a:rPr lang="en-US" altLang="ko-KR" sz="1800" dirty="0">
+                <a:solidFill>
+                  <a:schemeClr val="bg1">
+                    <a:lumMod val="65000"/>
+                  </a:schemeClr>
+                </a:solidFill>
+                <a:latin typeface="Courier New" panose="02070309020205020404" pitchFamily="49" charset="0"/>
+                <a:cs typeface="Courier New" panose="02070309020205020404" pitchFamily="49" charset="0"/>
+              </a:rPr>
+              <a:t> [</a:t>
+            </a:r>
+            <a:r>
+              <a:rPr lang="en-US" altLang="ko-KR" sz="1800" dirty="0" err="1">
+                <a:solidFill>
+                  <a:schemeClr val="bg1">
+                    <a:lumMod val="65000"/>
+                  </a:schemeClr>
+                </a:solidFill>
+                <a:latin typeface="Courier New" panose="02070309020205020404" pitchFamily="49" charset="0"/>
+                <a:cs typeface="Courier New" panose="02070309020205020404" pitchFamily="49" charset="0"/>
+              </a:rPr>
+              <a:t>libc</a:t>
+            </a:r>
+            <a:r>
+              <a:rPr lang="en-US" altLang="ko-KR" sz="1800" dirty="0">
+                <a:solidFill>
+                  <a:schemeClr val="bg1">
+                    <a:lumMod val="65000"/>
+                  </a:schemeClr>
+                </a:solidFill>
+                <a:latin typeface="Courier New" panose="02070309020205020404" pitchFamily="49" charset="0"/>
+                <a:cs typeface="Courier New" panose="02070309020205020404" pitchFamily="49" charset="0"/>
+              </a:rPr>
+              <a:t>]</a:t>
+            </a:r>
+          </a:p>
+          <a:p>
+            <a:pPr marL="0" indent="0">
+              <a:buNone/>
+            </a:pPr>
+            <a:endParaRPr lang="en-US" altLang="ko-KR" sz="1800" dirty="0">
+              <a:latin typeface="Courier New" panose="02070309020205020404" pitchFamily="49" charset="0"/>
+              <a:cs typeface="Courier New" panose="02070309020205020404" pitchFamily="49" charset="0"/>
+            </a:endParaRPr>
+          </a:p>
+        </p:txBody>
+      </p:sp>
+    </p:spTree>
+    <p:extLst>
+      <p:ext uri="{BB962C8B-B14F-4D97-AF65-F5344CB8AC3E}">
+        <p14:creationId xmlns:p14="http://schemas.microsoft.com/office/powerpoint/2010/main" val="4215209483"/>
+      </p:ext>
+    </p:extLst>
+  </p:cSld>
+  <p:clrMapOvr>
+    <a:masterClrMapping/>
+  </p:clrMapOvr>
+</p:sld>
+</file>
+
+<file path=ppt/slides/slide14.xml><?xml version="1.0" encoding="utf-8"?>
+<p:sld xmlns:a="http://schemas.openxmlformats.org/drawingml/2006/main" xmlns:r="http://schemas.openxmlformats.org/officeDocument/2006/relationships" xmlns:p="http://schemas.openxmlformats.org/presentationml/2006/main">
+  <p:cSld>
+    <p:spTree>
+      <p:nvGrpSpPr>
+        <p:cNvPr id="1" name=""/>
+        <p:cNvGrpSpPr/>
+        <p:nvPr/>
+      </p:nvGrpSpPr>
+      <p:grpSpPr>
+        <a:xfrm>
+          <a:off x="0" y="0"/>
+          <a:ext cx="0" cy="0"/>
+          <a:chOff x="0" y="0"/>
+          <a:chExt cx="0" cy="0"/>
+        </a:xfrm>
+      </p:grpSpPr>
+      <p:sp>
+        <p:nvSpPr>
+          <p:cNvPr id="2" name="제목 1">
+            <a:extLst>
+              <a:ext uri="{FF2B5EF4-FFF2-40B4-BE49-F238E27FC236}">
+                <a16:creationId xmlns:a16="http://schemas.microsoft.com/office/drawing/2014/main" id="{5618F84E-6FE6-F790-B76E-DA5410152BAC}"/>
+              </a:ext>
+            </a:extLst>
+          </p:cNvPr>
+          <p:cNvSpPr>
+            <a:spLocks noGrp="1"/>
+          </p:cNvSpPr>
+          <p:nvPr>
+            <p:ph type="title"/>
+          </p:nvPr>
+        </p:nvSpPr>
+        <p:spPr/>
+        <p:txBody>
+          <a:bodyPr/>
+          <a:lstStyle/>
+          <a:p>
+            <a:r>
+              <a:rPr lang="en-US" altLang="ko-KR" dirty="0"/>
+              <a:t>Example 3: </a:t>
+            </a:r>
+            <a:r>
+              <a:rPr lang="en-US" altLang="ko-KR" dirty="0" err="1"/>
+              <a:t>onegadget</a:t>
+            </a:r>
+            <a:endParaRPr lang="ko-KR" altLang="en-US" dirty="0"/>
+          </a:p>
+        </p:txBody>
+      </p:sp>
+      <p:sp>
+        <p:nvSpPr>
+          <p:cNvPr id="3" name="내용 개체 틀 2">
+            <a:extLst>
+              <a:ext uri="{FF2B5EF4-FFF2-40B4-BE49-F238E27FC236}">
+                <a16:creationId xmlns:a16="http://schemas.microsoft.com/office/drawing/2014/main" id="{19AA2337-4F8B-2638-F620-EFDF334724F1}"/>
+              </a:ext>
+            </a:extLst>
+          </p:cNvPr>
+          <p:cNvSpPr>
+            <a:spLocks noGrp="1"/>
+          </p:cNvSpPr>
+          <p:nvPr>
+            <p:ph idx="1"/>
+          </p:nvPr>
+        </p:nvSpPr>
+        <p:spPr/>
+        <p:txBody>
+          <a:bodyPr/>
+          <a:lstStyle/>
+          <a:p>
+            <a:pPr marL="0" indent="0">
+              <a:buNone/>
+            </a:pPr>
+            <a:r>
+              <a:rPr lang="en-US" altLang="ko-KR" dirty="0"/>
+              <a:t>One-shot gadget</a:t>
+            </a:r>
+            <a:r>
+              <a:rPr lang="ko-KR" altLang="en-US" dirty="0"/>
+              <a:t>은 그냥 무조건 실행되는 건 아님</a:t>
+            </a:r>
+            <a:r>
+              <a:rPr lang="en-US" altLang="ko-KR" dirty="0"/>
+              <a:t>.</a:t>
+            </a:r>
+          </a:p>
+          <a:p>
+            <a:pPr marL="0" indent="0">
+              <a:buNone/>
+            </a:pPr>
+            <a:endParaRPr lang="en-US" altLang="ko-KR" dirty="0"/>
+          </a:p>
+          <a:p>
+            <a:pPr marL="0" indent="0">
+              <a:buNone/>
+            </a:pPr>
+            <a:r>
+              <a:rPr lang="en-US" altLang="ko-KR" dirty="0" err="1"/>
+              <a:t>one_gadget</a:t>
+            </a:r>
+            <a:r>
+              <a:rPr lang="ko-KR" altLang="en-US" dirty="0"/>
+              <a:t>으로 찾았을 때 조건으로 나오는 것을 충족 </a:t>
+            </a:r>
+            <a:r>
+              <a:rPr lang="ko-KR" altLang="en-US" dirty="0" err="1"/>
+              <a:t>시켜야함</a:t>
+            </a:r>
+            <a:r>
+              <a:rPr lang="en-US" altLang="ko-KR" dirty="0"/>
+              <a:t>.</a:t>
+            </a:r>
+            <a:endParaRPr lang="ko-KR" altLang="en-US" dirty="0"/>
+          </a:p>
+        </p:txBody>
+      </p:sp>
+    </p:spTree>
+    <p:extLst>
+      <p:ext uri="{BB962C8B-B14F-4D97-AF65-F5344CB8AC3E}">
+        <p14:creationId xmlns:p14="http://schemas.microsoft.com/office/powerpoint/2010/main" val="2186283602"/>
+      </p:ext>
+    </p:extLst>
+  </p:cSld>
+  <p:clrMapOvr>
+    <a:masterClrMapping/>
+  </p:clrMapOvr>
+</p:sld>
+</file>
+
+<file path=ppt/slides/slide15.xml><?xml version="1.0" encoding="utf-8"?>
+<p:sld xmlns:a="http://schemas.openxmlformats.org/drawingml/2006/main" xmlns:r="http://schemas.openxmlformats.org/officeDocument/2006/relationships" xmlns:p="http://schemas.openxmlformats.org/presentationml/2006/main">
+  <p:cSld>
+    <p:spTree>
+      <p:nvGrpSpPr>
+        <p:cNvPr id="1" name=""/>
+        <p:cNvGrpSpPr/>
+        <p:nvPr/>
+      </p:nvGrpSpPr>
+      <p:grpSpPr>
+        <a:xfrm>
+          <a:off x="0" y="0"/>
+          <a:ext cx="0" cy="0"/>
+          <a:chOff x="0" y="0"/>
+          <a:chExt cx="0" cy="0"/>
+        </a:xfrm>
+      </p:grpSpPr>
+      <p:sp>
+        <p:nvSpPr>
+          <p:cNvPr id="2" name="제목 1">
+            <a:extLst>
+              <a:ext uri="{FF2B5EF4-FFF2-40B4-BE49-F238E27FC236}">
+                <a16:creationId xmlns:a16="http://schemas.microsoft.com/office/drawing/2014/main" id="{6232181F-BE2D-567C-77C8-62DDD087D4FA}"/>
+              </a:ext>
+            </a:extLst>
+          </p:cNvPr>
+          <p:cNvSpPr>
+            <a:spLocks noGrp="1"/>
+          </p:cNvSpPr>
+          <p:nvPr>
+            <p:ph type="title"/>
+          </p:nvPr>
+        </p:nvSpPr>
+        <p:spPr/>
+        <p:txBody>
+          <a:bodyPr/>
+          <a:lstStyle/>
+          <a:p>
+            <a:r>
+              <a:rPr lang="en-US" altLang="ko-KR" dirty="0"/>
+              <a:t>What is Format String?</a:t>
+            </a:r>
+            <a:endParaRPr lang="ko-KR" altLang="en-US" dirty="0"/>
+          </a:p>
+        </p:txBody>
+      </p:sp>
+      <p:sp>
+        <p:nvSpPr>
+          <p:cNvPr id="3" name="내용 개체 틀 2">
+            <a:extLst>
+              <a:ext uri="{FF2B5EF4-FFF2-40B4-BE49-F238E27FC236}">
+                <a16:creationId xmlns:a16="http://schemas.microsoft.com/office/drawing/2014/main" id="{68052BF3-A40A-5687-CCE6-5FBD597AB11C}"/>
+              </a:ext>
+            </a:extLst>
+          </p:cNvPr>
+          <p:cNvSpPr>
+            <a:spLocks noGrp="1"/>
+          </p:cNvSpPr>
+          <p:nvPr>
+            <p:ph idx="1"/>
+          </p:nvPr>
+        </p:nvSpPr>
+        <p:spPr>
+          <a:xfrm>
+            <a:off x="4880919" y="1690688"/>
+            <a:ext cx="6705600" cy="4351338"/>
+          </a:xfrm>
+        </p:spPr>
+        <p:txBody>
+          <a:bodyPr>
+            <a:normAutofit lnSpcReduction="10000"/>
+          </a:bodyPr>
+          <a:lstStyle/>
+          <a:p>
+            <a:pPr marL="0" indent="0">
+              <a:buNone/>
+            </a:pPr>
+            <a:r>
+              <a:rPr lang="ko-KR" altLang="en-US" sz="2500" dirty="0"/>
+              <a:t>입출력을 하는 </a:t>
+            </a:r>
+            <a:r>
+              <a:rPr lang="en-US" altLang="ko-KR" sz="2500" dirty="0" err="1"/>
+              <a:t>scanf</a:t>
+            </a:r>
+            <a:r>
+              <a:rPr lang="en-US" altLang="ko-KR" sz="2500" dirty="0"/>
+              <a:t>, </a:t>
+            </a:r>
+            <a:r>
+              <a:rPr lang="en-US" altLang="ko-KR" sz="2500" dirty="0" err="1"/>
+              <a:t>printf</a:t>
+            </a:r>
+            <a:r>
+              <a:rPr lang="en-US" altLang="ko-KR" sz="2500" dirty="0"/>
+              <a:t>, </a:t>
+            </a:r>
+            <a:r>
+              <a:rPr lang="en-US" altLang="ko-KR" sz="2500" dirty="0" err="1"/>
+              <a:t>fprintf</a:t>
+            </a:r>
+            <a:r>
+              <a:rPr lang="en-US" altLang="ko-KR" sz="2500" dirty="0"/>
+              <a:t> </a:t>
+            </a:r>
+            <a:r>
+              <a:rPr lang="ko-KR" altLang="en-US" sz="2500" dirty="0"/>
+              <a:t>등에서 정말 자주 사용</a:t>
+            </a:r>
+            <a:r>
+              <a:rPr lang="en-US" altLang="ko-KR" sz="2500" dirty="0"/>
+              <a:t>.</a:t>
+            </a:r>
+          </a:p>
+          <a:p>
+            <a:pPr marL="0" indent="0">
+              <a:buNone/>
+            </a:pPr>
+            <a:endParaRPr lang="en-US" altLang="ko-KR" sz="2500" dirty="0"/>
+          </a:p>
+          <a:p>
+            <a:pPr marL="0" indent="0">
+              <a:buNone/>
+            </a:pPr>
+            <a:r>
+              <a:rPr lang="ko-KR" altLang="en-US" sz="2500" dirty="0"/>
+              <a:t>보통 왼쪽의 코드 </a:t>
+            </a:r>
+            <a:r>
+              <a:rPr lang="ko-KR" altLang="en-US" sz="2500" dirty="0" err="1"/>
+              <a:t>처럼</a:t>
+            </a:r>
+            <a:r>
+              <a:rPr lang="ko-KR" altLang="en-US" sz="2500" dirty="0"/>
+              <a:t> </a:t>
+            </a:r>
+            <a:r>
+              <a:rPr lang="en-US" altLang="ko-KR" sz="2500" dirty="0" err="1"/>
+              <a:t>printf</a:t>
+            </a:r>
+            <a:r>
+              <a:rPr lang="ko-KR" altLang="en-US" sz="2500" dirty="0"/>
+              <a:t>를 할 때</a:t>
+            </a:r>
+            <a:r>
+              <a:rPr lang="en-US" altLang="ko-KR" sz="2500" dirty="0"/>
+              <a:t> </a:t>
+            </a:r>
+            <a:r>
+              <a:rPr lang="ko-KR" altLang="en-US" sz="2500" dirty="0"/>
+              <a:t>출력 형식을 지정해주며 출력을 한다</a:t>
+            </a:r>
+            <a:r>
+              <a:rPr lang="en-US" altLang="ko-KR" sz="2500" dirty="0"/>
+              <a:t>.</a:t>
+            </a:r>
+          </a:p>
+          <a:p>
+            <a:pPr marL="0" indent="0">
+              <a:buNone/>
+            </a:pPr>
+            <a:endParaRPr lang="en-US" altLang="ko-KR" sz="2500" dirty="0"/>
+          </a:p>
+          <a:p>
+            <a:pPr marL="0" indent="0">
+              <a:buNone/>
+            </a:pPr>
+            <a:r>
+              <a:rPr lang="ko-KR" altLang="en-US" sz="2500" dirty="0"/>
+              <a:t>이때 </a:t>
+            </a:r>
+            <a:r>
+              <a:rPr lang="en-US" altLang="ko-KR" sz="2500" dirty="0"/>
+              <a:t>%[format] </a:t>
+            </a:r>
+            <a:r>
+              <a:rPr lang="ko-KR" altLang="en-US" sz="2500" dirty="0"/>
+              <a:t>이게 서식 지정자</a:t>
+            </a:r>
+            <a:r>
+              <a:rPr lang="en-US" altLang="ko-KR" sz="2500" dirty="0"/>
+              <a:t> </a:t>
+            </a:r>
+            <a:r>
+              <a:rPr lang="ko-KR" altLang="en-US" sz="2500" dirty="0"/>
+              <a:t>이다</a:t>
+            </a:r>
+            <a:r>
+              <a:rPr lang="en-US" altLang="ko-KR" sz="2500" dirty="0"/>
+              <a:t>.</a:t>
+            </a:r>
+          </a:p>
+          <a:p>
+            <a:pPr marL="0" indent="0">
+              <a:buNone/>
+            </a:pPr>
+            <a:r>
+              <a:rPr lang="en-US" altLang="ko-KR" sz="2500" dirty="0"/>
+              <a:t>(ex.</a:t>
+            </a:r>
+            <a:r>
+              <a:rPr lang="ko-KR" altLang="en-US" sz="2500" dirty="0"/>
+              <a:t> </a:t>
+            </a:r>
+            <a:r>
+              <a:rPr lang="en-US" altLang="ko-KR" sz="2500" dirty="0"/>
+              <a:t>%c,</a:t>
+            </a:r>
+            <a:r>
+              <a:rPr lang="ko-KR" altLang="en-US" sz="2500" dirty="0"/>
+              <a:t> </a:t>
+            </a:r>
+            <a:r>
+              <a:rPr lang="en-US" altLang="ko-KR" sz="2500" dirty="0"/>
+              <a:t>%s,</a:t>
+            </a:r>
+            <a:r>
+              <a:rPr lang="ko-KR" altLang="en-US" sz="2500" dirty="0"/>
+              <a:t> </a:t>
+            </a:r>
+            <a:r>
+              <a:rPr lang="en-US" altLang="ko-KR" sz="2500" dirty="0"/>
+              <a:t>%d ….)</a:t>
+            </a:r>
+          </a:p>
+          <a:p>
+            <a:pPr marL="0" indent="0">
+              <a:buNone/>
+            </a:pPr>
+            <a:endParaRPr lang="en-US" altLang="ko-KR" sz="2500" dirty="0"/>
+          </a:p>
+          <a:p>
+            <a:pPr marL="0" indent="0">
+              <a:buNone/>
+            </a:pPr>
+            <a:r>
+              <a:rPr lang="ko-KR" altLang="en-US" sz="2500" dirty="0"/>
+              <a:t> </a:t>
+            </a:r>
+          </a:p>
+        </p:txBody>
+      </p:sp>
+      <p:pic>
+        <p:nvPicPr>
+          <p:cNvPr id="5" name="그림 4">
+            <a:extLst>
+              <a:ext uri="{FF2B5EF4-FFF2-40B4-BE49-F238E27FC236}">
+                <a16:creationId xmlns:a16="http://schemas.microsoft.com/office/drawing/2014/main" id="{3570324D-7F53-4948-24B3-149B341235E1}"/>
+              </a:ext>
+            </a:extLst>
+          </p:cNvPr>
+          <p:cNvPicPr>
+            <a:picLocks noChangeAspect="1"/>
+          </p:cNvPicPr>
+          <p:nvPr/>
+        </p:nvPicPr>
+        <p:blipFill>
+          <a:blip r:embed="rId2"/>
+          <a:stretch>
+            <a:fillRect/>
+          </a:stretch>
+        </p:blipFill>
+        <p:spPr>
+          <a:xfrm>
+            <a:off x="514566" y="1690688"/>
+            <a:ext cx="4156288" cy="1781424"/>
+          </a:xfrm>
+          <a:prstGeom prst="rect">
+            <a:avLst/>
+          </a:prstGeom>
+        </p:spPr>
+      </p:pic>
+    </p:spTree>
+    <p:extLst>
+      <p:ext uri="{BB962C8B-B14F-4D97-AF65-F5344CB8AC3E}">
+        <p14:creationId xmlns:p14="http://schemas.microsoft.com/office/powerpoint/2010/main" val="355909252"/>
+      </p:ext>
+    </p:extLst>
+  </p:cSld>
+  <p:clrMapOvr>
+    <a:masterClrMapping/>
+  </p:clrMapOvr>
+</p:sld>
+</file>
+
+<file path=ppt/slides/slide16.xml><?xml version="1.0" encoding="utf-8"?>
+<p:sld xmlns:a="http://schemas.openxmlformats.org/drawingml/2006/main" xmlns:r="http://schemas.openxmlformats.org/officeDocument/2006/relationships" xmlns:p="http://schemas.openxmlformats.org/presentationml/2006/main">
+  <p:cSld>
+    <p:spTree>
+      <p:nvGrpSpPr>
+        <p:cNvPr id="1" name=""/>
+        <p:cNvGrpSpPr/>
+        <p:nvPr/>
+      </p:nvGrpSpPr>
+      <p:grpSpPr>
+        <a:xfrm>
+          <a:off x="0" y="0"/>
+          <a:ext cx="0" cy="0"/>
+          <a:chOff x="0" y="0"/>
+          <a:chExt cx="0" cy="0"/>
+        </a:xfrm>
+      </p:grpSpPr>
+      <p:sp>
+        <p:nvSpPr>
+          <p:cNvPr id="2" name="제목 1">
+            <a:extLst>
+              <a:ext uri="{FF2B5EF4-FFF2-40B4-BE49-F238E27FC236}">
+                <a16:creationId xmlns:a16="http://schemas.microsoft.com/office/drawing/2014/main" id="{CBF82252-3199-349D-A5DE-E5A823E53C15}"/>
+              </a:ext>
+            </a:extLst>
+          </p:cNvPr>
+          <p:cNvSpPr>
+            <a:spLocks noGrp="1"/>
+          </p:cNvSpPr>
+          <p:nvPr>
+            <p:ph type="title"/>
+          </p:nvPr>
+        </p:nvSpPr>
+        <p:spPr/>
+        <p:txBody>
+          <a:bodyPr/>
+          <a:lstStyle/>
+          <a:p>
+            <a:r>
+              <a:rPr lang="en-US" altLang="ko-KR" dirty="0"/>
+              <a:t>What is Format String?</a:t>
+            </a:r>
+            <a:endParaRPr lang="ko-KR" altLang="en-US" dirty="0"/>
+          </a:p>
+        </p:txBody>
+      </p:sp>
+      <p:sp>
+        <p:nvSpPr>
+          <p:cNvPr id="3" name="내용 개체 틀 2">
+            <a:extLst>
+              <a:ext uri="{FF2B5EF4-FFF2-40B4-BE49-F238E27FC236}">
+                <a16:creationId xmlns:a16="http://schemas.microsoft.com/office/drawing/2014/main" id="{4004CF25-631C-B4EB-580F-4CA4A15E18F5}"/>
+              </a:ext>
+            </a:extLst>
+          </p:cNvPr>
+          <p:cNvSpPr>
+            <a:spLocks noGrp="1"/>
+          </p:cNvSpPr>
+          <p:nvPr>
+            <p:ph idx="1"/>
+          </p:nvPr>
+        </p:nvSpPr>
+        <p:spPr/>
+        <p:txBody>
+          <a:bodyPr/>
+          <a:lstStyle/>
+          <a:p>
+            <a:pPr marL="0" indent="0">
+              <a:buNone/>
+            </a:pPr>
+            <a:r>
+              <a:rPr lang="ko-KR" altLang="en-US" dirty="0"/>
+              <a:t>보통 아래의 서식 지정자 정도를 자주 사용함</a:t>
+            </a:r>
+            <a:r>
+              <a:rPr lang="en-US" altLang="ko-KR" dirty="0"/>
+              <a:t>.</a:t>
+            </a:r>
+          </a:p>
+          <a:p>
+            <a:pPr marL="0" indent="0">
+              <a:buNone/>
+            </a:pPr>
+            <a:endParaRPr lang="en-US" altLang="ko-KR" dirty="0"/>
+          </a:p>
+        </p:txBody>
+      </p:sp>
+      <p:pic>
+        <p:nvPicPr>
+          <p:cNvPr id="4" name="table">
+            <a:extLst>
+              <a:ext uri="{FF2B5EF4-FFF2-40B4-BE49-F238E27FC236}">
+                <a16:creationId xmlns:a16="http://schemas.microsoft.com/office/drawing/2014/main" id="{FAA4627D-A626-3387-DFE6-726109780C52}"/>
+              </a:ext>
+            </a:extLst>
+          </p:cNvPr>
+          <p:cNvPicPr>
+            <a:picLocks noChangeAspect="1"/>
+          </p:cNvPicPr>
+          <p:nvPr/>
+        </p:nvPicPr>
+        <p:blipFill>
+          <a:blip r:embed="rId2"/>
+          <a:stretch>
+            <a:fillRect/>
+          </a:stretch>
+        </p:blipFill>
+        <p:spPr>
+          <a:xfrm>
+            <a:off x="951470" y="2334012"/>
+            <a:ext cx="8136131" cy="4268439"/>
+          </a:xfrm>
+          <a:prstGeom prst="rect">
+            <a:avLst/>
+          </a:prstGeom>
+        </p:spPr>
+      </p:pic>
+    </p:spTree>
+    <p:extLst>
+      <p:ext uri="{BB962C8B-B14F-4D97-AF65-F5344CB8AC3E}">
+        <p14:creationId xmlns:p14="http://schemas.microsoft.com/office/powerpoint/2010/main" val="460906507"/>
+      </p:ext>
+    </p:extLst>
+  </p:cSld>
+  <p:clrMapOvr>
+    <a:masterClrMapping/>
+  </p:clrMapOvr>
+</p:sld>
+</file>
+
+<file path=ppt/slides/slide17.xml><?xml version="1.0" encoding="utf-8"?>
+<p:sld xmlns:a="http://schemas.openxmlformats.org/drawingml/2006/main" xmlns:r="http://schemas.openxmlformats.org/officeDocument/2006/relationships" xmlns:p="http://schemas.openxmlformats.org/presentationml/2006/main">
+  <p:cSld>
+    <p:spTree>
+      <p:nvGrpSpPr>
+        <p:cNvPr id="1" name=""/>
+        <p:cNvGrpSpPr/>
+        <p:nvPr/>
+      </p:nvGrpSpPr>
+      <p:grpSpPr>
+        <a:xfrm>
+          <a:off x="0" y="0"/>
+          <a:ext cx="0" cy="0"/>
+          <a:chOff x="0" y="0"/>
+          <a:chExt cx="0" cy="0"/>
+        </a:xfrm>
+      </p:grpSpPr>
+      <p:sp>
+        <p:nvSpPr>
+          <p:cNvPr id="2" name="제목 1">
+            <a:extLst>
+              <a:ext uri="{FF2B5EF4-FFF2-40B4-BE49-F238E27FC236}">
+                <a16:creationId xmlns:a16="http://schemas.microsoft.com/office/drawing/2014/main" id="{AC402017-D76B-6AF0-59AC-0EAAFE5C71C7}"/>
+              </a:ext>
+            </a:extLst>
+          </p:cNvPr>
+          <p:cNvSpPr>
+            <a:spLocks noGrp="1"/>
+          </p:cNvSpPr>
+          <p:nvPr>
+            <p:ph type="title"/>
+          </p:nvPr>
+        </p:nvSpPr>
+        <p:spPr/>
+        <p:txBody>
+          <a:bodyPr/>
+          <a:lstStyle/>
+          <a:p>
+            <a:r>
+              <a:rPr lang="en-US" altLang="ko-KR" dirty="0"/>
+              <a:t>What is Format String?</a:t>
+            </a:r>
+            <a:endParaRPr lang="ko-KR" altLang="en-US" dirty="0"/>
+          </a:p>
+        </p:txBody>
+      </p:sp>
+      <p:sp>
+        <p:nvSpPr>
+          <p:cNvPr id="3" name="내용 개체 틀 2">
+            <a:extLst>
+              <a:ext uri="{FF2B5EF4-FFF2-40B4-BE49-F238E27FC236}">
+                <a16:creationId xmlns:a16="http://schemas.microsoft.com/office/drawing/2014/main" id="{D813A45E-76F5-F3BF-7809-1CBD65FF7294}"/>
+              </a:ext>
+            </a:extLst>
+          </p:cNvPr>
+          <p:cNvSpPr>
+            <a:spLocks noGrp="1"/>
+          </p:cNvSpPr>
+          <p:nvPr>
+            <p:ph idx="1"/>
+          </p:nvPr>
+        </p:nvSpPr>
+        <p:spPr>
+          <a:xfrm>
+            <a:off x="838200" y="1637162"/>
+            <a:ext cx="10515600" cy="4351338"/>
+          </a:xfrm>
+        </p:spPr>
+        <p:txBody>
+          <a:bodyPr/>
+          <a:lstStyle/>
+          <a:p>
+            <a:pPr marL="0" indent="0">
+              <a:buNone/>
+            </a:pPr>
+            <a:r>
+              <a:rPr lang="ko-KR" altLang="en-US" dirty="0"/>
+              <a:t>아래와 같이 다양한 지정 서식자가 존재함</a:t>
+            </a:r>
+            <a:r>
+              <a:rPr lang="en-US" altLang="ko-KR" dirty="0"/>
+              <a:t>.</a:t>
+            </a:r>
+            <a:endParaRPr lang="ko-KR" altLang="en-US" dirty="0"/>
+          </a:p>
+        </p:txBody>
+      </p:sp>
+      <p:pic>
+        <p:nvPicPr>
+          <p:cNvPr id="4" name="table">
+            <a:extLst>
+              <a:ext uri="{FF2B5EF4-FFF2-40B4-BE49-F238E27FC236}">
+                <a16:creationId xmlns:a16="http://schemas.microsoft.com/office/drawing/2014/main" id="{6793A8E4-083D-4C28-4F25-D2AB813B4CA3}"/>
+              </a:ext>
+            </a:extLst>
+          </p:cNvPr>
+          <p:cNvPicPr>
+            <a:picLocks noChangeAspect="1"/>
+          </p:cNvPicPr>
+          <p:nvPr/>
+        </p:nvPicPr>
+        <p:blipFill>
+          <a:blip r:embed="rId2"/>
+          <a:stretch>
+            <a:fillRect/>
+          </a:stretch>
+        </p:blipFill>
+        <p:spPr>
+          <a:xfrm>
+            <a:off x="838200" y="2140692"/>
+            <a:ext cx="10515600" cy="4231018"/>
+          </a:xfrm>
+          <a:prstGeom prst="rect">
+            <a:avLst/>
+          </a:prstGeom>
+        </p:spPr>
+      </p:pic>
+    </p:spTree>
+    <p:extLst>
+      <p:ext uri="{BB962C8B-B14F-4D97-AF65-F5344CB8AC3E}">
+        <p14:creationId xmlns:p14="http://schemas.microsoft.com/office/powerpoint/2010/main" val="82795319"/>
+      </p:ext>
+    </p:extLst>
+  </p:cSld>
+  <p:clrMapOvr>
+    <a:masterClrMapping/>
+  </p:clrMapOvr>
+</p:sld>
+</file>
+
+<file path=ppt/slides/slide18.xml><?xml version="1.0" encoding="utf-8"?>
+<p:sld xmlns:a="http://schemas.openxmlformats.org/drawingml/2006/main" xmlns:r="http://schemas.openxmlformats.org/officeDocument/2006/relationships" xmlns:p="http://schemas.openxmlformats.org/presentationml/2006/main">
+  <p:cSld>
+    <p:spTree>
+      <p:nvGrpSpPr>
+        <p:cNvPr id="1" name=""/>
+        <p:cNvGrpSpPr/>
+        <p:nvPr/>
+      </p:nvGrpSpPr>
+      <p:grpSpPr>
+        <a:xfrm>
+          <a:off x="0" y="0"/>
+          <a:ext cx="0" cy="0"/>
+          <a:chOff x="0" y="0"/>
+          <a:chExt cx="0" cy="0"/>
+        </a:xfrm>
+      </p:grpSpPr>
+      <p:sp>
+        <p:nvSpPr>
+          <p:cNvPr id="2" name="제목 1">
+            <a:extLst>
+              <a:ext uri="{FF2B5EF4-FFF2-40B4-BE49-F238E27FC236}">
+                <a16:creationId xmlns:a16="http://schemas.microsoft.com/office/drawing/2014/main" id="{D0DBD0B0-678E-D98E-BA90-C037CA4A0D88}"/>
+              </a:ext>
+            </a:extLst>
+          </p:cNvPr>
+          <p:cNvSpPr>
+            <a:spLocks noGrp="1"/>
+          </p:cNvSpPr>
+          <p:nvPr>
+            <p:ph type="title"/>
+          </p:nvPr>
+        </p:nvSpPr>
+        <p:spPr/>
+        <p:txBody>
+          <a:bodyPr/>
+          <a:lstStyle/>
+          <a:p>
+            <a:r>
+              <a:rPr lang="en-US" altLang="ko-KR" dirty="0"/>
+              <a:t>What is Format String Bug?????</a:t>
+            </a:r>
+            <a:endParaRPr lang="ko-KR" altLang="en-US" dirty="0"/>
+          </a:p>
+        </p:txBody>
+      </p:sp>
+      <p:sp>
+        <p:nvSpPr>
+          <p:cNvPr id="3" name="내용 개체 틀 2">
+            <a:extLst>
+              <a:ext uri="{FF2B5EF4-FFF2-40B4-BE49-F238E27FC236}">
+                <a16:creationId xmlns:a16="http://schemas.microsoft.com/office/drawing/2014/main" id="{5AAA149B-AA45-2F52-FA0B-7732CDC8C29C}"/>
+              </a:ext>
+            </a:extLst>
+          </p:cNvPr>
+          <p:cNvSpPr>
+            <a:spLocks noGrp="1"/>
+          </p:cNvSpPr>
+          <p:nvPr>
+            <p:ph idx="1"/>
+          </p:nvPr>
+        </p:nvSpPr>
+        <p:spPr/>
+        <p:txBody>
+          <a:bodyPr>
+            <a:normAutofit/>
+          </a:bodyPr>
+          <a:lstStyle/>
+          <a:p>
+            <a:pPr marL="0" indent="0">
+              <a:buNone/>
+            </a:pPr>
+            <a:r>
+              <a:rPr lang="ko-KR" altLang="en-US" sz="2500" dirty="0"/>
+              <a:t>그래서 </a:t>
+            </a:r>
+            <a:r>
+              <a:rPr lang="en-US" altLang="ko-KR" sz="2500" dirty="0"/>
+              <a:t>FSB</a:t>
+            </a:r>
+            <a:r>
+              <a:rPr lang="ko-KR" altLang="en-US" sz="2500" dirty="0"/>
+              <a:t>가 </a:t>
+            </a:r>
+            <a:r>
+              <a:rPr lang="ko-KR" altLang="en-US" sz="2500" dirty="0" err="1"/>
+              <a:t>뭔데</a:t>
+            </a:r>
+            <a:endParaRPr lang="en-US" altLang="ko-KR" sz="2500" dirty="0"/>
+          </a:p>
+          <a:p>
+            <a:pPr marL="0" indent="0">
+              <a:buNone/>
+            </a:pPr>
+            <a:r>
+              <a:rPr lang="en-US" altLang="ko-KR" sz="2500" dirty="0"/>
+              <a:t>-&gt; Format Sting</a:t>
+            </a:r>
+            <a:r>
+              <a:rPr lang="ko-KR" altLang="en-US" sz="2500" dirty="0"/>
+              <a:t>을 잘못 사용해서 생기는 여러 이슈</a:t>
+            </a:r>
+            <a:endParaRPr lang="en-US" altLang="ko-KR" sz="2500" dirty="0"/>
+          </a:p>
+          <a:p>
+            <a:pPr marL="0" indent="0">
+              <a:buNone/>
+            </a:pPr>
+            <a:endParaRPr lang="en-US" altLang="ko-KR" sz="2500" dirty="0"/>
+          </a:p>
+          <a:p>
+            <a:pPr marL="0" indent="0">
+              <a:buNone/>
+            </a:pPr>
+            <a:r>
+              <a:rPr lang="ko-KR" altLang="en-US" sz="2500" dirty="0"/>
+              <a:t>사실 범인은 </a:t>
+            </a:r>
+            <a:r>
+              <a:rPr lang="en-US" altLang="ko-KR" sz="2500" dirty="0" err="1"/>
+              <a:t>printf</a:t>
+            </a:r>
+            <a:r>
+              <a:rPr lang="ko-KR" altLang="en-US" sz="2500" dirty="0"/>
+              <a:t> 함수 루틴</a:t>
+            </a:r>
+            <a:r>
+              <a:rPr lang="en-US" altLang="ko-KR" sz="2500" dirty="0"/>
+              <a:t>.</a:t>
+            </a:r>
+          </a:p>
+          <a:p>
+            <a:pPr marL="0" indent="0">
+              <a:buNone/>
+            </a:pPr>
+            <a:endParaRPr lang="en-US" altLang="ko-KR" sz="2500" dirty="0"/>
+          </a:p>
+          <a:p>
+            <a:pPr marL="0" indent="0">
+              <a:buNone/>
+            </a:pPr>
+            <a:r>
+              <a:rPr lang="en-US" altLang="ko-KR" sz="2500" dirty="0" err="1"/>
+              <a:t>Printf</a:t>
+            </a:r>
+            <a:r>
+              <a:rPr lang="ko-KR" altLang="en-US" sz="2500" dirty="0"/>
+              <a:t>의 원형은 오른쪽과 같음</a:t>
+            </a:r>
+            <a:r>
+              <a:rPr lang="en-US" altLang="ko-KR" sz="2500" dirty="0"/>
+              <a:t>.</a:t>
+            </a:r>
+          </a:p>
+          <a:p>
+            <a:pPr marL="0" indent="0">
+              <a:buNone/>
+            </a:pPr>
+            <a:endParaRPr lang="en-US" altLang="ko-KR" sz="2500" dirty="0"/>
+          </a:p>
+          <a:p>
+            <a:pPr marL="0" indent="0">
+              <a:buNone/>
+            </a:pPr>
+            <a:r>
+              <a:rPr lang="ko-KR" altLang="en-US" sz="2500" dirty="0"/>
+              <a:t>가변 개수의 인자를 받을 수 있는데</a:t>
+            </a:r>
+            <a:endParaRPr lang="en-US" altLang="ko-KR" sz="2500" dirty="0"/>
+          </a:p>
+          <a:p>
+            <a:pPr marL="0" indent="0">
+              <a:buNone/>
+            </a:pPr>
+            <a:r>
+              <a:rPr lang="ko-KR" altLang="en-US" sz="2500" dirty="0"/>
+              <a:t>내부에서 </a:t>
+            </a:r>
+            <a:r>
+              <a:rPr lang="en-US" altLang="ko-KR" sz="2500" dirty="0"/>
+              <a:t>format string </a:t>
+            </a:r>
+            <a:r>
+              <a:rPr lang="ko-KR" altLang="en-US" sz="2500" dirty="0"/>
+              <a:t>과 그에 상응하는 인자의 개수를 체크하지 않음</a:t>
+            </a:r>
+            <a:r>
+              <a:rPr lang="en-US" altLang="ko-KR" sz="2500" dirty="0"/>
+              <a:t>.</a:t>
+            </a:r>
+          </a:p>
+          <a:p>
+            <a:pPr marL="0" indent="0">
+              <a:buNone/>
+            </a:pPr>
+            <a:endParaRPr lang="en-US" altLang="ko-KR" sz="2500" dirty="0"/>
+          </a:p>
+        </p:txBody>
+      </p:sp>
+      <p:pic>
+        <p:nvPicPr>
+          <p:cNvPr id="5" name="그림 4">
+            <a:extLst>
+              <a:ext uri="{FF2B5EF4-FFF2-40B4-BE49-F238E27FC236}">
+                <a16:creationId xmlns:a16="http://schemas.microsoft.com/office/drawing/2014/main" id="{63A94677-AC06-0C0E-97B3-2CF6E42BA9C9}"/>
+              </a:ext>
+            </a:extLst>
+          </p:cNvPr>
+          <p:cNvPicPr>
+            <a:picLocks noChangeAspect="1"/>
+          </p:cNvPicPr>
+          <p:nvPr/>
+        </p:nvPicPr>
+        <p:blipFill>
+          <a:blip r:embed="rId2"/>
+          <a:stretch>
+            <a:fillRect/>
+          </a:stretch>
+        </p:blipFill>
+        <p:spPr>
+          <a:xfrm>
+            <a:off x="6078175" y="3429000"/>
+            <a:ext cx="6113825" cy="1325563"/>
+          </a:xfrm>
+          <a:prstGeom prst="rect">
+            <a:avLst/>
+          </a:prstGeom>
+        </p:spPr>
+      </p:pic>
+    </p:spTree>
+    <p:extLst>
+      <p:ext uri="{BB962C8B-B14F-4D97-AF65-F5344CB8AC3E}">
+        <p14:creationId xmlns:p14="http://schemas.microsoft.com/office/powerpoint/2010/main" val="3232058172"/>
+      </p:ext>
+    </p:extLst>
+  </p:cSld>
+  <p:clrMapOvr>
+    <a:masterClrMapping/>
+  </p:clrMapOvr>
+</p:sld>
+</file>
+
+<file path=ppt/slides/slide19.xml><?xml version="1.0" encoding="utf-8"?>
+<p:sld xmlns:a="http://schemas.openxmlformats.org/drawingml/2006/main" xmlns:r="http://schemas.openxmlformats.org/officeDocument/2006/relationships" xmlns:p="http://schemas.openxmlformats.org/presentationml/2006/main">
+  <p:cSld>
+    <p:spTree>
+      <p:nvGrpSpPr>
+        <p:cNvPr id="1" name=""/>
+        <p:cNvGrpSpPr/>
+        <p:nvPr/>
+      </p:nvGrpSpPr>
+      <p:grpSpPr>
+        <a:xfrm>
+          <a:off x="0" y="0"/>
+          <a:ext cx="0" cy="0"/>
+          <a:chOff x="0" y="0"/>
+          <a:chExt cx="0" cy="0"/>
+        </a:xfrm>
+      </p:grpSpPr>
+      <p:sp>
+        <p:nvSpPr>
+          <p:cNvPr id="2" name="제목 1">
+            <a:extLst>
+              <a:ext uri="{FF2B5EF4-FFF2-40B4-BE49-F238E27FC236}">
+                <a16:creationId xmlns:a16="http://schemas.microsoft.com/office/drawing/2014/main" id="{CA33B0B1-88DC-D9E6-4A12-F9121BD706E7}"/>
+              </a:ext>
+            </a:extLst>
+          </p:cNvPr>
+          <p:cNvSpPr>
+            <a:spLocks noGrp="1"/>
+          </p:cNvSpPr>
+          <p:nvPr>
+            <p:ph type="title"/>
+          </p:nvPr>
+        </p:nvSpPr>
+        <p:spPr/>
+        <p:txBody>
+          <a:bodyPr/>
+          <a:lstStyle/>
+          <a:p>
+            <a:r>
+              <a:rPr lang="en-US" altLang="ko-KR" dirty="0"/>
+              <a:t>How to use?</a:t>
+            </a:r>
+            <a:endParaRPr lang="ko-KR" altLang="en-US" dirty="0"/>
+          </a:p>
+        </p:txBody>
+      </p:sp>
+      <p:sp>
+        <p:nvSpPr>
+          <p:cNvPr id="3" name="내용 개체 틀 2">
+            <a:extLst>
+              <a:ext uri="{FF2B5EF4-FFF2-40B4-BE49-F238E27FC236}">
+                <a16:creationId xmlns:a16="http://schemas.microsoft.com/office/drawing/2014/main" id="{99D626C3-59B8-8DDD-CA75-33825B9C889D}"/>
+              </a:ext>
+            </a:extLst>
+          </p:cNvPr>
+          <p:cNvSpPr>
+            <a:spLocks noGrp="1"/>
+          </p:cNvSpPr>
+          <p:nvPr>
+            <p:ph idx="1"/>
+          </p:nvPr>
+        </p:nvSpPr>
+        <p:spPr/>
+        <p:txBody>
+          <a:bodyPr>
+            <a:normAutofit/>
+          </a:bodyPr>
+          <a:lstStyle/>
+          <a:p>
+            <a:pPr marL="0" indent="0">
+              <a:buNone/>
+            </a:pPr>
+            <a:r>
+              <a:rPr lang="ko-KR" altLang="en-US" sz="2300" dirty="0"/>
+              <a:t>결국 </a:t>
+            </a:r>
+            <a:r>
+              <a:rPr lang="en-US" altLang="ko-KR" sz="2300" dirty="0" err="1"/>
+              <a:t>pwnable</a:t>
+            </a:r>
+            <a:r>
+              <a:rPr lang="ko-KR" altLang="en-US" sz="2300" dirty="0"/>
+              <a:t>에 사용할 때 필요한 것 </a:t>
+            </a:r>
+            <a:r>
+              <a:rPr lang="en-US" altLang="ko-KR" sz="2300" dirty="0"/>
+              <a:t>-&gt; </a:t>
+            </a:r>
+            <a:r>
+              <a:rPr lang="ko-KR" altLang="en-US" sz="2300" dirty="0"/>
+              <a:t>임의 주소 입력</a:t>
+            </a:r>
+            <a:r>
+              <a:rPr lang="en-US" altLang="ko-KR" sz="2300" dirty="0"/>
+              <a:t>, </a:t>
+            </a:r>
+            <a:r>
+              <a:rPr lang="ko-KR" altLang="en-US" sz="2300" dirty="0"/>
+              <a:t>임의 주소 출력</a:t>
+            </a:r>
+            <a:endParaRPr lang="en-US" altLang="ko-KR" sz="2300" dirty="0"/>
+          </a:p>
+          <a:p>
+            <a:pPr marL="0" indent="0">
+              <a:buNone/>
+            </a:pPr>
+            <a:endParaRPr lang="en-US" altLang="ko-KR" sz="2300" dirty="0"/>
+          </a:p>
+          <a:p>
+            <a:pPr marL="0" indent="0">
+              <a:buNone/>
+            </a:pPr>
+            <a:r>
+              <a:rPr lang="en-US" altLang="ko-KR" sz="2300" dirty="0"/>
+              <a:t>%(offset$)p</a:t>
+            </a:r>
+            <a:r>
+              <a:rPr lang="ko-KR" altLang="en-US" sz="2300" dirty="0"/>
+              <a:t>를 이용해 </a:t>
+            </a:r>
+            <a:r>
+              <a:rPr lang="en-US" altLang="ko-KR" sz="2300" dirty="0"/>
+              <a:t>leak</a:t>
+            </a:r>
+          </a:p>
+          <a:p>
+            <a:pPr marL="0" indent="0">
+              <a:buNone/>
+            </a:pPr>
+            <a:r>
+              <a:rPr lang="en-US" altLang="ko-KR" sz="2300" dirty="0"/>
+              <a:t>	    +</a:t>
+            </a:r>
+          </a:p>
+          <a:p>
+            <a:pPr marL="0" indent="0">
+              <a:buNone/>
+            </a:pPr>
+            <a:r>
+              <a:rPr lang="en-US" altLang="ko-KR" sz="2300" dirty="0"/>
+              <a:t>%(offset$)n</a:t>
+            </a:r>
+            <a:r>
+              <a:rPr lang="ko-KR" altLang="en-US" sz="2300" dirty="0"/>
+              <a:t>을 이용해 </a:t>
+            </a:r>
+            <a:r>
+              <a:rPr lang="en-US" altLang="ko-KR" sz="2300" dirty="0"/>
+              <a:t>overwrite</a:t>
+            </a:r>
+          </a:p>
+          <a:p>
+            <a:pPr marL="0" indent="0">
+              <a:buNone/>
+            </a:pPr>
+            <a:endParaRPr lang="en-US" altLang="ko-KR" sz="2300" dirty="0"/>
+          </a:p>
+          <a:p>
+            <a:pPr marL="0" indent="0">
+              <a:buNone/>
+            </a:pPr>
+            <a:r>
+              <a:rPr lang="en-US" altLang="ko-KR" sz="2300" dirty="0"/>
+              <a:t>-&gt; </a:t>
+            </a:r>
+            <a:r>
+              <a:rPr lang="ko-KR" altLang="en-US" sz="2300" dirty="0"/>
+              <a:t>잘 조합해서 사용하기</a:t>
+            </a:r>
+            <a:r>
+              <a:rPr lang="en-US" altLang="ko-KR" sz="2300" dirty="0"/>
+              <a:t>.</a:t>
+            </a:r>
+          </a:p>
+          <a:p>
+            <a:pPr marL="0" indent="0">
+              <a:buNone/>
+            </a:pPr>
+            <a:endParaRPr lang="en-US" altLang="ko-KR" sz="2300" dirty="0"/>
+          </a:p>
+          <a:p>
+            <a:pPr marL="0" indent="0">
+              <a:buNone/>
+            </a:pPr>
+            <a:r>
+              <a:rPr lang="ko-KR" altLang="en-US" sz="2300" dirty="0"/>
+              <a:t>자세한 건 실습 </a:t>
+            </a:r>
+            <a:r>
+              <a:rPr lang="en-US" altLang="ko-KR" sz="2300" dirty="0"/>
+              <a:t>3</a:t>
+            </a:r>
+            <a:r>
+              <a:rPr lang="ko-KR" altLang="en-US" sz="2300" dirty="0"/>
+              <a:t>개 보면서 합시다</a:t>
+            </a:r>
+            <a:r>
+              <a:rPr lang="en-US" altLang="ko-KR" sz="2300" dirty="0"/>
+              <a:t>!</a:t>
+            </a:r>
+          </a:p>
+        </p:txBody>
+      </p:sp>
+    </p:spTree>
+    <p:extLst>
+      <p:ext uri="{BB962C8B-B14F-4D97-AF65-F5344CB8AC3E}">
+        <p14:creationId xmlns:p14="http://schemas.microsoft.com/office/powerpoint/2010/main" val="1973568441"/>
       </p:ext>
     </p:extLst>
   </p:cSld>
@@ -3448,31 +5922,6 @@
             </a:pPr>
             <a:r>
               <a:rPr lang="en-US" altLang="ko-KR" dirty="0"/>
-              <a:t>Review (</a:t>
-            </a:r>
-            <a:r>
-              <a:rPr lang="en-US" altLang="ko-KR" dirty="0" err="1"/>
-              <a:t>plt&amp;got</a:t>
-            </a:r>
-            <a:r>
-              <a:rPr lang="en-US" altLang="ko-KR" dirty="0"/>
-              <a:t>, </a:t>
-            </a:r>
-            <a:r>
-              <a:rPr lang="en-US" altLang="ko-KR" dirty="0" err="1"/>
-              <a:t>libc</a:t>
-            </a:r>
-            <a:r>
-              <a:rPr lang="en-US" altLang="ko-KR" dirty="0"/>
-              <a:t>)</a:t>
-            </a:r>
-          </a:p>
-          <a:p>
-            <a:pPr marL="514350" indent="-514350">
-              <a:buAutoNum type="arabicPeriod"/>
-            </a:pPr>
-            <a:r>
-              <a:rPr lang="en-US" altLang="ko-KR" dirty="0"/>
               <a:t>ROP </a:t>
             </a:r>
             <a:r>
@@ -3517,6 +5966,1322 @@
     <p:extLst>
       <p:ext uri="{BB962C8B-B14F-4D97-AF65-F5344CB8AC3E}">
         <p14:creationId xmlns:p14="http://schemas.microsoft.com/office/powerpoint/2010/main" val="2086213918"/>
+      </p:ext>
+    </p:extLst>
+  </p:cSld>
+  <p:clrMapOvr>
+    <a:masterClrMapping/>
+  </p:clrMapOvr>
+</p:sld>
+</file>
+
+<file path=ppt/slides/slide20.xml><?xml version="1.0" encoding="utf-8"?>
+<p:sld xmlns:a="http://schemas.openxmlformats.org/drawingml/2006/main" xmlns:r="http://schemas.openxmlformats.org/officeDocument/2006/relationships" xmlns:p="http://schemas.openxmlformats.org/presentationml/2006/main">
+  <p:cSld>
+    <p:spTree>
+      <p:nvGrpSpPr>
+        <p:cNvPr id="1" name=""/>
+        <p:cNvGrpSpPr/>
+        <p:nvPr/>
+      </p:nvGrpSpPr>
+      <p:grpSpPr>
+        <a:xfrm>
+          <a:off x="0" y="0"/>
+          <a:ext cx="0" cy="0"/>
+          <a:chOff x="0" y="0"/>
+          <a:chExt cx="0" cy="0"/>
+        </a:xfrm>
+      </p:grpSpPr>
+      <p:sp>
+        <p:nvSpPr>
+          <p:cNvPr id="2" name="제목 1">
+            <a:extLst>
+              <a:ext uri="{FF2B5EF4-FFF2-40B4-BE49-F238E27FC236}">
+                <a16:creationId xmlns:a16="http://schemas.microsoft.com/office/drawing/2014/main" id="{D7F9912D-CA99-3DE3-9958-F2C498D405EA}"/>
+              </a:ext>
+            </a:extLst>
+          </p:cNvPr>
+          <p:cNvSpPr>
+            <a:spLocks noGrp="1"/>
+          </p:cNvSpPr>
+          <p:nvPr>
+            <p:ph type="title"/>
+          </p:nvPr>
+        </p:nvSpPr>
+        <p:spPr/>
+        <p:txBody>
+          <a:bodyPr/>
+          <a:lstStyle/>
+          <a:p>
+            <a:r>
+              <a:rPr lang="en-US" altLang="ko-KR" dirty="0"/>
+              <a:t>Example 1</a:t>
+            </a:r>
+            <a:endParaRPr lang="ko-KR" altLang="en-US" dirty="0"/>
+          </a:p>
+        </p:txBody>
+      </p:sp>
+      <p:sp>
+        <p:nvSpPr>
+          <p:cNvPr id="3" name="내용 개체 틀 2">
+            <a:extLst>
+              <a:ext uri="{FF2B5EF4-FFF2-40B4-BE49-F238E27FC236}">
+                <a16:creationId xmlns:a16="http://schemas.microsoft.com/office/drawing/2014/main" id="{1C090052-7E76-E991-8566-92309363527D}"/>
+              </a:ext>
+            </a:extLst>
+          </p:cNvPr>
+          <p:cNvSpPr>
+            <a:spLocks noGrp="1"/>
+          </p:cNvSpPr>
+          <p:nvPr>
+            <p:ph idx="1"/>
+          </p:nvPr>
+        </p:nvSpPr>
+        <p:spPr>
+          <a:xfrm>
+            <a:off x="3534473" y="1512322"/>
+            <a:ext cx="8101441" cy="4859029"/>
+          </a:xfrm>
+        </p:spPr>
+        <p:txBody>
+          <a:bodyPr>
+            <a:normAutofit/>
+          </a:bodyPr>
+          <a:lstStyle/>
+          <a:p>
+            <a:pPr marL="0" indent="0">
+              <a:buNone/>
+            </a:pPr>
+            <a:r>
+              <a:rPr lang="en-US" altLang="ko-KR" sz="2500" dirty="0"/>
+              <a:t>Random </a:t>
+            </a:r>
+            <a:r>
+              <a:rPr lang="ko-KR" altLang="en-US" sz="2500" dirty="0"/>
+              <a:t>하게 생성되는 </a:t>
+            </a:r>
+            <a:r>
+              <a:rPr lang="en-US" altLang="ko-KR" sz="2500" dirty="0"/>
+              <a:t>key</a:t>
+            </a:r>
+            <a:r>
+              <a:rPr lang="ko-KR" altLang="en-US" sz="2500" dirty="0"/>
+              <a:t>를 </a:t>
+            </a:r>
+            <a:r>
+              <a:rPr lang="en-US" altLang="ko-KR" sz="2500" dirty="0"/>
+              <a:t>input</a:t>
+            </a:r>
+            <a:r>
+              <a:rPr lang="ko-KR" altLang="en-US" sz="2500" dirty="0"/>
+              <a:t>으로 넣어야 함</a:t>
+            </a:r>
+            <a:r>
+              <a:rPr lang="en-US" altLang="ko-KR" sz="2500" dirty="0"/>
+              <a:t>.</a:t>
+            </a:r>
+          </a:p>
+          <a:p>
+            <a:pPr marL="0" indent="0">
+              <a:buNone/>
+            </a:pPr>
+            <a:endParaRPr lang="en-US" altLang="ko-KR" sz="2500" dirty="0"/>
+          </a:p>
+          <a:p>
+            <a:pPr marL="0" indent="0">
+              <a:buNone/>
+            </a:pPr>
+            <a:r>
+              <a:rPr lang="en-US" altLang="ko-KR" sz="2500" dirty="0" err="1"/>
+              <a:t>Printf</a:t>
+            </a:r>
+            <a:r>
+              <a:rPr lang="en-US" altLang="ko-KR" sz="2500" dirty="0"/>
+              <a:t>(</a:t>
+            </a:r>
+            <a:r>
+              <a:rPr lang="en-US" altLang="ko-KR" sz="2500" dirty="0" err="1"/>
+              <a:t>fmt</a:t>
+            </a:r>
+            <a:r>
+              <a:rPr lang="en-US" altLang="ko-KR" sz="2500" dirty="0"/>
+              <a:t>) </a:t>
+            </a:r>
+            <a:r>
+              <a:rPr lang="ko-KR" altLang="en-US" sz="2500" dirty="0"/>
+              <a:t>에서 </a:t>
+            </a:r>
+            <a:r>
+              <a:rPr lang="en-US" altLang="ko-KR" sz="2500" dirty="0" err="1"/>
+              <a:t>fsb</a:t>
+            </a:r>
+            <a:r>
+              <a:rPr lang="en-US" altLang="ko-KR" sz="2500" dirty="0"/>
+              <a:t> </a:t>
+            </a:r>
+            <a:r>
+              <a:rPr lang="ko-KR" altLang="en-US" sz="2500" dirty="0"/>
+              <a:t>가능</a:t>
+            </a:r>
+            <a:endParaRPr lang="en-US" altLang="ko-KR" sz="2500" dirty="0"/>
+          </a:p>
+          <a:p>
+            <a:pPr marL="0" indent="0">
+              <a:buNone/>
+            </a:pPr>
+            <a:endParaRPr lang="en-US" altLang="ko-KR" sz="2500" dirty="0"/>
+          </a:p>
+          <a:p>
+            <a:pPr marL="0" indent="0">
+              <a:buNone/>
+            </a:pPr>
+            <a:r>
+              <a:rPr lang="en-US" altLang="ko-KR" sz="2500" dirty="0"/>
+              <a:t>-&gt; offset </a:t>
+            </a:r>
+            <a:r>
+              <a:rPr lang="ko-KR" altLang="en-US" sz="2500" dirty="0"/>
+              <a:t>계산 잘해서 </a:t>
+            </a:r>
+            <a:r>
+              <a:rPr lang="en-US" altLang="ko-KR" sz="2500" dirty="0"/>
+              <a:t>key</a:t>
+            </a:r>
+            <a:r>
+              <a:rPr lang="ko-KR" altLang="en-US" sz="2500" dirty="0"/>
+              <a:t>를 출력할 수 있음</a:t>
+            </a:r>
+            <a:r>
+              <a:rPr lang="en-US" altLang="ko-KR" sz="2500" dirty="0"/>
+              <a:t>.</a:t>
+            </a:r>
+          </a:p>
+          <a:p>
+            <a:pPr marL="0" indent="0">
+              <a:buNone/>
+            </a:pPr>
+            <a:endParaRPr lang="ko-KR" altLang="en-US" sz="2300" dirty="0"/>
+          </a:p>
+        </p:txBody>
+      </p:sp>
+      <p:pic>
+        <p:nvPicPr>
+          <p:cNvPr id="5" name="그림 4">
+            <a:extLst>
+              <a:ext uri="{FF2B5EF4-FFF2-40B4-BE49-F238E27FC236}">
+                <a16:creationId xmlns:a16="http://schemas.microsoft.com/office/drawing/2014/main" id="{FD0CDD60-678D-7DF9-62A6-03BEBB821DEC}"/>
+              </a:ext>
+            </a:extLst>
+          </p:cNvPr>
+          <p:cNvPicPr>
+            <a:picLocks noChangeAspect="1"/>
+          </p:cNvPicPr>
+          <p:nvPr/>
+        </p:nvPicPr>
+        <p:blipFill>
+          <a:blip r:embed="rId2"/>
+          <a:stretch>
+            <a:fillRect/>
+          </a:stretch>
+        </p:blipFill>
+        <p:spPr>
+          <a:xfrm>
+            <a:off x="838200" y="1508342"/>
+            <a:ext cx="2461467" cy="4959752"/>
+          </a:xfrm>
+          <a:prstGeom prst="rect">
+            <a:avLst/>
+          </a:prstGeom>
+        </p:spPr>
+      </p:pic>
+    </p:spTree>
+    <p:extLst>
+      <p:ext uri="{BB962C8B-B14F-4D97-AF65-F5344CB8AC3E}">
+        <p14:creationId xmlns:p14="http://schemas.microsoft.com/office/powerpoint/2010/main" val="844853368"/>
+      </p:ext>
+    </p:extLst>
+  </p:cSld>
+  <p:clrMapOvr>
+    <a:masterClrMapping/>
+  </p:clrMapOvr>
+</p:sld>
+</file>
+
+<file path=ppt/slides/slide21.xml><?xml version="1.0" encoding="utf-8"?>
+<p:sld xmlns:a="http://schemas.openxmlformats.org/drawingml/2006/main" xmlns:r="http://schemas.openxmlformats.org/officeDocument/2006/relationships" xmlns:p="http://schemas.openxmlformats.org/presentationml/2006/main">
+  <p:cSld>
+    <p:spTree>
+      <p:nvGrpSpPr>
+        <p:cNvPr id="1" name=""/>
+        <p:cNvGrpSpPr/>
+        <p:nvPr/>
+      </p:nvGrpSpPr>
+      <p:grpSpPr>
+        <a:xfrm>
+          <a:off x="0" y="0"/>
+          <a:ext cx="0" cy="0"/>
+          <a:chOff x="0" y="0"/>
+          <a:chExt cx="0" cy="0"/>
+        </a:xfrm>
+      </p:grpSpPr>
+      <p:sp>
+        <p:nvSpPr>
+          <p:cNvPr id="2" name="제목 1">
+            <a:extLst>
+              <a:ext uri="{FF2B5EF4-FFF2-40B4-BE49-F238E27FC236}">
+                <a16:creationId xmlns:a16="http://schemas.microsoft.com/office/drawing/2014/main" id="{90C10742-47FA-97B4-D839-52ED634BE470}"/>
+              </a:ext>
+            </a:extLst>
+          </p:cNvPr>
+          <p:cNvSpPr>
+            <a:spLocks noGrp="1"/>
+          </p:cNvSpPr>
+          <p:nvPr>
+            <p:ph type="title"/>
+          </p:nvPr>
+        </p:nvSpPr>
+        <p:spPr/>
+        <p:txBody>
+          <a:bodyPr/>
+          <a:lstStyle/>
+          <a:p>
+            <a:r>
+              <a:rPr lang="en-US" altLang="ko-KR" dirty="0"/>
+              <a:t>Example 2</a:t>
+            </a:r>
+            <a:endParaRPr lang="ko-KR" altLang="en-US" dirty="0"/>
+          </a:p>
+        </p:txBody>
+      </p:sp>
+      <p:sp>
+        <p:nvSpPr>
+          <p:cNvPr id="3" name="내용 개체 틀 2">
+            <a:extLst>
+              <a:ext uri="{FF2B5EF4-FFF2-40B4-BE49-F238E27FC236}">
+                <a16:creationId xmlns:a16="http://schemas.microsoft.com/office/drawing/2014/main" id="{A952C6FC-50DC-0A7A-28B2-D63EE2904392}"/>
+              </a:ext>
+            </a:extLst>
+          </p:cNvPr>
+          <p:cNvSpPr>
+            <a:spLocks noGrp="1"/>
+          </p:cNvSpPr>
+          <p:nvPr>
+            <p:ph idx="1"/>
+          </p:nvPr>
+        </p:nvSpPr>
+        <p:spPr>
+          <a:xfrm>
+            <a:off x="4403769" y="1423951"/>
+            <a:ext cx="7155364" cy="5221050"/>
+          </a:xfrm>
+        </p:spPr>
+        <p:txBody>
+          <a:bodyPr/>
+          <a:lstStyle/>
+          <a:p>
+            <a:pPr marL="0" indent="0">
+              <a:buNone/>
+            </a:pPr>
+            <a:r>
+              <a:rPr lang="ko-KR" altLang="en-US" dirty="0"/>
+              <a:t>전역변수 </a:t>
+            </a:r>
+            <a:r>
+              <a:rPr lang="en-US" altLang="ko-KR" dirty="0"/>
+              <a:t>token</a:t>
+            </a:r>
+            <a:r>
+              <a:rPr lang="ko-KR" altLang="en-US" dirty="0"/>
+              <a:t>을 </a:t>
+            </a:r>
+            <a:r>
+              <a:rPr lang="en-US" altLang="ko-KR" dirty="0"/>
+              <a:t>1234</a:t>
+            </a:r>
+            <a:r>
+              <a:rPr lang="ko-KR" altLang="en-US" dirty="0"/>
+              <a:t>로 덮어야 함</a:t>
+            </a:r>
+            <a:r>
+              <a:rPr lang="en-US" altLang="ko-KR" dirty="0"/>
+              <a:t>.</a:t>
+            </a:r>
+          </a:p>
+          <a:p>
+            <a:pPr marL="0" indent="0">
+              <a:buNone/>
+            </a:pPr>
+            <a:endParaRPr lang="en-US" altLang="ko-KR" dirty="0"/>
+          </a:p>
+          <a:p>
+            <a:pPr marL="0" indent="0">
+              <a:buNone/>
+            </a:pPr>
+            <a:r>
+              <a:rPr lang="en-US" altLang="ko-KR" sz="2800" dirty="0" err="1"/>
+              <a:t>Printf</a:t>
+            </a:r>
+            <a:r>
+              <a:rPr lang="en-US" altLang="ko-KR" sz="2800" dirty="0"/>
+              <a:t>(</a:t>
+            </a:r>
+            <a:r>
+              <a:rPr lang="en-US" altLang="ko-KR" sz="2800" dirty="0" err="1"/>
+              <a:t>fmt</a:t>
+            </a:r>
+            <a:r>
+              <a:rPr lang="en-US" altLang="ko-KR" sz="2800" dirty="0"/>
+              <a:t>) </a:t>
+            </a:r>
+            <a:r>
+              <a:rPr lang="ko-KR" altLang="en-US" sz="2800" dirty="0"/>
+              <a:t>에서 </a:t>
+            </a:r>
+            <a:r>
+              <a:rPr lang="en-US" altLang="ko-KR" sz="2800" dirty="0" err="1"/>
+              <a:t>fsb</a:t>
+            </a:r>
+            <a:r>
+              <a:rPr lang="en-US" altLang="ko-KR" sz="2800" dirty="0"/>
+              <a:t> </a:t>
+            </a:r>
+            <a:r>
+              <a:rPr lang="ko-KR" altLang="en-US" sz="2800" dirty="0"/>
+              <a:t>가능</a:t>
+            </a:r>
+            <a:endParaRPr lang="en-US" altLang="ko-KR" dirty="0"/>
+          </a:p>
+          <a:p>
+            <a:pPr marL="0" indent="0">
+              <a:buNone/>
+            </a:pPr>
+            <a:endParaRPr lang="en-US" altLang="ko-KR" dirty="0"/>
+          </a:p>
+          <a:p>
+            <a:pPr marL="0" indent="0">
+              <a:buNone/>
+            </a:pPr>
+            <a:r>
+              <a:rPr lang="en-US" altLang="ko-KR" dirty="0"/>
+              <a:t>token </a:t>
+            </a:r>
+            <a:r>
+              <a:rPr lang="ko-KR" altLang="en-US" dirty="0"/>
+              <a:t>주소는 고정</a:t>
+            </a:r>
+            <a:endParaRPr lang="en-US" altLang="ko-KR" dirty="0"/>
+          </a:p>
+          <a:p>
+            <a:pPr marL="0" indent="0">
+              <a:buNone/>
+            </a:pPr>
+            <a:r>
+              <a:rPr lang="en-US" altLang="ko-KR" sz="2500" dirty="0"/>
+              <a:t>-&gt; offset</a:t>
+            </a:r>
+            <a:r>
+              <a:rPr lang="ko-KR" altLang="en-US" sz="2500" dirty="0"/>
+              <a:t> 구하고 계산 잘 해서 </a:t>
+            </a:r>
+            <a:r>
+              <a:rPr lang="en-US" altLang="ko-KR" sz="2500" dirty="0"/>
+              <a:t>%n</a:t>
+            </a:r>
+            <a:r>
+              <a:rPr lang="ko-KR" altLang="en-US" sz="2500" dirty="0"/>
+              <a:t>으로 덮어주기</a:t>
+            </a:r>
+            <a:endParaRPr lang="en-US" altLang="ko-KR" sz="2500" dirty="0"/>
+          </a:p>
+        </p:txBody>
+      </p:sp>
+      <p:pic>
+        <p:nvPicPr>
+          <p:cNvPr id="5" name="그림 4">
+            <a:extLst>
+              <a:ext uri="{FF2B5EF4-FFF2-40B4-BE49-F238E27FC236}">
+                <a16:creationId xmlns:a16="http://schemas.microsoft.com/office/drawing/2014/main" id="{A973EF19-B1EB-4719-598C-B180F8974276}"/>
+              </a:ext>
+            </a:extLst>
+          </p:cNvPr>
+          <p:cNvPicPr>
+            <a:picLocks noChangeAspect="1"/>
+          </p:cNvPicPr>
+          <p:nvPr/>
+        </p:nvPicPr>
+        <p:blipFill>
+          <a:blip r:embed="rId2"/>
+          <a:stretch>
+            <a:fillRect/>
+          </a:stretch>
+        </p:blipFill>
+        <p:spPr>
+          <a:xfrm>
+            <a:off x="838200" y="1423951"/>
+            <a:ext cx="3180157" cy="5221050"/>
+          </a:xfrm>
+          <a:prstGeom prst="rect">
+            <a:avLst/>
+          </a:prstGeom>
+        </p:spPr>
+      </p:pic>
+    </p:spTree>
+    <p:extLst>
+      <p:ext uri="{BB962C8B-B14F-4D97-AF65-F5344CB8AC3E}">
+        <p14:creationId xmlns:p14="http://schemas.microsoft.com/office/powerpoint/2010/main" val="836031460"/>
+      </p:ext>
+    </p:extLst>
+  </p:cSld>
+  <p:clrMapOvr>
+    <a:masterClrMapping/>
+  </p:clrMapOvr>
+</p:sld>
+</file>
+
+<file path=ppt/slides/slide22.xml><?xml version="1.0" encoding="utf-8"?>
+<p:sld xmlns:a="http://schemas.openxmlformats.org/drawingml/2006/main" xmlns:r="http://schemas.openxmlformats.org/officeDocument/2006/relationships" xmlns:p="http://schemas.openxmlformats.org/presentationml/2006/main">
+  <p:cSld>
+    <p:spTree>
+      <p:nvGrpSpPr>
+        <p:cNvPr id="1" name=""/>
+        <p:cNvGrpSpPr/>
+        <p:nvPr/>
+      </p:nvGrpSpPr>
+      <p:grpSpPr>
+        <a:xfrm>
+          <a:off x="0" y="0"/>
+          <a:ext cx="0" cy="0"/>
+          <a:chOff x="0" y="0"/>
+          <a:chExt cx="0" cy="0"/>
+        </a:xfrm>
+      </p:grpSpPr>
+      <p:sp>
+        <p:nvSpPr>
+          <p:cNvPr id="2" name="제목 1">
+            <a:extLst>
+              <a:ext uri="{FF2B5EF4-FFF2-40B4-BE49-F238E27FC236}">
+                <a16:creationId xmlns:a16="http://schemas.microsoft.com/office/drawing/2014/main" id="{73F15C1E-EF9B-0BA1-B0FF-9D4EE717A0D2}"/>
+              </a:ext>
+            </a:extLst>
+          </p:cNvPr>
+          <p:cNvSpPr>
+            <a:spLocks noGrp="1"/>
+          </p:cNvSpPr>
+          <p:nvPr>
+            <p:ph type="title"/>
+          </p:nvPr>
+        </p:nvSpPr>
+        <p:spPr/>
+        <p:txBody>
+          <a:bodyPr/>
+          <a:lstStyle/>
+          <a:p>
+            <a:r>
+              <a:rPr lang="en-US" altLang="ko-KR" dirty="0"/>
+              <a:t>Example 3</a:t>
+            </a:r>
+            <a:endParaRPr lang="ko-KR" altLang="en-US" dirty="0"/>
+          </a:p>
+        </p:txBody>
+      </p:sp>
+      <p:sp>
+        <p:nvSpPr>
+          <p:cNvPr id="3" name="내용 개체 틀 2">
+            <a:extLst>
+              <a:ext uri="{FF2B5EF4-FFF2-40B4-BE49-F238E27FC236}">
+                <a16:creationId xmlns:a16="http://schemas.microsoft.com/office/drawing/2014/main" id="{A9C8E165-F249-F66B-751C-1D71D6D0F24F}"/>
+              </a:ext>
+            </a:extLst>
+          </p:cNvPr>
+          <p:cNvSpPr>
+            <a:spLocks noGrp="1"/>
+          </p:cNvSpPr>
+          <p:nvPr>
+            <p:ph idx="1"/>
+          </p:nvPr>
+        </p:nvSpPr>
+        <p:spPr>
+          <a:xfrm>
+            <a:off x="6561344" y="1690688"/>
+            <a:ext cx="4792456" cy="4351338"/>
+          </a:xfrm>
+        </p:spPr>
+        <p:txBody>
+          <a:bodyPr/>
+          <a:lstStyle/>
+          <a:p>
+            <a:pPr marL="0" indent="0">
+              <a:buNone/>
+            </a:pPr>
+            <a:r>
+              <a:rPr lang="en-US" altLang="ko-KR" dirty="0" err="1"/>
+              <a:t>Printf</a:t>
+            </a:r>
+            <a:r>
+              <a:rPr lang="en-US" altLang="ko-KR" dirty="0"/>
+              <a:t>(</a:t>
+            </a:r>
+            <a:r>
+              <a:rPr lang="en-US" altLang="ko-KR" dirty="0" err="1"/>
+              <a:t>buf</a:t>
+            </a:r>
+            <a:r>
+              <a:rPr lang="en-US" altLang="ko-KR" dirty="0"/>
+              <a:t>) </a:t>
+            </a:r>
+            <a:r>
+              <a:rPr lang="ko-KR" altLang="en-US" dirty="0"/>
+              <a:t>에서 </a:t>
+            </a:r>
+            <a:r>
+              <a:rPr lang="en-US" altLang="ko-KR" dirty="0" err="1"/>
+              <a:t>fsb</a:t>
+            </a:r>
+            <a:r>
+              <a:rPr lang="en-US" altLang="ko-KR" dirty="0"/>
+              <a:t>.</a:t>
+            </a:r>
+          </a:p>
+          <a:p>
+            <a:pPr marL="0" indent="0">
+              <a:buNone/>
+            </a:pPr>
+            <a:endParaRPr lang="en-US" altLang="ko-KR" dirty="0"/>
+          </a:p>
+          <a:p>
+            <a:pPr marL="0" indent="0">
+              <a:buNone/>
+            </a:pPr>
+            <a:r>
+              <a:rPr lang="en-US" altLang="ko-KR" dirty="0"/>
+              <a:t>Gift </a:t>
+            </a:r>
+            <a:r>
+              <a:rPr lang="ko-KR" altLang="en-US" dirty="0"/>
+              <a:t>실행해주면 쉘 나옴</a:t>
+            </a:r>
+            <a:r>
+              <a:rPr lang="en-US" altLang="ko-KR" dirty="0"/>
+              <a:t>.</a:t>
+            </a:r>
+          </a:p>
+          <a:p>
+            <a:pPr marL="0" indent="0">
+              <a:buNone/>
+            </a:pPr>
+            <a:endParaRPr lang="en-US" altLang="ko-KR" dirty="0"/>
+          </a:p>
+          <a:p>
+            <a:pPr marL="0" indent="0">
+              <a:buNone/>
+            </a:pPr>
+            <a:r>
+              <a:rPr lang="en-US" altLang="ko-KR" dirty="0"/>
+              <a:t>-&gt; exit got</a:t>
+            </a:r>
+            <a:r>
+              <a:rPr lang="ko-KR" altLang="en-US" dirty="0"/>
+              <a:t>를 덮어주자</a:t>
+            </a:r>
+            <a:r>
+              <a:rPr lang="en-US" altLang="ko-KR" dirty="0"/>
+              <a:t>!</a:t>
+            </a:r>
+            <a:endParaRPr lang="ko-KR" altLang="en-US" dirty="0"/>
+          </a:p>
+        </p:txBody>
+      </p:sp>
+      <p:pic>
+        <p:nvPicPr>
+          <p:cNvPr id="5" name="그림 4">
+            <a:extLst>
+              <a:ext uri="{FF2B5EF4-FFF2-40B4-BE49-F238E27FC236}">
+                <a16:creationId xmlns:a16="http://schemas.microsoft.com/office/drawing/2014/main" id="{DAFF0598-C2BB-5A4C-A042-924D202A5142}"/>
+              </a:ext>
+            </a:extLst>
+          </p:cNvPr>
+          <p:cNvPicPr>
+            <a:picLocks noChangeAspect="1"/>
+          </p:cNvPicPr>
+          <p:nvPr/>
+        </p:nvPicPr>
+        <p:blipFill>
+          <a:blip r:embed="rId2"/>
+          <a:stretch>
+            <a:fillRect/>
+          </a:stretch>
+        </p:blipFill>
+        <p:spPr>
+          <a:xfrm>
+            <a:off x="438275" y="1690688"/>
+            <a:ext cx="5962526" cy="4179799"/>
+          </a:xfrm>
+          <a:prstGeom prst="rect">
+            <a:avLst/>
+          </a:prstGeom>
+        </p:spPr>
+      </p:pic>
+    </p:spTree>
+    <p:extLst>
+      <p:ext uri="{BB962C8B-B14F-4D97-AF65-F5344CB8AC3E}">
+        <p14:creationId xmlns:p14="http://schemas.microsoft.com/office/powerpoint/2010/main" val="962112240"/>
+      </p:ext>
+    </p:extLst>
+  </p:cSld>
+  <p:clrMapOvr>
+    <a:masterClrMapping/>
+  </p:clrMapOvr>
+</p:sld>
+</file>
+
+<file path=ppt/slides/slide23.xml><?xml version="1.0" encoding="utf-8"?>
+<p:sld xmlns:a="http://schemas.openxmlformats.org/drawingml/2006/main" xmlns:r="http://schemas.openxmlformats.org/officeDocument/2006/relationships" xmlns:p="http://schemas.openxmlformats.org/presentationml/2006/main">
+  <p:cSld>
+    <p:spTree>
+      <p:nvGrpSpPr>
+        <p:cNvPr id="1" name=""/>
+        <p:cNvGrpSpPr/>
+        <p:nvPr/>
+      </p:nvGrpSpPr>
+      <p:grpSpPr>
+        <a:xfrm>
+          <a:off x="0" y="0"/>
+          <a:ext cx="0" cy="0"/>
+          <a:chOff x="0" y="0"/>
+          <a:chExt cx="0" cy="0"/>
+        </a:xfrm>
+      </p:grpSpPr>
+      <p:sp>
+        <p:nvSpPr>
+          <p:cNvPr id="2" name="제목 1">
+            <a:extLst>
+              <a:ext uri="{FF2B5EF4-FFF2-40B4-BE49-F238E27FC236}">
+                <a16:creationId xmlns:a16="http://schemas.microsoft.com/office/drawing/2014/main" id="{35C64855-B9DF-02B9-1899-86EBFDAEBDF0}"/>
+              </a:ext>
+            </a:extLst>
+          </p:cNvPr>
+          <p:cNvSpPr>
+            <a:spLocks noGrp="1"/>
+          </p:cNvSpPr>
+          <p:nvPr>
+            <p:ph type="title"/>
+          </p:nvPr>
+        </p:nvSpPr>
+        <p:spPr>
+          <a:xfrm>
+            <a:off x="838200" y="2766218"/>
+            <a:ext cx="10515600" cy="1325563"/>
+          </a:xfrm>
+        </p:spPr>
+        <p:txBody>
+          <a:bodyPr/>
+          <a:lstStyle/>
+          <a:p>
+            <a:pPr algn="ctr"/>
+            <a:r>
+              <a:rPr lang="en-US" altLang="ko-KR" b="1" dirty="0"/>
+              <a:t>FSB Q&amp;A</a:t>
+            </a:r>
+            <a:endParaRPr lang="ko-KR" altLang="en-US" b="1" dirty="0"/>
+          </a:p>
+        </p:txBody>
+      </p:sp>
+    </p:spTree>
+    <p:extLst>
+      <p:ext uri="{BB962C8B-B14F-4D97-AF65-F5344CB8AC3E}">
+        <p14:creationId xmlns:p14="http://schemas.microsoft.com/office/powerpoint/2010/main" val="3495985305"/>
+      </p:ext>
+    </p:extLst>
+  </p:cSld>
+  <p:clrMapOvr>
+    <a:masterClrMapping/>
+  </p:clrMapOvr>
+</p:sld>
+</file>
+
+<file path=ppt/slides/slide24.xml><?xml version="1.0" encoding="utf-8"?>
+<p:sld xmlns:a="http://schemas.openxmlformats.org/drawingml/2006/main" xmlns:r="http://schemas.openxmlformats.org/officeDocument/2006/relationships" xmlns:p="http://schemas.openxmlformats.org/presentationml/2006/main">
+  <p:cSld>
+    <p:spTree>
+      <p:nvGrpSpPr>
+        <p:cNvPr id="1" name=""/>
+        <p:cNvGrpSpPr/>
+        <p:nvPr/>
+      </p:nvGrpSpPr>
+      <p:grpSpPr>
+        <a:xfrm>
+          <a:off x="0" y="0"/>
+          <a:ext cx="0" cy="0"/>
+          <a:chOff x="0" y="0"/>
+          <a:chExt cx="0" cy="0"/>
+        </a:xfrm>
+      </p:grpSpPr>
+      <p:sp>
+        <p:nvSpPr>
+          <p:cNvPr id="2" name="제목 1">
+            <a:extLst>
+              <a:ext uri="{FF2B5EF4-FFF2-40B4-BE49-F238E27FC236}">
+                <a16:creationId xmlns:a16="http://schemas.microsoft.com/office/drawing/2014/main" id="{BB0F8140-9F37-5091-0C63-98368C79C91C}"/>
+              </a:ext>
+            </a:extLst>
+          </p:cNvPr>
+          <p:cNvSpPr>
+            <a:spLocks noGrp="1"/>
+          </p:cNvSpPr>
+          <p:nvPr>
+            <p:ph type="title"/>
+          </p:nvPr>
+        </p:nvSpPr>
+        <p:spPr>
+          <a:xfrm>
+            <a:off x="838200" y="158087"/>
+            <a:ext cx="10515600" cy="1325563"/>
+          </a:xfrm>
+        </p:spPr>
+        <p:txBody>
+          <a:bodyPr/>
+          <a:lstStyle/>
+          <a:p>
+            <a:r>
+              <a:rPr lang="en-US" altLang="ko-KR" dirty="0" err="1"/>
+              <a:t>Assingment</a:t>
+            </a:r>
+            <a:endParaRPr lang="ko-KR" altLang="en-US" dirty="0"/>
+          </a:p>
+        </p:txBody>
+      </p:sp>
+      <p:sp>
+        <p:nvSpPr>
+          <p:cNvPr id="3" name="내용 개체 틀 2">
+            <a:extLst>
+              <a:ext uri="{FF2B5EF4-FFF2-40B4-BE49-F238E27FC236}">
+                <a16:creationId xmlns:a16="http://schemas.microsoft.com/office/drawing/2014/main" id="{2D65D11E-DB76-EF85-6B18-DC6B81558174}"/>
+              </a:ext>
+            </a:extLst>
+          </p:cNvPr>
+          <p:cNvSpPr>
+            <a:spLocks noGrp="1"/>
+          </p:cNvSpPr>
+          <p:nvPr>
+            <p:ph idx="1"/>
+          </p:nvPr>
+        </p:nvSpPr>
+        <p:spPr>
+          <a:xfrm>
+            <a:off x="838200" y="1263732"/>
+            <a:ext cx="10515600" cy="5247028"/>
+          </a:xfrm>
+        </p:spPr>
+        <p:txBody>
+          <a:bodyPr>
+            <a:normAutofit fontScale="92500" lnSpcReduction="20000"/>
+          </a:bodyPr>
+          <a:lstStyle/>
+          <a:p>
+            <a:pPr marL="0" indent="0">
+              <a:buNone/>
+            </a:pPr>
+            <a:r>
+              <a:rPr lang="en-US" altLang="ko-KR" sz="1800" dirty="0"/>
+              <a:t>Homework </a:t>
+            </a:r>
+            <a:r>
+              <a:rPr lang="ko-KR" altLang="en-US" sz="1800" dirty="0"/>
+              <a:t>디렉토리에 있는 문제들 푸시면 됩니다</a:t>
+            </a:r>
+            <a:r>
+              <a:rPr lang="en-US" altLang="ko-KR" sz="1800" dirty="0"/>
+              <a:t>.</a:t>
+            </a:r>
+          </a:p>
+          <a:p>
+            <a:pPr marL="0" indent="0">
+              <a:buNone/>
+            </a:pPr>
+            <a:endParaRPr lang="en-US" altLang="ko-KR" sz="1800" dirty="0"/>
+          </a:p>
+          <a:p>
+            <a:pPr marL="0" indent="0">
+              <a:buNone/>
+            </a:pPr>
+            <a:r>
+              <a:rPr lang="en-US" altLang="ko-KR" sz="1800" dirty="0" err="1"/>
+              <a:t>oneshot</a:t>
+            </a:r>
+            <a:r>
+              <a:rPr lang="en-US" altLang="ko-KR" sz="1800" dirty="0"/>
+              <a:t> gadget</a:t>
+            </a:r>
+            <a:r>
+              <a:rPr lang="ko-KR" altLang="en-US" sz="1800" dirty="0"/>
+              <a:t>은 </a:t>
+            </a:r>
+            <a:r>
+              <a:rPr lang="en-US" altLang="ko-KR" sz="1800" dirty="0" err="1"/>
+              <a:t>ez_rop</a:t>
+            </a:r>
+            <a:r>
+              <a:rPr lang="ko-KR" altLang="en-US" sz="1800" dirty="0"/>
+              <a:t>를 제외한 나머지 모든 문제에 쓰셔도 됩니다</a:t>
+            </a:r>
+            <a:endParaRPr lang="en-US" altLang="ko-KR" sz="1800" dirty="0"/>
+          </a:p>
+          <a:p>
+            <a:pPr marL="0" indent="0">
+              <a:buNone/>
+            </a:pPr>
+            <a:endParaRPr lang="en-US" altLang="ko-KR" sz="1800" dirty="0"/>
+          </a:p>
+          <a:p>
+            <a:pPr marL="0" indent="0">
+              <a:buNone/>
+            </a:pPr>
+            <a:r>
+              <a:rPr lang="ko-KR" altLang="en-US" sz="1800" b="1" dirty="0"/>
+              <a:t>이건 무조건 풀기 </a:t>
+            </a:r>
+            <a:r>
+              <a:rPr lang="en-US" altLang="ko-KR" sz="1800" b="1" dirty="0"/>
+              <a:t>: </a:t>
+            </a:r>
+            <a:r>
+              <a:rPr lang="en-US" altLang="ko-KR" sz="1800" b="1" dirty="0" err="1"/>
+              <a:t>ez_rop</a:t>
+            </a:r>
+            <a:r>
+              <a:rPr lang="en-US" altLang="ko-KR" sz="1800" b="1" dirty="0"/>
+              <a:t>, </a:t>
+            </a:r>
+            <a:r>
+              <a:rPr lang="en-US" altLang="ko-KR" sz="1800" b="1" dirty="0" err="1"/>
+              <a:t>oneshot</a:t>
+            </a:r>
+            <a:r>
+              <a:rPr lang="en-US" altLang="ko-KR" sz="1800" b="1" dirty="0"/>
+              <a:t>, oneshot1, onetime</a:t>
+            </a:r>
+          </a:p>
+          <a:p>
+            <a:pPr marL="0" indent="0">
+              <a:buNone/>
+            </a:pPr>
+            <a:endParaRPr lang="en-US" altLang="ko-KR" sz="1800" dirty="0"/>
+          </a:p>
+          <a:p>
+            <a:pPr marL="0" indent="0">
+              <a:buNone/>
+            </a:pPr>
+            <a:r>
+              <a:rPr lang="en-US" altLang="ko-KR" sz="1800" dirty="0"/>
+              <a:t>Note</a:t>
+            </a:r>
+            <a:r>
+              <a:rPr lang="ko-KR" altLang="en-US" sz="1800" dirty="0"/>
+              <a:t>와 </a:t>
+            </a:r>
+            <a:r>
+              <a:rPr lang="en-US" altLang="ko-KR" sz="1800" dirty="0" err="1"/>
+              <a:t>helpme</a:t>
+            </a:r>
+            <a:r>
+              <a:rPr lang="ko-KR" altLang="en-US" sz="1800" dirty="0"/>
+              <a:t>는 </a:t>
+            </a:r>
+            <a:r>
+              <a:rPr lang="ko-KR" altLang="en-US" sz="1800" dirty="0" err="1"/>
+              <a:t>익스를</a:t>
+            </a:r>
+            <a:r>
+              <a:rPr lang="ko-KR" altLang="en-US" sz="1800" dirty="0"/>
+              <a:t> 못하더라도 </a:t>
+            </a:r>
+            <a:r>
+              <a:rPr lang="ko-KR" altLang="en-US" sz="1800" b="1" dirty="0"/>
+              <a:t>최대한 분석하고</a:t>
+            </a:r>
+            <a:r>
+              <a:rPr lang="en-US" altLang="ko-KR" sz="1800" dirty="0"/>
+              <a:t>, </a:t>
+            </a:r>
+            <a:r>
+              <a:rPr lang="ko-KR" altLang="en-US" sz="1800" dirty="0"/>
+              <a:t>생각한만큼 </a:t>
+            </a:r>
+            <a:r>
+              <a:rPr lang="ko-KR" altLang="en-US" sz="1800" dirty="0" err="1"/>
+              <a:t>써주시길</a:t>
+            </a:r>
+            <a:r>
+              <a:rPr lang="ko-KR" altLang="en-US" sz="1800" dirty="0"/>
+              <a:t> 바랍니다</a:t>
+            </a:r>
+            <a:r>
+              <a:rPr lang="en-US" altLang="ko-KR" sz="1800" dirty="0"/>
+              <a:t>.</a:t>
+            </a:r>
+          </a:p>
+          <a:p>
+            <a:pPr marL="0" indent="0">
+              <a:buNone/>
+            </a:pPr>
+            <a:endParaRPr lang="en-US" altLang="ko-KR" sz="1800" dirty="0"/>
+          </a:p>
+          <a:p>
+            <a:pPr marL="0" indent="0">
+              <a:lnSpc>
+                <a:spcPct val="160000"/>
+              </a:lnSpc>
+              <a:buNone/>
+            </a:pPr>
+            <a:r>
+              <a:rPr lang="en-US" altLang="ko-KR" sz="1800" dirty="0"/>
+              <a:t>Oneshot2</a:t>
+            </a:r>
+            <a:r>
+              <a:rPr lang="ko-KR" altLang="en-US" sz="1800" dirty="0"/>
+              <a:t>는 새로 </a:t>
+            </a:r>
+            <a:r>
+              <a:rPr lang="ko-KR" altLang="en-US" sz="1800" dirty="0" err="1"/>
+              <a:t>알아야할</a:t>
+            </a:r>
+            <a:r>
+              <a:rPr lang="ko-KR" altLang="en-US" sz="1800" dirty="0"/>
+              <a:t> 개념이 있습니다</a:t>
+            </a:r>
+            <a:r>
+              <a:rPr lang="en-US" altLang="ko-KR" sz="1800" dirty="0"/>
+              <a:t>.  Note, </a:t>
+            </a:r>
+            <a:r>
+              <a:rPr lang="en-US" altLang="ko-KR" sz="1800" dirty="0" err="1"/>
+              <a:t>helpme</a:t>
+            </a:r>
+            <a:r>
+              <a:rPr lang="ko-KR" altLang="en-US" sz="1800" dirty="0"/>
+              <a:t>와 마찬가지로 최대한 분석하시고 여러 방면으로 고민하신 뒤 과제로 최대한 써서 제출하시면 됩니다</a:t>
+            </a:r>
+            <a:r>
+              <a:rPr lang="en-US" altLang="ko-KR" sz="1800" dirty="0"/>
+              <a:t>.</a:t>
+            </a:r>
+          </a:p>
+          <a:p>
+            <a:pPr marL="0" indent="0">
+              <a:buNone/>
+            </a:pPr>
+            <a:endParaRPr lang="en-US" altLang="ko-KR" sz="1800" dirty="0"/>
+          </a:p>
+          <a:p>
+            <a:pPr marL="0" indent="0">
+              <a:buNone/>
+            </a:pPr>
+            <a:r>
+              <a:rPr lang="ko-KR" altLang="en-US" sz="1800" dirty="0"/>
+              <a:t>나름의 팁은 오늘 </a:t>
+            </a:r>
+            <a:r>
+              <a:rPr lang="en-US" altLang="ko-KR" sz="1800" dirty="0" err="1"/>
+              <a:t>rop</a:t>
+            </a:r>
+            <a:r>
+              <a:rPr lang="en-US" altLang="ko-KR" sz="1800" dirty="0"/>
+              <a:t>, </a:t>
+            </a:r>
+            <a:r>
+              <a:rPr lang="en-US" altLang="ko-KR" sz="1800" dirty="0" err="1"/>
+              <a:t>fsb</a:t>
+            </a:r>
+            <a:r>
+              <a:rPr lang="ko-KR" altLang="en-US" sz="1800" dirty="0"/>
+              <a:t>만 배웠다고 해당 내용에만 치중하지 말고 두 기법을 도구로 잘 사용해주시길</a:t>
+            </a:r>
+            <a:r>
+              <a:rPr lang="en-US" altLang="ko-KR" sz="1800" dirty="0"/>
+              <a:t>….</a:t>
+            </a:r>
+          </a:p>
+          <a:p>
+            <a:pPr marL="0" indent="0">
+              <a:buNone/>
+            </a:pPr>
+            <a:endParaRPr lang="en-US" altLang="ko-KR" sz="2300" dirty="0"/>
+          </a:p>
+          <a:p>
+            <a:pPr marL="0" indent="0">
+              <a:buNone/>
+            </a:pPr>
+            <a:r>
+              <a:rPr lang="ko-KR" altLang="en-US" sz="2300" b="1" dirty="0"/>
+              <a:t>과제는 </a:t>
+            </a:r>
+            <a:r>
+              <a:rPr lang="en-US" altLang="ko-KR" sz="2300" b="1" dirty="0"/>
+              <a:t>2</a:t>
+            </a:r>
+            <a:r>
+              <a:rPr lang="ko-KR" altLang="en-US" sz="2300" b="1" dirty="0"/>
+              <a:t>주일 뒤인 </a:t>
+            </a:r>
+            <a:r>
+              <a:rPr lang="en-US" altLang="ko-KR" sz="2300" b="1" dirty="0"/>
+              <a:t>5/1(</a:t>
+            </a:r>
+            <a:r>
+              <a:rPr lang="ko-KR" altLang="en-US" sz="2300" b="1" dirty="0"/>
+              <a:t>월</a:t>
+            </a:r>
+            <a:r>
+              <a:rPr lang="en-US" altLang="ko-KR" sz="2300" b="1" dirty="0"/>
+              <a:t>) </a:t>
+            </a:r>
+            <a:r>
+              <a:rPr lang="ko-KR" altLang="en-US" sz="2300" b="1" dirty="0"/>
+              <a:t>밤 </a:t>
+            </a:r>
+            <a:r>
+              <a:rPr lang="en-US" altLang="ko-KR" sz="2300" b="1" dirty="0"/>
+              <a:t>12</a:t>
+            </a:r>
+            <a:r>
+              <a:rPr lang="ko-KR" altLang="en-US" sz="2300" b="1" dirty="0"/>
+              <a:t>시까지 받겠습니다</a:t>
+            </a:r>
+            <a:r>
+              <a:rPr lang="en-US" altLang="ko-KR" sz="2300" b="1" dirty="0"/>
+              <a:t>~</a:t>
+            </a:r>
+          </a:p>
+          <a:p>
+            <a:pPr marL="0" indent="0">
+              <a:buNone/>
+            </a:pPr>
+            <a:r>
+              <a:rPr lang="ko-KR" altLang="en-US" sz="2300" dirty="0"/>
+              <a:t>추가로 다음주는 중간고사라 쉬어 갑니다</a:t>
+            </a:r>
+            <a:r>
+              <a:rPr lang="en-US" altLang="ko-KR" sz="2300" dirty="0"/>
+              <a:t>!</a:t>
+            </a:r>
+          </a:p>
+          <a:p>
+            <a:pPr marL="0" indent="0">
+              <a:buNone/>
+            </a:pPr>
+            <a:endParaRPr lang="en-US" altLang="ko-KR" sz="2300" dirty="0"/>
+          </a:p>
+        </p:txBody>
+      </p:sp>
+    </p:spTree>
+    <p:extLst>
+      <p:ext uri="{BB962C8B-B14F-4D97-AF65-F5344CB8AC3E}">
+        <p14:creationId xmlns:p14="http://schemas.microsoft.com/office/powerpoint/2010/main" val="171876877"/>
+      </p:ext>
+    </p:extLst>
+  </p:cSld>
+  <p:clrMapOvr>
+    <a:masterClrMapping/>
+  </p:clrMapOvr>
+</p:sld>
+</file>
+
+<file path=ppt/slides/slide25.xml><?xml version="1.0" encoding="utf-8"?>
+<p:sld xmlns:a="http://schemas.openxmlformats.org/drawingml/2006/main" xmlns:r="http://schemas.openxmlformats.org/officeDocument/2006/relationships" xmlns:p="http://schemas.openxmlformats.org/presentationml/2006/main">
+  <p:cSld>
+    <p:spTree>
+      <p:nvGrpSpPr>
+        <p:cNvPr id="1" name=""/>
+        <p:cNvGrpSpPr/>
+        <p:nvPr/>
+      </p:nvGrpSpPr>
+      <p:grpSpPr>
+        <a:xfrm>
+          <a:off x="0" y="0"/>
+          <a:ext cx="0" cy="0"/>
+          <a:chOff x="0" y="0"/>
+          <a:chExt cx="0" cy="0"/>
+        </a:xfrm>
+      </p:grpSpPr>
+      <p:sp>
+        <p:nvSpPr>
+          <p:cNvPr id="2" name="제목 1">
+            <a:extLst>
+              <a:ext uri="{FF2B5EF4-FFF2-40B4-BE49-F238E27FC236}">
+                <a16:creationId xmlns:a16="http://schemas.microsoft.com/office/drawing/2014/main" id="{F6B75E52-0D89-B7D3-E12C-3EADDEDAC7B0}"/>
+              </a:ext>
+            </a:extLst>
+          </p:cNvPr>
+          <p:cNvSpPr>
+            <a:spLocks noGrp="1"/>
+          </p:cNvSpPr>
+          <p:nvPr>
+            <p:ph type="title"/>
+          </p:nvPr>
+        </p:nvSpPr>
+        <p:spPr/>
+        <p:txBody>
+          <a:bodyPr/>
+          <a:lstStyle/>
+          <a:p>
+            <a:r>
+              <a:rPr lang="en-US" altLang="ko-KR" dirty="0"/>
+              <a:t>Assignment 3</a:t>
+            </a:r>
+            <a:r>
+              <a:rPr lang="ko-KR" altLang="en-US" dirty="0"/>
+              <a:t>줄 요약</a:t>
+            </a:r>
+            <a:r>
+              <a:rPr lang="en-US" altLang="ko-KR" dirty="0"/>
+              <a:t>.</a:t>
+            </a:r>
+            <a:endParaRPr lang="ko-KR" altLang="en-US" dirty="0"/>
+          </a:p>
+        </p:txBody>
+      </p:sp>
+      <p:sp>
+        <p:nvSpPr>
+          <p:cNvPr id="3" name="내용 개체 틀 2">
+            <a:extLst>
+              <a:ext uri="{FF2B5EF4-FFF2-40B4-BE49-F238E27FC236}">
+                <a16:creationId xmlns:a16="http://schemas.microsoft.com/office/drawing/2014/main" id="{F8495731-7453-8BFF-C0CB-E0C04C65CD01}"/>
+              </a:ext>
+            </a:extLst>
+          </p:cNvPr>
+          <p:cNvSpPr>
+            <a:spLocks noGrp="1"/>
+          </p:cNvSpPr>
+          <p:nvPr>
+            <p:ph idx="1"/>
+          </p:nvPr>
+        </p:nvSpPr>
+        <p:spPr/>
+        <p:txBody>
+          <a:bodyPr/>
+          <a:lstStyle/>
+          <a:p>
+            <a:pPr marL="0" indent="0">
+              <a:buNone/>
+            </a:pPr>
+            <a:r>
+              <a:rPr lang="en-US" altLang="ko-KR" sz="2800" b="1" dirty="0" err="1"/>
+              <a:t>ez_rop</a:t>
+            </a:r>
+            <a:r>
+              <a:rPr lang="en-US" altLang="ko-KR" sz="2800" b="1" dirty="0"/>
+              <a:t>, </a:t>
+            </a:r>
+            <a:r>
+              <a:rPr lang="en-US" altLang="ko-KR" sz="2800" b="1" dirty="0" err="1"/>
+              <a:t>oneshot</a:t>
+            </a:r>
+            <a:r>
+              <a:rPr lang="en-US" altLang="ko-KR" sz="2800" b="1" dirty="0"/>
+              <a:t>, oneshot1, onetime -&gt; </a:t>
+            </a:r>
+            <a:r>
+              <a:rPr lang="ko-KR" altLang="en-US" sz="2800" b="1" dirty="0"/>
+              <a:t>무조건 풀기</a:t>
+            </a:r>
+            <a:endParaRPr lang="en-US" altLang="ko-KR" sz="2800" b="1" dirty="0"/>
+          </a:p>
+          <a:p>
+            <a:pPr marL="0" indent="0">
+              <a:buNone/>
+            </a:pPr>
+            <a:endParaRPr lang="en-US" altLang="ko-KR" b="1" dirty="0"/>
+          </a:p>
+          <a:p>
+            <a:pPr marL="0" indent="0">
+              <a:buNone/>
+            </a:pPr>
+            <a:r>
+              <a:rPr lang="ko-KR" altLang="en-US" b="1" dirty="0"/>
+              <a:t>나머지 </a:t>
+            </a:r>
+            <a:r>
+              <a:rPr lang="en-US" altLang="ko-KR" b="1" dirty="0"/>
+              <a:t>-&gt; </a:t>
+            </a:r>
+            <a:r>
+              <a:rPr lang="ko-KR" altLang="en-US" b="1" dirty="0"/>
+              <a:t>최대한 분석하고 오늘 </a:t>
+            </a:r>
+            <a:r>
+              <a:rPr lang="ko-KR" altLang="en-US" b="1" dirty="0" err="1"/>
+              <a:t>배운거</a:t>
+            </a:r>
+            <a:r>
+              <a:rPr lang="ko-KR" altLang="en-US" b="1" dirty="0"/>
+              <a:t> 이외의 내용들도 있으니 충분히 찾아보고 고민한 뒤 분석내용 적어서 제출</a:t>
+            </a:r>
+            <a:endParaRPr lang="en-US" altLang="ko-KR" sz="2000" b="1" dirty="0"/>
+          </a:p>
+          <a:p>
+            <a:pPr marL="0" indent="0">
+              <a:buNone/>
+            </a:pPr>
+            <a:endParaRPr lang="en-US" altLang="ko-KR" sz="2000" dirty="0"/>
+          </a:p>
+          <a:p>
+            <a:pPr marL="0" indent="0">
+              <a:buNone/>
+            </a:pPr>
+            <a:r>
+              <a:rPr lang="ko-KR" altLang="en-US" b="1" dirty="0"/>
+              <a:t>과제 제출 기한 </a:t>
+            </a:r>
+            <a:r>
+              <a:rPr lang="en-US" altLang="ko-KR" b="1" dirty="0"/>
+              <a:t>: 5/1 </a:t>
+            </a:r>
+            <a:r>
+              <a:rPr lang="ko-KR" altLang="en-US" b="1" dirty="0"/>
+              <a:t>밤 </a:t>
+            </a:r>
+            <a:r>
+              <a:rPr lang="en-US" altLang="ko-KR" b="1" dirty="0"/>
+              <a:t>12</a:t>
+            </a:r>
+            <a:r>
+              <a:rPr lang="ko-KR" altLang="en-US" b="1" dirty="0"/>
+              <a:t>시</a:t>
+            </a:r>
+            <a:endParaRPr lang="en-US" altLang="ko-KR" b="1" dirty="0"/>
+          </a:p>
+          <a:p>
+            <a:pPr marL="0" indent="0">
+              <a:buNone/>
+            </a:pPr>
+            <a:endParaRPr lang="en-US" altLang="ko-KR" sz="2000" b="1" dirty="0"/>
+          </a:p>
+          <a:p>
+            <a:pPr marL="0" indent="0">
+              <a:buNone/>
+            </a:pPr>
+            <a:r>
+              <a:rPr lang="en-US" altLang="ko-KR" dirty="0"/>
+              <a:t>+</a:t>
+            </a:r>
+            <a:r>
+              <a:rPr lang="ko-KR" altLang="en-US" dirty="0"/>
+              <a:t>질문사항 있으면 언제든 연락주세요</a:t>
+            </a:r>
+            <a:endParaRPr lang="en-US" altLang="ko-KR" dirty="0"/>
+          </a:p>
+          <a:p>
+            <a:pPr marL="0" indent="0">
+              <a:buNone/>
+            </a:pPr>
+            <a:endParaRPr lang="en-US" altLang="ko-KR" dirty="0"/>
+          </a:p>
+        </p:txBody>
+      </p:sp>
+    </p:spTree>
+    <p:extLst>
+      <p:ext uri="{BB962C8B-B14F-4D97-AF65-F5344CB8AC3E}">
+        <p14:creationId xmlns:p14="http://schemas.microsoft.com/office/powerpoint/2010/main" val="3837457315"/>
       </p:ext>
     </p:extLst>
   </p:cSld>
@@ -3548,7 +7313,7 @@
           <p:cNvPr id="2" name="제목 1">
             <a:extLst>
               <a:ext uri="{FF2B5EF4-FFF2-40B4-BE49-F238E27FC236}">
-                <a16:creationId xmlns:a16="http://schemas.microsoft.com/office/drawing/2014/main" id="{61147ECA-3C81-4D9A-3BB9-D47CB46128B0}"/>
+                <a16:creationId xmlns:a16="http://schemas.microsoft.com/office/drawing/2014/main" id="{00EBB0F3-BD0E-D753-0E8F-9E9A8A76B5A2}"/>
               </a:ext>
             </a:extLst>
           </p:cNvPr>
@@ -3561,14 +7326,24 @@
         </p:nvSpPr>
         <p:spPr/>
         <p:txBody>
-          <a:bodyPr/>
+          <a:bodyPr>
+            <a:normAutofit/>
+          </a:bodyPr>
           <a:lstStyle/>
           <a:p>
             <a:r>
-              <a:rPr lang="en-US" altLang="ko-KR" dirty="0"/>
-              <a:t>Review</a:t>
-            </a:r>
-            <a:endParaRPr lang="ko-KR" altLang="en-US" dirty="0"/>
+              <a:rPr lang="en-US" altLang="ko-KR" sz="4000" dirty="0"/>
+              <a:t>Review (</a:t>
+            </a:r>
+            <a:r>
+              <a:rPr lang="en-US" altLang="ko-KR" sz="4000" dirty="0" err="1"/>
+              <a:t>plt</a:t>
+            </a:r>
+            <a:r>
+              <a:rPr lang="en-US" altLang="ko-KR" sz="4000" dirty="0"/>
+              <a:t> &amp; got)</a:t>
+            </a:r>
+            <a:endParaRPr lang="ko-KR" altLang="en-US" sz="4000" dirty="0"/>
           </a:p>
         </p:txBody>
       </p:sp>
@@ -3577,7 +7352,7 @@
           <p:cNvPr id="3" name="내용 개체 틀 2">
             <a:extLst>
               <a:ext uri="{FF2B5EF4-FFF2-40B4-BE49-F238E27FC236}">
-                <a16:creationId xmlns:a16="http://schemas.microsoft.com/office/drawing/2014/main" id="{4DD2C1BE-2D17-E0F5-F526-37829F4154F4}"/>
+                <a16:creationId xmlns:a16="http://schemas.microsoft.com/office/drawing/2014/main" id="{ECAB21DB-7123-62A7-652A-79E2C808F1C1}"/>
               </a:ext>
             </a:extLst>
           </p:cNvPr>
@@ -3590,97 +7365,301 @@
         </p:nvSpPr>
         <p:spPr/>
         <p:txBody>
-          <a:bodyPr/>
+          <a:bodyPr>
+            <a:normAutofit/>
+          </a:bodyPr>
           <a:lstStyle/>
           <a:p>
             <a:pPr marL="0" indent="0">
               <a:buNone/>
             </a:pPr>
             <a:r>
-              <a:rPr lang="ko-KR" altLang="en-US" sz="2500" dirty="0"/>
-              <a:t>이전 까지 뭐 배웠나</a:t>
-            </a:r>
-            <a:r>
-              <a:rPr lang="en-US" altLang="ko-KR" sz="2500" dirty="0"/>
-              <a:t>….</a:t>
-            </a:r>
-          </a:p>
-          <a:p>
-            <a:pPr marL="457200" indent="-457200">
+              <a:rPr lang="ko-KR" altLang="en-US" sz="2400" dirty="0">
+                <a:cs typeface="Courier New" panose="02070309020205020404" pitchFamily="49" charset="0"/>
+              </a:rPr>
+              <a:t>라이브러리에서 함수를 호출하는 루틴은 아래와 같음</a:t>
+            </a:r>
+            <a:r>
+              <a:rPr lang="en-US" altLang="ko-KR" sz="2400" dirty="0">
+                <a:cs typeface="Courier New" panose="02070309020205020404" pitchFamily="49" charset="0"/>
+              </a:rPr>
+              <a:t>.</a:t>
+            </a:r>
+          </a:p>
+          <a:p>
+            <a:pPr marL="514350" indent="-514350">
               <a:buAutoNum type="arabicPeriod"/>
             </a:pPr>
             <a:r>
-              <a:rPr lang="en-US" altLang="ko-KR" sz="2500" dirty="0"/>
-              <a:t>Memory</a:t>
-            </a:r>
-          </a:p>
-          <a:p>
-            <a:pPr marL="457200" indent="-457200">
+              <a:rPr lang="en-US" altLang="ko-KR" sz="2400" dirty="0" err="1">
+                <a:cs typeface="Courier New" panose="02070309020205020404" pitchFamily="49" charset="0"/>
+              </a:rPr>
+              <a:t>func@plt</a:t>
+            </a:r>
+            <a:r>
+              <a:rPr lang="en-US" altLang="ko-KR" sz="2400" dirty="0">
+                <a:cs typeface="Courier New" panose="02070309020205020404" pitchFamily="49" charset="0"/>
+              </a:rPr>
+              <a:t> </a:t>
+            </a:r>
+            <a:r>
+              <a:rPr lang="ko-KR" altLang="en-US" sz="2400" dirty="0">
+                <a:cs typeface="Courier New" panose="02070309020205020404" pitchFamily="49" charset="0"/>
+              </a:rPr>
+              <a:t>실행</a:t>
+            </a:r>
+            <a:endParaRPr lang="en-US" altLang="ko-KR" sz="2400" dirty="0">
+              <a:cs typeface="Courier New" panose="02070309020205020404" pitchFamily="49" charset="0"/>
+            </a:endParaRPr>
+          </a:p>
+          <a:p>
+            <a:pPr marL="514350" indent="-514350">
               <a:buAutoNum type="arabicPeriod"/>
             </a:pPr>
             <a:r>
-              <a:rPr lang="en-US" altLang="ko-KR" sz="2500" dirty="0"/>
-              <a:t>Assembly</a:t>
-            </a:r>
-          </a:p>
-          <a:p>
-            <a:pPr marL="457200" indent="-457200">
+              <a:rPr lang="en-US" altLang="ko-KR" sz="2400" dirty="0">
+                <a:cs typeface="Courier New" panose="02070309020205020404" pitchFamily="49" charset="0"/>
+              </a:rPr>
+              <a:t>Got</a:t>
+            </a:r>
+            <a:r>
+              <a:rPr lang="ko-KR" altLang="en-US" sz="2400" dirty="0">
+                <a:cs typeface="Courier New" panose="02070309020205020404" pitchFamily="49" charset="0"/>
+              </a:rPr>
+              <a:t> 참조</a:t>
+            </a:r>
+            <a:endParaRPr lang="en-US" altLang="ko-KR" sz="2400" dirty="0">
+              <a:cs typeface="Courier New" panose="02070309020205020404" pitchFamily="49" charset="0"/>
+            </a:endParaRPr>
+          </a:p>
+          <a:p>
+            <a:pPr marL="914400" lvl="1" indent="-457200">
+              <a:buAutoNum type="alphaLcPeriod"/>
+            </a:pPr>
+            <a:r>
+              <a:rPr lang="ko-KR" altLang="en-US" dirty="0">
+                <a:cs typeface="Courier New" panose="02070309020205020404" pitchFamily="49" charset="0"/>
+              </a:rPr>
+              <a:t>함수 주소가 존재</a:t>
+            </a:r>
+            <a:r>
+              <a:rPr lang="en-US" altLang="ko-KR" dirty="0">
+                <a:cs typeface="Courier New" panose="02070309020205020404" pitchFamily="49" charset="0"/>
+              </a:rPr>
+              <a:t>? -&gt; </a:t>
+            </a:r>
+            <a:r>
+              <a:rPr lang="ko-KR" altLang="en-US" dirty="0">
+                <a:cs typeface="Courier New" panose="02070309020205020404" pitchFamily="49" charset="0"/>
+              </a:rPr>
+              <a:t>그냥 점프</a:t>
+            </a:r>
+            <a:endParaRPr lang="en-US" altLang="ko-KR" dirty="0">
+              <a:cs typeface="Courier New" panose="02070309020205020404" pitchFamily="49" charset="0"/>
+            </a:endParaRPr>
+          </a:p>
+          <a:p>
+            <a:pPr marL="914400" lvl="1" indent="-457200">
+              <a:buAutoNum type="alphaLcPeriod"/>
+            </a:pPr>
+            <a:r>
+              <a:rPr lang="ko-KR" altLang="en-US" dirty="0">
+                <a:cs typeface="Courier New" panose="02070309020205020404" pitchFamily="49" charset="0"/>
+              </a:rPr>
+              <a:t>없음</a:t>
+            </a:r>
+            <a:r>
+              <a:rPr lang="en-US" altLang="ko-KR" dirty="0">
+                <a:cs typeface="Courier New" panose="02070309020205020404" pitchFamily="49" charset="0"/>
+              </a:rPr>
+              <a:t>? -&gt; </a:t>
+            </a:r>
+            <a:r>
+              <a:rPr lang="ko-KR" altLang="en-US" dirty="0">
+                <a:cs typeface="Courier New" panose="02070309020205020404" pitchFamily="49" charset="0"/>
+              </a:rPr>
+              <a:t>여타 다른 함수를 이용해 주소 구해주고 </a:t>
+            </a:r>
+            <a:r>
+              <a:rPr lang="en-US" altLang="ko-KR" dirty="0">
+                <a:cs typeface="Courier New" panose="02070309020205020404" pitchFamily="49" charset="0"/>
+              </a:rPr>
+              <a:t>got</a:t>
+            </a:r>
+            <a:r>
+              <a:rPr lang="ko-KR" altLang="en-US" dirty="0">
+                <a:cs typeface="Courier New" panose="02070309020205020404" pitchFamily="49" charset="0"/>
+              </a:rPr>
+              <a:t>에 적고 점프</a:t>
+            </a:r>
+            <a:endParaRPr lang="en-US" altLang="ko-KR" dirty="0">
+              <a:cs typeface="Courier New" panose="02070309020205020404" pitchFamily="49" charset="0"/>
+            </a:endParaRPr>
+          </a:p>
+          <a:p>
+            <a:pPr marL="514350" indent="-514350">
               <a:buAutoNum type="arabicPeriod"/>
             </a:pPr>
-            <a:r>
-              <a:rPr lang="en-US" altLang="ko-KR" sz="2500" dirty="0"/>
-              <a:t>Calling Convention</a:t>
-            </a:r>
-          </a:p>
-          <a:p>
-            <a:pPr marL="457200" indent="-457200">
-              <a:buAutoNum type="arabicPeriod"/>
-            </a:pPr>
-            <a:r>
-              <a:rPr lang="en-US" altLang="ko-KR" sz="2500" dirty="0"/>
-              <a:t>BOF</a:t>
-            </a:r>
-          </a:p>
-          <a:p>
-            <a:pPr marL="457200" indent="-457200">
-              <a:buAutoNum type="arabicPeriod"/>
-            </a:pPr>
-            <a:r>
-              <a:rPr lang="en-US" altLang="ko-KR" sz="2500" dirty="0"/>
-              <a:t>RTL</a:t>
-            </a:r>
-          </a:p>
-          <a:p>
-            <a:pPr marL="457200" indent="-457200">
-              <a:buAutoNum type="arabicPeriod"/>
-            </a:pPr>
-            <a:r>
-              <a:rPr lang="en-US" altLang="ko-KR" sz="2500" dirty="0" err="1"/>
-              <a:t>plt</a:t>
-            </a:r>
-            <a:r>
-              <a:rPr lang="en-US" altLang="ko-KR" sz="2500" dirty="0"/>
-              <a:t> &amp; got</a:t>
-            </a:r>
-          </a:p>
-          <a:p>
-            <a:pPr marL="0" indent="0">
-              <a:buNone/>
-            </a:pPr>
-            <a:endParaRPr lang="en-US" altLang="ko-KR" sz="2500" dirty="0"/>
-          </a:p>
-          <a:p>
-            <a:pPr marL="0" indent="0">
-              <a:buNone/>
-            </a:pPr>
-            <a:endParaRPr lang="ko-KR" altLang="en-US" dirty="0"/>
+            <a:endParaRPr lang="en-US" altLang="ko-KR" sz="2400" dirty="0">
+              <a:cs typeface="Courier New" panose="02070309020205020404" pitchFamily="49" charset="0"/>
+            </a:endParaRPr>
+          </a:p>
+          <a:p>
+            <a:pPr marL="0" indent="0">
+              <a:buNone/>
+            </a:pPr>
+            <a:r>
+              <a:rPr lang="ko-KR" altLang="en-US" sz="2300" dirty="0">
+                <a:cs typeface="Courier New" panose="02070309020205020404" pitchFamily="49" charset="0"/>
+              </a:rPr>
+              <a:t>이를 이용해 </a:t>
+            </a:r>
+            <a:r>
+              <a:rPr lang="en-US" altLang="ko-KR" sz="2300" dirty="0">
+                <a:cs typeface="Courier New" panose="02070309020205020404" pitchFamily="49" charset="0"/>
+              </a:rPr>
+              <a:t>got</a:t>
+            </a:r>
+            <a:r>
+              <a:rPr lang="ko-KR" altLang="en-US" sz="2300" dirty="0">
+                <a:cs typeface="Courier New" panose="02070309020205020404" pitchFamily="49" charset="0"/>
+              </a:rPr>
+              <a:t>에 우리가 원하는 주소를 넣는 </a:t>
+            </a:r>
+            <a:r>
+              <a:rPr lang="en-US" altLang="ko-KR" sz="2300" b="1" dirty="0">
+                <a:cs typeface="Courier New" panose="02070309020205020404" pitchFamily="49" charset="0"/>
+              </a:rPr>
+              <a:t>got overwriting</a:t>
+            </a:r>
+            <a:r>
+              <a:rPr lang="ko-KR" altLang="en-US" sz="2300" dirty="0">
+                <a:cs typeface="Courier New" panose="02070309020205020404" pitchFamily="49" charset="0"/>
+              </a:rPr>
+              <a:t>을 할 수 있다</a:t>
+            </a:r>
+            <a:r>
+              <a:rPr lang="en-US" altLang="ko-KR" sz="2300" dirty="0">
+                <a:cs typeface="Courier New" panose="02070309020205020404" pitchFamily="49" charset="0"/>
+              </a:rPr>
+              <a:t>!</a:t>
+            </a:r>
+          </a:p>
+          <a:p>
+            <a:pPr marL="0" indent="0">
+              <a:buNone/>
+            </a:pPr>
+            <a:endParaRPr lang="en-US" altLang="ko-KR" sz="2300" dirty="0">
+              <a:cs typeface="Courier New" panose="02070309020205020404" pitchFamily="49" charset="0"/>
+            </a:endParaRPr>
+          </a:p>
+          <a:p>
+            <a:pPr marL="0" indent="0">
+              <a:buNone/>
+            </a:pPr>
+            <a:r>
+              <a:rPr lang="en-US" altLang="ko-KR" sz="2300" dirty="0">
+                <a:cs typeface="Courier New" panose="02070309020205020404" pitchFamily="49" charset="0"/>
+              </a:rPr>
+              <a:t>ex) </a:t>
+            </a:r>
+            <a:r>
+              <a:rPr lang="en-US" altLang="ko-KR" sz="2300" dirty="0" err="1">
+                <a:cs typeface="Courier New" panose="02070309020205020404" pitchFamily="49" charset="0"/>
+              </a:rPr>
+              <a:t>printf</a:t>
+            </a:r>
+            <a:r>
+              <a:rPr lang="en-US" altLang="ko-KR" sz="2300" dirty="0">
+                <a:cs typeface="Courier New" panose="02070309020205020404" pitchFamily="49" charset="0"/>
+              </a:rPr>
+              <a:t>(“/bin/</a:t>
+            </a:r>
+            <a:r>
+              <a:rPr lang="en-US" altLang="ko-KR" sz="2300" dirty="0" err="1">
+                <a:cs typeface="Courier New" panose="02070309020205020404" pitchFamily="49" charset="0"/>
+              </a:rPr>
+              <a:t>sh</a:t>
+            </a:r>
+            <a:r>
+              <a:rPr lang="en-US" altLang="ko-KR" sz="2300" dirty="0">
+                <a:cs typeface="Courier New" panose="02070309020205020404" pitchFamily="49" charset="0"/>
+              </a:rPr>
+              <a:t>”); </a:t>
+            </a:r>
+            <a:r>
+              <a:rPr lang="ko-KR" altLang="en-US" sz="2300" dirty="0">
+                <a:cs typeface="Courier New" panose="02070309020205020404" pitchFamily="49" charset="0"/>
+              </a:rPr>
+              <a:t>에서 </a:t>
+            </a:r>
+            <a:r>
+              <a:rPr lang="en-US" altLang="ko-KR" sz="2300" dirty="0" err="1">
+                <a:cs typeface="Courier New" panose="02070309020205020404" pitchFamily="49" charset="0"/>
+              </a:rPr>
+              <a:t>printf</a:t>
+            </a:r>
+            <a:r>
+              <a:rPr lang="en-US" altLang="ko-KR" sz="2300" dirty="0">
+                <a:cs typeface="Courier New" panose="02070309020205020404" pitchFamily="49" charset="0"/>
+              </a:rPr>
+              <a:t> got</a:t>
+            </a:r>
+            <a:r>
+              <a:rPr lang="ko-KR" altLang="en-US" sz="2300" dirty="0">
+                <a:cs typeface="Courier New" panose="02070309020205020404" pitchFamily="49" charset="0"/>
+              </a:rPr>
+              <a:t>에 </a:t>
+            </a:r>
+            <a:r>
+              <a:rPr lang="en-US" altLang="ko-KR" sz="2300" dirty="0">
+                <a:cs typeface="Courier New" panose="02070309020205020404" pitchFamily="49" charset="0"/>
+              </a:rPr>
+              <a:t>system </a:t>
+            </a:r>
+            <a:r>
+              <a:rPr lang="ko-KR" altLang="en-US" sz="2300" dirty="0">
+                <a:cs typeface="Courier New" panose="02070309020205020404" pitchFamily="49" charset="0"/>
+              </a:rPr>
+              <a:t>넣으면 </a:t>
+            </a:r>
+            <a:r>
+              <a:rPr lang="en-US" altLang="ko-KR" sz="2300" dirty="0">
+                <a:cs typeface="Courier New" panose="02070309020205020404" pitchFamily="49" charset="0"/>
+              </a:rPr>
+              <a:t>system(“/bin/</a:t>
+            </a:r>
+            <a:r>
+              <a:rPr lang="en-US" altLang="ko-KR" sz="2300" dirty="0" err="1">
+                <a:cs typeface="Courier New" panose="02070309020205020404" pitchFamily="49" charset="0"/>
+              </a:rPr>
+              <a:t>sh</a:t>
+            </a:r>
+            <a:r>
+              <a:rPr lang="en-US" altLang="ko-KR" sz="2300" dirty="0">
+                <a:cs typeface="Courier New" panose="02070309020205020404" pitchFamily="49" charset="0"/>
+              </a:rPr>
+              <a:t>”)</a:t>
+            </a:r>
+            <a:r>
+              <a:rPr lang="ko-KR" altLang="en-US" sz="2300" dirty="0">
+                <a:cs typeface="Courier New" panose="02070309020205020404" pitchFamily="49" charset="0"/>
+              </a:rPr>
+              <a:t>가 실행</a:t>
+            </a:r>
+            <a:r>
+              <a:rPr lang="en-US" altLang="ko-KR" sz="2300" dirty="0">
+                <a:cs typeface="Courier New" panose="02070309020205020404" pitchFamily="49" charset="0"/>
+              </a:rPr>
+              <a:t>.</a:t>
+            </a:r>
           </a:p>
         </p:txBody>
       </p:sp>
     </p:spTree>
     <p:extLst>
       <p:ext uri="{BB962C8B-B14F-4D97-AF65-F5344CB8AC3E}">
-        <p14:creationId xmlns:p14="http://schemas.microsoft.com/office/powerpoint/2010/main" val="1796253611"/>
+        <p14:creationId xmlns:p14="http://schemas.microsoft.com/office/powerpoint/2010/main" val="2206212387"/>
       </p:ext>
     </p:extLst>
   </p:cSld>
@@ -3931,7 +7910,7 @@
           <a:p>
             <a:r>
               <a:rPr lang="en-US" altLang="ko-KR" dirty="0"/>
-              <a:t>Background for ROP</a:t>
+              <a:t>Background for ROP (ASLR)</a:t>
             </a:r>
             <a:endParaRPr lang="ko-KR" altLang="en-US" dirty="0"/>
           </a:p>
@@ -3964,26 +7943,209 @@
               <a:buNone/>
             </a:pPr>
             <a:r>
-              <a:rPr lang="en-US" altLang="ko-KR" sz="2500" dirty="0"/>
-              <a:t>RTL, </a:t>
-            </a:r>
-            <a:r>
-              <a:rPr lang="en-US" altLang="ko-KR" sz="2500" dirty="0" err="1"/>
-              <a:t>Libc</a:t>
-            </a:r>
-            <a:r>
-              <a:rPr lang="en-US" altLang="ko-KR" sz="2500" dirty="0"/>
+              <a:rPr lang="en-US" altLang="ko-KR" sz="2000" dirty="0"/>
+              <a:t>ASLR</a:t>
+            </a:r>
+            <a:r>
+              <a:rPr lang="ko-KR" altLang="en-US" sz="2000" dirty="0"/>
+              <a:t>이 </a:t>
+            </a:r>
+            <a:r>
+              <a:rPr lang="ko-KR" altLang="en-US" sz="2000" dirty="0" err="1"/>
+              <a:t>뭔데</a:t>
+            </a:r>
+            <a:r>
+              <a:rPr lang="en-US" altLang="ko-KR" sz="2000" dirty="0"/>
+              <a:t>?</a:t>
+            </a:r>
+          </a:p>
+          <a:p>
+            <a:pPr marL="0" indent="0">
+              <a:buNone/>
+            </a:pPr>
+            <a:r>
+              <a:rPr lang="en-US" altLang="ko-KR" sz="2000" dirty="0"/>
+              <a:t>-&gt; RTL</a:t>
+            </a:r>
+            <a:r>
+              <a:rPr lang="ko-KR" altLang="en-US" sz="2000" dirty="0"/>
+              <a:t>을 막기 위해 여러 주소를 랜덤화 시키는 것</a:t>
+            </a:r>
+            <a:r>
+              <a:rPr lang="en-US" altLang="ko-KR" sz="2000" dirty="0"/>
+              <a:t>.</a:t>
+            </a:r>
+          </a:p>
+          <a:p>
+            <a:pPr marL="0" indent="0">
+              <a:buNone/>
+            </a:pPr>
+            <a:endParaRPr lang="en-US" altLang="ko-KR" sz="2000" dirty="0"/>
+          </a:p>
+          <a:p>
+            <a:pPr marL="0" indent="0">
+              <a:buNone/>
+            </a:pPr>
+            <a:r>
+              <a:rPr lang="ko-KR" altLang="en-US" sz="2000" dirty="0" err="1"/>
+              <a:t>자세한건</a:t>
+            </a:r>
+            <a:r>
+              <a:rPr lang="ko-KR" altLang="en-US" sz="2000" dirty="0"/>
+              <a:t> </a:t>
+            </a:r>
+            <a:r>
+              <a:rPr lang="ko-KR" altLang="en-US" sz="2000" dirty="0" err="1"/>
+              <a:t>담주에</a:t>
+            </a:r>
+            <a:r>
+              <a:rPr lang="ko-KR" altLang="en-US" sz="2000" dirty="0"/>
+              <a:t> </a:t>
+            </a:r>
+            <a:r>
+              <a:rPr lang="en-US" altLang="ko-KR" sz="2000" dirty="0"/>
+              <a:t>mitigation </a:t>
+            </a:r>
+            <a:r>
+              <a:rPr lang="ko-KR" altLang="en-US" sz="2000" dirty="0"/>
+              <a:t>배울 때 더 할 것</a:t>
+            </a:r>
+            <a:r>
+              <a:rPr lang="en-US" altLang="ko-KR" sz="2000" dirty="0"/>
+              <a:t>.</a:t>
+            </a:r>
+          </a:p>
+          <a:p>
+            <a:pPr marL="0" indent="0">
+              <a:buNone/>
+            </a:pPr>
+            <a:endParaRPr lang="en-US" altLang="ko-KR" sz="2000" dirty="0"/>
+          </a:p>
+          <a:p>
+            <a:pPr marL="0" indent="0">
+              <a:buNone/>
+            </a:pPr>
+            <a:r>
+              <a:rPr lang="ko-KR" altLang="en-US" sz="2000" dirty="0"/>
+              <a:t>결과적으로 </a:t>
+            </a:r>
+            <a:r>
+              <a:rPr lang="en-US" altLang="ko-KR" sz="2000" dirty="0"/>
+              <a:t>heap, stack, binary</a:t>
+            </a:r>
+            <a:r>
+              <a:rPr lang="ko-KR" altLang="en-US" sz="2000" dirty="0"/>
+              <a:t> </a:t>
+            </a:r>
+            <a:r>
+              <a:rPr lang="en-US" altLang="ko-KR" sz="2000" dirty="0"/>
+              <a:t>section</a:t>
+            </a:r>
+            <a:r>
+              <a:rPr lang="ko-KR" altLang="en-US" sz="2000" dirty="0"/>
+              <a:t>의 주소가 랜덤화 됨</a:t>
+            </a:r>
+            <a:r>
+              <a:rPr lang="en-US" altLang="ko-KR" sz="2000" dirty="0"/>
+              <a:t>.</a:t>
+            </a:r>
+          </a:p>
+          <a:p>
+            <a:pPr marL="0" indent="0">
+              <a:buNone/>
+            </a:pPr>
+            <a:r>
+              <a:rPr lang="ko-KR" altLang="en-US" sz="2000" dirty="0"/>
+              <a:t>근데</a:t>
+            </a:r>
+            <a:r>
+              <a:rPr lang="en-US" altLang="ko-KR" sz="2000" dirty="0"/>
               <a:t>, </a:t>
             </a:r>
             <a:r>
-              <a:rPr lang="en-US" altLang="ko-KR" sz="2500" dirty="0" err="1"/>
-              <a:t>plt</a:t>
-            </a:r>
-            <a:r>
-              <a:rPr lang="en-US" altLang="ko-KR" sz="2500" dirty="0"/>
-              <a:t> &amp; got, gadget, </a:t>
-            </a:r>
-            <a:endParaRPr lang="ko-KR" altLang="en-US" sz="2500" dirty="0"/>
+              <a:rPr lang="ko-KR" altLang="en-US" sz="2000" dirty="0"/>
+              <a:t>약간 통으로 옮겨서 </a:t>
+            </a:r>
+            <a:r>
+              <a:rPr lang="en-US" altLang="ko-KR" sz="2000" dirty="0"/>
+              <a:t>base</a:t>
+            </a:r>
+            <a:r>
+              <a:rPr lang="ko-KR" altLang="en-US" sz="2000" dirty="0"/>
+              <a:t>만 바뀌고 내부의 구조가 랜덤화 되지는 않는다</a:t>
+            </a:r>
+            <a:r>
+              <a:rPr lang="en-US" altLang="ko-KR" sz="2000" dirty="0"/>
+              <a:t>.</a:t>
+            </a:r>
+          </a:p>
+          <a:p>
+            <a:pPr marL="0" indent="0">
+              <a:buNone/>
+            </a:pPr>
+            <a:endParaRPr lang="en-US" altLang="ko-KR" sz="2500" dirty="0"/>
+          </a:p>
+          <a:p>
+            <a:pPr marL="0" indent="0">
+              <a:buNone/>
+            </a:pPr>
+            <a:r>
+              <a:rPr lang="ko-KR" altLang="en-US" sz="2300" b="1" dirty="0"/>
+              <a:t>즉</a:t>
+            </a:r>
+            <a:r>
+              <a:rPr lang="en-US" altLang="ko-KR" sz="2300" b="1" dirty="0"/>
+              <a:t>, </a:t>
+            </a:r>
+            <a:r>
+              <a:rPr lang="en-US" altLang="ko-KR" sz="2300" b="1" dirty="0" err="1"/>
+              <a:t>libc</a:t>
+            </a:r>
+            <a:r>
+              <a:rPr lang="ko-KR" altLang="en-US" sz="2300" b="1" dirty="0"/>
+              <a:t>내부의 어떤 한 주소만 구하면 </a:t>
+            </a:r>
+            <a:r>
+              <a:rPr lang="en-US" altLang="ko-KR" sz="2300" b="1" dirty="0"/>
+              <a:t>offset</a:t>
+            </a:r>
+            <a:r>
+              <a:rPr lang="ko-KR" altLang="en-US" sz="2300" b="1" dirty="0"/>
+              <a:t>으로 나머지를 다 구할 수 있다</a:t>
+            </a:r>
+            <a:r>
+              <a:rPr lang="en-US" altLang="ko-KR" sz="2300" b="1" dirty="0"/>
+              <a:t>!</a:t>
+            </a:r>
+          </a:p>
+          <a:p>
+            <a:pPr marL="0" indent="0">
+              <a:buNone/>
+            </a:pPr>
+            <a:r>
+              <a:rPr lang="en-US" altLang="ko-KR" sz="2300" dirty="0"/>
+              <a:t>(</a:t>
+            </a:r>
+            <a:r>
+              <a:rPr lang="ko-KR" altLang="en-US" sz="2300" dirty="0"/>
+              <a:t>이 내용이 지난주에 언급한 </a:t>
+            </a:r>
+            <a:r>
+              <a:rPr lang="en-US" altLang="ko-KR" sz="2300" dirty="0" err="1"/>
+              <a:t>libc</a:t>
+            </a:r>
+            <a:r>
+              <a:rPr lang="en-US" altLang="ko-KR" sz="2300" dirty="0"/>
+              <a:t> base</a:t>
+            </a:r>
+            <a:r>
+              <a:rPr lang="ko-KR" altLang="en-US" sz="2300" dirty="0"/>
+              <a:t>구하기 입니다</a:t>
+            </a:r>
+            <a:r>
+              <a:rPr lang="en-US" altLang="ko-KR" sz="2300" dirty="0"/>
+              <a:t>.)</a:t>
+            </a:r>
           </a:p>
         </p:txBody>
       </p:sp>
@@ -3991,6 +8153,1109 @@
     <p:extLst>
       <p:ext uri="{BB962C8B-B14F-4D97-AF65-F5344CB8AC3E}">
         <p14:creationId xmlns:p14="http://schemas.microsoft.com/office/powerpoint/2010/main" val="4165584693"/>
+      </p:ext>
+    </p:extLst>
+  </p:cSld>
+  <p:clrMapOvr>
+    <a:masterClrMapping/>
+  </p:clrMapOvr>
+</p:sld>
+</file>
+
+<file path=ppt/slides/slide6.xml><?xml version="1.0" encoding="utf-8"?>
+<p:sld xmlns:a="http://schemas.openxmlformats.org/drawingml/2006/main" xmlns:r="http://schemas.openxmlformats.org/officeDocument/2006/relationships" xmlns:p="http://schemas.openxmlformats.org/presentationml/2006/main">
+  <p:cSld>
+    <p:spTree>
+      <p:nvGrpSpPr>
+        <p:cNvPr id="1" name=""/>
+        <p:cNvGrpSpPr/>
+        <p:nvPr/>
+      </p:nvGrpSpPr>
+      <p:grpSpPr>
+        <a:xfrm>
+          <a:off x="0" y="0"/>
+          <a:ext cx="0" cy="0"/>
+          <a:chOff x="0" y="0"/>
+          <a:chExt cx="0" cy="0"/>
+        </a:xfrm>
+      </p:grpSpPr>
+      <p:sp>
+        <p:nvSpPr>
+          <p:cNvPr id="2" name="제목 1">
+            <a:extLst>
+              <a:ext uri="{FF2B5EF4-FFF2-40B4-BE49-F238E27FC236}">
+                <a16:creationId xmlns:a16="http://schemas.microsoft.com/office/drawing/2014/main" id="{5757FD89-1D48-DD15-4078-9149A96C1843}"/>
+              </a:ext>
+            </a:extLst>
+          </p:cNvPr>
+          <p:cNvSpPr>
+            <a:spLocks noGrp="1"/>
+          </p:cNvSpPr>
+          <p:nvPr>
+            <p:ph type="title"/>
+          </p:nvPr>
+        </p:nvSpPr>
+        <p:spPr/>
+        <p:txBody>
+          <a:bodyPr/>
+          <a:lstStyle/>
+          <a:p>
+            <a:r>
+              <a:rPr lang="ko-KR" altLang="en-US" dirty="0" err="1"/>
+              <a:t>국룰</a:t>
+            </a:r>
+            <a:r>
+              <a:rPr lang="ko-KR" altLang="en-US" dirty="0"/>
+              <a:t> </a:t>
+            </a:r>
+            <a:r>
+              <a:rPr lang="en-US" altLang="ko-KR" dirty="0"/>
+              <a:t>ROP Scenario</a:t>
+            </a:r>
+            <a:endParaRPr lang="ko-KR" altLang="en-US" dirty="0"/>
+          </a:p>
+        </p:txBody>
+      </p:sp>
+      <p:sp>
+        <p:nvSpPr>
+          <p:cNvPr id="3" name="내용 개체 틀 2">
+            <a:extLst>
+              <a:ext uri="{FF2B5EF4-FFF2-40B4-BE49-F238E27FC236}">
+                <a16:creationId xmlns:a16="http://schemas.microsoft.com/office/drawing/2014/main" id="{EFE90ACD-8353-D05C-5263-71EC71094045}"/>
+              </a:ext>
+            </a:extLst>
+          </p:cNvPr>
+          <p:cNvSpPr>
+            <a:spLocks noGrp="1"/>
+          </p:cNvSpPr>
+          <p:nvPr>
+            <p:ph idx="1"/>
+          </p:nvPr>
+        </p:nvSpPr>
+        <p:spPr/>
+        <p:txBody>
+          <a:bodyPr>
+            <a:normAutofit/>
+          </a:bodyPr>
+          <a:lstStyle/>
+          <a:p>
+            <a:pPr marL="514350" indent="-514350">
+              <a:buAutoNum type="arabicPeriod"/>
+            </a:pPr>
+            <a:r>
+              <a:rPr lang="ko-KR" altLang="en-US" sz="2500" dirty="0"/>
+              <a:t>메모리 </a:t>
+            </a:r>
+            <a:r>
+              <a:rPr lang="ko-KR" altLang="en-US" sz="2500" dirty="0" err="1"/>
+              <a:t>어딘가에</a:t>
+            </a:r>
+            <a:r>
+              <a:rPr lang="ko-KR" altLang="en-US" sz="2500" dirty="0"/>
+              <a:t> </a:t>
+            </a:r>
+            <a:r>
+              <a:rPr lang="en-US" altLang="ko-KR" sz="2500" dirty="0"/>
+              <a:t>“/bin/</a:t>
+            </a:r>
+            <a:r>
+              <a:rPr lang="en-US" altLang="ko-KR" sz="2500" dirty="0" err="1"/>
+              <a:t>sh</a:t>
+            </a:r>
+            <a:r>
+              <a:rPr lang="en-US" altLang="ko-KR" sz="2500" dirty="0"/>
+              <a:t>” </a:t>
+            </a:r>
+            <a:r>
+              <a:rPr lang="ko-KR" altLang="en-US" sz="2500" dirty="0"/>
+              <a:t>문자열 넣어주기</a:t>
+            </a:r>
+            <a:r>
+              <a:rPr lang="en-US" altLang="ko-KR" sz="2500" dirty="0"/>
+              <a:t>.</a:t>
+            </a:r>
+          </a:p>
+          <a:p>
+            <a:pPr marL="514350" indent="-514350">
+              <a:buAutoNum type="arabicPeriod"/>
+            </a:pPr>
+            <a:r>
+              <a:rPr lang="en-US" altLang="ko-KR" sz="2500" dirty="0" err="1"/>
+              <a:t>Libc</a:t>
+            </a:r>
+            <a:r>
+              <a:rPr lang="en-US" altLang="ko-KR" sz="2500" dirty="0"/>
+              <a:t> leak (</a:t>
+            </a:r>
+            <a:r>
+              <a:rPr lang="ko-KR" altLang="en-US" sz="2500" dirty="0"/>
+              <a:t>임의의 함수의 </a:t>
+            </a:r>
+            <a:r>
+              <a:rPr lang="en-US" altLang="ko-KR" sz="2500" dirty="0"/>
+              <a:t>got</a:t>
+            </a:r>
+            <a:r>
+              <a:rPr lang="ko-KR" altLang="en-US" sz="2500" dirty="0"/>
+              <a:t>를 출력해줌</a:t>
+            </a:r>
+            <a:r>
+              <a:rPr lang="en-US" altLang="ko-KR" sz="2500" dirty="0"/>
+              <a:t>.)</a:t>
+            </a:r>
+          </a:p>
+          <a:p>
+            <a:pPr marL="514350" indent="-514350">
+              <a:buAutoNum type="arabicPeriod"/>
+            </a:pPr>
+            <a:r>
+              <a:rPr lang="en-US" altLang="ko-KR" sz="2500" dirty="0"/>
+              <a:t>System(“/bin/</a:t>
+            </a:r>
+            <a:r>
+              <a:rPr lang="en-US" altLang="ko-KR" sz="2500" dirty="0" err="1"/>
+              <a:t>sh</a:t>
+            </a:r>
+            <a:r>
+              <a:rPr lang="en-US" altLang="ko-KR" sz="2500" dirty="0"/>
+              <a:t>”)</a:t>
+            </a:r>
+            <a:r>
+              <a:rPr lang="ko-KR" altLang="en-US" sz="2500" dirty="0"/>
+              <a:t>로 리턴</a:t>
+            </a:r>
+            <a:endParaRPr lang="en-US" altLang="ko-KR" sz="2500" dirty="0"/>
+          </a:p>
+          <a:p>
+            <a:pPr marL="514350" indent="-514350">
+              <a:buAutoNum type="arabicPeriod"/>
+            </a:pPr>
+            <a:endParaRPr lang="en-US" altLang="ko-KR" sz="2500" dirty="0"/>
+          </a:p>
+          <a:p>
+            <a:pPr marL="0" indent="0">
+              <a:buNone/>
+            </a:pPr>
+            <a:r>
+              <a:rPr lang="ko-KR" altLang="en-US" sz="2500" dirty="0"/>
+              <a:t>일단 가장 단순화하면 위와 같다</a:t>
+            </a:r>
+            <a:r>
+              <a:rPr lang="en-US" altLang="ko-KR" sz="2500" dirty="0"/>
+              <a:t>.</a:t>
+            </a:r>
+          </a:p>
+          <a:p>
+            <a:pPr marL="0" indent="0">
+              <a:buNone/>
+            </a:pPr>
+            <a:endParaRPr lang="en-US" altLang="ko-KR" sz="2500" dirty="0"/>
+          </a:p>
+          <a:p>
+            <a:pPr marL="0" indent="0">
+              <a:buNone/>
+            </a:pPr>
+            <a:r>
+              <a:rPr lang="ko-KR" altLang="en-US" sz="2500" dirty="0"/>
+              <a:t>근데 </a:t>
+            </a:r>
+            <a:r>
+              <a:rPr lang="en-US" altLang="ko-KR" sz="2500" dirty="0"/>
+              <a:t>leak</a:t>
+            </a:r>
+            <a:r>
+              <a:rPr lang="ko-KR" altLang="en-US" sz="2500" dirty="0"/>
+              <a:t>을 하려면 한번 출력이 </a:t>
+            </a:r>
+            <a:r>
+              <a:rPr lang="ko-KR" altLang="en-US" sz="2500" dirty="0" err="1"/>
+              <a:t>되어야할텐데</a:t>
+            </a:r>
+            <a:r>
+              <a:rPr lang="en-US" altLang="ko-KR" sz="2500" dirty="0"/>
+              <a:t>….?</a:t>
+            </a:r>
+          </a:p>
+          <a:p>
+            <a:pPr marL="0" indent="0">
+              <a:buNone/>
+            </a:pPr>
+            <a:endParaRPr lang="en-US" altLang="ko-KR" sz="2500" dirty="0"/>
+          </a:p>
+          <a:p>
+            <a:pPr marL="0" indent="0">
+              <a:buNone/>
+            </a:pPr>
+            <a:endParaRPr lang="en-US" altLang="ko-KR" sz="2500" dirty="0"/>
+          </a:p>
+        </p:txBody>
+      </p:sp>
+    </p:spTree>
+    <p:extLst>
+      <p:ext uri="{BB962C8B-B14F-4D97-AF65-F5344CB8AC3E}">
+        <p14:creationId xmlns:p14="http://schemas.microsoft.com/office/powerpoint/2010/main" val="2475445101"/>
+      </p:ext>
+    </p:extLst>
+  </p:cSld>
+  <p:clrMapOvr>
+    <a:masterClrMapping/>
+  </p:clrMapOvr>
+</p:sld>
+</file>
+
+<file path=ppt/slides/slide7.xml><?xml version="1.0" encoding="utf-8"?>
+<p:sld xmlns:a="http://schemas.openxmlformats.org/drawingml/2006/main" xmlns:r="http://schemas.openxmlformats.org/officeDocument/2006/relationships" xmlns:p="http://schemas.openxmlformats.org/presentationml/2006/main">
+  <p:cSld>
+    <p:spTree>
+      <p:nvGrpSpPr>
+        <p:cNvPr id="1" name=""/>
+        <p:cNvGrpSpPr/>
+        <p:nvPr/>
+      </p:nvGrpSpPr>
+      <p:grpSpPr>
+        <a:xfrm>
+          <a:off x="0" y="0"/>
+          <a:ext cx="0" cy="0"/>
+          <a:chOff x="0" y="0"/>
+          <a:chExt cx="0" cy="0"/>
+        </a:xfrm>
+      </p:grpSpPr>
+      <p:sp>
+        <p:nvSpPr>
+          <p:cNvPr id="2" name="제목 1">
+            <a:extLst>
+              <a:ext uri="{FF2B5EF4-FFF2-40B4-BE49-F238E27FC236}">
+                <a16:creationId xmlns:a16="http://schemas.microsoft.com/office/drawing/2014/main" id="{5757FD89-1D48-DD15-4078-9149A96C1843}"/>
+              </a:ext>
+            </a:extLst>
+          </p:cNvPr>
+          <p:cNvSpPr>
+            <a:spLocks noGrp="1"/>
+          </p:cNvSpPr>
+          <p:nvPr>
+            <p:ph type="title"/>
+          </p:nvPr>
+        </p:nvSpPr>
+        <p:spPr/>
+        <p:txBody>
+          <a:bodyPr/>
+          <a:lstStyle/>
+          <a:p>
+            <a:r>
+              <a:rPr lang="ko-KR" altLang="en-US" dirty="0" err="1"/>
+              <a:t>국룰</a:t>
+            </a:r>
+            <a:r>
+              <a:rPr lang="ko-KR" altLang="en-US" dirty="0"/>
+              <a:t> </a:t>
+            </a:r>
+            <a:r>
+              <a:rPr lang="en-US" altLang="ko-KR" dirty="0"/>
+              <a:t>ROP Scenario</a:t>
+            </a:r>
+            <a:endParaRPr lang="ko-KR" altLang="en-US" dirty="0"/>
+          </a:p>
+        </p:txBody>
+      </p:sp>
+      <p:sp>
+        <p:nvSpPr>
+          <p:cNvPr id="3" name="내용 개체 틀 2">
+            <a:extLst>
+              <a:ext uri="{FF2B5EF4-FFF2-40B4-BE49-F238E27FC236}">
+                <a16:creationId xmlns:a16="http://schemas.microsoft.com/office/drawing/2014/main" id="{EFE90ACD-8353-D05C-5263-71EC71094045}"/>
+              </a:ext>
+            </a:extLst>
+          </p:cNvPr>
+          <p:cNvSpPr>
+            <a:spLocks noGrp="1"/>
+          </p:cNvSpPr>
+          <p:nvPr>
+            <p:ph idx="1"/>
+          </p:nvPr>
+        </p:nvSpPr>
+        <p:spPr/>
+        <p:txBody>
+          <a:bodyPr>
+            <a:normAutofit/>
+          </a:bodyPr>
+          <a:lstStyle/>
+          <a:p>
+            <a:pPr marL="0" indent="0">
+              <a:buNone/>
+            </a:pPr>
+            <a:r>
+              <a:rPr lang="en-US" altLang="ko-KR" sz="2500" dirty="0" err="1"/>
+              <a:t>Libc</a:t>
+            </a:r>
+            <a:r>
+              <a:rPr lang="ko-KR" altLang="en-US" sz="2500" dirty="0"/>
+              <a:t> </a:t>
+            </a:r>
+            <a:r>
+              <a:rPr lang="en-US" altLang="ko-KR" sz="2500" dirty="0"/>
+              <a:t>leak</a:t>
+            </a:r>
+            <a:r>
+              <a:rPr lang="ko-KR" altLang="en-US" sz="2500" dirty="0"/>
+              <a:t>과 </a:t>
+            </a:r>
+            <a:r>
+              <a:rPr lang="en-US" altLang="ko-KR" sz="2500" dirty="0"/>
+              <a:t>system()</a:t>
+            </a:r>
+            <a:r>
+              <a:rPr lang="ko-KR" altLang="en-US" sz="2500" dirty="0"/>
+              <a:t>함수의 </a:t>
+            </a:r>
+            <a:r>
+              <a:rPr lang="en-US" altLang="ko-KR" sz="2500" dirty="0"/>
+              <a:t>call</a:t>
+            </a:r>
+            <a:r>
+              <a:rPr lang="ko-KR" altLang="en-US" sz="2500" dirty="0"/>
+              <a:t>이 </a:t>
+            </a:r>
+            <a:r>
+              <a:rPr lang="en-US" altLang="ko-KR" sz="2500" dirty="0"/>
+              <a:t>onetime</a:t>
+            </a:r>
+            <a:r>
+              <a:rPr lang="ko-KR" altLang="en-US" sz="2500" dirty="0"/>
+              <a:t>에 이루어지기는 힘듦</a:t>
+            </a:r>
+            <a:r>
+              <a:rPr lang="en-US" altLang="ko-KR" sz="2500" dirty="0"/>
+              <a:t>.</a:t>
+            </a:r>
+          </a:p>
+          <a:p>
+            <a:pPr marL="0" indent="0">
+              <a:buNone/>
+            </a:pPr>
+            <a:r>
+              <a:rPr lang="en-US" altLang="ko-KR" sz="2500" dirty="0"/>
+              <a:t>Why?</a:t>
+            </a:r>
+          </a:p>
+          <a:p>
+            <a:pPr marL="0" indent="0">
+              <a:buNone/>
+            </a:pPr>
+            <a:r>
+              <a:rPr lang="ko-KR" altLang="en-US" sz="2500" dirty="0"/>
+              <a:t>특정 함수의 주소를 출력해서 우리가 계산해주는 단계가 필요하기 때문</a:t>
+            </a:r>
+            <a:r>
+              <a:rPr lang="en-US" altLang="ko-KR" sz="2500" dirty="0"/>
+              <a:t>.</a:t>
+            </a:r>
+          </a:p>
+          <a:p>
+            <a:pPr marL="0" indent="0">
+              <a:buNone/>
+            </a:pPr>
+            <a:endParaRPr lang="en-US" altLang="ko-KR" sz="2500" dirty="0"/>
+          </a:p>
+          <a:p>
+            <a:pPr marL="0" indent="0">
+              <a:buNone/>
+            </a:pPr>
+            <a:r>
+              <a:rPr lang="ko-KR" altLang="en-US" sz="2500" dirty="0"/>
+              <a:t>그래서 우리는 두 단계로 나눠서 합니다</a:t>
+            </a:r>
+            <a:r>
+              <a:rPr lang="en-US" altLang="ko-KR" sz="2500" dirty="0"/>
+              <a:t>.</a:t>
+            </a:r>
+          </a:p>
+          <a:p>
+            <a:pPr marL="0" indent="0">
+              <a:buNone/>
+            </a:pPr>
+            <a:r>
+              <a:rPr lang="en-US" altLang="ko-KR" sz="2500" dirty="0"/>
+              <a:t>Stage 1 : </a:t>
+            </a:r>
+            <a:r>
+              <a:rPr lang="en-US" altLang="ko-KR" sz="2500" dirty="0" err="1"/>
+              <a:t>libc</a:t>
+            </a:r>
+            <a:r>
+              <a:rPr lang="ko-KR" altLang="en-US" sz="2500" dirty="0"/>
+              <a:t> </a:t>
+            </a:r>
+            <a:r>
+              <a:rPr lang="en-US" altLang="ko-KR" sz="2500" dirty="0"/>
+              <a:t>leak -&gt; main</a:t>
+            </a:r>
+            <a:r>
+              <a:rPr lang="ko-KR" altLang="en-US" sz="2500" dirty="0"/>
+              <a:t>으로 </a:t>
+            </a:r>
+            <a:r>
+              <a:rPr lang="en-US" altLang="ko-KR" sz="2500" dirty="0"/>
+              <a:t>return</a:t>
+            </a:r>
+          </a:p>
+          <a:p>
+            <a:pPr marL="0" indent="0">
+              <a:buNone/>
+            </a:pPr>
+            <a:r>
+              <a:rPr lang="en-US" altLang="ko-KR" sz="2500" dirty="0"/>
+              <a:t>Stage 2 : system(“/bin/</a:t>
+            </a:r>
+            <a:r>
+              <a:rPr lang="en-US" altLang="ko-KR" sz="2500" dirty="0" err="1"/>
+              <a:t>sh</a:t>
+            </a:r>
+            <a:r>
+              <a:rPr lang="en-US" altLang="ko-KR" sz="2500" dirty="0"/>
+              <a:t>”);</a:t>
+            </a:r>
+          </a:p>
+          <a:p>
+            <a:pPr marL="0" indent="0">
+              <a:buNone/>
+            </a:pPr>
+            <a:endParaRPr lang="en-US" altLang="ko-KR" sz="2500" dirty="0"/>
+          </a:p>
+          <a:p>
+            <a:pPr marL="0" indent="0">
+              <a:buNone/>
+            </a:pPr>
+            <a:r>
+              <a:rPr lang="en-US" altLang="ko-KR" sz="2500" dirty="0"/>
+              <a:t>“/bin/</a:t>
+            </a:r>
+            <a:r>
+              <a:rPr lang="en-US" altLang="ko-KR" sz="2500" dirty="0" err="1"/>
+              <a:t>sh</a:t>
+            </a:r>
+            <a:r>
+              <a:rPr lang="en-US" altLang="ko-KR" sz="2500" dirty="0"/>
+              <a:t>” </a:t>
+            </a:r>
+            <a:r>
+              <a:rPr lang="ko-KR" altLang="en-US" sz="2500" dirty="0"/>
+              <a:t>문자열은 언제 넣어줘도 상관 없겠죠</a:t>
+            </a:r>
+            <a:r>
+              <a:rPr lang="en-US" altLang="ko-KR" sz="2500" dirty="0"/>
+              <a:t>?</a:t>
+            </a:r>
+          </a:p>
+        </p:txBody>
+      </p:sp>
+    </p:spTree>
+    <p:extLst>
+      <p:ext uri="{BB962C8B-B14F-4D97-AF65-F5344CB8AC3E}">
+        <p14:creationId xmlns:p14="http://schemas.microsoft.com/office/powerpoint/2010/main" val="4256706394"/>
+      </p:ext>
+    </p:extLst>
+  </p:cSld>
+  <p:clrMapOvr>
+    <a:masterClrMapping/>
+  </p:clrMapOvr>
+</p:sld>
+</file>
+
+<file path=ppt/slides/slide8.xml><?xml version="1.0" encoding="utf-8"?>
+<p:sld xmlns:a="http://schemas.openxmlformats.org/drawingml/2006/main" xmlns:r="http://schemas.openxmlformats.org/officeDocument/2006/relationships" xmlns:p="http://schemas.openxmlformats.org/presentationml/2006/main">
+  <p:cSld>
+    <p:spTree>
+      <p:nvGrpSpPr>
+        <p:cNvPr id="1" name=""/>
+        <p:cNvGrpSpPr/>
+        <p:nvPr/>
+      </p:nvGrpSpPr>
+      <p:grpSpPr>
+        <a:xfrm>
+          <a:off x="0" y="0"/>
+          <a:ext cx="0" cy="0"/>
+          <a:chOff x="0" y="0"/>
+          <a:chExt cx="0" cy="0"/>
+        </a:xfrm>
+      </p:grpSpPr>
+      <p:sp>
+        <p:nvSpPr>
+          <p:cNvPr id="2" name="제목 1">
+            <a:extLst>
+              <a:ext uri="{FF2B5EF4-FFF2-40B4-BE49-F238E27FC236}">
+                <a16:creationId xmlns:a16="http://schemas.microsoft.com/office/drawing/2014/main" id="{EA5118B0-6BDC-C5C0-2DF6-CAD0F5BC39BA}"/>
+              </a:ext>
+            </a:extLst>
+          </p:cNvPr>
+          <p:cNvSpPr>
+            <a:spLocks noGrp="1"/>
+          </p:cNvSpPr>
+          <p:nvPr>
+            <p:ph type="title"/>
+          </p:nvPr>
+        </p:nvSpPr>
+        <p:spPr/>
+        <p:txBody>
+          <a:bodyPr/>
+          <a:lstStyle/>
+          <a:p>
+            <a:r>
+              <a:rPr lang="en-US" altLang="ko-KR" dirty="0"/>
+              <a:t>ROP….</a:t>
+            </a:r>
+            <a:endParaRPr lang="ko-KR" altLang="en-US" dirty="0"/>
+          </a:p>
+        </p:txBody>
+      </p:sp>
+      <p:sp>
+        <p:nvSpPr>
+          <p:cNvPr id="3" name="내용 개체 틀 2">
+            <a:extLst>
+              <a:ext uri="{FF2B5EF4-FFF2-40B4-BE49-F238E27FC236}">
+                <a16:creationId xmlns:a16="http://schemas.microsoft.com/office/drawing/2014/main" id="{CC76998D-6ED8-CD7F-3173-D4F9E7EAA7B4}"/>
+              </a:ext>
+            </a:extLst>
+          </p:cNvPr>
+          <p:cNvSpPr>
+            <a:spLocks noGrp="1"/>
+          </p:cNvSpPr>
+          <p:nvPr>
+            <p:ph idx="1"/>
+          </p:nvPr>
+        </p:nvSpPr>
+        <p:spPr/>
+        <p:txBody>
+          <a:bodyPr/>
+          <a:lstStyle/>
+          <a:p>
+            <a:pPr marL="0" indent="0">
+              <a:buNone/>
+            </a:pPr>
+            <a:r>
+              <a:rPr lang="ko-KR" altLang="en-US" sz="2300" dirty="0"/>
+              <a:t>결국 이름처럼 </a:t>
+            </a:r>
+            <a:r>
+              <a:rPr lang="en-US" altLang="ko-KR" sz="2300" dirty="0"/>
+              <a:t>return</a:t>
+            </a:r>
+            <a:r>
+              <a:rPr lang="ko-KR" altLang="en-US" sz="2300" dirty="0"/>
+              <a:t>을 기반으로 함수 흐름을 </a:t>
+            </a:r>
+            <a:r>
+              <a:rPr lang="ko-KR" altLang="en-US" sz="2300" dirty="0" err="1"/>
+              <a:t>주루룩</a:t>
+            </a:r>
+            <a:r>
+              <a:rPr lang="ko-KR" altLang="en-US" sz="2300" dirty="0"/>
+              <a:t> 만들어야 함</a:t>
+            </a:r>
+            <a:r>
+              <a:rPr lang="en-US" altLang="ko-KR" sz="2300" dirty="0"/>
+              <a:t>.</a:t>
+            </a:r>
+          </a:p>
+          <a:p>
+            <a:pPr marL="0" indent="0">
+              <a:buNone/>
+            </a:pPr>
+            <a:endParaRPr lang="en-US" altLang="ko-KR" sz="2300" dirty="0"/>
+          </a:p>
+          <a:p>
+            <a:pPr marL="0" indent="0">
+              <a:buNone/>
+            </a:pPr>
+            <a:r>
+              <a:rPr lang="ko-KR" altLang="en-US" sz="2300" dirty="0"/>
+              <a:t>그 말은 사고의 틀을 좀 </a:t>
+            </a:r>
+            <a:r>
+              <a:rPr lang="ko-KR" altLang="en-US" sz="2300" dirty="0" err="1"/>
+              <a:t>넓히는게</a:t>
+            </a:r>
+            <a:r>
+              <a:rPr lang="ko-KR" altLang="en-US" sz="2300" dirty="0"/>
+              <a:t> 좋다</a:t>
+            </a:r>
+            <a:r>
+              <a:rPr lang="en-US" altLang="ko-KR" sz="2300" dirty="0"/>
+              <a:t>~</a:t>
+            </a:r>
+          </a:p>
+          <a:p>
+            <a:pPr marL="0" indent="0">
+              <a:buNone/>
+            </a:pPr>
+            <a:endParaRPr lang="en-US" altLang="ko-KR" sz="2300" dirty="0"/>
+          </a:p>
+          <a:p>
+            <a:pPr marL="0" indent="0">
+              <a:buNone/>
+            </a:pPr>
+            <a:r>
+              <a:rPr lang="ko-KR" altLang="en-US" sz="2300" dirty="0"/>
+              <a:t>또</a:t>
+            </a:r>
+            <a:r>
+              <a:rPr lang="en-US" altLang="ko-KR" sz="2300" dirty="0"/>
+              <a:t>, </a:t>
+            </a:r>
+            <a:r>
+              <a:rPr lang="en-US" altLang="ko-KR" sz="2300" dirty="0" err="1"/>
+              <a:t>rop</a:t>
+            </a:r>
+            <a:r>
+              <a:rPr lang="ko-KR" altLang="en-US" sz="2300" dirty="0"/>
+              <a:t>를 이용할 때 뒤에 할 </a:t>
+            </a:r>
+            <a:r>
+              <a:rPr lang="en-US" altLang="ko-KR" sz="2300" dirty="0"/>
+              <a:t>example</a:t>
+            </a:r>
+            <a:r>
+              <a:rPr lang="ko-KR" altLang="en-US" sz="2300" dirty="0"/>
+              <a:t>같은 경우 그냥 </a:t>
+            </a:r>
+            <a:r>
+              <a:rPr lang="en-US" altLang="ko-KR" sz="2300" dirty="0" err="1"/>
+              <a:t>bof</a:t>
+            </a:r>
+            <a:r>
+              <a:rPr lang="ko-KR" altLang="en-US" sz="2300" dirty="0"/>
+              <a:t>가 있어서 바로 </a:t>
+            </a:r>
+            <a:r>
+              <a:rPr lang="en-US" altLang="ko-KR" sz="2300" dirty="0" err="1"/>
+              <a:t>rop</a:t>
+            </a:r>
+            <a:r>
+              <a:rPr lang="ko-KR" altLang="en-US" sz="2300" dirty="0"/>
+              <a:t>를 해줄 수 있지만</a:t>
+            </a:r>
+            <a:r>
+              <a:rPr lang="en-US" altLang="ko-KR" sz="2300" dirty="0"/>
+              <a:t>, </a:t>
+            </a:r>
+            <a:r>
+              <a:rPr lang="ko-KR" altLang="en-US" sz="2300" dirty="0"/>
+              <a:t>꼭 </a:t>
+            </a:r>
+            <a:r>
+              <a:rPr lang="en-US" altLang="ko-KR" sz="2300" dirty="0" err="1"/>
+              <a:t>bof</a:t>
+            </a:r>
+            <a:r>
+              <a:rPr lang="ko-KR" altLang="en-US" sz="2300" dirty="0"/>
+              <a:t>만을 이용할 필요는 없음</a:t>
+            </a:r>
+            <a:r>
+              <a:rPr lang="en-US" altLang="ko-KR" sz="2300" dirty="0"/>
+              <a:t>.</a:t>
+            </a:r>
+          </a:p>
+          <a:p>
+            <a:pPr marL="0" indent="0">
+              <a:buNone/>
+            </a:pPr>
+            <a:endParaRPr lang="en-US" altLang="ko-KR" sz="2300" dirty="0"/>
+          </a:p>
+          <a:p>
+            <a:pPr marL="0" indent="0">
+              <a:buNone/>
+            </a:pPr>
+            <a:r>
+              <a:rPr lang="en-US" altLang="ko-KR" sz="2300" dirty="0"/>
+              <a:t>Ex) </a:t>
+            </a:r>
+            <a:r>
+              <a:rPr lang="en-US" altLang="ko-KR" sz="2300" dirty="0" err="1"/>
+              <a:t>oob</a:t>
+            </a:r>
+            <a:r>
+              <a:rPr lang="ko-KR" altLang="en-US" sz="2300" dirty="0"/>
+              <a:t>로 임의 주소 </a:t>
+            </a:r>
+            <a:r>
+              <a:rPr lang="en-US" altLang="ko-KR" sz="2300" dirty="0"/>
+              <a:t>read/write</a:t>
+            </a:r>
+            <a:r>
+              <a:rPr lang="ko-KR" altLang="en-US" sz="2300" dirty="0"/>
+              <a:t>될 때</a:t>
+            </a:r>
+            <a:r>
+              <a:rPr lang="en-US" altLang="ko-KR" sz="2300" dirty="0"/>
+              <a:t>, </a:t>
+            </a:r>
+            <a:r>
+              <a:rPr lang="ko-KR" altLang="en-US" sz="2300" dirty="0"/>
+              <a:t>그냥 코드 로직상 임의 주소 </a:t>
+            </a:r>
+            <a:r>
+              <a:rPr lang="en-US" altLang="ko-KR" sz="2300" dirty="0"/>
+              <a:t>read/write</a:t>
+            </a:r>
+            <a:r>
+              <a:rPr lang="ko-KR" altLang="en-US" sz="2300" dirty="0"/>
+              <a:t>될 때</a:t>
+            </a:r>
+            <a:r>
+              <a:rPr lang="en-US" altLang="ko-KR" sz="2300" dirty="0"/>
+              <a:t> </a:t>
+            </a:r>
+            <a:r>
+              <a:rPr lang="ko-KR" altLang="en-US" sz="2300" dirty="0" err="1"/>
+              <a:t>가능할때</a:t>
+            </a:r>
+            <a:r>
+              <a:rPr lang="ko-KR" altLang="en-US" sz="2300" dirty="0"/>
+              <a:t> 등등</a:t>
+            </a:r>
+            <a:r>
+              <a:rPr lang="en-US" altLang="ko-KR" sz="2300" dirty="0"/>
+              <a:t>…</a:t>
+            </a:r>
+          </a:p>
+          <a:p>
+            <a:pPr marL="0" indent="0">
+              <a:buNone/>
+            </a:pPr>
+            <a:r>
+              <a:rPr lang="ko-KR" altLang="en-US" sz="2300" b="1" dirty="0"/>
+              <a:t>다양한 사고가 필요하다</a:t>
+            </a:r>
+            <a:r>
+              <a:rPr lang="en-US" altLang="ko-KR" sz="2300" b="1" dirty="0"/>
+              <a:t>! -&gt; </a:t>
+            </a:r>
+            <a:r>
+              <a:rPr lang="ko-KR" altLang="en-US" sz="2300" b="1" dirty="0"/>
+              <a:t>과제 풀면서 </a:t>
+            </a:r>
+            <a:r>
+              <a:rPr lang="ko-KR" altLang="en-US" sz="2300" b="1" dirty="0" err="1"/>
+              <a:t>늘려보자구요</a:t>
+            </a:r>
+            <a:r>
+              <a:rPr lang="en-US" altLang="ko-KR" sz="2300" b="1" dirty="0"/>
+              <a:t>~</a:t>
+            </a:r>
+          </a:p>
+          <a:p>
+            <a:pPr marL="0" indent="0">
+              <a:buNone/>
+            </a:pPr>
+            <a:endParaRPr lang="en-US" altLang="ko-KR" dirty="0"/>
+          </a:p>
+        </p:txBody>
+      </p:sp>
+    </p:spTree>
+    <p:extLst>
+      <p:ext uri="{BB962C8B-B14F-4D97-AF65-F5344CB8AC3E}">
+        <p14:creationId xmlns:p14="http://schemas.microsoft.com/office/powerpoint/2010/main" val="3910344136"/>
+      </p:ext>
+    </p:extLst>
+  </p:cSld>
+  <p:clrMapOvr>
+    <a:masterClrMapping/>
+  </p:clrMapOvr>
+</p:sld>
+</file>
+
+<file path=ppt/slides/slide9.xml><?xml version="1.0" encoding="utf-8"?>
+<p:sld xmlns:a="http://schemas.openxmlformats.org/drawingml/2006/main" xmlns:r="http://schemas.openxmlformats.org/officeDocument/2006/relationships" xmlns:p="http://schemas.openxmlformats.org/presentationml/2006/main">
+  <p:cSld>
+    <p:spTree>
+      <p:nvGrpSpPr>
+        <p:cNvPr id="1" name=""/>
+        <p:cNvGrpSpPr/>
+        <p:nvPr/>
+      </p:nvGrpSpPr>
+      <p:grpSpPr>
+        <a:xfrm>
+          <a:off x="0" y="0"/>
+          <a:ext cx="0" cy="0"/>
+          <a:chOff x="0" y="0"/>
+          <a:chExt cx="0" cy="0"/>
+        </a:xfrm>
+      </p:grpSpPr>
+      <p:sp>
+        <p:nvSpPr>
+          <p:cNvPr id="2" name="제목 1">
+            <a:extLst>
+              <a:ext uri="{FF2B5EF4-FFF2-40B4-BE49-F238E27FC236}">
+                <a16:creationId xmlns:a16="http://schemas.microsoft.com/office/drawing/2014/main" id="{E9717B3E-40A2-9F6D-5E3D-DBEC12F5C454}"/>
+              </a:ext>
+            </a:extLst>
+          </p:cNvPr>
+          <p:cNvSpPr>
+            <a:spLocks noGrp="1"/>
+          </p:cNvSpPr>
+          <p:nvPr>
+            <p:ph type="title"/>
+          </p:nvPr>
+        </p:nvSpPr>
+        <p:spPr/>
+        <p:txBody>
+          <a:bodyPr/>
+          <a:lstStyle/>
+          <a:p>
+            <a:r>
+              <a:rPr lang="en-US" altLang="ko-KR" dirty="0"/>
+              <a:t>Example 1: 32bit ROP</a:t>
+            </a:r>
+            <a:endParaRPr lang="ko-KR" altLang="en-US" dirty="0"/>
+          </a:p>
+        </p:txBody>
+      </p:sp>
+      <p:pic>
+        <p:nvPicPr>
+          <p:cNvPr id="5" name="내용 개체 틀 4">
+            <a:extLst>
+              <a:ext uri="{FF2B5EF4-FFF2-40B4-BE49-F238E27FC236}">
+                <a16:creationId xmlns:a16="http://schemas.microsoft.com/office/drawing/2014/main" id="{E6CBC5CA-1F8C-76B9-5259-5C1568169F0E}"/>
+              </a:ext>
+            </a:extLst>
+          </p:cNvPr>
+          <p:cNvPicPr>
+            <a:picLocks noGrp="1" noChangeAspect="1"/>
+          </p:cNvPicPr>
+          <p:nvPr>
+            <p:ph idx="1"/>
+          </p:nvPr>
+        </p:nvPicPr>
+        <p:blipFill>
+          <a:blip r:embed="rId2"/>
+          <a:stretch>
+            <a:fillRect/>
+          </a:stretch>
+        </p:blipFill>
+        <p:spPr>
+          <a:xfrm>
+            <a:off x="1000081" y="1386238"/>
+            <a:ext cx="3366085" cy="4040785"/>
+          </a:xfrm>
+        </p:spPr>
+      </p:pic>
+      <p:pic>
+        <p:nvPicPr>
+          <p:cNvPr id="8" name="그림 7">
+            <a:extLst>
+              <a:ext uri="{FF2B5EF4-FFF2-40B4-BE49-F238E27FC236}">
+                <a16:creationId xmlns:a16="http://schemas.microsoft.com/office/drawing/2014/main" id="{244147EC-D55B-DC7D-F2CC-2F67DD49DE1C}"/>
+              </a:ext>
+            </a:extLst>
+          </p:cNvPr>
+          <p:cNvPicPr>
+            <a:picLocks noChangeAspect="1"/>
+          </p:cNvPicPr>
+          <p:nvPr/>
+        </p:nvPicPr>
+        <p:blipFill>
+          <a:blip r:embed="rId3"/>
+          <a:stretch>
+            <a:fillRect/>
+          </a:stretch>
+        </p:blipFill>
+        <p:spPr>
+          <a:xfrm>
+            <a:off x="913896" y="5534180"/>
+            <a:ext cx="3541516" cy="1116652"/>
+          </a:xfrm>
+          <a:prstGeom prst="rect">
+            <a:avLst/>
+          </a:prstGeom>
+        </p:spPr>
+      </p:pic>
+      <p:sp>
+        <p:nvSpPr>
+          <p:cNvPr id="9" name="TextBox 8">
+            <a:extLst>
+              <a:ext uri="{FF2B5EF4-FFF2-40B4-BE49-F238E27FC236}">
+                <a16:creationId xmlns:a16="http://schemas.microsoft.com/office/drawing/2014/main" id="{B929D167-D6B3-099D-07C5-1F4194B86F96}"/>
+              </a:ext>
+            </a:extLst>
+          </p:cNvPr>
+          <p:cNvSpPr txBox="1"/>
+          <p:nvPr/>
+        </p:nvSpPr>
+        <p:spPr>
+          <a:xfrm>
+            <a:off x="4744192" y="1478477"/>
+            <a:ext cx="5991102" cy="3416320"/>
+          </a:xfrm>
+          <a:prstGeom prst="rect">
+            <a:avLst/>
+          </a:prstGeom>
+          <a:noFill/>
+        </p:spPr>
+        <p:txBody>
+          <a:bodyPr wrap="square" rtlCol="0">
+            <a:spAutoFit/>
+          </a:bodyPr>
+          <a:lstStyle/>
+          <a:p>
+            <a:r>
+              <a:rPr lang="ko-KR" altLang="en-US" dirty="0"/>
+              <a:t>보호기법 확인</a:t>
+            </a:r>
+            <a:r>
+              <a:rPr lang="en-US" altLang="ko-KR" dirty="0"/>
+              <a:t>.</a:t>
+            </a:r>
+          </a:p>
+          <a:p>
+            <a:endParaRPr lang="en-US" altLang="ko-KR" dirty="0"/>
+          </a:p>
+          <a:p>
+            <a:r>
+              <a:rPr lang="ko-KR" altLang="en-US" dirty="0"/>
+              <a:t>딱 봐도 </a:t>
+            </a:r>
+            <a:r>
+              <a:rPr lang="en-US" altLang="ko-KR" dirty="0"/>
+              <a:t>read</a:t>
+            </a:r>
+            <a:r>
+              <a:rPr lang="ko-KR" altLang="en-US" dirty="0"/>
+              <a:t>를 할 때</a:t>
+            </a:r>
+            <a:r>
+              <a:rPr lang="en-US" altLang="ko-KR" dirty="0"/>
+              <a:t>, buffer overflow </a:t>
+            </a:r>
+            <a:r>
+              <a:rPr lang="ko-KR" altLang="en-US" dirty="0"/>
+              <a:t>가능</a:t>
+            </a:r>
+            <a:r>
+              <a:rPr lang="en-US" altLang="ko-KR" dirty="0"/>
+              <a:t>.</a:t>
+            </a:r>
+          </a:p>
+          <a:p>
+            <a:endParaRPr lang="en-US" altLang="ko-KR" dirty="0"/>
+          </a:p>
+          <a:p>
+            <a:r>
+              <a:rPr lang="ko-KR" altLang="en-US" dirty="0"/>
+              <a:t>근데 바이너리 안에 </a:t>
+            </a:r>
+            <a:r>
+              <a:rPr lang="en-US" altLang="ko-KR" dirty="0"/>
+              <a:t>“/bin/</a:t>
+            </a:r>
+            <a:r>
+              <a:rPr lang="en-US" altLang="ko-KR" dirty="0" err="1"/>
+              <a:t>sh</a:t>
+            </a:r>
+            <a:r>
+              <a:rPr lang="en-US" altLang="ko-KR" dirty="0"/>
+              <a:t>”</a:t>
+            </a:r>
+            <a:r>
+              <a:rPr lang="ko-KR" altLang="en-US" dirty="0"/>
+              <a:t>문자열도 없고</a:t>
+            </a:r>
+            <a:r>
+              <a:rPr lang="en-US" altLang="ko-KR" dirty="0"/>
+              <a:t> system </a:t>
+            </a:r>
+            <a:r>
+              <a:rPr lang="ko-KR" altLang="en-US" dirty="0"/>
+              <a:t>함수도 없기에 그냥 </a:t>
+            </a:r>
+            <a:r>
+              <a:rPr lang="en-US" altLang="ko-KR" dirty="0"/>
+              <a:t>call</a:t>
+            </a:r>
+            <a:r>
+              <a:rPr lang="ko-KR" altLang="en-US" dirty="0"/>
+              <a:t>은 할 수 없다</a:t>
+            </a:r>
+            <a:r>
+              <a:rPr lang="en-US" altLang="ko-KR" dirty="0"/>
+              <a:t>.</a:t>
+            </a:r>
+          </a:p>
+          <a:p>
+            <a:endParaRPr lang="en-US" altLang="ko-KR" dirty="0"/>
+          </a:p>
+          <a:p>
+            <a:r>
+              <a:rPr lang="ko-KR" altLang="en-US" dirty="0"/>
+              <a:t>그러면 </a:t>
+            </a:r>
+            <a:r>
+              <a:rPr lang="en-US" altLang="ko-KR" dirty="0" err="1"/>
+              <a:t>libc</a:t>
+            </a:r>
+            <a:r>
+              <a:rPr lang="ko-KR" altLang="en-US" dirty="0"/>
+              <a:t>의 </a:t>
+            </a:r>
+            <a:r>
+              <a:rPr lang="en-US" altLang="ko-KR" dirty="0"/>
+              <a:t>system </a:t>
+            </a:r>
+            <a:r>
+              <a:rPr lang="ko-KR" altLang="en-US" dirty="0"/>
+              <a:t>쓰면 되겠네</a:t>
+            </a:r>
+            <a:r>
+              <a:rPr lang="en-US" altLang="ko-KR" dirty="0"/>
+              <a:t>~</a:t>
+            </a:r>
+          </a:p>
+          <a:p>
+            <a:endParaRPr lang="en-US" altLang="ko-KR" dirty="0"/>
+          </a:p>
+          <a:p>
+            <a:r>
+              <a:rPr lang="en-US" altLang="ko-KR" dirty="0" err="1"/>
+              <a:t>Aslr</a:t>
+            </a:r>
+            <a:r>
+              <a:rPr lang="ko-KR" altLang="en-US" dirty="0"/>
+              <a:t> </a:t>
+            </a:r>
+            <a:r>
+              <a:rPr lang="ko-KR" altLang="en-US" dirty="0" err="1"/>
+              <a:t>켜져있는데</a:t>
+            </a:r>
+            <a:r>
+              <a:rPr lang="ko-KR" altLang="en-US" dirty="0"/>
+              <a:t> 해당 주소 어떻게 아는데</a:t>
+            </a:r>
+            <a:r>
+              <a:rPr lang="en-US" altLang="ko-KR" dirty="0"/>
+              <a:t>?</a:t>
+            </a:r>
+          </a:p>
+          <a:p>
+            <a:endParaRPr lang="en-US" altLang="ko-KR" dirty="0"/>
+          </a:p>
+          <a:p>
+            <a:r>
+              <a:rPr lang="en-US" altLang="ko-KR" dirty="0"/>
+              <a:t>=&gt; ROP Scenario </a:t>
+            </a:r>
+            <a:r>
+              <a:rPr lang="ko-KR" altLang="en-US" dirty="0"/>
+              <a:t>참고</a:t>
+            </a:r>
+            <a:r>
+              <a:rPr lang="en-US" altLang="ko-KR" dirty="0"/>
+              <a:t>.</a:t>
+            </a:r>
+          </a:p>
+        </p:txBody>
+      </p:sp>
+    </p:spTree>
+    <p:extLst>
+      <p:ext uri="{BB962C8B-B14F-4D97-AF65-F5344CB8AC3E}">
+        <p14:creationId xmlns:p14="http://schemas.microsoft.com/office/powerpoint/2010/main" val="3258884607"/>
       </p:ext>
     </p:extLst>
   </p:cSld>
@@ -4293,4 +9558,299 @@
     </a:ext>
   </a:extLst>
 </a:theme>
+</file>
+
+<file path=ppt/theme/theme2.xml><?xml version="1.0" encoding="utf-8"?>
+<a:theme xmlns:a="http://schemas.openxmlformats.org/drawingml/2006/main" name="Office 테마">
+  <a:themeElements>
+    <a:clrScheme name="Office">
+      <a:dk1>
+        <a:sysClr val="windowText" lastClr="000000"/>
+      </a:dk1>
+      <a:lt1>
+        <a:sysClr val="window" lastClr="FFFFFF"/>
+      </a:lt1>
+      <a:dk2>
+        <a:srgbClr val="44546A"/>
+      </a:dk2>
+      <a:lt2>
+        <a:srgbClr val="E7E6E6"/>
+      </a:lt2>
+      <a:accent1>
+        <a:srgbClr val="4472C4"/>
+      </a:accent1>
+      <a:accent2>
+        <a:srgbClr val="ED7D31"/>
+      </a:accent2>
+      <a:accent3>
+        <a:srgbClr val="A5A5A5"/>
+      </a:accent3>
+      <a:accent4>
+        <a:srgbClr val="FFC000"/>
+      </a:accent4>
+      <a:accent5>
+        <a:srgbClr val="5B9BD5"/>
+      </a:accent5>
+      <a:accent6>
+        <a:srgbClr val="70AD47"/>
+      </a:accent6>
+      <a:hlink>
+        <a:srgbClr val="0563C1"/>
+      </a:hlink>
+      <a:folHlink>
+        <a:srgbClr val="954F72"/>
+      </a:folHlink>
+    </a:clrScheme>
+    <a:fontScheme name="Office">
+      <a:majorFont>
+        <a:latin typeface="맑은 고딕" panose="020F0302020204030204"/>
+        <a:ea typeface=""/>
+        <a:cs typeface=""/>
+        <a:font script="Jpan" typeface="游ゴシック Light"/>
+        <a:font script="Hang" typeface="맑은 고딕"/>
+        <a:font script="Hans" typeface="等线 Light"/>
+        <a:font script="Hant" typeface="新細明體"/>
+        <a:font script="Arab" typeface="Times New Roman"/>
+        <a:font script="Hebr" typeface="Times New Roman"/>
+        <a:font script="Thai" typeface="Angsana New"/>
+        <a:font script="Ethi" typeface="Nyala"/>
+        <a:font script="Beng" typeface="Vrinda"/>
+        <a:font script="Gujr" typeface="Shruti"/>
+        <a:font script="Khmr" typeface="MoolBoran"/>
+        <a:font script="Knda" typeface="Tunga"/>
+        <a:font script="Guru" typeface="Raavi"/>
+        <a:font script="Cans" typeface="Euphemia"/>
+        <a:font script="Cher" typeface="Plantagenet Cherokee"/>
+        <a:font script="Yiii" typeface="Microsoft Yi Baiti"/>
+        <a:font script="Tibt" typeface="Microsoft Himalaya"/>
+        <a:font script="Thaa" typeface="MV Boli"/>
+        <a:font script="Deva" typeface="Mangal"/>
+        <a:font script="Telu" typeface="Gautami"/>
+        <a:font script="Taml" typeface="Latha"/>
+        <a:font script="Syrc" typeface="Estrangelo Edessa"/>
+        <a:font script="Orya" typeface="Kalinga"/>
+        <a:font script="Mlym" typeface="Kartika"/>
+        <a:font script="Laoo" typeface="DokChampa"/>
+        <a:font script="Sinh" typeface="Iskoola Pota"/>
+        <a:font script="Mong" typeface="Mongolian Baiti"/>
+        <a:font script="Viet" typeface="Times New Roman"/>
+        <a:font script="Uigh" typeface="Microsoft Uighur"/>
+        <a:font script="Geor" typeface="Sylfaen"/>
+        <a:font script="Armn" typeface="Arial"/>
+        <a:font script="Bugi" typeface="Leelawadee UI"/>
+        <a:font script="Bopo" typeface="Microsoft JhengHei"/>
+        <a:font script="Java" typeface="Javanese Text"/>
+        <a:font script="Lisu" typeface="Segoe UI"/>
+        <a:font script="Mymr" typeface="Myanmar Text"/>
+        <a:font script="Nkoo" typeface="Ebrima"/>
+        <a:font script="Olck" typeface="Nirmala UI"/>
+        <a:font script="Osma" typeface="Ebrima"/>
+        <a:font script="Phag" typeface="Phagspa"/>
+        <a:font script="Syrn" typeface="Estrangelo Edessa"/>
+        <a:font script="Syrj" typeface="Estrangelo Edessa"/>
+        <a:font script="Syre" typeface="Estrangelo Edessa"/>
+        <a:font script="Sora" typeface="Nirmala UI"/>
+        <a:font script="Tale" typeface="Microsoft Tai Le"/>
+        <a:font script="Talu" typeface="Microsoft New Tai Lue"/>
+        <a:font script="Tfng" typeface="Ebrima"/>
+      </a:majorFont>
+      <a:minorFont>
+        <a:latin typeface="맑은 고딕" panose="020F0502020204030204"/>
+        <a:ea typeface=""/>
+        <a:cs typeface=""/>
+        <a:font script="Jpan" typeface="游ゴシック"/>
+        <a:font script="Hang" typeface="맑은 고딕"/>
+        <a:font script="Hans" typeface="等线"/>
+        <a:font script="Hant" typeface="新細明體"/>
+        <a:font script="Arab" typeface="Arial"/>
+        <a:font script="Hebr" typeface="Arial"/>
+        <a:font script="Thai" typeface="Cordia New"/>
+        <a:font script="Ethi" typeface="Nyala"/>
+        <a:font script="Beng" typeface="Vrinda"/>
+        <a:font script="Gujr" typeface="Shruti"/>
+        <a:font script="Khmr" typeface="DaunPenh"/>
+        <a:font script="Knda" typeface="Tunga"/>
+        <a:font script="Guru" typeface="Raavi"/>
+        <a:font script="Cans" typeface="Euphemia"/>
+        <a:font script="Cher" typeface="Plantagenet Cherokee"/>
+        <a:font script="Yiii" typeface="Microsoft Yi Baiti"/>
+        <a:font script="Tibt" typeface="Microsoft Himalaya"/>
+        <a:font script="Thaa" typeface="MV Boli"/>
+        <a:font script="Deva" typeface="Mangal"/>
+        <a:font script="Telu" typeface="Gautami"/>
+        <a:font script="Taml" typeface="Latha"/>
+        <a:font script="Syrc" typeface="Estrangelo Edessa"/>
+        <a:font script="Orya" typeface="Kalinga"/>
+        <a:font script="Mlym" typeface="Kartika"/>
+        <a:font script="Laoo" typeface="DokChampa"/>
+        <a:font script="Sinh" typeface="Iskoola Pota"/>
+        <a:font script="Mong" typeface="Mongolian Baiti"/>
+        <a:font script="Viet" typeface="Arial"/>
+        <a:font script="Uigh" typeface="Microsoft Uighur"/>
+        <a:font script="Geor" typeface="Sylfaen"/>
+        <a:font script="Armn" typeface="Arial"/>
+        <a:font script="Bugi" typeface="Leelawadee UI"/>
+        <a:font script="Bopo" typeface="Microsoft JhengHei"/>
+        <a:font script="Java" typeface="Javanese Text"/>
+        <a:font script="Lisu" typeface="Segoe UI"/>
+        <a:font script="Mymr" typeface="Myanmar Text"/>
+        <a:font script="Nkoo" typeface="Ebrima"/>
+        <a:font script="Olck" typeface="Nirmala UI"/>
+        <a:font script="Osma" typeface="Ebrima"/>
+        <a:font script="Phag" typeface="Phagspa"/>
+        <a:font script="Syrn" typeface="Estrangelo Edessa"/>
+        <a:font script="Syrj" typeface="Estrangelo Edessa"/>
+        <a:font script="Syre" typeface="Estrangelo Edessa"/>
+        <a:font script="Sora" typeface="Nirmala UI"/>
+        <a:font script="Tale" typeface="Microsoft Tai Le"/>
+        <a:font script="Talu" typeface="Microsoft New Tai Lue"/>
+        <a:font script="Tfng" typeface="Ebrima"/>
+      </a:minorFont>
+    </a:fontScheme>
+    <a:fmtScheme name="Office">
+      <a:fillStyleLst>
+        <a:solidFill>
+          <a:schemeClr val="phClr"/>
+        </a:solidFill>
+        <a:gradFill rotWithShape="1">
+          <a:gsLst>
+            <a:gs pos="0">
+              <a:schemeClr val="phClr">
+                <a:lumMod val="110000"/>
+                <a:satMod val="105000"/>
+                <a:tint val="67000"/>
+              </a:schemeClr>
+            </a:gs>
+            <a:gs pos="50000">
+              <a:schemeClr val="phClr">
+                <a:lumMod val="105000"/>
+                <a:satMod val="103000"/>
+                <a:tint val="73000"/>
+              </a:schemeClr>
+            </a:gs>
+            <a:gs pos="100000">
+              <a:schemeClr val="phClr">
+                <a:lumMod val="105000"/>
+                <a:satMod val="109000"/>
+                <a:tint val="81000"/>
+              </a:schemeClr>
+            </a:gs>
+          </a:gsLst>
+          <a:lin ang="5400000" scaled="0"/>
+        </a:gradFill>
+        <a:gradFill rotWithShape="1">
+          <a:gsLst>
+            <a:gs pos="0">
+              <a:schemeClr val="phClr">
+                <a:satMod val="103000"/>
+                <a:lumMod val="102000"/>
+                <a:tint val="94000"/>
+              </a:schemeClr>
+            </a:gs>
+            <a:gs pos="50000">
+              <a:schemeClr val="phClr">
+                <a:satMod val="110000"/>
+                <a:lumMod val="100000"/>
+                <a:shade val="100000"/>
+              </a:schemeClr>
+            </a:gs>
+            <a:gs pos="100000">
+              <a:schemeClr val="phClr">
+                <a:lumMod val="99000"/>
+                <a:satMod val="120000"/>
+                <a:shade val="78000"/>
+              </a:schemeClr>
+            </a:gs>
+          </a:gsLst>
+          <a:lin ang="5400000" scaled="0"/>
+        </a:gradFill>
+      </a:fillStyleLst>
+      <a:lnStyleLst>
+        <a:ln w="6350" cap="flat" cmpd="sng" algn="ctr">
+          <a:solidFill>
+            <a:schemeClr val="phClr"/>
+          </a:solidFill>
+          <a:prstDash val="solid"/>
+          <a:miter lim="800000"/>
+        </a:ln>
+        <a:ln w="12700" cap="flat" cmpd="sng" algn="ctr">
+          <a:solidFill>
+            <a:schemeClr val="phClr"/>
+          </a:solidFill>
+          <a:prstDash val="solid"/>
+          <a:miter lim="800000"/>
+        </a:ln>
+        <a:ln w="19050" cap="flat" cmpd="sng" algn="ctr">
+          <a:solidFill>
+            <a:schemeClr val="phClr"/>
+          </a:solidFill>
+          <a:prstDash val="solid"/>
+          <a:miter lim="800000"/>
+        </a:ln>
+      </a:lnStyleLst>
+      <a:effectStyleLst>
+        <a:effectStyle>
+          <a:effectLst/>
+        </a:effectStyle>
+        <a:effectStyle>
+          <a:effectLst/>
+        </a:effectStyle>
+        <a:effectStyle>
+          <a:effectLst>
+            <a:outerShdw blurRad="57150" dist="19050" dir="5400000" algn="ctr" rotWithShape="0">
+              <a:srgbClr val="000000">
+                <a:alpha val="63000"/>
+              </a:srgbClr>
+            </a:outerShdw>
+          </a:effectLst>
+        </a:effectStyle>
+      </a:effectStyleLst>
+      <a:bgFillStyleLst>
+        <a:solidFill>
+          <a:schemeClr val="phClr"/>
+        </a:solidFill>
+        <a:solidFill>
+          <a:schemeClr val="phClr">
+            <a:tint val="95000"/>
+            <a:satMod val="170000"/>
+          </a:schemeClr>
+        </a:solidFill>
+        <a:gradFill rotWithShape="1">
+          <a:gsLst>
+            <a:gs pos="0">
+              <a:schemeClr val="phClr">
+                <a:tint val="93000"/>
+                <a:satMod val="150000"/>
+                <a:shade val="98000"/>
+                <a:lumMod val="102000"/>
+              </a:schemeClr>
+            </a:gs>
+            <a:gs pos="50000">
+              <a:schemeClr val="phClr">
+                <a:tint val="98000"/>
+                <a:satMod val="130000"/>
+                <a:shade val="90000"/>
+                <a:lumMod val="103000"/>
+              </a:schemeClr>
+            </a:gs>
+            <a:gs pos="100000">
+              <a:schemeClr val="phClr">
+                <a:shade val="63000"/>
+                <a:satMod val="120000"/>
+              </a:schemeClr>
+            </a:gs>
+          </a:gsLst>
+          <a:lin ang="5400000" scaled="0"/>
+        </a:gradFill>
+      </a:bgFillStyleLst>
+    </a:fmtScheme>
+  </a:themeElements>
+  <a:objectDefaults/>
+  <a:extraClrSchemeLst/>
+  <a:extLst>
+    <a:ext uri="{05A4C25C-085E-4340-85A3-A5531E510DB2}">
+      <thm15:themeFamily xmlns:thm15="http://schemas.microsoft.com/office/thememl/2012/main" name="Office Theme" id="{62F939B6-93AF-4DB8-9C6B-D6C7DFDC589F}" vid="{4A3C46E8-61CC-4603-A589-7422A47A8E4A}"/>
+    </a:ext>
+  </a:extLst>
+</a:theme>
 </file>
--- a/ROP_FSB.pptx
+++ b/ROP_FSB.pptx
@@ -5,7 +5,7 @@
     <p:sldMasterId id="2147483648" r:id="rId1"/>
   </p:sldMasterIdLst>
   <p:notesMasterIdLst>
-    <p:notesMasterId r:id="rId27"/>
+    <p:notesMasterId r:id="rId25"/>
   </p:notesMasterIdLst>
   <p:sldIdLst>
     <p:sldId id="256" r:id="rId2"/>
@@ -20,19 +20,17 @@
     <p:sldId id="263" r:id="rId11"/>
     <p:sldId id="265" r:id="rId12"/>
     <p:sldId id="275" r:id="rId13"/>
-    <p:sldId id="266" r:id="rId14"/>
-    <p:sldId id="267" r:id="rId15"/>
-    <p:sldId id="268" r:id="rId16"/>
-    <p:sldId id="270" r:id="rId17"/>
-    <p:sldId id="280" r:id="rId18"/>
-    <p:sldId id="271" r:id="rId19"/>
-    <p:sldId id="281" r:id="rId20"/>
-    <p:sldId id="277" r:id="rId21"/>
-    <p:sldId id="278" r:id="rId22"/>
-    <p:sldId id="279" r:id="rId23"/>
-    <p:sldId id="272" r:id="rId24"/>
-    <p:sldId id="273" r:id="rId25"/>
-    <p:sldId id="276" r:id="rId26"/>
+    <p:sldId id="268" r:id="rId14"/>
+    <p:sldId id="270" r:id="rId15"/>
+    <p:sldId id="280" r:id="rId16"/>
+    <p:sldId id="271" r:id="rId17"/>
+    <p:sldId id="281" r:id="rId18"/>
+    <p:sldId id="277" r:id="rId19"/>
+    <p:sldId id="278" r:id="rId20"/>
+    <p:sldId id="279" r:id="rId21"/>
+    <p:sldId id="272" r:id="rId22"/>
+    <p:sldId id="273" r:id="rId23"/>
+    <p:sldId id="276" r:id="rId24"/>
   </p:sldIdLst>
   <p:sldSz cx="12192000" cy="6858000"/>
   <p:notesSz cx="6858000" cy="9144000"/>
@@ -3720,7 +3718,7 @@
         </p:nvSpPr>
         <p:spPr>
           <a:xfrm>
-            <a:off x="1346856" y="2695924"/>
+            <a:off x="1346859" y="2695924"/>
             <a:ext cx="9498281" cy="991590"/>
           </a:xfrm>
         </p:spPr>
@@ -4417,459 +4415,6 @@
           <p:cNvPr id="2" name="제목 1">
             <a:extLst>
               <a:ext uri="{FF2B5EF4-FFF2-40B4-BE49-F238E27FC236}">
-                <a16:creationId xmlns:a16="http://schemas.microsoft.com/office/drawing/2014/main" id="{00EBB0F3-BD0E-D753-0E8F-9E9A8A76B5A2}"/>
-              </a:ext>
-            </a:extLst>
-          </p:cNvPr>
-          <p:cNvSpPr>
-            <a:spLocks noGrp="1"/>
-          </p:cNvSpPr>
-          <p:nvPr>
-            <p:ph type="title"/>
-          </p:nvPr>
-        </p:nvSpPr>
-        <p:spPr/>
-        <p:txBody>
-          <a:bodyPr>
-            <a:normAutofit/>
-          </a:bodyPr>
-          <a:lstStyle/>
-          <a:p>
-            <a:r>
-              <a:rPr lang="en-US" altLang="ko-KR" sz="4000" dirty="0"/>
-              <a:t>Background</a:t>
-            </a:r>
-            <a:r>
-              <a:rPr lang="ko-KR" altLang="en-US" sz="4000" dirty="0"/>
-              <a:t> </a:t>
-            </a:r>
-            <a:r>
-              <a:rPr lang="en-US" altLang="ko-KR" sz="4000" dirty="0"/>
-              <a:t>for</a:t>
-            </a:r>
-            <a:r>
-              <a:rPr lang="ko-KR" altLang="en-US" sz="4000" dirty="0"/>
-              <a:t> </a:t>
-            </a:r>
-            <a:r>
-              <a:rPr lang="en-US" altLang="ko-KR" sz="4000" dirty="0"/>
-              <a:t>FSB (One-shot gadget)</a:t>
-            </a:r>
-            <a:endParaRPr lang="ko-KR" altLang="en-US" sz="4000" dirty="0"/>
-          </a:p>
-        </p:txBody>
-      </p:sp>
-      <p:sp>
-        <p:nvSpPr>
-          <p:cNvPr id="3" name="내용 개체 틀 2">
-            <a:extLst>
-              <a:ext uri="{FF2B5EF4-FFF2-40B4-BE49-F238E27FC236}">
-                <a16:creationId xmlns:a16="http://schemas.microsoft.com/office/drawing/2014/main" id="{ECAB21DB-7123-62A7-652A-79E2C808F1C1}"/>
-              </a:ext>
-            </a:extLst>
-          </p:cNvPr>
-          <p:cNvSpPr>
-            <a:spLocks noGrp="1"/>
-          </p:cNvSpPr>
-          <p:nvPr>
-            <p:ph idx="1"/>
-          </p:nvPr>
-        </p:nvSpPr>
-        <p:spPr/>
-        <p:txBody>
-          <a:bodyPr/>
-          <a:lstStyle/>
-          <a:p>
-            <a:pPr marL="0" indent="0">
-              <a:buNone/>
-            </a:pPr>
-            <a:r>
-              <a:rPr lang="en-US" altLang="ko-KR" sz="2500" dirty="0"/>
-              <a:t>One-shot</a:t>
-            </a:r>
-            <a:r>
-              <a:rPr lang="ko-KR" altLang="en-US" sz="2500" dirty="0"/>
-              <a:t> </a:t>
-            </a:r>
-            <a:r>
-              <a:rPr lang="en-US" altLang="ko-KR" sz="2500" dirty="0"/>
-              <a:t>gadget</a:t>
-            </a:r>
-            <a:r>
-              <a:rPr lang="ko-KR" altLang="en-US" sz="2500" dirty="0"/>
-              <a:t>이 </a:t>
-            </a:r>
-            <a:r>
-              <a:rPr lang="ko-KR" altLang="en-US" sz="2500" dirty="0" err="1"/>
-              <a:t>뭔데</a:t>
-            </a:r>
-            <a:r>
-              <a:rPr lang="en-US" altLang="ko-KR" sz="2500" dirty="0"/>
-              <a:t>?</a:t>
-            </a:r>
-          </a:p>
-          <a:p>
-            <a:pPr marL="0" indent="0">
-              <a:buNone/>
-            </a:pPr>
-            <a:r>
-              <a:rPr lang="en-US" altLang="ko-KR" sz="2500" dirty="0"/>
-              <a:t>-&gt;</a:t>
-            </a:r>
-            <a:r>
-              <a:rPr lang="ko-KR" altLang="en-US" sz="2500" dirty="0"/>
-              <a:t> 라이브러리 내에 존재하는 그냥 냅다 쉘 실행시켜주는 코드</a:t>
-            </a:r>
-            <a:endParaRPr lang="en-US" altLang="ko-KR" sz="2500" dirty="0"/>
-          </a:p>
-          <a:p>
-            <a:pPr marL="0" indent="0">
-              <a:buNone/>
-            </a:pPr>
-            <a:endParaRPr lang="en-US" altLang="ko-KR" sz="2500" dirty="0"/>
-          </a:p>
-          <a:p>
-            <a:pPr marL="0" indent="0">
-              <a:buNone/>
-            </a:pPr>
-            <a:r>
-              <a:rPr lang="en-US" altLang="ko-KR" sz="2500" dirty="0" err="1"/>
-              <a:t>one_gadget</a:t>
-            </a:r>
-            <a:r>
-              <a:rPr lang="ko-KR" altLang="en-US" sz="2500" dirty="0"/>
-              <a:t>이라는 툴로 쉽게 찾아낼 수 있다</a:t>
-            </a:r>
-            <a:r>
-              <a:rPr lang="en-US" altLang="ko-KR" sz="2500" dirty="0"/>
-              <a:t>!</a:t>
-            </a:r>
-          </a:p>
-          <a:p>
-            <a:pPr marL="0" indent="0">
-              <a:buNone/>
-            </a:pPr>
-            <a:endParaRPr lang="en-US" altLang="ko-KR" sz="2000" dirty="0"/>
-          </a:p>
-          <a:p>
-            <a:pPr marL="0" indent="0">
-              <a:buNone/>
-            </a:pPr>
-            <a:r>
-              <a:rPr lang="ko-KR" altLang="en-US" sz="2000" dirty="0"/>
-              <a:t>아래의 두 명령어로 설치하고 맨 아래의 명령어로 실행하시면 됩니다</a:t>
-            </a:r>
-            <a:r>
-              <a:rPr lang="en-US" altLang="ko-KR" sz="2000" dirty="0"/>
-              <a:t>.</a:t>
-            </a:r>
-          </a:p>
-          <a:p>
-            <a:pPr marL="0" indent="0">
-              <a:buNone/>
-            </a:pPr>
-            <a:r>
-              <a:rPr lang="en-US" altLang="ko-KR" sz="1800" b="0" i="0" dirty="0" err="1">
-                <a:solidFill>
-                  <a:schemeClr val="bg1">
-                    <a:lumMod val="65000"/>
-                  </a:schemeClr>
-                </a:solidFill>
-                <a:effectLst/>
-                <a:latin typeface="Courier New" panose="02070309020205020404" pitchFamily="49" charset="0"/>
-              </a:rPr>
-              <a:t>sudo</a:t>
-            </a:r>
-            <a:r>
-              <a:rPr lang="en-US" altLang="ko-KR" sz="1800" b="0" i="0" dirty="0">
-                <a:solidFill>
-                  <a:schemeClr val="bg1">
-                    <a:lumMod val="65000"/>
-                  </a:schemeClr>
-                </a:solidFill>
-                <a:effectLst/>
-                <a:latin typeface="Courier New" panose="02070309020205020404" pitchFamily="49" charset="0"/>
-              </a:rPr>
-              <a:t> apt-get install ruby</a:t>
-            </a:r>
-          </a:p>
-          <a:p>
-            <a:pPr marL="0" indent="0">
-              <a:buNone/>
-            </a:pPr>
-            <a:r>
-              <a:rPr lang="en-US" altLang="ko-KR" sz="1800" b="0" i="0" dirty="0" err="1">
-                <a:solidFill>
-                  <a:schemeClr val="bg1">
-                    <a:lumMod val="65000"/>
-                  </a:schemeClr>
-                </a:solidFill>
-                <a:effectLst/>
-                <a:latin typeface="Courier New" panose="02070309020205020404" pitchFamily="49" charset="0"/>
-              </a:rPr>
-              <a:t>sudo</a:t>
-            </a:r>
-            <a:r>
-              <a:rPr lang="en-US" altLang="ko-KR" sz="1800" b="0" i="0" dirty="0">
-                <a:solidFill>
-                  <a:schemeClr val="bg1">
-                    <a:lumMod val="65000"/>
-                  </a:schemeClr>
-                </a:solidFill>
-                <a:effectLst/>
-                <a:latin typeface="Courier New" panose="02070309020205020404" pitchFamily="49" charset="0"/>
-              </a:rPr>
-              <a:t> gem install </a:t>
-            </a:r>
-            <a:r>
-              <a:rPr lang="en-US" altLang="ko-KR" sz="1800" b="0" i="0" dirty="0" err="1">
-                <a:solidFill>
-                  <a:schemeClr val="bg1">
-                    <a:lumMod val="65000"/>
-                  </a:schemeClr>
-                </a:solidFill>
-                <a:effectLst/>
-                <a:latin typeface="Courier New" panose="02070309020205020404" pitchFamily="49" charset="0"/>
-              </a:rPr>
-              <a:t>one_gadget</a:t>
-            </a:r>
-            <a:endParaRPr lang="en-US" altLang="ko-KR" sz="1800" dirty="0">
-              <a:solidFill>
-                <a:schemeClr val="bg1">
-                  <a:lumMod val="65000"/>
-                </a:schemeClr>
-              </a:solidFill>
-            </a:endParaRPr>
-          </a:p>
-          <a:p>
-            <a:pPr marL="0" indent="0">
-              <a:buNone/>
-            </a:pPr>
-            <a:r>
-              <a:rPr lang="en-US" altLang="ko-KR" sz="1800" dirty="0" err="1">
-                <a:solidFill>
-                  <a:schemeClr val="bg1">
-                    <a:lumMod val="65000"/>
-                  </a:schemeClr>
-                </a:solidFill>
-                <a:latin typeface="Courier New" panose="02070309020205020404" pitchFamily="49" charset="0"/>
-                <a:cs typeface="Courier New" panose="02070309020205020404" pitchFamily="49" charset="0"/>
-              </a:rPr>
-              <a:t>one_gadget</a:t>
-            </a:r>
-            <a:r>
-              <a:rPr lang="en-US" altLang="ko-KR" sz="1800" dirty="0">
-                <a:solidFill>
-                  <a:schemeClr val="bg1">
-                    <a:lumMod val="65000"/>
-                  </a:schemeClr>
-                </a:solidFill>
-                <a:latin typeface="Courier New" panose="02070309020205020404" pitchFamily="49" charset="0"/>
-                <a:cs typeface="Courier New" panose="02070309020205020404" pitchFamily="49" charset="0"/>
-              </a:rPr>
-              <a:t> [</a:t>
-            </a:r>
-            <a:r>
-              <a:rPr lang="en-US" altLang="ko-KR" sz="1800" dirty="0" err="1">
-                <a:solidFill>
-                  <a:schemeClr val="bg1">
-                    <a:lumMod val="65000"/>
-                  </a:schemeClr>
-                </a:solidFill>
-                <a:latin typeface="Courier New" panose="02070309020205020404" pitchFamily="49" charset="0"/>
-                <a:cs typeface="Courier New" panose="02070309020205020404" pitchFamily="49" charset="0"/>
-              </a:rPr>
-              <a:t>libc</a:t>
-            </a:r>
-            <a:r>
-              <a:rPr lang="en-US" altLang="ko-KR" sz="1800" dirty="0">
-                <a:solidFill>
-                  <a:schemeClr val="bg1">
-                    <a:lumMod val="65000"/>
-                  </a:schemeClr>
-                </a:solidFill>
-                <a:latin typeface="Courier New" panose="02070309020205020404" pitchFamily="49" charset="0"/>
-                <a:cs typeface="Courier New" panose="02070309020205020404" pitchFamily="49" charset="0"/>
-              </a:rPr>
-              <a:t>]</a:t>
-            </a:r>
-          </a:p>
-          <a:p>
-            <a:pPr marL="0" indent="0">
-              <a:buNone/>
-            </a:pPr>
-            <a:endParaRPr lang="en-US" altLang="ko-KR" sz="1800" dirty="0">
-              <a:latin typeface="Courier New" panose="02070309020205020404" pitchFamily="49" charset="0"/>
-              <a:cs typeface="Courier New" panose="02070309020205020404" pitchFamily="49" charset="0"/>
-            </a:endParaRPr>
-          </a:p>
-        </p:txBody>
-      </p:sp>
-    </p:spTree>
-    <p:extLst>
-      <p:ext uri="{BB962C8B-B14F-4D97-AF65-F5344CB8AC3E}">
-        <p14:creationId xmlns:p14="http://schemas.microsoft.com/office/powerpoint/2010/main" val="4215209483"/>
-      </p:ext>
-    </p:extLst>
-  </p:cSld>
-  <p:clrMapOvr>
-    <a:masterClrMapping/>
-  </p:clrMapOvr>
-</p:sld>
-</file>
-
-<file path=ppt/slides/slide14.xml><?xml version="1.0" encoding="utf-8"?>
-<p:sld xmlns:a="http://schemas.openxmlformats.org/drawingml/2006/main" xmlns:r="http://schemas.openxmlformats.org/officeDocument/2006/relationships" xmlns:p="http://schemas.openxmlformats.org/presentationml/2006/main">
-  <p:cSld>
-    <p:spTree>
-      <p:nvGrpSpPr>
-        <p:cNvPr id="1" name=""/>
-        <p:cNvGrpSpPr/>
-        <p:nvPr/>
-      </p:nvGrpSpPr>
-      <p:grpSpPr>
-        <a:xfrm>
-          <a:off x="0" y="0"/>
-          <a:ext cx="0" cy="0"/>
-          <a:chOff x="0" y="0"/>
-          <a:chExt cx="0" cy="0"/>
-        </a:xfrm>
-      </p:grpSpPr>
-      <p:sp>
-        <p:nvSpPr>
-          <p:cNvPr id="2" name="제목 1">
-            <a:extLst>
-              <a:ext uri="{FF2B5EF4-FFF2-40B4-BE49-F238E27FC236}">
-                <a16:creationId xmlns:a16="http://schemas.microsoft.com/office/drawing/2014/main" id="{5618F84E-6FE6-F790-B76E-DA5410152BAC}"/>
-              </a:ext>
-            </a:extLst>
-          </p:cNvPr>
-          <p:cNvSpPr>
-            <a:spLocks noGrp="1"/>
-          </p:cNvSpPr>
-          <p:nvPr>
-            <p:ph type="title"/>
-          </p:nvPr>
-        </p:nvSpPr>
-        <p:spPr/>
-        <p:txBody>
-          <a:bodyPr/>
-          <a:lstStyle/>
-          <a:p>
-            <a:r>
-              <a:rPr lang="en-US" altLang="ko-KR" dirty="0"/>
-              <a:t>Example 3: </a:t>
-            </a:r>
-            <a:r>
-              <a:rPr lang="en-US" altLang="ko-KR" dirty="0" err="1"/>
-              <a:t>onegadget</a:t>
-            </a:r>
-            <a:endParaRPr lang="ko-KR" altLang="en-US" dirty="0"/>
-          </a:p>
-        </p:txBody>
-      </p:sp>
-      <p:sp>
-        <p:nvSpPr>
-          <p:cNvPr id="3" name="내용 개체 틀 2">
-            <a:extLst>
-              <a:ext uri="{FF2B5EF4-FFF2-40B4-BE49-F238E27FC236}">
-                <a16:creationId xmlns:a16="http://schemas.microsoft.com/office/drawing/2014/main" id="{19AA2337-4F8B-2638-F620-EFDF334724F1}"/>
-              </a:ext>
-            </a:extLst>
-          </p:cNvPr>
-          <p:cNvSpPr>
-            <a:spLocks noGrp="1"/>
-          </p:cNvSpPr>
-          <p:nvPr>
-            <p:ph idx="1"/>
-          </p:nvPr>
-        </p:nvSpPr>
-        <p:spPr/>
-        <p:txBody>
-          <a:bodyPr/>
-          <a:lstStyle/>
-          <a:p>
-            <a:pPr marL="0" indent="0">
-              <a:buNone/>
-            </a:pPr>
-            <a:r>
-              <a:rPr lang="en-US" altLang="ko-KR" dirty="0"/>
-              <a:t>One-shot gadget</a:t>
-            </a:r>
-            <a:r>
-              <a:rPr lang="ko-KR" altLang="en-US" dirty="0"/>
-              <a:t>은 그냥 무조건 실행되는 건 아님</a:t>
-            </a:r>
-            <a:r>
-              <a:rPr lang="en-US" altLang="ko-KR" dirty="0"/>
-              <a:t>.</a:t>
-            </a:r>
-          </a:p>
-          <a:p>
-            <a:pPr marL="0" indent="0">
-              <a:buNone/>
-            </a:pPr>
-            <a:endParaRPr lang="en-US" altLang="ko-KR" dirty="0"/>
-          </a:p>
-          <a:p>
-            <a:pPr marL="0" indent="0">
-              <a:buNone/>
-            </a:pPr>
-            <a:r>
-              <a:rPr lang="en-US" altLang="ko-KR" dirty="0" err="1"/>
-              <a:t>one_gadget</a:t>
-            </a:r>
-            <a:r>
-              <a:rPr lang="ko-KR" altLang="en-US" dirty="0"/>
-              <a:t>으로 찾았을 때 조건으로 나오는 것을 충족 </a:t>
-            </a:r>
-            <a:r>
-              <a:rPr lang="ko-KR" altLang="en-US" dirty="0" err="1"/>
-              <a:t>시켜야함</a:t>
-            </a:r>
-            <a:r>
-              <a:rPr lang="en-US" altLang="ko-KR" dirty="0"/>
-              <a:t>.</a:t>
-            </a:r>
-            <a:endParaRPr lang="ko-KR" altLang="en-US" dirty="0"/>
-          </a:p>
-        </p:txBody>
-      </p:sp>
-    </p:spTree>
-    <p:extLst>
-      <p:ext uri="{BB962C8B-B14F-4D97-AF65-F5344CB8AC3E}">
-        <p14:creationId xmlns:p14="http://schemas.microsoft.com/office/powerpoint/2010/main" val="2186283602"/>
-      </p:ext>
-    </p:extLst>
-  </p:cSld>
-  <p:clrMapOvr>
-    <a:masterClrMapping/>
-  </p:clrMapOvr>
-</p:sld>
-</file>
-
-<file path=ppt/slides/slide15.xml><?xml version="1.0" encoding="utf-8"?>
-<p:sld xmlns:a="http://schemas.openxmlformats.org/drawingml/2006/main" xmlns:r="http://schemas.openxmlformats.org/officeDocument/2006/relationships" xmlns:p="http://schemas.openxmlformats.org/presentationml/2006/main">
-  <p:cSld>
-    <p:spTree>
-      <p:nvGrpSpPr>
-        <p:cNvPr id="1" name=""/>
-        <p:cNvGrpSpPr/>
-        <p:nvPr/>
-      </p:nvGrpSpPr>
-      <p:grpSpPr>
-        <a:xfrm>
-          <a:off x="0" y="0"/>
-          <a:ext cx="0" cy="0"/>
-          <a:chOff x="0" y="0"/>
-          <a:chExt cx="0" cy="0"/>
-        </a:xfrm>
-      </p:grpSpPr>
-      <p:sp>
-        <p:nvSpPr>
-          <p:cNvPr id="2" name="제목 1">
-            <a:extLst>
-              <a:ext uri="{FF2B5EF4-FFF2-40B4-BE49-F238E27FC236}">
                 <a16:creationId xmlns:a16="http://schemas.microsoft.com/office/drawing/2014/main" id="{6232181F-BE2D-567C-77C8-62DDD087D4FA}"/>
               </a:ext>
             </a:extLst>
@@ -4918,11 +4463,14 @@
         </p:spPr>
         <p:txBody>
           <a:bodyPr>
-            <a:normAutofit lnSpcReduction="10000"/>
+            <a:normAutofit fontScale="92500" lnSpcReduction="10000"/>
           </a:bodyPr>
           <a:lstStyle/>
           <a:p>
             <a:pPr marL="0" indent="0">
+              <a:lnSpc>
+                <a:spcPct val="110000"/>
+              </a:lnSpc>
               <a:buNone/>
             </a:pPr>
             <a:r>
@@ -4964,12 +4512,18 @@
           </a:p>
           <a:p>
             <a:pPr marL="0" indent="0">
+              <a:lnSpc>
+                <a:spcPct val="110000"/>
+              </a:lnSpc>
               <a:buNone/>
             </a:pPr>
             <a:endParaRPr lang="en-US" altLang="ko-KR" sz="2500" dirty="0"/>
           </a:p>
           <a:p>
             <a:pPr marL="0" indent="0">
+              <a:lnSpc>
+                <a:spcPct val="110000"/>
+              </a:lnSpc>
               <a:buNone/>
             </a:pPr>
             <a:r>
@@ -5133,7 +4687,7 @@
 </p:sld>
 </file>
 
-<file path=ppt/slides/slide16.xml><?xml version="1.0" encoding="utf-8"?>
+<file path=ppt/slides/slide14.xml><?xml version="1.0" encoding="utf-8"?>
 <p:sld xmlns:a="http://schemas.openxmlformats.org/drawingml/2006/main" xmlns:r="http://schemas.openxmlformats.org/officeDocument/2006/relationships" xmlns:p="http://schemas.openxmlformats.org/presentationml/2006/main">
   <p:cSld>
     <p:spTree>
@@ -5263,7 +4817,7 @@
 </p:sld>
 </file>
 
-<file path=ppt/slides/slide17.xml><?xml version="1.0" encoding="utf-8"?>
+<file path=ppt/slides/slide15.xml><?xml version="1.0" encoding="utf-8"?>
 <p:sld xmlns:a="http://schemas.openxmlformats.org/drawingml/2006/main" xmlns:r="http://schemas.openxmlformats.org/officeDocument/2006/relationships" xmlns:p="http://schemas.openxmlformats.org/presentationml/2006/main">
   <p:cSld>
     <p:spTree>
@@ -5393,7 +4947,7 @@
 </p:sld>
 </file>
 
-<file path=ppt/slides/slide18.xml><?xml version="1.0" encoding="utf-8"?>
+<file path=ppt/slides/slide16.xml><?xml version="1.0" encoding="utf-8"?>
 <p:sld xmlns:a="http://schemas.openxmlformats.org/drawingml/2006/main" xmlns:r="http://schemas.openxmlformats.org/officeDocument/2006/relationships" xmlns:p="http://schemas.openxmlformats.org/presentationml/2006/main">
   <p:cSld>
     <p:spTree>
@@ -5635,7 +5189,7 @@
 </p:sld>
 </file>
 
-<file path=ppt/slides/slide19.xml><?xml version="1.0" encoding="utf-8"?>
+<file path=ppt/slides/slide17.xml><?xml version="1.0" encoding="utf-8"?>
 <p:sld xmlns:a="http://schemas.openxmlformats.org/drawingml/2006/main" xmlns:r="http://schemas.openxmlformats.org/officeDocument/2006/relationships" xmlns:p="http://schemas.openxmlformats.org/presentationml/2006/main">
   <p:cSld>
     <p:spTree>
@@ -5851,131 +5405,7 @@
 </p:sld>
 </file>
 
-<file path=ppt/slides/slide2.xml><?xml version="1.0" encoding="utf-8"?>
-<p:sld xmlns:a="http://schemas.openxmlformats.org/drawingml/2006/main" xmlns:r="http://schemas.openxmlformats.org/officeDocument/2006/relationships" xmlns:p="http://schemas.openxmlformats.org/presentationml/2006/main">
-  <p:cSld>
-    <p:spTree>
-      <p:nvGrpSpPr>
-        <p:cNvPr id="1" name=""/>
-        <p:cNvGrpSpPr/>
-        <p:nvPr/>
-      </p:nvGrpSpPr>
-      <p:grpSpPr>
-        <a:xfrm>
-          <a:off x="0" y="0"/>
-          <a:ext cx="0" cy="0"/>
-          <a:chOff x="0" y="0"/>
-          <a:chExt cx="0" cy="0"/>
-        </a:xfrm>
-      </p:grpSpPr>
-      <p:sp>
-        <p:nvSpPr>
-          <p:cNvPr id="2" name="제목 1">
-            <a:extLst>
-              <a:ext uri="{FF2B5EF4-FFF2-40B4-BE49-F238E27FC236}">
-                <a16:creationId xmlns:a16="http://schemas.microsoft.com/office/drawing/2014/main" id="{307C4873-D646-0334-5881-ADE66AE5E5CE}"/>
-              </a:ext>
-            </a:extLst>
-          </p:cNvPr>
-          <p:cNvSpPr>
-            <a:spLocks noGrp="1"/>
-          </p:cNvSpPr>
-          <p:nvPr>
-            <p:ph type="title"/>
-          </p:nvPr>
-        </p:nvSpPr>
-        <p:spPr/>
-        <p:txBody>
-          <a:bodyPr/>
-          <a:lstStyle/>
-          <a:p>
-            <a:r>
-              <a:rPr lang="ko-KR" altLang="en-US" dirty="0"/>
-              <a:t>목차</a:t>
-            </a:r>
-          </a:p>
-        </p:txBody>
-      </p:sp>
-      <p:sp>
-        <p:nvSpPr>
-          <p:cNvPr id="3" name="내용 개체 틀 2">
-            <a:extLst>
-              <a:ext uri="{FF2B5EF4-FFF2-40B4-BE49-F238E27FC236}">
-                <a16:creationId xmlns:a16="http://schemas.microsoft.com/office/drawing/2014/main" id="{42F5FDB6-20BE-9731-8B70-9D4EAB85B97C}"/>
-              </a:ext>
-            </a:extLst>
-          </p:cNvPr>
-          <p:cNvSpPr>
-            <a:spLocks noGrp="1"/>
-          </p:cNvSpPr>
-          <p:nvPr>
-            <p:ph idx="1"/>
-          </p:nvPr>
-        </p:nvSpPr>
-        <p:spPr/>
-        <p:txBody>
-          <a:bodyPr/>
-          <a:lstStyle/>
-          <a:p>
-            <a:pPr marL="514350" indent="-514350">
-              <a:buAutoNum type="arabicPeriod"/>
-            </a:pPr>
-            <a:r>
-              <a:rPr lang="en-US" altLang="ko-KR" dirty="0"/>
-              <a:t>ROP </a:t>
-            </a:r>
-            <a:r>
-              <a:rPr lang="ko-KR" altLang="en-US" dirty="0"/>
-              <a:t>그게 </a:t>
-            </a:r>
-            <a:r>
-              <a:rPr lang="ko-KR" altLang="en-US" dirty="0" err="1"/>
-              <a:t>뭔데</a:t>
-            </a:r>
-            <a:r>
-              <a:rPr lang="ko-KR" altLang="en-US" dirty="0"/>
-              <a:t> </a:t>
-            </a:r>
-            <a:r>
-              <a:rPr lang="ko-KR" altLang="en-US" dirty="0" err="1"/>
-              <a:t>뭐하는건데</a:t>
-            </a:r>
-            <a:endParaRPr lang="en-US" altLang="ko-KR" dirty="0"/>
-          </a:p>
-          <a:p>
-            <a:pPr marL="514350" indent="-514350">
-              <a:buAutoNum type="arabicPeriod"/>
-            </a:pPr>
-            <a:r>
-              <a:rPr lang="en-US" altLang="ko-KR" dirty="0"/>
-              <a:t>FSB</a:t>
-            </a:r>
-            <a:r>
-              <a:rPr lang="ko-KR" altLang="en-US" dirty="0"/>
-              <a:t> 넌 또 </a:t>
-            </a:r>
-            <a:r>
-              <a:rPr lang="ko-KR" altLang="en-US" dirty="0" err="1"/>
-              <a:t>뭔데</a:t>
-            </a:r>
-            <a:endParaRPr lang="en-US" altLang="ko-KR" dirty="0"/>
-          </a:p>
-        </p:txBody>
-      </p:sp>
-    </p:spTree>
-    <p:extLst>
-      <p:ext uri="{BB962C8B-B14F-4D97-AF65-F5344CB8AC3E}">
-        <p14:creationId xmlns:p14="http://schemas.microsoft.com/office/powerpoint/2010/main" val="2086213918"/>
-      </p:ext>
-    </p:extLst>
-  </p:cSld>
-  <p:clrMapOvr>
-    <a:masterClrMapping/>
-  </p:clrMapOvr>
-</p:sld>
-</file>
-
-<file path=ppt/slides/slide20.xml><?xml version="1.0" encoding="utf-8"?>
+<file path=ppt/slides/slide18.xml><?xml version="1.0" encoding="utf-8"?>
 <p:sld xmlns:a="http://schemas.openxmlformats.org/drawingml/2006/main" xmlns:r="http://schemas.openxmlformats.org/officeDocument/2006/relationships" xmlns:p="http://schemas.openxmlformats.org/presentationml/2006/main">
   <p:cSld>
     <p:spTree>
@@ -6207,7 +5637,7 @@
 </p:sld>
 </file>
 
-<file path=ppt/slides/slide21.xml><?xml version="1.0" encoding="utf-8"?>
+<file path=ppt/slides/slide19.xml><?xml version="1.0" encoding="utf-8"?>
 <p:sld xmlns:a="http://schemas.openxmlformats.org/drawingml/2006/main" xmlns:r="http://schemas.openxmlformats.org/officeDocument/2006/relationships" xmlns:p="http://schemas.openxmlformats.org/presentationml/2006/main">
   <p:cSld>
     <p:spTree>
@@ -6438,7 +5868,131 @@
 </p:sld>
 </file>
 
-<file path=ppt/slides/slide22.xml><?xml version="1.0" encoding="utf-8"?>
+<file path=ppt/slides/slide2.xml><?xml version="1.0" encoding="utf-8"?>
+<p:sld xmlns:a="http://schemas.openxmlformats.org/drawingml/2006/main" xmlns:r="http://schemas.openxmlformats.org/officeDocument/2006/relationships" xmlns:p="http://schemas.openxmlformats.org/presentationml/2006/main">
+  <p:cSld>
+    <p:spTree>
+      <p:nvGrpSpPr>
+        <p:cNvPr id="1" name=""/>
+        <p:cNvGrpSpPr/>
+        <p:nvPr/>
+      </p:nvGrpSpPr>
+      <p:grpSpPr>
+        <a:xfrm>
+          <a:off x="0" y="0"/>
+          <a:ext cx="0" cy="0"/>
+          <a:chOff x="0" y="0"/>
+          <a:chExt cx="0" cy="0"/>
+        </a:xfrm>
+      </p:grpSpPr>
+      <p:sp>
+        <p:nvSpPr>
+          <p:cNvPr id="2" name="제목 1">
+            <a:extLst>
+              <a:ext uri="{FF2B5EF4-FFF2-40B4-BE49-F238E27FC236}">
+                <a16:creationId xmlns:a16="http://schemas.microsoft.com/office/drawing/2014/main" id="{307C4873-D646-0334-5881-ADE66AE5E5CE}"/>
+              </a:ext>
+            </a:extLst>
+          </p:cNvPr>
+          <p:cNvSpPr>
+            <a:spLocks noGrp="1"/>
+          </p:cNvSpPr>
+          <p:nvPr>
+            <p:ph type="title"/>
+          </p:nvPr>
+        </p:nvSpPr>
+        <p:spPr/>
+        <p:txBody>
+          <a:bodyPr/>
+          <a:lstStyle/>
+          <a:p>
+            <a:r>
+              <a:rPr lang="ko-KR" altLang="en-US" dirty="0"/>
+              <a:t>목차</a:t>
+            </a:r>
+          </a:p>
+        </p:txBody>
+      </p:sp>
+      <p:sp>
+        <p:nvSpPr>
+          <p:cNvPr id="3" name="내용 개체 틀 2">
+            <a:extLst>
+              <a:ext uri="{FF2B5EF4-FFF2-40B4-BE49-F238E27FC236}">
+                <a16:creationId xmlns:a16="http://schemas.microsoft.com/office/drawing/2014/main" id="{42F5FDB6-20BE-9731-8B70-9D4EAB85B97C}"/>
+              </a:ext>
+            </a:extLst>
+          </p:cNvPr>
+          <p:cNvSpPr>
+            <a:spLocks noGrp="1"/>
+          </p:cNvSpPr>
+          <p:nvPr>
+            <p:ph idx="1"/>
+          </p:nvPr>
+        </p:nvSpPr>
+        <p:spPr/>
+        <p:txBody>
+          <a:bodyPr/>
+          <a:lstStyle/>
+          <a:p>
+            <a:pPr marL="514350" indent="-514350">
+              <a:buAutoNum type="arabicPeriod"/>
+            </a:pPr>
+            <a:r>
+              <a:rPr lang="en-US" altLang="ko-KR" dirty="0"/>
+              <a:t>ROP </a:t>
+            </a:r>
+            <a:r>
+              <a:rPr lang="ko-KR" altLang="en-US" dirty="0"/>
+              <a:t>그게 </a:t>
+            </a:r>
+            <a:r>
+              <a:rPr lang="ko-KR" altLang="en-US" dirty="0" err="1"/>
+              <a:t>뭔데</a:t>
+            </a:r>
+            <a:r>
+              <a:rPr lang="ko-KR" altLang="en-US" dirty="0"/>
+              <a:t> </a:t>
+            </a:r>
+            <a:r>
+              <a:rPr lang="ko-KR" altLang="en-US" dirty="0" err="1"/>
+              <a:t>뭐하는건데</a:t>
+            </a:r>
+            <a:endParaRPr lang="en-US" altLang="ko-KR" dirty="0"/>
+          </a:p>
+          <a:p>
+            <a:pPr marL="514350" indent="-514350">
+              <a:buAutoNum type="arabicPeriod"/>
+            </a:pPr>
+            <a:r>
+              <a:rPr lang="en-US" altLang="ko-KR" dirty="0"/>
+              <a:t>FSB</a:t>
+            </a:r>
+            <a:r>
+              <a:rPr lang="ko-KR" altLang="en-US" dirty="0"/>
+              <a:t> 넌 또 </a:t>
+            </a:r>
+            <a:r>
+              <a:rPr lang="ko-KR" altLang="en-US" dirty="0" err="1"/>
+              <a:t>뭔데</a:t>
+            </a:r>
+            <a:endParaRPr lang="en-US" altLang="ko-KR" dirty="0"/>
+          </a:p>
+        </p:txBody>
+      </p:sp>
+    </p:spTree>
+    <p:extLst>
+      <p:ext uri="{BB962C8B-B14F-4D97-AF65-F5344CB8AC3E}">
+        <p14:creationId xmlns:p14="http://schemas.microsoft.com/office/powerpoint/2010/main" val="2086213918"/>
+      </p:ext>
+    </p:extLst>
+  </p:cSld>
+  <p:clrMapOvr>
+    <a:masterClrMapping/>
+  </p:clrMapOvr>
+</p:sld>
+</file>
+
+<file path=ppt/slides/slide20.xml><?xml version="1.0" encoding="utf-8"?>
 <p:sld xmlns:a="http://schemas.openxmlformats.org/drawingml/2006/main" xmlns:r="http://schemas.openxmlformats.org/officeDocument/2006/relationships" xmlns:p="http://schemas.openxmlformats.org/presentationml/2006/main">
   <p:cSld>
     <p:spTree>
@@ -6634,6 +6188,434 @@
 </p:sld>
 </file>
 
+<file path=ppt/slides/slide21.xml><?xml version="1.0" encoding="utf-8"?>
+<p:sld xmlns:a="http://schemas.openxmlformats.org/drawingml/2006/main" xmlns:r="http://schemas.openxmlformats.org/officeDocument/2006/relationships" xmlns:p="http://schemas.openxmlformats.org/presentationml/2006/main">
+  <p:cSld>
+    <p:spTree>
+      <p:nvGrpSpPr>
+        <p:cNvPr id="1" name=""/>
+        <p:cNvGrpSpPr/>
+        <p:nvPr/>
+      </p:nvGrpSpPr>
+      <p:grpSpPr>
+        <a:xfrm>
+          <a:off x="0" y="0"/>
+          <a:ext cx="0" cy="0"/>
+          <a:chOff x="0" y="0"/>
+          <a:chExt cx="0" cy="0"/>
+        </a:xfrm>
+      </p:grpSpPr>
+      <p:sp>
+        <p:nvSpPr>
+          <p:cNvPr id="2" name="제목 1">
+            <a:extLst>
+              <a:ext uri="{FF2B5EF4-FFF2-40B4-BE49-F238E27FC236}">
+                <a16:creationId xmlns:a16="http://schemas.microsoft.com/office/drawing/2014/main" id="{35C64855-B9DF-02B9-1899-86EBFDAEBDF0}"/>
+              </a:ext>
+            </a:extLst>
+          </p:cNvPr>
+          <p:cNvSpPr>
+            <a:spLocks noGrp="1"/>
+          </p:cNvSpPr>
+          <p:nvPr>
+            <p:ph type="title"/>
+          </p:nvPr>
+        </p:nvSpPr>
+        <p:spPr>
+          <a:xfrm>
+            <a:off x="838200" y="2766218"/>
+            <a:ext cx="10515600" cy="1325563"/>
+          </a:xfrm>
+        </p:spPr>
+        <p:txBody>
+          <a:bodyPr/>
+          <a:lstStyle/>
+          <a:p>
+            <a:pPr algn="ctr"/>
+            <a:r>
+              <a:rPr lang="en-US" altLang="ko-KR" b="1" dirty="0"/>
+              <a:t>FSB Q&amp;A</a:t>
+            </a:r>
+            <a:endParaRPr lang="ko-KR" altLang="en-US" b="1" dirty="0"/>
+          </a:p>
+        </p:txBody>
+      </p:sp>
+    </p:spTree>
+    <p:extLst>
+      <p:ext uri="{BB962C8B-B14F-4D97-AF65-F5344CB8AC3E}">
+        <p14:creationId xmlns:p14="http://schemas.microsoft.com/office/powerpoint/2010/main" val="3495985305"/>
+      </p:ext>
+    </p:extLst>
+  </p:cSld>
+  <p:clrMapOvr>
+    <a:masterClrMapping/>
+  </p:clrMapOvr>
+</p:sld>
+</file>
+
+<file path=ppt/slides/slide22.xml><?xml version="1.0" encoding="utf-8"?>
+<p:sld xmlns:a="http://schemas.openxmlformats.org/drawingml/2006/main" xmlns:r="http://schemas.openxmlformats.org/officeDocument/2006/relationships" xmlns:p="http://schemas.openxmlformats.org/presentationml/2006/main">
+  <p:cSld>
+    <p:spTree>
+      <p:nvGrpSpPr>
+        <p:cNvPr id="1" name=""/>
+        <p:cNvGrpSpPr/>
+        <p:nvPr/>
+      </p:nvGrpSpPr>
+      <p:grpSpPr>
+        <a:xfrm>
+          <a:off x="0" y="0"/>
+          <a:ext cx="0" cy="0"/>
+          <a:chOff x="0" y="0"/>
+          <a:chExt cx="0" cy="0"/>
+        </a:xfrm>
+      </p:grpSpPr>
+      <p:sp>
+        <p:nvSpPr>
+          <p:cNvPr id="2" name="제목 1">
+            <a:extLst>
+              <a:ext uri="{FF2B5EF4-FFF2-40B4-BE49-F238E27FC236}">
+                <a16:creationId xmlns:a16="http://schemas.microsoft.com/office/drawing/2014/main" id="{BB0F8140-9F37-5091-0C63-98368C79C91C}"/>
+              </a:ext>
+            </a:extLst>
+          </p:cNvPr>
+          <p:cNvSpPr>
+            <a:spLocks noGrp="1"/>
+          </p:cNvSpPr>
+          <p:nvPr>
+            <p:ph type="title"/>
+          </p:nvPr>
+        </p:nvSpPr>
+        <p:spPr>
+          <a:xfrm>
+            <a:off x="838200" y="158087"/>
+            <a:ext cx="10515600" cy="1325563"/>
+          </a:xfrm>
+        </p:spPr>
+        <p:txBody>
+          <a:bodyPr/>
+          <a:lstStyle/>
+          <a:p>
+            <a:r>
+              <a:rPr lang="en-US" altLang="ko-KR" dirty="0" err="1"/>
+              <a:t>Assingment</a:t>
+            </a:r>
+            <a:endParaRPr lang="ko-KR" altLang="en-US" dirty="0"/>
+          </a:p>
+        </p:txBody>
+      </p:sp>
+      <p:sp>
+        <p:nvSpPr>
+          <p:cNvPr id="3" name="내용 개체 틀 2">
+            <a:extLst>
+              <a:ext uri="{FF2B5EF4-FFF2-40B4-BE49-F238E27FC236}">
+                <a16:creationId xmlns:a16="http://schemas.microsoft.com/office/drawing/2014/main" id="{2D65D11E-DB76-EF85-6B18-DC6B81558174}"/>
+              </a:ext>
+            </a:extLst>
+          </p:cNvPr>
+          <p:cNvSpPr>
+            <a:spLocks noGrp="1"/>
+          </p:cNvSpPr>
+          <p:nvPr>
+            <p:ph idx="1"/>
+          </p:nvPr>
+        </p:nvSpPr>
+        <p:spPr>
+          <a:xfrm>
+            <a:off x="838200" y="1263732"/>
+            <a:ext cx="10515600" cy="5247028"/>
+          </a:xfrm>
+        </p:spPr>
+        <p:txBody>
+          <a:bodyPr>
+            <a:normAutofit lnSpcReduction="10000"/>
+          </a:bodyPr>
+          <a:lstStyle/>
+          <a:p>
+            <a:pPr marL="0" indent="0">
+              <a:buNone/>
+            </a:pPr>
+            <a:r>
+              <a:rPr lang="en-US" altLang="ko-KR" sz="1800" dirty="0"/>
+              <a:t>Homework </a:t>
+            </a:r>
+            <a:r>
+              <a:rPr lang="ko-KR" altLang="en-US" sz="1800" dirty="0"/>
+              <a:t>디렉토리에 있는 문제들 푸시면 됩니다</a:t>
+            </a:r>
+            <a:r>
+              <a:rPr lang="en-US" altLang="ko-KR" sz="1800" dirty="0"/>
+              <a:t>.</a:t>
+            </a:r>
+          </a:p>
+          <a:p>
+            <a:pPr marL="0" indent="0">
+              <a:buNone/>
+            </a:pPr>
+            <a:endParaRPr lang="en-US" altLang="ko-KR" sz="1800" dirty="0"/>
+          </a:p>
+          <a:p>
+            <a:pPr marL="0" indent="0">
+              <a:buNone/>
+            </a:pPr>
+            <a:r>
+              <a:rPr lang="ko-KR" altLang="en-US" sz="1800" b="1" dirty="0"/>
+              <a:t>이건 무조건 풀기 </a:t>
+            </a:r>
+            <a:r>
+              <a:rPr lang="en-US" altLang="ko-KR" sz="1800" b="1" dirty="0"/>
+              <a:t>: </a:t>
+            </a:r>
+            <a:r>
+              <a:rPr lang="en-US" altLang="ko-KR" sz="1800" b="1" dirty="0" err="1"/>
+              <a:t>ez_rop</a:t>
+            </a:r>
+            <a:r>
+              <a:rPr lang="en-US" altLang="ko-KR" sz="1800" b="1" dirty="0"/>
+              <a:t>, </a:t>
+            </a:r>
+            <a:r>
+              <a:rPr lang="en-US" altLang="ko-KR" sz="1800" b="1" dirty="0" err="1"/>
+              <a:t>oneshot</a:t>
+            </a:r>
+            <a:r>
+              <a:rPr lang="en-US" altLang="ko-KR" sz="1800" b="1" dirty="0"/>
+              <a:t>, oneshot1, onetime</a:t>
+            </a:r>
+          </a:p>
+          <a:p>
+            <a:pPr marL="0" indent="0">
+              <a:buNone/>
+            </a:pPr>
+            <a:endParaRPr lang="en-US" altLang="ko-KR" sz="1800" dirty="0"/>
+          </a:p>
+          <a:p>
+            <a:pPr marL="0" indent="0">
+              <a:buNone/>
+            </a:pPr>
+            <a:r>
+              <a:rPr lang="en-US" altLang="ko-KR" sz="1800" dirty="0"/>
+              <a:t>Note</a:t>
+            </a:r>
+            <a:r>
+              <a:rPr lang="ko-KR" altLang="en-US" sz="1800" dirty="0"/>
+              <a:t>와 </a:t>
+            </a:r>
+            <a:r>
+              <a:rPr lang="en-US" altLang="ko-KR" sz="1800" dirty="0" err="1"/>
+              <a:t>helpme</a:t>
+            </a:r>
+            <a:r>
+              <a:rPr lang="ko-KR" altLang="en-US" sz="1800" dirty="0"/>
+              <a:t>는 </a:t>
+            </a:r>
+            <a:r>
+              <a:rPr lang="ko-KR" altLang="en-US" sz="1800" dirty="0" err="1"/>
+              <a:t>익스를</a:t>
+            </a:r>
+            <a:r>
+              <a:rPr lang="ko-KR" altLang="en-US" sz="1800" dirty="0"/>
+              <a:t> 못하더라도 </a:t>
+            </a:r>
+            <a:r>
+              <a:rPr lang="ko-KR" altLang="en-US" sz="1800" b="1" dirty="0"/>
+              <a:t>최대한 분석하고</a:t>
+            </a:r>
+            <a:r>
+              <a:rPr lang="en-US" altLang="ko-KR" sz="1800" dirty="0"/>
+              <a:t>, </a:t>
+            </a:r>
+            <a:r>
+              <a:rPr lang="ko-KR" altLang="en-US" sz="1800" dirty="0"/>
+              <a:t>생각한만큼 </a:t>
+            </a:r>
+            <a:r>
+              <a:rPr lang="ko-KR" altLang="en-US" sz="1800" dirty="0" err="1"/>
+              <a:t>써주시길</a:t>
+            </a:r>
+            <a:r>
+              <a:rPr lang="ko-KR" altLang="en-US" sz="1800" dirty="0"/>
+              <a:t> 바랍니다</a:t>
+            </a:r>
+            <a:r>
+              <a:rPr lang="en-US" altLang="ko-KR" sz="1800" dirty="0"/>
+              <a:t>.</a:t>
+            </a:r>
+          </a:p>
+          <a:p>
+            <a:pPr marL="0" indent="0">
+              <a:buNone/>
+            </a:pPr>
+            <a:endParaRPr lang="en-US" altLang="ko-KR" sz="1800" dirty="0"/>
+          </a:p>
+          <a:p>
+            <a:pPr marL="0" indent="0">
+              <a:lnSpc>
+                <a:spcPct val="160000"/>
+              </a:lnSpc>
+              <a:buNone/>
+            </a:pPr>
+            <a:r>
+              <a:rPr lang="en-US" altLang="ko-KR" sz="1800" dirty="0"/>
+              <a:t>Oneshot2</a:t>
+            </a:r>
+            <a:r>
+              <a:rPr lang="ko-KR" altLang="en-US" sz="1800" dirty="0"/>
+              <a:t>는 새로 </a:t>
+            </a:r>
+            <a:r>
+              <a:rPr lang="ko-KR" altLang="en-US" sz="1800" dirty="0" err="1"/>
+              <a:t>알아야할</a:t>
+            </a:r>
+            <a:r>
+              <a:rPr lang="ko-KR" altLang="en-US" sz="1800" dirty="0"/>
+              <a:t> 개념이 있습니다</a:t>
+            </a:r>
+            <a:r>
+              <a:rPr lang="en-US" altLang="ko-KR" sz="1800" dirty="0"/>
+              <a:t>.  Note, </a:t>
+            </a:r>
+            <a:r>
+              <a:rPr lang="en-US" altLang="ko-KR" sz="1800" dirty="0" err="1"/>
+              <a:t>helpme</a:t>
+            </a:r>
+            <a:r>
+              <a:rPr lang="ko-KR" altLang="en-US" sz="1800" dirty="0"/>
+              <a:t>와 마찬가지로 최대한 분석하시고 여러 방면으로 고민하신 뒤 과제로 최대한 써서 제출하시면 됩니다</a:t>
+            </a:r>
+            <a:r>
+              <a:rPr lang="en-US" altLang="ko-KR" sz="1800" dirty="0"/>
+              <a:t>. (hint : </a:t>
+            </a:r>
+            <a:r>
+              <a:rPr lang="ko-KR" altLang="en-US" sz="1800" dirty="0"/>
+              <a:t>보호기법</a:t>
+            </a:r>
+            <a:r>
+              <a:rPr lang="en-US" altLang="ko-KR" sz="1800" dirty="0"/>
+              <a:t>)</a:t>
+            </a:r>
+          </a:p>
+          <a:p>
+            <a:pPr marL="0" indent="0">
+              <a:buNone/>
+            </a:pPr>
+            <a:endParaRPr lang="en-US" altLang="ko-KR" sz="1800" dirty="0"/>
+          </a:p>
+          <a:p>
+            <a:pPr marL="0" indent="0">
+              <a:buNone/>
+            </a:pPr>
+            <a:r>
+              <a:rPr lang="ko-KR" altLang="en-US" sz="1800" dirty="0"/>
+              <a:t>오늘 </a:t>
+            </a:r>
+            <a:r>
+              <a:rPr lang="en-US" altLang="ko-KR" sz="1800" dirty="0" err="1"/>
+              <a:t>rop</a:t>
+            </a:r>
+            <a:r>
+              <a:rPr lang="en-US" altLang="ko-KR" sz="1800" dirty="0"/>
+              <a:t>, </a:t>
+            </a:r>
+            <a:r>
+              <a:rPr lang="en-US" altLang="ko-KR" sz="1800" dirty="0" err="1"/>
+              <a:t>fsb</a:t>
+            </a:r>
+            <a:r>
+              <a:rPr lang="ko-KR" altLang="en-US" sz="1800" dirty="0"/>
+              <a:t>만 배웠다고 해당 내용에만 치중하지 말고 두 기법을 도구로 잘 사용해주시길</a:t>
+            </a:r>
+            <a:r>
+              <a:rPr lang="en-US" altLang="ko-KR" sz="1800" dirty="0"/>
+              <a:t>….</a:t>
+            </a:r>
+          </a:p>
+          <a:p>
+            <a:pPr marL="0" indent="0">
+              <a:buNone/>
+            </a:pPr>
+            <a:endParaRPr lang="en-US" altLang="ko-KR" sz="2300" dirty="0"/>
+          </a:p>
+          <a:p>
+            <a:pPr marL="0" indent="0">
+              <a:buNone/>
+            </a:pPr>
+            <a:r>
+              <a:rPr lang="ko-KR" altLang="en-US" sz="2300" b="1" dirty="0"/>
+              <a:t>과제는 </a:t>
+            </a:r>
+            <a:r>
+              <a:rPr lang="en-US" altLang="ko-KR" sz="2300" b="1" dirty="0"/>
+              <a:t>2</a:t>
+            </a:r>
+            <a:r>
+              <a:rPr lang="ko-KR" altLang="en-US" sz="2300" b="1" dirty="0"/>
+              <a:t>주일 뒤인 </a:t>
+            </a:r>
+            <a:r>
+              <a:rPr lang="en-US" altLang="ko-KR" sz="2300" b="1" dirty="0"/>
+              <a:t>5/1(</a:t>
+            </a:r>
+            <a:r>
+              <a:rPr lang="ko-KR" altLang="en-US" sz="2300" b="1" dirty="0"/>
+              <a:t>월</a:t>
+            </a:r>
+            <a:r>
+              <a:rPr lang="en-US" altLang="ko-KR" sz="2300" b="1" dirty="0"/>
+              <a:t>) </a:t>
+            </a:r>
+            <a:r>
+              <a:rPr lang="ko-KR" altLang="en-US" sz="2300" b="1" dirty="0"/>
+              <a:t>밤 </a:t>
+            </a:r>
+            <a:r>
+              <a:rPr lang="en-US" altLang="ko-KR" sz="2300" b="1" dirty="0"/>
+              <a:t>12</a:t>
+            </a:r>
+            <a:r>
+              <a:rPr lang="ko-KR" altLang="en-US" sz="2300" b="1" dirty="0"/>
+              <a:t>시까지 받겠습니다</a:t>
+            </a:r>
+            <a:r>
+              <a:rPr lang="en-US" altLang="ko-KR" sz="2300" b="1" dirty="0"/>
+              <a:t>~</a:t>
+            </a:r>
+          </a:p>
+          <a:p>
+            <a:pPr marL="0" indent="0">
+              <a:buNone/>
+            </a:pPr>
+            <a:r>
+              <a:rPr lang="ko-KR" altLang="en-US" sz="2300" dirty="0"/>
+              <a:t>추가로 다음주는 중간고사라 쉬어 갑니다</a:t>
+            </a:r>
+            <a:r>
+              <a:rPr lang="en-US" altLang="ko-KR" sz="2300" dirty="0"/>
+              <a:t>!</a:t>
+            </a:r>
+          </a:p>
+          <a:p>
+            <a:pPr marL="0" indent="0">
+              <a:buNone/>
+            </a:pPr>
+            <a:endParaRPr lang="en-US" altLang="ko-KR" sz="2300" dirty="0"/>
+          </a:p>
+        </p:txBody>
+      </p:sp>
+    </p:spTree>
+    <p:extLst>
+      <p:ext uri="{BB962C8B-B14F-4D97-AF65-F5344CB8AC3E}">
+        <p14:creationId xmlns:p14="http://schemas.microsoft.com/office/powerpoint/2010/main" val="171876877"/>
+      </p:ext>
+    </p:extLst>
+  </p:cSld>
+  <p:clrMapOvr>
+    <a:masterClrMapping/>
+  </p:clrMapOvr>
+</p:sld>
+</file>
+
 <file path=ppt/slides/slide23.xml><?xml version="1.0" encoding="utf-8"?>
 <p:sld xmlns:a="http://schemas.openxmlformats.org/drawingml/2006/main" xmlns:r="http://schemas.openxmlformats.org/officeDocument/2006/relationships" xmlns:p="http://schemas.openxmlformats.org/presentationml/2006/main">
   <p:cSld>
@@ -6656,7 +6638,7 @@
           <p:cNvPr id="2" name="제목 1">
             <a:extLst>
               <a:ext uri="{FF2B5EF4-FFF2-40B4-BE49-F238E27FC236}">
-                <a16:creationId xmlns:a16="http://schemas.microsoft.com/office/drawing/2014/main" id="{35C64855-B9DF-02B9-1899-86EBFDAEBDF0}"/>
+                <a16:creationId xmlns:a16="http://schemas.microsoft.com/office/drawing/2014/main" id="{F6B75E52-0D89-B7D3-E12C-3EADDEDAC7B0}"/>
               </a:ext>
             </a:extLst>
           </p:cNvPr>
@@ -6667,84 +6649,22 @@
             <p:ph type="title"/>
           </p:nvPr>
         </p:nvSpPr>
-        <p:spPr>
-          <a:xfrm>
-            <a:off x="838200" y="2766218"/>
-            <a:ext cx="10515600" cy="1325563"/>
-          </a:xfrm>
-        </p:spPr>
+        <p:spPr/>
         <p:txBody>
           <a:bodyPr/>
           <a:lstStyle/>
           <a:p>
-            <a:pPr algn="ctr"/>
-            <a:r>
-              <a:rPr lang="en-US" altLang="ko-KR" b="1" dirty="0"/>
-              <a:t>FSB Q&amp;A</a:t>
-            </a:r>
-            <a:endParaRPr lang="ko-KR" altLang="en-US" b="1" dirty="0"/>
-          </a:p>
-        </p:txBody>
-      </p:sp>
-    </p:spTree>
-    <p:extLst>
-      <p:ext uri="{BB962C8B-B14F-4D97-AF65-F5344CB8AC3E}">
-        <p14:creationId xmlns:p14="http://schemas.microsoft.com/office/powerpoint/2010/main" val="3495985305"/>
-      </p:ext>
-    </p:extLst>
-  </p:cSld>
-  <p:clrMapOvr>
-    <a:masterClrMapping/>
-  </p:clrMapOvr>
-</p:sld>
-</file>
-
-<file path=ppt/slides/slide24.xml><?xml version="1.0" encoding="utf-8"?>
-<p:sld xmlns:a="http://schemas.openxmlformats.org/drawingml/2006/main" xmlns:r="http://schemas.openxmlformats.org/officeDocument/2006/relationships" xmlns:p="http://schemas.openxmlformats.org/presentationml/2006/main">
-  <p:cSld>
-    <p:spTree>
-      <p:nvGrpSpPr>
-        <p:cNvPr id="1" name=""/>
-        <p:cNvGrpSpPr/>
-        <p:nvPr/>
-      </p:nvGrpSpPr>
-      <p:grpSpPr>
-        <a:xfrm>
-          <a:off x="0" y="0"/>
-          <a:ext cx="0" cy="0"/>
-          <a:chOff x="0" y="0"/>
-          <a:chExt cx="0" cy="0"/>
-        </a:xfrm>
-      </p:grpSpPr>
-      <p:sp>
-        <p:nvSpPr>
-          <p:cNvPr id="2" name="제목 1">
-            <a:extLst>
-              <a:ext uri="{FF2B5EF4-FFF2-40B4-BE49-F238E27FC236}">
-                <a16:creationId xmlns:a16="http://schemas.microsoft.com/office/drawing/2014/main" id="{BB0F8140-9F37-5091-0C63-98368C79C91C}"/>
-              </a:ext>
-            </a:extLst>
-          </p:cNvPr>
-          <p:cNvSpPr>
-            <a:spLocks noGrp="1"/>
-          </p:cNvSpPr>
-          <p:nvPr>
-            <p:ph type="title"/>
-          </p:nvPr>
-        </p:nvSpPr>
-        <p:spPr>
-          <a:xfrm>
-            <a:off x="838200" y="158087"/>
-            <a:ext cx="10515600" cy="1325563"/>
-          </a:xfrm>
-        </p:spPr>
-        <p:txBody>
-          <a:bodyPr/>
-          <a:lstStyle/>
-          <a:p>
-            <a:r>
-              <a:rPr lang="en-US" altLang="ko-KR" dirty="0" err="1"/>
-              <a:t>Assingment</a:t>
+            <a:r>
+              <a:rPr lang="en-US" altLang="ko-KR" dirty="0"/>
+              <a:t>Assignment </a:t>
+            </a:r>
+            <a:r>
+              <a:rPr lang="ko-KR" altLang="en-US" dirty="0"/>
+              <a:t>요약</a:t>
+            </a:r>
+            <a:r>
+              <a:rPr lang="en-US" altLang="ko-KR" dirty="0"/>
+              <a:t>.</a:t>
             </a:r>
             <a:endParaRPr lang="ko-KR" altLang="en-US" dirty="0"/>
           </a:p>
@@ -6755,7 +6675,7 @@
           <p:cNvPr id="3" name="내용 개체 틀 2">
             <a:extLst>
               <a:ext uri="{FF2B5EF4-FFF2-40B4-BE49-F238E27FC236}">
-                <a16:creationId xmlns:a16="http://schemas.microsoft.com/office/drawing/2014/main" id="{2D65D11E-DB76-EF85-6B18-DC6B81558174}"/>
+                <a16:creationId xmlns:a16="http://schemas.microsoft.com/office/drawing/2014/main" id="{F8495731-7453-8BFF-C0CB-E0C04C65CD01}"/>
               </a:ext>
             </a:extLst>
           </p:cNvPr>
@@ -6766,15 +6686,10 @@
             <p:ph idx="1"/>
           </p:nvPr>
         </p:nvSpPr>
-        <p:spPr>
-          <a:xfrm>
-            <a:off x="838200" y="1263732"/>
-            <a:ext cx="10515600" cy="5247028"/>
-          </a:xfrm>
-        </p:spPr>
+        <p:spPr/>
         <p:txBody>
           <a:bodyPr>
-            <a:normAutofit fontScale="92500" lnSpcReduction="20000"/>
+            <a:normAutofit fontScale="85000" lnSpcReduction="20000"/>
           </a:bodyPr>
           <a:lstStyle/>
           <a:p>
@@ -6782,389 +6697,6 @@
               <a:buNone/>
             </a:pPr>
             <a:r>
-              <a:rPr lang="en-US" altLang="ko-KR" sz="1800" dirty="0"/>
-              <a:t>Homework </a:t>
-            </a:r>
-            <a:r>
-              <a:rPr lang="ko-KR" altLang="en-US" sz="1800" dirty="0"/>
-              <a:t>디렉토리에 있는 문제들 푸시면 됩니다</a:t>
-            </a:r>
-            <a:r>
-              <a:rPr lang="en-US" altLang="ko-KR" sz="1800" dirty="0"/>
-              <a:t>.</a:t>
-            </a:r>
-          </a:p>
-          <a:p>
-            <a:pPr marL="0" indent="0">
-              <a:buNone/>
-            </a:pPr>
-            <a:endParaRPr lang="en-US" altLang="ko-KR" sz="1800" dirty="0"/>
-          </a:p>
-          <a:p>
-            <a:pPr marL="0" indent="0">
-              <a:buNone/>
-            </a:pPr>
-            <a:r>
-              <a:rPr lang="en-US" altLang="ko-KR" sz="1800" dirty="0" err="1"/>
-              <a:t>oneshot</a:t>
-            </a:r>
-            <a:r>
-              <a:rPr lang="en-US" altLang="ko-KR" sz="1800" dirty="0"/>
-              <a:t> gadget</a:t>
-            </a:r>
-            <a:r>
-              <a:rPr lang="ko-KR" altLang="en-US" sz="1800" dirty="0"/>
-              <a:t>은 </a:t>
-            </a:r>
-            <a:r>
-              <a:rPr lang="en-US" altLang="ko-KR" sz="1800" dirty="0" err="1"/>
-              <a:t>ez_rop</a:t>
-            </a:r>
-            <a:r>
-              <a:rPr lang="ko-KR" altLang="en-US" sz="1800" dirty="0"/>
-              <a:t>를 제외한 나머지 모든 문제에 쓰셔도 됩니다</a:t>
-            </a:r>
-            <a:endParaRPr lang="en-US" altLang="ko-KR" sz="1800" dirty="0"/>
-          </a:p>
-          <a:p>
-            <a:pPr marL="0" indent="0">
-              <a:buNone/>
-            </a:pPr>
-            <a:endParaRPr lang="en-US" altLang="ko-KR" sz="1800" dirty="0"/>
-          </a:p>
-          <a:p>
-            <a:pPr marL="0" indent="0">
-              <a:buNone/>
-            </a:pPr>
-            <a:r>
-              <a:rPr lang="ko-KR" altLang="en-US" sz="1800" b="1" dirty="0"/>
-              <a:t>이건 무조건 풀기 </a:t>
-            </a:r>
-            <a:r>
-              <a:rPr lang="en-US" altLang="ko-KR" sz="1800" b="1" dirty="0"/>
-              <a:t>: </a:t>
-            </a:r>
-            <a:r>
-              <a:rPr lang="en-US" altLang="ko-KR" sz="1800" b="1" dirty="0" err="1"/>
-              <a:t>ez_rop</a:t>
-            </a:r>
-            <a:r>
-              <a:rPr lang="en-US" altLang="ko-KR" sz="1800" b="1" dirty="0"/>
-              <a:t>, </a:t>
-            </a:r>
-            <a:r>
-              <a:rPr lang="en-US" altLang="ko-KR" sz="1800" b="1" dirty="0" err="1"/>
-              <a:t>oneshot</a:t>
-            </a:r>
-            <a:r>
-              <a:rPr lang="en-US" altLang="ko-KR" sz="1800" b="1" dirty="0"/>
-              <a:t>, oneshot1, onetime</a:t>
-            </a:r>
-          </a:p>
-          <a:p>
-            <a:pPr marL="0" indent="0">
-              <a:buNone/>
-            </a:pPr>
-            <a:endParaRPr lang="en-US" altLang="ko-KR" sz="1800" dirty="0"/>
-          </a:p>
-          <a:p>
-            <a:pPr marL="0" indent="0">
-              <a:buNone/>
-            </a:pPr>
-            <a:r>
-              <a:rPr lang="en-US" altLang="ko-KR" sz="1800" dirty="0"/>
-              <a:t>Note</a:t>
-            </a:r>
-            <a:r>
-              <a:rPr lang="ko-KR" altLang="en-US" sz="1800" dirty="0"/>
-              <a:t>와 </a:t>
-            </a:r>
-            <a:r>
-              <a:rPr lang="en-US" altLang="ko-KR" sz="1800" dirty="0" err="1"/>
-              <a:t>helpme</a:t>
-            </a:r>
-            <a:r>
-              <a:rPr lang="ko-KR" altLang="en-US" sz="1800" dirty="0"/>
-              <a:t>는 </a:t>
-            </a:r>
-            <a:r>
-              <a:rPr lang="ko-KR" altLang="en-US" sz="1800" dirty="0" err="1"/>
-              <a:t>익스를</a:t>
-            </a:r>
-            <a:r>
-              <a:rPr lang="ko-KR" altLang="en-US" sz="1800" dirty="0"/>
-              <a:t> 못하더라도 </a:t>
-            </a:r>
-            <a:r>
-              <a:rPr lang="ko-KR" altLang="en-US" sz="1800" b="1" dirty="0"/>
-              <a:t>최대한 분석하고</a:t>
-            </a:r>
-            <a:r>
-              <a:rPr lang="en-US" altLang="ko-KR" sz="1800" dirty="0"/>
-              <a:t>, </a:t>
-            </a:r>
-            <a:r>
-              <a:rPr lang="ko-KR" altLang="en-US" sz="1800" dirty="0"/>
-              <a:t>생각한만큼 </a:t>
-            </a:r>
-            <a:r>
-              <a:rPr lang="ko-KR" altLang="en-US" sz="1800" dirty="0" err="1"/>
-              <a:t>써주시길</a:t>
-            </a:r>
-            <a:r>
-              <a:rPr lang="ko-KR" altLang="en-US" sz="1800" dirty="0"/>
-              <a:t> 바랍니다</a:t>
-            </a:r>
-            <a:r>
-              <a:rPr lang="en-US" altLang="ko-KR" sz="1800" dirty="0"/>
-              <a:t>.</a:t>
-            </a:r>
-          </a:p>
-          <a:p>
-            <a:pPr marL="0" indent="0">
-              <a:buNone/>
-            </a:pPr>
-            <a:endParaRPr lang="en-US" altLang="ko-KR" sz="1800" dirty="0"/>
-          </a:p>
-          <a:p>
-            <a:pPr marL="0" indent="0">
-              <a:lnSpc>
-                <a:spcPct val="160000"/>
-              </a:lnSpc>
-              <a:buNone/>
-            </a:pPr>
-            <a:r>
-              <a:rPr lang="en-US" altLang="ko-KR" sz="1800" dirty="0"/>
-              <a:t>Oneshot2</a:t>
-            </a:r>
-            <a:r>
-              <a:rPr lang="ko-KR" altLang="en-US" sz="1800" dirty="0"/>
-              <a:t>는 새로 </a:t>
-            </a:r>
-            <a:r>
-              <a:rPr lang="ko-KR" altLang="en-US" sz="1800" dirty="0" err="1"/>
-              <a:t>알아야할</a:t>
-            </a:r>
-            <a:r>
-              <a:rPr lang="ko-KR" altLang="en-US" sz="1800" dirty="0"/>
-              <a:t> 개념이 있습니다</a:t>
-            </a:r>
-            <a:r>
-              <a:rPr lang="en-US" altLang="ko-KR" sz="1800" dirty="0"/>
-              <a:t>.  Note, </a:t>
-            </a:r>
-            <a:r>
-              <a:rPr lang="en-US" altLang="ko-KR" sz="1800" dirty="0" err="1"/>
-              <a:t>helpme</a:t>
-            </a:r>
-            <a:r>
-              <a:rPr lang="ko-KR" altLang="en-US" sz="1800" dirty="0"/>
-              <a:t>와 마찬가지로 최대한 분석하시고 여러 방면으로 고민하신 뒤 과제로 최대한 써서 제출하시면 됩니다</a:t>
-            </a:r>
-            <a:r>
-              <a:rPr lang="en-US" altLang="ko-KR" sz="1800" dirty="0"/>
-              <a:t>.</a:t>
-            </a:r>
-          </a:p>
-          <a:p>
-            <a:pPr marL="0" indent="0">
-              <a:buNone/>
-            </a:pPr>
-            <a:endParaRPr lang="en-US" altLang="ko-KR" sz="1800" dirty="0"/>
-          </a:p>
-          <a:p>
-            <a:pPr marL="0" indent="0">
-              <a:buNone/>
-            </a:pPr>
-            <a:r>
-              <a:rPr lang="ko-KR" altLang="en-US" sz="1800" dirty="0"/>
-              <a:t>나름의 팁은 오늘 </a:t>
-            </a:r>
-            <a:r>
-              <a:rPr lang="en-US" altLang="ko-KR" sz="1800" dirty="0" err="1"/>
-              <a:t>rop</a:t>
-            </a:r>
-            <a:r>
-              <a:rPr lang="en-US" altLang="ko-KR" sz="1800" dirty="0"/>
-              <a:t>, </a:t>
-            </a:r>
-            <a:r>
-              <a:rPr lang="en-US" altLang="ko-KR" sz="1800" dirty="0" err="1"/>
-              <a:t>fsb</a:t>
-            </a:r>
-            <a:r>
-              <a:rPr lang="ko-KR" altLang="en-US" sz="1800" dirty="0"/>
-              <a:t>만 배웠다고 해당 내용에만 치중하지 말고 두 기법을 도구로 잘 사용해주시길</a:t>
-            </a:r>
-            <a:r>
-              <a:rPr lang="en-US" altLang="ko-KR" sz="1800" dirty="0"/>
-              <a:t>….</a:t>
-            </a:r>
-          </a:p>
-          <a:p>
-            <a:pPr marL="0" indent="0">
-              <a:buNone/>
-            </a:pPr>
-            <a:endParaRPr lang="en-US" altLang="ko-KR" sz="2300" dirty="0"/>
-          </a:p>
-          <a:p>
-            <a:pPr marL="0" indent="0">
-              <a:buNone/>
-            </a:pPr>
-            <a:r>
-              <a:rPr lang="ko-KR" altLang="en-US" sz="2300" b="1" dirty="0"/>
-              <a:t>과제는 </a:t>
-            </a:r>
-            <a:r>
-              <a:rPr lang="en-US" altLang="ko-KR" sz="2300" b="1" dirty="0"/>
-              <a:t>2</a:t>
-            </a:r>
-            <a:r>
-              <a:rPr lang="ko-KR" altLang="en-US" sz="2300" b="1" dirty="0"/>
-              <a:t>주일 뒤인 </a:t>
-            </a:r>
-            <a:r>
-              <a:rPr lang="en-US" altLang="ko-KR" sz="2300" b="1" dirty="0"/>
-              <a:t>5/1(</a:t>
-            </a:r>
-            <a:r>
-              <a:rPr lang="ko-KR" altLang="en-US" sz="2300" b="1" dirty="0"/>
-              <a:t>월</a:t>
-            </a:r>
-            <a:r>
-              <a:rPr lang="en-US" altLang="ko-KR" sz="2300" b="1" dirty="0"/>
-              <a:t>) </a:t>
-            </a:r>
-            <a:r>
-              <a:rPr lang="ko-KR" altLang="en-US" sz="2300" b="1" dirty="0"/>
-              <a:t>밤 </a:t>
-            </a:r>
-            <a:r>
-              <a:rPr lang="en-US" altLang="ko-KR" sz="2300" b="1" dirty="0"/>
-              <a:t>12</a:t>
-            </a:r>
-            <a:r>
-              <a:rPr lang="ko-KR" altLang="en-US" sz="2300" b="1" dirty="0"/>
-              <a:t>시까지 받겠습니다</a:t>
-            </a:r>
-            <a:r>
-              <a:rPr lang="en-US" altLang="ko-KR" sz="2300" b="1" dirty="0"/>
-              <a:t>~</a:t>
-            </a:r>
-          </a:p>
-          <a:p>
-            <a:pPr marL="0" indent="0">
-              <a:buNone/>
-            </a:pPr>
-            <a:r>
-              <a:rPr lang="ko-KR" altLang="en-US" sz="2300" dirty="0"/>
-              <a:t>추가로 다음주는 중간고사라 쉬어 갑니다</a:t>
-            </a:r>
-            <a:r>
-              <a:rPr lang="en-US" altLang="ko-KR" sz="2300" dirty="0"/>
-              <a:t>!</a:t>
-            </a:r>
-          </a:p>
-          <a:p>
-            <a:pPr marL="0" indent="0">
-              <a:buNone/>
-            </a:pPr>
-            <a:endParaRPr lang="en-US" altLang="ko-KR" sz="2300" dirty="0"/>
-          </a:p>
-        </p:txBody>
-      </p:sp>
-    </p:spTree>
-    <p:extLst>
-      <p:ext uri="{BB962C8B-B14F-4D97-AF65-F5344CB8AC3E}">
-        <p14:creationId xmlns:p14="http://schemas.microsoft.com/office/powerpoint/2010/main" val="171876877"/>
-      </p:ext>
-    </p:extLst>
-  </p:cSld>
-  <p:clrMapOvr>
-    <a:masterClrMapping/>
-  </p:clrMapOvr>
-</p:sld>
-</file>
-
-<file path=ppt/slides/slide25.xml><?xml version="1.0" encoding="utf-8"?>
-<p:sld xmlns:a="http://schemas.openxmlformats.org/drawingml/2006/main" xmlns:r="http://schemas.openxmlformats.org/officeDocument/2006/relationships" xmlns:p="http://schemas.openxmlformats.org/presentationml/2006/main">
-  <p:cSld>
-    <p:spTree>
-      <p:nvGrpSpPr>
-        <p:cNvPr id="1" name=""/>
-        <p:cNvGrpSpPr/>
-        <p:nvPr/>
-      </p:nvGrpSpPr>
-      <p:grpSpPr>
-        <a:xfrm>
-          <a:off x="0" y="0"/>
-          <a:ext cx="0" cy="0"/>
-          <a:chOff x="0" y="0"/>
-          <a:chExt cx="0" cy="0"/>
-        </a:xfrm>
-      </p:grpSpPr>
-      <p:sp>
-        <p:nvSpPr>
-          <p:cNvPr id="2" name="제목 1">
-            <a:extLst>
-              <a:ext uri="{FF2B5EF4-FFF2-40B4-BE49-F238E27FC236}">
-                <a16:creationId xmlns:a16="http://schemas.microsoft.com/office/drawing/2014/main" id="{F6B75E52-0D89-B7D3-E12C-3EADDEDAC7B0}"/>
-              </a:ext>
-            </a:extLst>
-          </p:cNvPr>
-          <p:cNvSpPr>
-            <a:spLocks noGrp="1"/>
-          </p:cNvSpPr>
-          <p:nvPr>
-            <p:ph type="title"/>
-          </p:nvPr>
-        </p:nvSpPr>
-        <p:spPr/>
-        <p:txBody>
-          <a:bodyPr/>
-          <a:lstStyle/>
-          <a:p>
-            <a:r>
-              <a:rPr lang="en-US" altLang="ko-KR" dirty="0"/>
-              <a:t>Assignment 3</a:t>
-            </a:r>
-            <a:r>
-              <a:rPr lang="ko-KR" altLang="en-US" dirty="0"/>
-              <a:t>줄 요약</a:t>
-            </a:r>
-            <a:r>
-              <a:rPr lang="en-US" altLang="ko-KR" dirty="0"/>
-              <a:t>.</a:t>
-            </a:r>
-            <a:endParaRPr lang="ko-KR" altLang="en-US" dirty="0"/>
-          </a:p>
-        </p:txBody>
-      </p:sp>
-      <p:sp>
-        <p:nvSpPr>
-          <p:cNvPr id="3" name="내용 개체 틀 2">
-            <a:extLst>
-              <a:ext uri="{FF2B5EF4-FFF2-40B4-BE49-F238E27FC236}">
-                <a16:creationId xmlns:a16="http://schemas.microsoft.com/office/drawing/2014/main" id="{F8495731-7453-8BFF-C0CB-E0C04C65CD01}"/>
-              </a:ext>
-            </a:extLst>
-          </p:cNvPr>
-          <p:cNvSpPr>
-            <a:spLocks noGrp="1"/>
-          </p:cNvSpPr>
-          <p:nvPr>
-            <p:ph idx="1"/>
-          </p:nvPr>
-        </p:nvSpPr>
-        <p:spPr/>
-        <p:txBody>
-          <a:bodyPr/>
-          <a:lstStyle/>
-          <a:p>
-            <a:pPr marL="0" indent="0">
-              <a:buNone/>
-            </a:pPr>
-            <a:r>
               <a:rPr lang="en-US" altLang="ko-KR" sz="2800" b="1" dirty="0" err="1"/>
               <a:t>ez_rop</a:t>
             </a:r>
@@ -7194,6 +6726,9 @@
           </a:p>
           <a:p>
             <a:pPr marL="0" indent="0">
+              <a:lnSpc>
+                <a:spcPct val="120000"/>
+              </a:lnSpc>
               <a:buNone/>
             </a:pPr>
             <a:r>
@@ -7269,6 +6804,60 @@
               <a:t>질문사항 있으면 언제든 연락주세요</a:t>
             </a:r>
             <a:endParaRPr lang="en-US" altLang="ko-KR" dirty="0"/>
+          </a:p>
+          <a:p>
+            <a:pPr marL="0" indent="0">
+              <a:buNone/>
+            </a:pPr>
+            <a:endParaRPr lang="en-US" altLang="ko-KR" dirty="0"/>
+          </a:p>
+          <a:p>
+            <a:pPr marL="0" indent="0">
+              <a:lnSpc>
+                <a:spcPct val="120000"/>
+              </a:lnSpc>
+              <a:buNone/>
+            </a:pPr>
+            <a:r>
+              <a:rPr lang="en-US" altLang="ko-KR" dirty="0"/>
+              <a:t>+ </a:t>
+            </a:r>
+            <a:r>
+              <a:rPr lang="ko-KR" altLang="en-US" dirty="0"/>
+              <a:t>과제는 </a:t>
+            </a:r>
+            <a:r>
+              <a:rPr lang="en-US" altLang="ko-KR" dirty="0" err="1"/>
+              <a:t>github</a:t>
+            </a:r>
+            <a:r>
+              <a:rPr lang="ko-KR" altLang="en-US" dirty="0"/>
+              <a:t>에 </a:t>
+            </a:r>
+            <a:r>
+              <a:rPr lang="ko-KR" altLang="en-US" dirty="0" err="1"/>
+              <a:t>올려뒀습니다</a:t>
+            </a:r>
+            <a:r>
+              <a:rPr lang="en-US" altLang="ko-KR" dirty="0"/>
+              <a:t>. Zip</a:t>
+            </a:r>
+            <a:r>
+              <a:rPr lang="ko-KR" altLang="en-US" dirty="0"/>
+              <a:t>파일로 다운로드 받으셔도 되고 </a:t>
+            </a:r>
+            <a:r>
+              <a:rPr lang="en-US" altLang="ko-KR" dirty="0"/>
+              <a:t>clone </a:t>
+            </a:r>
+            <a:r>
+              <a:rPr lang="ko-KR" altLang="en-US" dirty="0"/>
+              <a:t>받으셔서 사용하셔도 됩니다 </a:t>
+            </a:r>
+            <a:r>
+              <a:rPr lang="en-US" altLang="ko-KR" dirty="0"/>
+              <a:t>:)</a:t>
+            </a:r>
           </a:p>
           <a:p>
             <a:pPr marL="0" indent="0">

--- a/ROP_FSB.pptx
+++ b/ROP_FSB.pptx
@@ -5,7 +5,7 @@
     <p:sldMasterId id="2147483648" r:id="rId1"/>
   </p:sldMasterIdLst>
   <p:notesMasterIdLst>
-    <p:notesMasterId r:id="rId25"/>
+    <p:notesMasterId r:id="rId26"/>
   </p:notesMasterIdLst>
   <p:sldIdLst>
     <p:sldId id="256" r:id="rId2"/>
@@ -13,24 +13,25 @@
     <p:sldId id="269" r:id="rId4"/>
     <p:sldId id="259" r:id="rId5"/>
     <p:sldId id="260" r:id="rId6"/>
-    <p:sldId id="261" r:id="rId7"/>
-    <p:sldId id="264" r:id="rId8"/>
-    <p:sldId id="282" r:id="rId9"/>
+    <p:sldId id="283" r:id="rId7"/>
+    <p:sldId id="261" r:id="rId8"/>
+    <p:sldId id="264" r:id="rId9"/>
     <p:sldId id="262" r:id="rId10"/>
     <p:sldId id="263" r:id="rId11"/>
-    <p:sldId id="265" r:id="rId12"/>
-    <p:sldId id="275" r:id="rId13"/>
-    <p:sldId id="268" r:id="rId14"/>
-    <p:sldId id="270" r:id="rId15"/>
-    <p:sldId id="280" r:id="rId16"/>
-    <p:sldId id="271" r:id="rId17"/>
-    <p:sldId id="281" r:id="rId18"/>
-    <p:sldId id="277" r:id="rId19"/>
-    <p:sldId id="278" r:id="rId20"/>
-    <p:sldId id="279" r:id="rId21"/>
-    <p:sldId id="272" r:id="rId22"/>
-    <p:sldId id="273" r:id="rId23"/>
-    <p:sldId id="276" r:id="rId24"/>
+    <p:sldId id="282" r:id="rId12"/>
+    <p:sldId id="265" r:id="rId13"/>
+    <p:sldId id="275" r:id="rId14"/>
+    <p:sldId id="268" r:id="rId15"/>
+    <p:sldId id="270" r:id="rId16"/>
+    <p:sldId id="280" r:id="rId17"/>
+    <p:sldId id="271" r:id="rId18"/>
+    <p:sldId id="281" r:id="rId19"/>
+    <p:sldId id="277" r:id="rId20"/>
+    <p:sldId id="278" r:id="rId21"/>
+    <p:sldId id="279" r:id="rId22"/>
+    <p:sldId id="272" r:id="rId23"/>
+    <p:sldId id="273" r:id="rId24"/>
+    <p:sldId id="276" r:id="rId25"/>
   </p:sldIdLst>
   <p:sldSz cx="12192000" cy="6858000"/>
   <p:notesSz cx="6858000" cy="9144000"/>
@@ -219,7 +220,7 @@
           <a:p>
             <a:fld id="{D5B42DF0-0A15-42FD-B30F-784A52374DF3}" type="datetimeFigureOut">
               <a:rPr lang="ko-KR" altLang="en-US" smtClean="0"/>
-              <a:t>2023-04-15</a:t>
+              <a:t>2023-04-17</a:t>
             </a:fld>
             <a:endParaRPr lang="ko-KR" altLang="en-US"/>
           </a:p>
@@ -633,7 +634,7 @@
           <a:p>
             <a:fld id="{1BFFA70A-BFF4-4A81-A92B-D978E3635823}" type="datetimeFigureOut">
               <a:rPr lang="ko-KR" altLang="en-US" smtClean="0"/>
-              <a:t>2023-04-15</a:t>
+              <a:t>2023-04-17</a:t>
             </a:fld>
             <a:endParaRPr lang="ko-KR" altLang="en-US"/>
           </a:p>
@@ -831,7 +832,7 @@
           <a:p>
             <a:fld id="{1BFFA70A-BFF4-4A81-A92B-D978E3635823}" type="datetimeFigureOut">
               <a:rPr lang="ko-KR" altLang="en-US" smtClean="0"/>
-              <a:t>2023-04-15</a:t>
+              <a:t>2023-04-17</a:t>
             </a:fld>
             <a:endParaRPr lang="ko-KR" altLang="en-US"/>
           </a:p>
@@ -1039,7 +1040,7 @@
           <a:p>
             <a:fld id="{1BFFA70A-BFF4-4A81-A92B-D978E3635823}" type="datetimeFigureOut">
               <a:rPr lang="ko-KR" altLang="en-US" smtClean="0"/>
-              <a:t>2023-04-15</a:t>
+              <a:t>2023-04-17</a:t>
             </a:fld>
             <a:endParaRPr lang="ko-KR" altLang="en-US"/>
           </a:p>
@@ -1237,7 +1238,7 @@
           <a:p>
             <a:fld id="{1BFFA70A-BFF4-4A81-A92B-D978E3635823}" type="datetimeFigureOut">
               <a:rPr lang="ko-KR" altLang="en-US" smtClean="0"/>
-              <a:t>2023-04-15</a:t>
+              <a:t>2023-04-17</a:t>
             </a:fld>
             <a:endParaRPr lang="ko-KR" altLang="en-US"/>
           </a:p>
@@ -1512,7 +1513,7 @@
           <a:p>
             <a:fld id="{1BFFA70A-BFF4-4A81-A92B-D978E3635823}" type="datetimeFigureOut">
               <a:rPr lang="ko-KR" altLang="en-US" smtClean="0"/>
-              <a:t>2023-04-15</a:t>
+              <a:t>2023-04-17</a:t>
             </a:fld>
             <a:endParaRPr lang="ko-KR" altLang="en-US"/>
           </a:p>
@@ -1777,7 +1778,7 @@
           <a:p>
             <a:fld id="{1BFFA70A-BFF4-4A81-A92B-D978E3635823}" type="datetimeFigureOut">
               <a:rPr lang="ko-KR" altLang="en-US" smtClean="0"/>
-              <a:t>2023-04-15</a:t>
+              <a:t>2023-04-17</a:t>
             </a:fld>
             <a:endParaRPr lang="ko-KR" altLang="en-US"/>
           </a:p>
@@ -2189,7 +2190,7 @@
           <a:p>
             <a:fld id="{1BFFA70A-BFF4-4A81-A92B-D978E3635823}" type="datetimeFigureOut">
               <a:rPr lang="ko-KR" altLang="en-US" smtClean="0"/>
-              <a:t>2023-04-15</a:t>
+              <a:t>2023-04-17</a:t>
             </a:fld>
             <a:endParaRPr lang="ko-KR" altLang="en-US"/>
           </a:p>
@@ -2330,7 +2331,7 @@
           <a:p>
             <a:fld id="{1BFFA70A-BFF4-4A81-A92B-D978E3635823}" type="datetimeFigureOut">
               <a:rPr lang="ko-KR" altLang="en-US" smtClean="0"/>
-              <a:t>2023-04-15</a:t>
+              <a:t>2023-04-17</a:t>
             </a:fld>
             <a:endParaRPr lang="ko-KR" altLang="en-US"/>
           </a:p>
@@ -2443,7 +2444,7 @@
           <a:p>
             <a:fld id="{1BFFA70A-BFF4-4A81-A92B-D978E3635823}" type="datetimeFigureOut">
               <a:rPr lang="ko-KR" altLang="en-US" smtClean="0"/>
-              <a:t>2023-04-15</a:t>
+              <a:t>2023-04-17</a:t>
             </a:fld>
             <a:endParaRPr lang="ko-KR" altLang="en-US"/>
           </a:p>
@@ -2754,7 +2755,7 @@
           <a:p>
             <a:fld id="{1BFFA70A-BFF4-4A81-A92B-D978E3635823}" type="datetimeFigureOut">
               <a:rPr lang="ko-KR" altLang="en-US" smtClean="0"/>
-              <a:t>2023-04-15</a:t>
+              <a:t>2023-04-17</a:t>
             </a:fld>
             <a:endParaRPr lang="ko-KR" altLang="en-US"/>
           </a:p>
@@ -3042,7 +3043,7 @@
           <a:p>
             <a:fld id="{1BFFA70A-BFF4-4A81-A92B-D978E3635823}" type="datetimeFigureOut">
               <a:rPr lang="ko-KR" altLang="en-US" smtClean="0"/>
-              <a:t>2023-04-15</a:t>
+              <a:t>2023-04-17</a:t>
             </a:fld>
             <a:endParaRPr lang="ko-KR" altLang="en-US"/>
           </a:p>
@@ -3283,7 +3284,7 @@
           <a:p>
             <a:fld id="{1BFFA70A-BFF4-4A81-A92B-D978E3635823}" type="datetimeFigureOut">
               <a:rPr lang="ko-KR" altLang="en-US" smtClean="0"/>
-              <a:t>2023-04-15</a:t>
+              <a:t>2023-04-17</a:t>
             </a:fld>
             <a:endParaRPr lang="ko-KR" altLang="en-US"/>
           </a:p>
@@ -4078,7 +4079,7 @@
           <p:cNvPr id="2" name="제목 1">
             <a:extLst>
               <a:ext uri="{FF2B5EF4-FFF2-40B4-BE49-F238E27FC236}">
-                <a16:creationId xmlns:a16="http://schemas.microsoft.com/office/drawing/2014/main" id="{132CCD32-892B-8ADA-00D0-EC621ACA3477}"/>
+                <a16:creationId xmlns:a16="http://schemas.microsoft.com/office/drawing/2014/main" id="{EA5118B0-6BDC-C5C0-2DF6-CAD0F5BC39BA}"/>
               </a:ext>
             </a:extLst>
           </p:cNvPr>
@@ -4096,7 +4097,7 @@
           <a:p>
             <a:r>
               <a:rPr lang="en-US" altLang="ko-KR" dirty="0"/>
-              <a:t>[Ref.] gadget </a:t>
+              <a:t>ROP….</a:t>
             </a:r>
             <a:endParaRPr lang="ko-KR" altLang="en-US" dirty="0"/>
           </a:p>
@@ -4107,7 +4108,7 @@
           <p:cNvPr id="3" name="내용 개체 틀 2">
             <a:extLst>
               <a:ext uri="{FF2B5EF4-FFF2-40B4-BE49-F238E27FC236}">
-                <a16:creationId xmlns:a16="http://schemas.microsoft.com/office/drawing/2014/main" id="{54C486FB-DBCF-CE73-8AD9-00D9F511D96A}"/>
+                <a16:creationId xmlns:a16="http://schemas.microsoft.com/office/drawing/2014/main" id="{CC76998D-6ED8-CD7F-3173-D4F9E7EAA7B4}"/>
               </a:ext>
             </a:extLst>
           </p:cNvPr>
@@ -4120,29 +4121,31 @@
         </p:nvSpPr>
         <p:spPr/>
         <p:txBody>
-          <a:bodyPr>
-            <a:normAutofit/>
-          </a:bodyPr>
+          <a:bodyPr/>
           <a:lstStyle/>
           <a:p>
             <a:pPr marL="0" indent="0">
               <a:buNone/>
             </a:pPr>
             <a:r>
+              <a:rPr lang="ko-KR" altLang="en-US" sz="2300" dirty="0"/>
+              <a:t>결국 이름처럼 </a:t>
+            </a:r>
+            <a:r>
               <a:rPr lang="en-US" altLang="ko-KR" sz="2300" dirty="0"/>
-              <a:t>64bit </a:t>
+              <a:t>return</a:t>
             </a:r>
             <a:r>
               <a:rPr lang="ko-KR" altLang="en-US" sz="2300" dirty="0"/>
-              <a:t>의 경우 </a:t>
-            </a:r>
-            <a:r>
-              <a:rPr lang="en-US" altLang="ko-KR" sz="2300" dirty="0"/>
-              <a:t>calling convention</a:t>
+              <a:t>을 기반으로 함수 흐름을 </a:t>
+            </a:r>
+            <a:r>
+              <a:rPr lang="ko-KR" altLang="en-US" sz="2300" dirty="0" err="1"/>
+              <a:t>주루룩</a:t>
             </a:r>
             <a:r>
               <a:rPr lang="ko-KR" altLang="en-US" sz="2300" dirty="0"/>
-              <a:t>에 의해 레지스터를 이용해 인자 처리</a:t>
+              <a:t> 만들어야 함</a:t>
             </a:r>
             <a:r>
               <a:rPr lang="en-US" altLang="ko-KR" sz="2300" dirty="0"/>
@@ -4153,17 +4156,42 @@
             <a:pPr marL="0" indent="0">
               <a:buNone/>
             </a:pPr>
+            <a:endParaRPr lang="en-US" altLang="ko-KR" sz="2300" dirty="0"/>
+          </a:p>
+          <a:p>
+            <a:pPr marL="0" indent="0">
+              <a:buNone/>
+            </a:pPr>
+            <a:r>
+              <a:rPr lang="ko-KR" altLang="en-US" sz="2300" dirty="0"/>
+              <a:t>그 말은 사고의 틀을 좀 </a:t>
+            </a:r>
+            <a:r>
+              <a:rPr lang="ko-KR" altLang="en-US" sz="2300" dirty="0" err="1"/>
+              <a:t>넓히는게</a:t>
+            </a:r>
+            <a:r>
+              <a:rPr lang="ko-KR" altLang="en-US" sz="2300" dirty="0"/>
+              <a:t> 좋다</a:t>
+            </a:r>
             <a:r>
               <a:rPr lang="en-US" altLang="ko-KR" sz="2300" dirty="0"/>
-              <a:t>-&gt;</a:t>
-            </a:r>
+              <a:t>~</a:t>
+            </a:r>
+          </a:p>
+          <a:p>
+            <a:pPr marL="0" indent="0">
+              <a:buNone/>
+            </a:pPr>
+            <a:endParaRPr lang="en-US" altLang="ko-KR" sz="2300" dirty="0"/>
+          </a:p>
+          <a:p>
+            <a:pPr marL="0" indent="0">
+              <a:buNone/>
+            </a:pPr>
             <a:r>
               <a:rPr lang="ko-KR" altLang="en-US" sz="2300" dirty="0"/>
-              <a:t> </a:t>
-            </a:r>
-            <a:r>
-              <a:rPr lang="en-US" altLang="ko-KR" sz="2300" dirty="0" err="1"/>
-              <a:t>rdi</a:t>
+              <a:t>또</a:t>
             </a:r>
             <a:r>
               <a:rPr lang="en-US" altLang="ko-KR" sz="2300" dirty="0"/>
@@ -4171,154 +4199,157 @@
             </a:r>
             <a:r>
               <a:rPr lang="en-US" altLang="ko-KR" sz="2300" dirty="0" err="1"/>
-              <a:t>rsi</a:t>
+              <a:t>rop</a:t>
+            </a:r>
+            <a:r>
+              <a:rPr lang="ko-KR" altLang="en-US" sz="2300" dirty="0"/>
+              <a:t>를 이용할 때 뒤에 할 </a:t>
+            </a:r>
+            <a:r>
+              <a:rPr lang="en-US" altLang="ko-KR" sz="2300" dirty="0"/>
+              <a:t>example</a:t>
+            </a:r>
+            <a:r>
+              <a:rPr lang="ko-KR" altLang="en-US" sz="2300" dirty="0"/>
+              <a:t>같은 경우 그냥 </a:t>
+            </a:r>
+            <a:r>
+              <a:rPr lang="en-US" altLang="ko-KR" sz="2300" dirty="0" err="1"/>
+              <a:t>bof</a:t>
+            </a:r>
+            <a:r>
+              <a:rPr lang="ko-KR" altLang="en-US" sz="2300" dirty="0"/>
+              <a:t>가 있어서 바로 </a:t>
+            </a:r>
+            <a:r>
+              <a:rPr lang="en-US" altLang="ko-KR" sz="2300" dirty="0" err="1"/>
+              <a:t>rop</a:t>
+            </a:r>
+            <a:r>
+              <a:rPr lang="ko-KR" altLang="en-US" sz="2300" dirty="0"/>
+              <a:t>를 해줄 수 있지만</a:t>
             </a:r>
             <a:r>
               <a:rPr lang="en-US" altLang="ko-KR" sz="2300" dirty="0"/>
               <a:t>, </a:t>
             </a:r>
             <a:r>
+              <a:rPr lang="ko-KR" altLang="en-US" sz="2300" dirty="0"/>
+              <a:t>꼭 </a:t>
+            </a:r>
+            <a:r>
               <a:rPr lang="en-US" altLang="ko-KR" sz="2300" dirty="0" err="1"/>
-              <a:t>rdx</a:t>
+              <a:t>bof</a:t>
+            </a:r>
+            <a:r>
+              <a:rPr lang="ko-KR" altLang="en-US" sz="2300" dirty="0"/>
+              <a:t>만을 이용할 필요는 없음</a:t>
+            </a:r>
+            <a:r>
+              <a:rPr lang="en-US" altLang="ko-KR" sz="2300" dirty="0"/>
+              <a:t>.</a:t>
+            </a:r>
+          </a:p>
+          <a:p>
+            <a:pPr marL="0" indent="0">
+              <a:buNone/>
+            </a:pPr>
+            <a:endParaRPr lang="en-US" altLang="ko-KR" sz="2300" dirty="0"/>
+          </a:p>
+          <a:p>
+            <a:pPr marL="0" indent="0">
+              <a:buNone/>
+            </a:pPr>
+            <a:r>
+              <a:rPr lang="en-US" altLang="ko-KR" sz="2300" dirty="0"/>
+              <a:t>Ex) </a:t>
+            </a:r>
+            <a:r>
+              <a:rPr lang="en-US" altLang="ko-KR" sz="2300" dirty="0" err="1"/>
+              <a:t>oob</a:t>
+            </a:r>
+            <a:r>
+              <a:rPr lang="ko-KR" altLang="en-US" sz="2300" dirty="0"/>
+              <a:t>로 임의 주소 </a:t>
+            </a:r>
+            <a:r>
+              <a:rPr lang="en-US" altLang="ko-KR" sz="2300" dirty="0"/>
+              <a:t>read/write</a:t>
+            </a:r>
+            <a:r>
+              <a:rPr lang="ko-KR" altLang="en-US" sz="2300" dirty="0"/>
+              <a:t>될 때</a:t>
             </a:r>
             <a:r>
               <a:rPr lang="en-US" altLang="ko-KR" sz="2300" dirty="0"/>
               <a:t>, </a:t>
             </a:r>
             <a:r>
-              <a:rPr lang="en-US" altLang="ko-KR" sz="2300" dirty="0" err="1"/>
-              <a:t>rcx</a:t>
+              <a:rPr lang="ko-KR" altLang="en-US" sz="2300" dirty="0"/>
+              <a:t>그냥 코드 로직상 임의 주소 </a:t>
             </a:r>
             <a:r>
               <a:rPr lang="en-US" altLang="ko-KR" sz="2300" dirty="0"/>
-              <a:t>, r8, r9 … </a:t>
+              <a:t>read/write</a:t>
             </a:r>
             <a:r>
               <a:rPr lang="ko-KR" altLang="en-US" sz="2300" dirty="0"/>
-              <a:t>순서</a:t>
-            </a:r>
-            <a:endParaRPr lang="en-US" altLang="ko-KR" sz="2300" dirty="0"/>
-          </a:p>
-          <a:p>
-            <a:pPr marL="0" indent="0">
-              <a:buNone/>
-            </a:pPr>
-            <a:endParaRPr lang="en-US" altLang="ko-KR" sz="2300" dirty="0"/>
-          </a:p>
-          <a:p>
-            <a:pPr marL="0" indent="0">
-              <a:buNone/>
-            </a:pPr>
+              <a:t>될 때</a:t>
+            </a:r>
+            <a:r>
+              <a:rPr lang="en-US" altLang="ko-KR" sz="2300" dirty="0"/>
+              <a:t> </a:t>
+            </a:r>
+            <a:r>
+              <a:rPr lang="ko-KR" altLang="en-US" sz="2300" dirty="0" err="1"/>
+              <a:t>가능할때</a:t>
+            </a:r>
             <a:r>
               <a:rPr lang="ko-KR" altLang="en-US" sz="2300" dirty="0"/>
-              <a:t>그러면 각각 인자를 </a:t>
+              <a:t> 등등</a:t>
             </a:r>
             <a:r>
               <a:rPr lang="en-US" altLang="ko-KR" sz="2300" dirty="0"/>
-              <a:t>pop [register] </a:t>
-            </a:r>
-            <a:r>
-              <a:rPr lang="ko-KR" altLang="en-US" sz="2300" dirty="0"/>
-              <a:t>를 이용해 레지스터에 넣어줘야 하는데</a:t>
-            </a:r>
-            <a:r>
-              <a:rPr lang="en-US" altLang="ko-KR" sz="2300" dirty="0"/>
-              <a:t>, </a:t>
-            </a:r>
-            <a:r>
-              <a:rPr lang="ko-KR" altLang="en-US" sz="2300" dirty="0" err="1"/>
-              <a:t>가젯이</a:t>
-            </a:r>
-            <a:r>
-              <a:rPr lang="ko-KR" altLang="en-US" sz="2300" dirty="0"/>
-              <a:t> 없는 경우도 있음</a:t>
-            </a:r>
-            <a:r>
-              <a:rPr lang="en-US" altLang="ko-KR" sz="2300" dirty="0"/>
-              <a:t>.</a:t>
-            </a:r>
-          </a:p>
-          <a:p>
-            <a:pPr marL="0" indent="0">
-              <a:buNone/>
-            </a:pPr>
-            <a:endParaRPr lang="en-US" altLang="ko-KR" sz="2300" dirty="0"/>
-          </a:p>
-          <a:p>
-            <a:pPr marL="0" indent="0">
-              <a:buNone/>
-            </a:pPr>
-            <a:r>
-              <a:rPr lang="ko-KR" altLang="en-US" sz="2300" dirty="0"/>
-              <a:t>해당 경우는 </a:t>
-            </a:r>
-            <a:r>
-              <a:rPr lang="en-US" altLang="ko-KR" sz="2300" dirty="0"/>
-              <a:t>__</a:t>
-            </a:r>
-            <a:r>
-              <a:rPr lang="en-US" altLang="ko-KR" sz="2300" dirty="0" err="1"/>
-              <a:t>libc_csu_init</a:t>
-            </a:r>
-            <a:r>
-              <a:rPr lang="en-US" altLang="ko-KR" sz="2300" dirty="0"/>
-              <a:t>() </a:t>
-            </a:r>
-            <a:r>
-              <a:rPr lang="ko-KR" altLang="en-US" sz="2300" dirty="0"/>
-              <a:t>함수를 이용해서 처리하면 편합니다</a:t>
-            </a:r>
-            <a:r>
-              <a:rPr lang="en-US" altLang="ko-KR" sz="2300" dirty="0"/>
-              <a:t>.</a:t>
-            </a:r>
-          </a:p>
-          <a:p>
-            <a:pPr marL="0" indent="0">
-              <a:buNone/>
-            </a:pPr>
-            <a:endParaRPr lang="en-US" altLang="ko-KR" sz="2300" dirty="0"/>
-          </a:p>
-          <a:p>
-            <a:pPr marL="0" indent="0">
-              <a:buNone/>
-            </a:pPr>
-            <a:r>
-              <a:rPr lang="ko-KR" altLang="en-US" sz="2300" dirty="0"/>
-              <a:t>과제는 필요한 경우 그냥 제가 </a:t>
-            </a:r>
-            <a:r>
-              <a:rPr lang="ko-KR" altLang="en-US" sz="2300" dirty="0" err="1"/>
-              <a:t>가젯을</a:t>
-            </a:r>
-            <a:r>
-              <a:rPr lang="ko-KR" altLang="en-US" sz="2300" dirty="0"/>
-              <a:t> 넣어뒀으니까 나중에 여유가 될 때 </a:t>
-            </a:r>
-            <a:r>
-              <a:rPr lang="en-US" altLang="ko-KR" sz="2300" dirty="0"/>
-              <a:t>return to </a:t>
-            </a:r>
-            <a:r>
-              <a:rPr lang="en-US" altLang="ko-KR" sz="2300" dirty="0" err="1"/>
-              <a:t>csu</a:t>
-            </a:r>
-            <a:r>
-              <a:rPr lang="ko-KR" altLang="en-US" sz="2300" dirty="0"/>
-              <a:t>를 따로 공부해보시면 </a:t>
-            </a:r>
-            <a:r>
-              <a:rPr lang="ko-KR" altLang="en-US" sz="2300" dirty="0" err="1"/>
-              <a:t>좋슴당</a:t>
-            </a:r>
-            <a:endParaRPr lang="en-US" altLang="ko-KR" sz="2300" dirty="0"/>
+              <a:t>…</a:t>
+            </a:r>
+          </a:p>
+          <a:p>
+            <a:pPr marL="0" indent="0">
+              <a:buNone/>
+            </a:pPr>
+            <a:r>
+              <a:rPr lang="ko-KR" altLang="en-US" sz="2300" b="1" dirty="0"/>
+              <a:t>다양한 사고가 필요하다</a:t>
+            </a:r>
+            <a:r>
+              <a:rPr lang="en-US" altLang="ko-KR" sz="2300" b="1" dirty="0"/>
+              <a:t>! -&gt; </a:t>
+            </a:r>
+            <a:r>
+              <a:rPr lang="ko-KR" altLang="en-US" sz="2300" b="1" dirty="0"/>
+              <a:t>과제 풀면서 </a:t>
+            </a:r>
+            <a:r>
+              <a:rPr lang="ko-KR" altLang="en-US" sz="2300" b="1" dirty="0" err="1"/>
+              <a:t>늘려보자구요</a:t>
+            </a:r>
+            <a:r>
+              <a:rPr lang="en-US" altLang="ko-KR" sz="2300" b="1" dirty="0"/>
+              <a:t>~</a:t>
+            </a:r>
+          </a:p>
+          <a:p>
+            <a:pPr marL="0" indent="0">
+              <a:buNone/>
+            </a:pPr>
+            <a:endParaRPr lang="en-US" altLang="ko-KR" dirty="0"/>
           </a:p>
         </p:txBody>
       </p:sp>
     </p:spTree>
     <p:extLst>
       <p:ext uri="{BB962C8B-B14F-4D97-AF65-F5344CB8AC3E}">
-        <p14:creationId xmlns:p14="http://schemas.microsoft.com/office/powerpoint/2010/main" val="314044917"/>
+        <p14:creationId xmlns:p14="http://schemas.microsoft.com/office/powerpoint/2010/main" val="3910344136"/>
       </p:ext>
     </p:extLst>
   </p:cSld>
@@ -4350,6 +4381,278 @@
           <p:cNvPr id="2" name="제목 1">
             <a:extLst>
               <a:ext uri="{FF2B5EF4-FFF2-40B4-BE49-F238E27FC236}">
+                <a16:creationId xmlns:a16="http://schemas.microsoft.com/office/drawing/2014/main" id="{132CCD32-892B-8ADA-00D0-EC621ACA3477}"/>
+              </a:ext>
+            </a:extLst>
+          </p:cNvPr>
+          <p:cNvSpPr>
+            <a:spLocks noGrp="1"/>
+          </p:cNvSpPr>
+          <p:nvPr>
+            <p:ph type="title"/>
+          </p:nvPr>
+        </p:nvSpPr>
+        <p:spPr/>
+        <p:txBody>
+          <a:bodyPr/>
+          <a:lstStyle/>
+          <a:p>
+            <a:r>
+              <a:rPr lang="en-US" altLang="ko-KR" dirty="0"/>
+              <a:t>[Ref.] gadget </a:t>
+            </a:r>
+            <a:endParaRPr lang="ko-KR" altLang="en-US" dirty="0"/>
+          </a:p>
+        </p:txBody>
+      </p:sp>
+      <p:sp>
+        <p:nvSpPr>
+          <p:cNvPr id="3" name="내용 개체 틀 2">
+            <a:extLst>
+              <a:ext uri="{FF2B5EF4-FFF2-40B4-BE49-F238E27FC236}">
+                <a16:creationId xmlns:a16="http://schemas.microsoft.com/office/drawing/2014/main" id="{54C486FB-DBCF-CE73-8AD9-00D9F511D96A}"/>
+              </a:ext>
+            </a:extLst>
+          </p:cNvPr>
+          <p:cNvSpPr>
+            <a:spLocks noGrp="1"/>
+          </p:cNvSpPr>
+          <p:nvPr>
+            <p:ph idx="1"/>
+          </p:nvPr>
+        </p:nvSpPr>
+        <p:spPr/>
+        <p:txBody>
+          <a:bodyPr>
+            <a:normAutofit/>
+          </a:bodyPr>
+          <a:lstStyle/>
+          <a:p>
+            <a:pPr marL="0" indent="0">
+              <a:buNone/>
+            </a:pPr>
+            <a:r>
+              <a:rPr lang="en-US" altLang="ko-KR" sz="2300" dirty="0"/>
+              <a:t>64bit </a:t>
+            </a:r>
+            <a:r>
+              <a:rPr lang="ko-KR" altLang="en-US" sz="2300" dirty="0"/>
+              <a:t>의 경우 </a:t>
+            </a:r>
+            <a:r>
+              <a:rPr lang="en-US" altLang="ko-KR" sz="2300" dirty="0"/>
+              <a:t>calling convention</a:t>
+            </a:r>
+            <a:r>
+              <a:rPr lang="ko-KR" altLang="en-US" sz="2300" dirty="0"/>
+              <a:t>에 의해 레지스터를 이용해 인자 처리</a:t>
+            </a:r>
+            <a:r>
+              <a:rPr lang="en-US" altLang="ko-KR" sz="2300" dirty="0"/>
+              <a:t>.</a:t>
+            </a:r>
+          </a:p>
+          <a:p>
+            <a:pPr marL="0" indent="0">
+              <a:buNone/>
+            </a:pPr>
+            <a:r>
+              <a:rPr lang="en-US" altLang="ko-KR" sz="2300" dirty="0"/>
+              <a:t>-&gt;</a:t>
+            </a:r>
+            <a:r>
+              <a:rPr lang="ko-KR" altLang="en-US" sz="2300" dirty="0"/>
+              <a:t> </a:t>
+            </a:r>
+            <a:r>
+              <a:rPr lang="en-US" altLang="ko-KR" sz="2300" dirty="0" err="1"/>
+              <a:t>rdi</a:t>
+            </a:r>
+            <a:r>
+              <a:rPr lang="en-US" altLang="ko-KR" sz="2300" dirty="0"/>
+              <a:t>, </a:t>
+            </a:r>
+            <a:r>
+              <a:rPr lang="en-US" altLang="ko-KR" sz="2300" dirty="0" err="1"/>
+              <a:t>rsi</a:t>
+            </a:r>
+            <a:r>
+              <a:rPr lang="en-US" altLang="ko-KR" sz="2300" dirty="0"/>
+              <a:t>, </a:t>
+            </a:r>
+            <a:r>
+              <a:rPr lang="en-US" altLang="ko-KR" sz="2300" dirty="0" err="1"/>
+              <a:t>rdx</a:t>
+            </a:r>
+            <a:r>
+              <a:rPr lang="en-US" altLang="ko-KR" sz="2300" dirty="0"/>
+              <a:t>, </a:t>
+            </a:r>
+            <a:r>
+              <a:rPr lang="en-US" altLang="ko-KR" sz="2300" dirty="0" err="1"/>
+              <a:t>rcx</a:t>
+            </a:r>
+            <a:r>
+              <a:rPr lang="en-US" altLang="ko-KR" sz="2300" dirty="0"/>
+              <a:t>, r8, r9 … </a:t>
+            </a:r>
+            <a:r>
+              <a:rPr lang="ko-KR" altLang="en-US" sz="2300" dirty="0"/>
+              <a:t>순서</a:t>
+            </a:r>
+            <a:endParaRPr lang="en-US" altLang="ko-KR" sz="2300" dirty="0"/>
+          </a:p>
+          <a:p>
+            <a:pPr marL="0" indent="0">
+              <a:buNone/>
+            </a:pPr>
+            <a:endParaRPr lang="en-US" altLang="ko-KR" sz="2300" dirty="0"/>
+          </a:p>
+          <a:p>
+            <a:pPr marL="0" indent="0">
+              <a:buNone/>
+            </a:pPr>
+            <a:r>
+              <a:rPr lang="ko-KR" altLang="en-US" sz="2300" dirty="0"/>
+              <a:t>그러면 각각 인자를 </a:t>
+            </a:r>
+            <a:r>
+              <a:rPr lang="en-US" altLang="ko-KR" sz="2300" dirty="0"/>
+              <a:t>pop [register] </a:t>
+            </a:r>
+            <a:r>
+              <a:rPr lang="ko-KR" altLang="en-US" sz="2300" dirty="0"/>
+              <a:t>를 이용해 레지스터에 넣어줘야 하는데</a:t>
+            </a:r>
+            <a:r>
+              <a:rPr lang="en-US" altLang="ko-KR" sz="2300" dirty="0"/>
+              <a:t>, </a:t>
+            </a:r>
+            <a:r>
+              <a:rPr lang="ko-KR" altLang="en-US" sz="2300" dirty="0" err="1"/>
+              <a:t>가젯이</a:t>
+            </a:r>
+            <a:r>
+              <a:rPr lang="ko-KR" altLang="en-US" sz="2300" dirty="0"/>
+              <a:t> 없는 경우도 있음</a:t>
+            </a:r>
+            <a:r>
+              <a:rPr lang="en-US" altLang="ko-KR" sz="2300" dirty="0"/>
+              <a:t>.</a:t>
+            </a:r>
+          </a:p>
+          <a:p>
+            <a:pPr marL="0" indent="0">
+              <a:buNone/>
+            </a:pPr>
+            <a:endParaRPr lang="en-US" altLang="ko-KR" sz="2300" dirty="0"/>
+          </a:p>
+          <a:p>
+            <a:pPr marL="0" indent="0">
+              <a:buNone/>
+            </a:pPr>
+            <a:r>
+              <a:rPr lang="ko-KR" altLang="en-US" sz="2300" dirty="0"/>
+              <a:t>해당 경우는 </a:t>
+            </a:r>
+            <a:r>
+              <a:rPr lang="en-US" altLang="ko-KR" sz="2300" dirty="0"/>
+              <a:t>__</a:t>
+            </a:r>
+            <a:r>
+              <a:rPr lang="en-US" altLang="ko-KR" sz="2300" dirty="0" err="1"/>
+              <a:t>libc_csu_init</a:t>
+            </a:r>
+            <a:r>
+              <a:rPr lang="en-US" altLang="ko-KR" sz="2300" dirty="0"/>
+              <a:t>() </a:t>
+            </a:r>
+            <a:r>
+              <a:rPr lang="ko-KR" altLang="en-US" sz="2300" dirty="0"/>
+              <a:t>함수를 이용해서 처리하면 편합니다</a:t>
+            </a:r>
+            <a:r>
+              <a:rPr lang="en-US" altLang="ko-KR" sz="2300" dirty="0"/>
+              <a:t>.</a:t>
+            </a:r>
+          </a:p>
+          <a:p>
+            <a:pPr marL="0" indent="0">
+              <a:buNone/>
+            </a:pPr>
+            <a:endParaRPr lang="en-US" altLang="ko-KR" sz="2300" dirty="0"/>
+          </a:p>
+          <a:p>
+            <a:pPr marL="0" indent="0">
+              <a:buNone/>
+            </a:pPr>
+            <a:r>
+              <a:rPr lang="ko-KR" altLang="en-US" sz="2300" dirty="0"/>
+              <a:t>과제는 필요한 경우 그냥 제가 </a:t>
+            </a:r>
+            <a:r>
+              <a:rPr lang="ko-KR" altLang="en-US" sz="2300" dirty="0" err="1"/>
+              <a:t>가젯을</a:t>
+            </a:r>
+            <a:r>
+              <a:rPr lang="ko-KR" altLang="en-US" sz="2300" dirty="0"/>
+              <a:t> 넣어뒀으니까 나중에 여유가 될 때 </a:t>
+            </a:r>
+            <a:r>
+              <a:rPr lang="en-US" altLang="ko-KR" sz="2300" dirty="0"/>
+              <a:t>return to </a:t>
+            </a:r>
+            <a:r>
+              <a:rPr lang="en-US" altLang="ko-KR" sz="2300" dirty="0" err="1"/>
+              <a:t>csu</a:t>
+            </a:r>
+            <a:r>
+              <a:rPr lang="ko-KR" altLang="en-US" sz="2300" dirty="0"/>
+              <a:t>를 따로 공부해보시면 </a:t>
+            </a:r>
+            <a:r>
+              <a:rPr lang="ko-KR" altLang="en-US" sz="2300" dirty="0" err="1"/>
+              <a:t>좋슴당</a:t>
+            </a:r>
+            <a:endParaRPr lang="en-US" altLang="ko-KR" sz="2300" dirty="0"/>
+          </a:p>
+        </p:txBody>
+      </p:sp>
+    </p:spTree>
+    <p:extLst>
+      <p:ext uri="{BB962C8B-B14F-4D97-AF65-F5344CB8AC3E}">
+        <p14:creationId xmlns:p14="http://schemas.microsoft.com/office/powerpoint/2010/main" val="314044917"/>
+      </p:ext>
+    </p:extLst>
+  </p:cSld>
+  <p:clrMapOvr>
+    <a:masterClrMapping/>
+  </p:clrMapOvr>
+</p:sld>
+</file>
+
+<file path=ppt/slides/slide13.xml><?xml version="1.0" encoding="utf-8"?>
+<p:sld xmlns:a="http://schemas.openxmlformats.org/drawingml/2006/main" xmlns:r="http://schemas.openxmlformats.org/officeDocument/2006/relationships" xmlns:p="http://schemas.openxmlformats.org/presentationml/2006/main">
+  <p:cSld>
+    <p:spTree>
+      <p:nvGrpSpPr>
+        <p:cNvPr id="1" name=""/>
+        <p:cNvGrpSpPr/>
+        <p:nvPr/>
+      </p:nvGrpSpPr>
+      <p:grpSpPr>
+        <a:xfrm>
+          <a:off x="0" y="0"/>
+          <a:ext cx="0" cy="0"/>
+          <a:chOff x="0" y="0"/>
+          <a:chExt cx="0" cy="0"/>
+        </a:xfrm>
+      </p:grpSpPr>
+      <p:sp>
+        <p:nvSpPr>
+          <p:cNvPr id="2" name="제목 1">
+            <a:extLst>
+              <a:ext uri="{FF2B5EF4-FFF2-40B4-BE49-F238E27FC236}">
                 <a16:creationId xmlns:a16="http://schemas.microsoft.com/office/drawing/2014/main" id="{35C64855-B9DF-02B9-1899-86EBFDAEBDF0}"/>
               </a:ext>
             </a:extLst>
@@ -4393,7 +4696,7 @@
 </p:sld>
 </file>
 
-<file path=ppt/slides/slide13.xml><?xml version="1.0" encoding="utf-8"?>
+<file path=ppt/slides/slide14.xml><?xml version="1.0" encoding="utf-8"?>
 <p:sld xmlns:a="http://schemas.openxmlformats.org/drawingml/2006/main" xmlns:r="http://schemas.openxmlformats.org/officeDocument/2006/relationships" xmlns:p="http://schemas.openxmlformats.org/presentationml/2006/main">
   <p:cSld>
     <p:spTree>
@@ -4687,7 +4990,7 @@
 </p:sld>
 </file>
 
-<file path=ppt/slides/slide14.xml><?xml version="1.0" encoding="utf-8"?>
+<file path=ppt/slides/slide15.xml><?xml version="1.0" encoding="utf-8"?>
 <p:sld xmlns:a="http://schemas.openxmlformats.org/drawingml/2006/main" xmlns:r="http://schemas.openxmlformats.org/officeDocument/2006/relationships" xmlns:p="http://schemas.openxmlformats.org/presentationml/2006/main">
   <p:cSld>
     <p:spTree>
@@ -4817,7 +5120,7 @@
 </p:sld>
 </file>
 
-<file path=ppt/slides/slide15.xml><?xml version="1.0" encoding="utf-8"?>
+<file path=ppt/slides/slide16.xml><?xml version="1.0" encoding="utf-8"?>
 <p:sld xmlns:a="http://schemas.openxmlformats.org/drawingml/2006/main" xmlns:r="http://schemas.openxmlformats.org/officeDocument/2006/relationships" xmlns:p="http://schemas.openxmlformats.org/presentationml/2006/main">
   <p:cSld>
     <p:spTree>
@@ -4947,7 +5250,7 @@
 </p:sld>
 </file>
 
-<file path=ppt/slides/slide16.xml><?xml version="1.0" encoding="utf-8"?>
+<file path=ppt/slides/slide17.xml><?xml version="1.0" encoding="utf-8"?>
 <p:sld xmlns:a="http://schemas.openxmlformats.org/drawingml/2006/main" xmlns:r="http://schemas.openxmlformats.org/officeDocument/2006/relationships" xmlns:p="http://schemas.openxmlformats.org/presentationml/2006/main">
   <p:cSld>
     <p:spTree>
@@ -5189,7 +5492,7 @@
 </p:sld>
 </file>
 
-<file path=ppt/slides/slide17.xml><?xml version="1.0" encoding="utf-8"?>
+<file path=ppt/slides/slide18.xml><?xml version="1.0" encoding="utf-8"?>
 <p:sld xmlns:a="http://schemas.openxmlformats.org/drawingml/2006/main" xmlns:r="http://schemas.openxmlformats.org/officeDocument/2006/relationships" xmlns:p="http://schemas.openxmlformats.org/presentationml/2006/main">
   <p:cSld>
     <p:spTree>
@@ -5405,7 +5708,7 @@
 </p:sld>
 </file>
 
-<file path=ppt/slides/slide18.xml><?xml version="1.0" encoding="utf-8"?>
+<file path=ppt/slides/slide19.xml><?xml version="1.0" encoding="utf-8"?>
 <p:sld xmlns:a="http://schemas.openxmlformats.org/drawingml/2006/main" xmlns:r="http://schemas.openxmlformats.org/officeDocument/2006/relationships" xmlns:p="http://schemas.openxmlformats.org/presentationml/2006/main">
   <p:cSld>
     <p:spTree>
@@ -5637,7 +5940,131 @@
 </p:sld>
 </file>
 
-<file path=ppt/slides/slide19.xml><?xml version="1.0" encoding="utf-8"?>
+<file path=ppt/slides/slide2.xml><?xml version="1.0" encoding="utf-8"?>
+<p:sld xmlns:a="http://schemas.openxmlformats.org/drawingml/2006/main" xmlns:r="http://schemas.openxmlformats.org/officeDocument/2006/relationships" xmlns:p="http://schemas.openxmlformats.org/presentationml/2006/main">
+  <p:cSld>
+    <p:spTree>
+      <p:nvGrpSpPr>
+        <p:cNvPr id="1" name=""/>
+        <p:cNvGrpSpPr/>
+        <p:nvPr/>
+      </p:nvGrpSpPr>
+      <p:grpSpPr>
+        <a:xfrm>
+          <a:off x="0" y="0"/>
+          <a:ext cx="0" cy="0"/>
+          <a:chOff x="0" y="0"/>
+          <a:chExt cx="0" cy="0"/>
+        </a:xfrm>
+      </p:grpSpPr>
+      <p:sp>
+        <p:nvSpPr>
+          <p:cNvPr id="2" name="제목 1">
+            <a:extLst>
+              <a:ext uri="{FF2B5EF4-FFF2-40B4-BE49-F238E27FC236}">
+                <a16:creationId xmlns:a16="http://schemas.microsoft.com/office/drawing/2014/main" id="{307C4873-D646-0334-5881-ADE66AE5E5CE}"/>
+              </a:ext>
+            </a:extLst>
+          </p:cNvPr>
+          <p:cNvSpPr>
+            <a:spLocks noGrp="1"/>
+          </p:cNvSpPr>
+          <p:nvPr>
+            <p:ph type="title"/>
+          </p:nvPr>
+        </p:nvSpPr>
+        <p:spPr/>
+        <p:txBody>
+          <a:bodyPr/>
+          <a:lstStyle/>
+          <a:p>
+            <a:r>
+              <a:rPr lang="ko-KR" altLang="en-US" dirty="0"/>
+              <a:t>목차</a:t>
+            </a:r>
+          </a:p>
+        </p:txBody>
+      </p:sp>
+      <p:sp>
+        <p:nvSpPr>
+          <p:cNvPr id="3" name="내용 개체 틀 2">
+            <a:extLst>
+              <a:ext uri="{FF2B5EF4-FFF2-40B4-BE49-F238E27FC236}">
+                <a16:creationId xmlns:a16="http://schemas.microsoft.com/office/drawing/2014/main" id="{42F5FDB6-20BE-9731-8B70-9D4EAB85B97C}"/>
+              </a:ext>
+            </a:extLst>
+          </p:cNvPr>
+          <p:cNvSpPr>
+            <a:spLocks noGrp="1"/>
+          </p:cNvSpPr>
+          <p:nvPr>
+            <p:ph idx="1"/>
+          </p:nvPr>
+        </p:nvSpPr>
+        <p:spPr/>
+        <p:txBody>
+          <a:bodyPr/>
+          <a:lstStyle/>
+          <a:p>
+            <a:pPr marL="514350" indent="-514350">
+              <a:buAutoNum type="arabicPeriod"/>
+            </a:pPr>
+            <a:r>
+              <a:rPr lang="en-US" altLang="ko-KR" dirty="0"/>
+              <a:t>ROP </a:t>
+            </a:r>
+            <a:r>
+              <a:rPr lang="ko-KR" altLang="en-US" dirty="0"/>
+              <a:t>그게 </a:t>
+            </a:r>
+            <a:r>
+              <a:rPr lang="ko-KR" altLang="en-US" dirty="0" err="1"/>
+              <a:t>뭔데</a:t>
+            </a:r>
+            <a:r>
+              <a:rPr lang="ko-KR" altLang="en-US" dirty="0"/>
+              <a:t> </a:t>
+            </a:r>
+            <a:r>
+              <a:rPr lang="ko-KR" altLang="en-US" dirty="0" err="1"/>
+              <a:t>뭐하는건데</a:t>
+            </a:r>
+            <a:endParaRPr lang="en-US" altLang="ko-KR" dirty="0"/>
+          </a:p>
+          <a:p>
+            <a:pPr marL="514350" indent="-514350">
+              <a:buAutoNum type="arabicPeriod"/>
+            </a:pPr>
+            <a:r>
+              <a:rPr lang="en-US" altLang="ko-KR" dirty="0"/>
+              <a:t>FSB</a:t>
+            </a:r>
+            <a:r>
+              <a:rPr lang="ko-KR" altLang="en-US" dirty="0"/>
+              <a:t> 넌 또 </a:t>
+            </a:r>
+            <a:r>
+              <a:rPr lang="ko-KR" altLang="en-US" dirty="0" err="1"/>
+              <a:t>뭔데</a:t>
+            </a:r>
+            <a:endParaRPr lang="en-US" altLang="ko-KR" dirty="0"/>
+          </a:p>
+        </p:txBody>
+      </p:sp>
+    </p:spTree>
+    <p:extLst>
+      <p:ext uri="{BB962C8B-B14F-4D97-AF65-F5344CB8AC3E}">
+        <p14:creationId xmlns:p14="http://schemas.microsoft.com/office/powerpoint/2010/main" val="2086213918"/>
+      </p:ext>
+    </p:extLst>
+  </p:cSld>
+  <p:clrMapOvr>
+    <a:masterClrMapping/>
+  </p:clrMapOvr>
+</p:sld>
+</file>
+
+<file path=ppt/slides/slide20.xml><?xml version="1.0" encoding="utf-8"?>
 <p:sld xmlns:a="http://schemas.openxmlformats.org/drawingml/2006/main" xmlns:r="http://schemas.openxmlformats.org/officeDocument/2006/relationships" xmlns:p="http://schemas.openxmlformats.org/presentationml/2006/main">
   <p:cSld>
     <p:spTree>
@@ -5868,131 +6295,7 @@
 </p:sld>
 </file>
 
-<file path=ppt/slides/slide2.xml><?xml version="1.0" encoding="utf-8"?>
-<p:sld xmlns:a="http://schemas.openxmlformats.org/drawingml/2006/main" xmlns:r="http://schemas.openxmlformats.org/officeDocument/2006/relationships" xmlns:p="http://schemas.openxmlformats.org/presentationml/2006/main">
-  <p:cSld>
-    <p:spTree>
-      <p:nvGrpSpPr>
-        <p:cNvPr id="1" name=""/>
-        <p:cNvGrpSpPr/>
-        <p:nvPr/>
-      </p:nvGrpSpPr>
-      <p:grpSpPr>
-        <a:xfrm>
-          <a:off x="0" y="0"/>
-          <a:ext cx="0" cy="0"/>
-          <a:chOff x="0" y="0"/>
-          <a:chExt cx="0" cy="0"/>
-        </a:xfrm>
-      </p:grpSpPr>
-      <p:sp>
-        <p:nvSpPr>
-          <p:cNvPr id="2" name="제목 1">
-            <a:extLst>
-              <a:ext uri="{FF2B5EF4-FFF2-40B4-BE49-F238E27FC236}">
-                <a16:creationId xmlns:a16="http://schemas.microsoft.com/office/drawing/2014/main" id="{307C4873-D646-0334-5881-ADE66AE5E5CE}"/>
-              </a:ext>
-            </a:extLst>
-          </p:cNvPr>
-          <p:cNvSpPr>
-            <a:spLocks noGrp="1"/>
-          </p:cNvSpPr>
-          <p:nvPr>
-            <p:ph type="title"/>
-          </p:nvPr>
-        </p:nvSpPr>
-        <p:spPr/>
-        <p:txBody>
-          <a:bodyPr/>
-          <a:lstStyle/>
-          <a:p>
-            <a:r>
-              <a:rPr lang="ko-KR" altLang="en-US" dirty="0"/>
-              <a:t>목차</a:t>
-            </a:r>
-          </a:p>
-        </p:txBody>
-      </p:sp>
-      <p:sp>
-        <p:nvSpPr>
-          <p:cNvPr id="3" name="내용 개체 틀 2">
-            <a:extLst>
-              <a:ext uri="{FF2B5EF4-FFF2-40B4-BE49-F238E27FC236}">
-                <a16:creationId xmlns:a16="http://schemas.microsoft.com/office/drawing/2014/main" id="{42F5FDB6-20BE-9731-8B70-9D4EAB85B97C}"/>
-              </a:ext>
-            </a:extLst>
-          </p:cNvPr>
-          <p:cNvSpPr>
-            <a:spLocks noGrp="1"/>
-          </p:cNvSpPr>
-          <p:nvPr>
-            <p:ph idx="1"/>
-          </p:nvPr>
-        </p:nvSpPr>
-        <p:spPr/>
-        <p:txBody>
-          <a:bodyPr/>
-          <a:lstStyle/>
-          <a:p>
-            <a:pPr marL="514350" indent="-514350">
-              <a:buAutoNum type="arabicPeriod"/>
-            </a:pPr>
-            <a:r>
-              <a:rPr lang="en-US" altLang="ko-KR" dirty="0"/>
-              <a:t>ROP </a:t>
-            </a:r>
-            <a:r>
-              <a:rPr lang="ko-KR" altLang="en-US" dirty="0"/>
-              <a:t>그게 </a:t>
-            </a:r>
-            <a:r>
-              <a:rPr lang="ko-KR" altLang="en-US" dirty="0" err="1"/>
-              <a:t>뭔데</a:t>
-            </a:r>
-            <a:r>
-              <a:rPr lang="ko-KR" altLang="en-US" dirty="0"/>
-              <a:t> </a:t>
-            </a:r>
-            <a:r>
-              <a:rPr lang="ko-KR" altLang="en-US" dirty="0" err="1"/>
-              <a:t>뭐하는건데</a:t>
-            </a:r>
-            <a:endParaRPr lang="en-US" altLang="ko-KR" dirty="0"/>
-          </a:p>
-          <a:p>
-            <a:pPr marL="514350" indent="-514350">
-              <a:buAutoNum type="arabicPeriod"/>
-            </a:pPr>
-            <a:r>
-              <a:rPr lang="en-US" altLang="ko-KR" dirty="0"/>
-              <a:t>FSB</a:t>
-            </a:r>
-            <a:r>
-              <a:rPr lang="ko-KR" altLang="en-US" dirty="0"/>
-              <a:t> 넌 또 </a:t>
-            </a:r>
-            <a:r>
-              <a:rPr lang="ko-KR" altLang="en-US" dirty="0" err="1"/>
-              <a:t>뭔데</a:t>
-            </a:r>
-            <a:endParaRPr lang="en-US" altLang="ko-KR" dirty="0"/>
-          </a:p>
-        </p:txBody>
-      </p:sp>
-    </p:spTree>
-    <p:extLst>
-      <p:ext uri="{BB962C8B-B14F-4D97-AF65-F5344CB8AC3E}">
-        <p14:creationId xmlns:p14="http://schemas.microsoft.com/office/powerpoint/2010/main" val="2086213918"/>
-      </p:ext>
-    </p:extLst>
-  </p:cSld>
-  <p:clrMapOvr>
-    <a:masterClrMapping/>
-  </p:clrMapOvr>
-</p:sld>
-</file>
-
-<file path=ppt/slides/slide20.xml><?xml version="1.0" encoding="utf-8"?>
+<file path=ppt/slides/slide21.xml><?xml version="1.0" encoding="utf-8"?>
 <p:sld xmlns:a="http://schemas.openxmlformats.org/drawingml/2006/main" xmlns:r="http://schemas.openxmlformats.org/officeDocument/2006/relationships" xmlns:p="http://schemas.openxmlformats.org/presentationml/2006/main">
   <p:cSld>
     <p:spTree>
@@ -6188,71 +6491,6 @@
 </p:sld>
 </file>
 
-<file path=ppt/slides/slide21.xml><?xml version="1.0" encoding="utf-8"?>
-<p:sld xmlns:a="http://schemas.openxmlformats.org/drawingml/2006/main" xmlns:r="http://schemas.openxmlformats.org/officeDocument/2006/relationships" xmlns:p="http://schemas.openxmlformats.org/presentationml/2006/main">
-  <p:cSld>
-    <p:spTree>
-      <p:nvGrpSpPr>
-        <p:cNvPr id="1" name=""/>
-        <p:cNvGrpSpPr/>
-        <p:nvPr/>
-      </p:nvGrpSpPr>
-      <p:grpSpPr>
-        <a:xfrm>
-          <a:off x="0" y="0"/>
-          <a:ext cx="0" cy="0"/>
-          <a:chOff x="0" y="0"/>
-          <a:chExt cx="0" cy="0"/>
-        </a:xfrm>
-      </p:grpSpPr>
-      <p:sp>
-        <p:nvSpPr>
-          <p:cNvPr id="2" name="제목 1">
-            <a:extLst>
-              <a:ext uri="{FF2B5EF4-FFF2-40B4-BE49-F238E27FC236}">
-                <a16:creationId xmlns:a16="http://schemas.microsoft.com/office/drawing/2014/main" id="{35C64855-B9DF-02B9-1899-86EBFDAEBDF0}"/>
-              </a:ext>
-            </a:extLst>
-          </p:cNvPr>
-          <p:cNvSpPr>
-            <a:spLocks noGrp="1"/>
-          </p:cNvSpPr>
-          <p:nvPr>
-            <p:ph type="title"/>
-          </p:nvPr>
-        </p:nvSpPr>
-        <p:spPr>
-          <a:xfrm>
-            <a:off x="838200" y="2766218"/>
-            <a:ext cx="10515600" cy="1325563"/>
-          </a:xfrm>
-        </p:spPr>
-        <p:txBody>
-          <a:bodyPr/>
-          <a:lstStyle/>
-          <a:p>
-            <a:pPr algn="ctr"/>
-            <a:r>
-              <a:rPr lang="en-US" altLang="ko-KR" b="1" dirty="0"/>
-              <a:t>FSB Q&amp;A</a:t>
-            </a:r>
-            <a:endParaRPr lang="ko-KR" altLang="en-US" b="1" dirty="0"/>
-          </a:p>
-        </p:txBody>
-      </p:sp>
-    </p:spTree>
-    <p:extLst>
-      <p:ext uri="{BB962C8B-B14F-4D97-AF65-F5344CB8AC3E}">
-        <p14:creationId xmlns:p14="http://schemas.microsoft.com/office/powerpoint/2010/main" val="3495985305"/>
-      </p:ext>
-    </p:extLst>
-  </p:cSld>
-  <p:clrMapOvr>
-    <a:masterClrMapping/>
-  </p:clrMapOvr>
-</p:sld>
-</file>
-
 <file path=ppt/slides/slide22.xml><?xml version="1.0" encoding="utf-8"?>
 <p:sld xmlns:a="http://schemas.openxmlformats.org/drawingml/2006/main" xmlns:r="http://schemas.openxmlformats.org/officeDocument/2006/relationships" xmlns:p="http://schemas.openxmlformats.org/presentationml/2006/main">
   <p:cSld>
@@ -6275,6 +6513,71 @@
           <p:cNvPr id="2" name="제목 1">
             <a:extLst>
               <a:ext uri="{FF2B5EF4-FFF2-40B4-BE49-F238E27FC236}">
+                <a16:creationId xmlns:a16="http://schemas.microsoft.com/office/drawing/2014/main" id="{35C64855-B9DF-02B9-1899-86EBFDAEBDF0}"/>
+              </a:ext>
+            </a:extLst>
+          </p:cNvPr>
+          <p:cNvSpPr>
+            <a:spLocks noGrp="1"/>
+          </p:cNvSpPr>
+          <p:nvPr>
+            <p:ph type="title"/>
+          </p:nvPr>
+        </p:nvSpPr>
+        <p:spPr>
+          <a:xfrm>
+            <a:off x="838200" y="2766218"/>
+            <a:ext cx="10515600" cy="1325563"/>
+          </a:xfrm>
+        </p:spPr>
+        <p:txBody>
+          <a:bodyPr/>
+          <a:lstStyle/>
+          <a:p>
+            <a:pPr algn="ctr"/>
+            <a:r>
+              <a:rPr lang="en-US" altLang="ko-KR" b="1" dirty="0"/>
+              <a:t>FSB Q&amp;A</a:t>
+            </a:r>
+            <a:endParaRPr lang="ko-KR" altLang="en-US" b="1" dirty="0"/>
+          </a:p>
+        </p:txBody>
+      </p:sp>
+    </p:spTree>
+    <p:extLst>
+      <p:ext uri="{BB962C8B-B14F-4D97-AF65-F5344CB8AC3E}">
+        <p14:creationId xmlns:p14="http://schemas.microsoft.com/office/powerpoint/2010/main" val="3495985305"/>
+      </p:ext>
+    </p:extLst>
+  </p:cSld>
+  <p:clrMapOvr>
+    <a:masterClrMapping/>
+  </p:clrMapOvr>
+</p:sld>
+</file>
+
+<file path=ppt/slides/slide23.xml><?xml version="1.0" encoding="utf-8"?>
+<p:sld xmlns:a="http://schemas.openxmlformats.org/drawingml/2006/main" xmlns:r="http://schemas.openxmlformats.org/officeDocument/2006/relationships" xmlns:p="http://schemas.openxmlformats.org/presentationml/2006/main">
+  <p:cSld>
+    <p:spTree>
+      <p:nvGrpSpPr>
+        <p:cNvPr id="1" name=""/>
+        <p:cNvGrpSpPr/>
+        <p:nvPr/>
+      </p:nvGrpSpPr>
+      <p:grpSpPr>
+        <a:xfrm>
+          <a:off x="0" y="0"/>
+          <a:ext cx="0" cy="0"/>
+          <a:chOff x="0" y="0"/>
+          <a:chExt cx="0" cy="0"/>
+        </a:xfrm>
+      </p:grpSpPr>
+      <p:sp>
+        <p:nvSpPr>
+          <p:cNvPr id="2" name="제목 1">
+            <a:extLst>
+              <a:ext uri="{FF2B5EF4-FFF2-40B4-BE49-F238E27FC236}">
                 <a16:creationId xmlns:a16="http://schemas.microsoft.com/office/drawing/2014/main" id="{BB0F8140-9F37-5091-0C63-98368C79C91C}"/>
               </a:ext>
             </a:extLst>
@@ -6616,7 +6919,7 @@
 </p:sld>
 </file>
 
-<file path=ppt/slides/slide23.xml><?xml version="1.0" encoding="utf-8"?>
+<file path=ppt/slides/slide24.xml><?xml version="1.0" encoding="utf-8"?>
 <p:sld xmlns:a="http://schemas.openxmlformats.org/drawingml/2006/main" xmlns:r="http://schemas.openxmlformats.org/officeDocument/2006/relationships" xmlns:p="http://schemas.openxmlformats.org/presentationml/2006/main">
   <p:cSld>
     <p:spTree>
@@ -7773,7 +8076,7 @@
           <p:cNvPr id="2" name="제목 1">
             <a:extLst>
               <a:ext uri="{FF2B5EF4-FFF2-40B4-BE49-F238E27FC236}">
-                <a16:creationId xmlns:a16="http://schemas.microsoft.com/office/drawing/2014/main" id="{5757FD89-1D48-DD15-4078-9149A96C1843}"/>
+                <a16:creationId xmlns:a16="http://schemas.microsoft.com/office/drawing/2014/main" id="{ED7C6BDE-0956-87F0-6BA1-F61F87F770CD}"/>
               </a:ext>
             </a:extLst>
           </p:cNvPr>
@@ -7790,199 +8093,46 @@
           <a:lstStyle/>
           <a:p>
             <a:r>
-              <a:rPr lang="ko-KR" altLang="en-US" dirty="0" err="1"/>
-              <a:t>국룰</a:t>
-            </a:r>
-            <a:r>
-              <a:rPr lang="ko-KR" altLang="en-US" dirty="0"/>
-              <a:t> </a:t>
-            </a:r>
-            <a:r>
               <a:rPr lang="en-US" altLang="ko-KR" dirty="0"/>
-              <a:t>ROP Scenario</a:t>
+              <a:t>How to exploit??</a:t>
             </a:r>
             <a:endParaRPr lang="ko-KR" altLang="en-US" dirty="0"/>
           </a:p>
         </p:txBody>
       </p:sp>
-      <p:sp>
-        <p:nvSpPr>
-          <p:cNvPr id="3" name="내용 개체 틀 2">
-            <a:extLst>
-              <a:ext uri="{FF2B5EF4-FFF2-40B4-BE49-F238E27FC236}">
-                <a16:creationId xmlns:a16="http://schemas.microsoft.com/office/drawing/2014/main" id="{EFE90ACD-8353-D05C-5263-71EC71094045}"/>
-              </a:ext>
-            </a:extLst>
-          </p:cNvPr>
-          <p:cNvSpPr>
-            <a:spLocks noGrp="1"/>
-          </p:cNvSpPr>
+      <p:pic>
+        <p:nvPicPr>
+          <p:cNvPr id="5" name="내용 개체 틀 4">
+            <a:extLst>
+              <a:ext uri="{FF2B5EF4-FFF2-40B4-BE49-F238E27FC236}">
+                <a16:creationId xmlns:a16="http://schemas.microsoft.com/office/drawing/2014/main" id="{43F963DE-5D6C-6CD4-D6DC-17A766B434D5}"/>
+              </a:ext>
+            </a:extLst>
+          </p:cNvPr>
+          <p:cNvPicPr>
+            <a:picLocks noGrp="1" noChangeAspect="1"/>
+          </p:cNvPicPr>
           <p:nvPr>
             <p:ph idx="1"/>
           </p:nvPr>
-        </p:nvSpPr>
-        <p:spPr/>
-        <p:txBody>
-          <a:bodyPr>
-            <a:normAutofit/>
-          </a:bodyPr>
-          <a:lstStyle/>
-          <a:p>
-            <a:pPr marL="514350" indent="-514350">
-              <a:buAutoNum type="arabicPeriod"/>
-            </a:pPr>
-            <a:r>
-              <a:rPr lang="ko-KR" altLang="en-US" sz="2500" dirty="0"/>
-              <a:t>메모리 </a:t>
-            </a:r>
-            <a:r>
-              <a:rPr lang="ko-KR" altLang="en-US" sz="2500" dirty="0" err="1"/>
-              <a:t>어딘가에</a:t>
-            </a:r>
-            <a:r>
-              <a:rPr lang="ko-KR" altLang="en-US" sz="2500" dirty="0"/>
-              <a:t> </a:t>
-            </a:r>
-            <a:r>
-              <a:rPr lang="en-US" altLang="ko-KR" sz="2500" dirty="0"/>
-              <a:t>“/bin/</a:t>
-            </a:r>
-            <a:r>
-              <a:rPr lang="en-US" altLang="ko-KR" sz="2500" dirty="0" err="1"/>
-              <a:t>sh</a:t>
-            </a:r>
-            <a:r>
-              <a:rPr lang="en-US" altLang="ko-KR" sz="2500" dirty="0"/>
-              <a:t>” </a:t>
-            </a:r>
-            <a:r>
-              <a:rPr lang="ko-KR" altLang="en-US" sz="2500" dirty="0"/>
-              <a:t>문자열 넣어주기</a:t>
-            </a:r>
-            <a:r>
-              <a:rPr lang="en-US" altLang="ko-KR" sz="2500" dirty="0"/>
-              <a:t>.</a:t>
-            </a:r>
-          </a:p>
-          <a:p>
-            <a:pPr marL="514350" indent="-514350">
-              <a:buAutoNum type="arabicPeriod"/>
-            </a:pPr>
-            <a:r>
-              <a:rPr lang="en-US" altLang="ko-KR" sz="2500" dirty="0" err="1"/>
-              <a:t>Libc</a:t>
-            </a:r>
-            <a:r>
-              <a:rPr lang="en-US" altLang="ko-KR" sz="2500" dirty="0"/>
-              <a:t> leak (</a:t>
-            </a:r>
-            <a:r>
-              <a:rPr lang="ko-KR" altLang="en-US" sz="2500" dirty="0"/>
-              <a:t>임의의 함수의 </a:t>
-            </a:r>
-            <a:r>
-              <a:rPr lang="en-US" altLang="ko-KR" sz="2500" dirty="0"/>
-              <a:t>got</a:t>
-            </a:r>
-            <a:r>
-              <a:rPr lang="ko-KR" altLang="en-US" sz="2500" dirty="0"/>
-              <a:t>를 출력해줌</a:t>
-            </a:r>
-            <a:r>
-              <a:rPr lang="en-US" altLang="ko-KR" sz="2500" dirty="0"/>
-              <a:t>.)</a:t>
-            </a:r>
-          </a:p>
-          <a:p>
-            <a:pPr marL="514350" indent="-514350">
-              <a:buAutoNum type="arabicPeriod"/>
-            </a:pPr>
-            <a:r>
-              <a:rPr lang="en-US" altLang="ko-KR" sz="2500" dirty="0"/>
-              <a:t>System(“/bin/</a:t>
-            </a:r>
-            <a:r>
-              <a:rPr lang="en-US" altLang="ko-KR" sz="2500" dirty="0" err="1"/>
-              <a:t>sh</a:t>
-            </a:r>
-            <a:r>
-              <a:rPr lang="en-US" altLang="ko-KR" sz="2500" dirty="0"/>
-              <a:t>”)</a:t>
-            </a:r>
-            <a:r>
-              <a:rPr lang="ko-KR" altLang="en-US" sz="2500" dirty="0"/>
-              <a:t>로 리턴</a:t>
-            </a:r>
-            <a:endParaRPr lang="en-US" altLang="ko-KR" sz="2500" dirty="0"/>
-          </a:p>
-          <a:p>
-            <a:pPr marL="514350" indent="-514350">
-              <a:buAutoNum type="arabicPeriod"/>
-            </a:pPr>
-            <a:endParaRPr lang="en-US" altLang="ko-KR" sz="2500" dirty="0"/>
-          </a:p>
-          <a:p>
-            <a:pPr marL="0" indent="0">
-              <a:buNone/>
-            </a:pPr>
-            <a:r>
-              <a:rPr lang="ko-KR" altLang="en-US" sz="2500" dirty="0"/>
-              <a:t>일단 가장 단순화하면 위와 같다</a:t>
-            </a:r>
-            <a:r>
-              <a:rPr lang="en-US" altLang="ko-KR" sz="2500" dirty="0"/>
-              <a:t>.</a:t>
-            </a:r>
-          </a:p>
-          <a:p>
-            <a:pPr marL="0" indent="0">
-              <a:buNone/>
-            </a:pPr>
-            <a:endParaRPr lang="en-US" altLang="ko-KR" sz="2500" dirty="0"/>
-          </a:p>
-          <a:p>
-            <a:pPr marL="0" indent="0">
-              <a:buNone/>
-            </a:pPr>
-            <a:r>
-              <a:rPr lang="ko-KR" altLang="en-US" sz="2500" dirty="0"/>
-              <a:t>근데 </a:t>
-            </a:r>
-            <a:r>
-              <a:rPr lang="en-US" altLang="ko-KR" sz="2500" dirty="0"/>
-              <a:t>leak</a:t>
-            </a:r>
-            <a:r>
-              <a:rPr lang="ko-KR" altLang="en-US" sz="2500" dirty="0"/>
-              <a:t>을 하려면 한번 출력이 </a:t>
-            </a:r>
-            <a:r>
-              <a:rPr lang="ko-KR" altLang="en-US" sz="2500" dirty="0" err="1"/>
-              <a:t>되어야할텐데</a:t>
-            </a:r>
-            <a:r>
-              <a:rPr lang="en-US" altLang="ko-KR" sz="2500" dirty="0"/>
-              <a:t>….?</a:t>
-            </a:r>
-          </a:p>
-          <a:p>
-            <a:pPr marL="0" indent="0">
-              <a:buNone/>
-            </a:pPr>
-            <a:endParaRPr lang="en-US" altLang="ko-KR" sz="2500" dirty="0"/>
-          </a:p>
-          <a:p>
-            <a:pPr marL="0" indent="0">
-              <a:buNone/>
-            </a:pPr>
-            <a:endParaRPr lang="en-US" altLang="ko-KR" sz="2500" dirty="0"/>
-          </a:p>
-        </p:txBody>
-      </p:sp>
+        </p:nvPicPr>
+        <p:blipFill>
+          <a:blip r:embed="rId2"/>
+          <a:stretch>
+            <a:fillRect/>
+          </a:stretch>
+        </p:blipFill>
+        <p:spPr>
+          <a:xfrm>
+            <a:off x="936584" y="1420511"/>
+            <a:ext cx="8739851" cy="4944014"/>
+          </a:xfrm>
+        </p:spPr>
+      </p:pic>
     </p:spTree>
     <p:extLst>
       <p:ext uri="{BB962C8B-B14F-4D97-AF65-F5344CB8AC3E}">
-        <p14:creationId xmlns:p14="http://schemas.microsoft.com/office/powerpoint/2010/main" val="2475445101"/>
+        <p14:creationId xmlns:p14="http://schemas.microsoft.com/office/powerpoint/2010/main" val="801772778"/>
       </p:ext>
     </p:extLst>
   </p:cSld>
@@ -8069,16 +8219,125 @@
           </a:bodyPr>
           <a:lstStyle/>
           <a:p>
-            <a:pPr marL="0" indent="0">
-              <a:buNone/>
+            <a:pPr marL="514350" indent="-514350">
+              <a:buAutoNum type="arabicPeriod"/>
+            </a:pPr>
+            <a:r>
+              <a:rPr lang="ko-KR" altLang="en-US" sz="2500" dirty="0"/>
+              <a:t>메모리 </a:t>
+            </a:r>
+            <a:r>
+              <a:rPr lang="ko-KR" altLang="en-US" sz="2500" dirty="0" err="1"/>
+              <a:t>어딘가에</a:t>
+            </a:r>
+            <a:r>
+              <a:rPr lang="ko-KR" altLang="en-US" sz="2500" dirty="0"/>
+              <a:t> </a:t>
+            </a:r>
+            <a:r>
+              <a:rPr lang="en-US" altLang="ko-KR" sz="2500" dirty="0"/>
+              <a:t>“/bin/</a:t>
+            </a:r>
+            <a:r>
+              <a:rPr lang="en-US" altLang="ko-KR" sz="2500" dirty="0" err="1"/>
+              <a:t>sh</a:t>
+            </a:r>
+            <a:r>
+              <a:rPr lang="en-US" altLang="ko-KR" sz="2500" dirty="0"/>
+              <a:t>” </a:t>
+            </a:r>
+            <a:r>
+              <a:rPr lang="ko-KR" altLang="en-US" sz="2500" dirty="0"/>
+              <a:t>문자열 넣어주기</a:t>
+            </a:r>
+            <a:r>
+              <a:rPr lang="en-US" altLang="ko-KR" sz="2500" dirty="0"/>
+              <a:t>.</a:t>
+            </a:r>
+          </a:p>
+          <a:p>
+            <a:pPr marL="514350" indent="-514350">
+              <a:buAutoNum type="arabicPeriod"/>
             </a:pPr>
             <a:r>
               <a:rPr lang="en-US" altLang="ko-KR" sz="2500" dirty="0" err="1"/>
               <a:t>Libc</a:t>
             </a:r>
             <a:r>
+              <a:rPr lang="en-US" altLang="ko-KR" sz="2500" dirty="0"/>
+              <a:t> leak (</a:t>
+            </a:r>
+            <a:r>
               <a:rPr lang="ko-KR" altLang="en-US" sz="2500" dirty="0"/>
-              <a:t> </a:t>
+              <a:t>임의의 함수의 </a:t>
+            </a:r>
+            <a:r>
+              <a:rPr lang="en-US" altLang="ko-KR" sz="2500" dirty="0"/>
+              <a:t>got</a:t>
+            </a:r>
+            <a:r>
+              <a:rPr lang="ko-KR" altLang="en-US" sz="2500" dirty="0"/>
+              <a:t>를 출력해줌</a:t>
+            </a:r>
+            <a:r>
+              <a:rPr lang="en-US" altLang="ko-KR" sz="2500" dirty="0"/>
+              <a:t>.)</a:t>
+            </a:r>
+          </a:p>
+          <a:p>
+            <a:pPr marL="514350" indent="-514350">
+              <a:buAutoNum type="arabicPeriod"/>
+            </a:pPr>
+            <a:r>
+              <a:rPr lang="en-US" altLang="ko-KR" sz="2500" dirty="0"/>
+              <a:t>System(“/bin/</a:t>
+            </a:r>
+            <a:r>
+              <a:rPr lang="en-US" altLang="ko-KR" sz="2500" dirty="0" err="1"/>
+              <a:t>sh</a:t>
+            </a:r>
+            <a:r>
+              <a:rPr lang="en-US" altLang="ko-KR" sz="2500" dirty="0"/>
+              <a:t>”)</a:t>
+            </a:r>
+            <a:r>
+              <a:rPr lang="ko-KR" altLang="en-US" sz="2500" dirty="0"/>
+              <a:t>로 리턴</a:t>
+            </a:r>
+            <a:endParaRPr lang="en-US" altLang="ko-KR" sz="2500" dirty="0"/>
+          </a:p>
+          <a:p>
+            <a:pPr marL="514350" indent="-514350">
+              <a:buAutoNum type="arabicPeriod"/>
+            </a:pPr>
+            <a:endParaRPr lang="en-US" altLang="ko-KR" sz="2500" dirty="0"/>
+          </a:p>
+          <a:p>
+            <a:pPr marL="0" indent="0">
+              <a:buNone/>
+            </a:pPr>
+            <a:r>
+              <a:rPr lang="ko-KR" altLang="en-US" sz="2500" dirty="0"/>
+              <a:t>일단 가장 단순화하면 위와 같다</a:t>
+            </a:r>
+            <a:r>
+              <a:rPr lang="en-US" altLang="ko-KR" sz="2500" dirty="0"/>
+              <a:t>.</a:t>
+            </a:r>
+          </a:p>
+          <a:p>
+            <a:pPr marL="0" indent="0">
+              <a:buNone/>
+            </a:pPr>
+            <a:endParaRPr lang="en-US" altLang="ko-KR" sz="2500" dirty="0"/>
+          </a:p>
+          <a:p>
+            <a:pPr marL="0" indent="0">
+              <a:buNone/>
+            </a:pPr>
+            <a:r>
+              <a:rPr lang="ko-KR" altLang="en-US" sz="2500" dirty="0"/>
+              <a:t>근데 </a:t>
             </a:r>
             <a:r>
               <a:rPr lang="en-US" altLang="ko-KR" sz="2500" dirty="0"/>
@@ -8086,57 +8345,15 @@
             </a:r>
             <a:r>
               <a:rPr lang="ko-KR" altLang="en-US" sz="2500" dirty="0"/>
-              <a:t>과 </a:t>
+              <a:t>을 하려면 한번 출력이 </a:t>
+            </a:r>
+            <a:r>
+              <a:rPr lang="ko-KR" altLang="en-US" sz="2500" dirty="0" err="1"/>
+              <a:t>되어야할텐데</a:t>
             </a:r>
             <a:r>
               <a:rPr lang="en-US" altLang="ko-KR" sz="2500" dirty="0"/>
-              <a:t>system()</a:t>
-            </a:r>
-            <a:r>
-              <a:rPr lang="ko-KR" altLang="en-US" sz="2500" dirty="0"/>
-              <a:t>함수의 </a:t>
-            </a:r>
-            <a:r>
-              <a:rPr lang="en-US" altLang="ko-KR" sz="2500" dirty="0"/>
-              <a:t>call</a:t>
-            </a:r>
-            <a:r>
-              <a:rPr lang="ko-KR" altLang="en-US" sz="2500" dirty="0"/>
-              <a:t>이 </a:t>
-            </a:r>
-            <a:r>
-              <a:rPr lang="en-US" altLang="ko-KR" sz="2500" dirty="0"/>
-              <a:t>onetime</a:t>
-            </a:r>
-            <a:r>
-              <a:rPr lang="ko-KR" altLang="en-US" sz="2500" dirty="0"/>
-              <a:t>에 이루어지기는 힘듦</a:t>
-            </a:r>
-            <a:r>
-              <a:rPr lang="en-US" altLang="ko-KR" sz="2500" dirty="0"/>
-              <a:t>.</a:t>
-            </a:r>
-          </a:p>
-          <a:p>
-            <a:pPr marL="0" indent="0">
-              <a:buNone/>
-            </a:pPr>
-            <a:r>
-              <a:rPr lang="en-US" altLang="ko-KR" sz="2500" dirty="0"/>
-              <a:t>Why?</a:t>
-            </a:r>
-          </a:p>
-          <a:p>
-            <a:pPr marL="0" indent="0">
-              <a:buNone/>
-            </a:pPr>
-            <a:r>
-              <a:rPr lang="ko-KR" altLang="en-US" sz="2500" dirty="0"/>
-              <a:t>특정 함수의 주소를 출력해서 우리가 계산해주는 단계가 필요하기 때문</a:t>
-            </a:r>
-            <a:r>
-              <a:rPr lang="en-US" altLang="ko-KR" sz="2500" dirty="0"/>
-              <a:t>.</a:t>
+              <a:t>….?</a:t>
             </a:r>
           </a:p>
           <a:p>
@@ -8149,98 +8366,14 @@
             <a:pPr marL="0" indent="0">
               <a:buNone/>
             </a:pPr>
-            <a:r>
-              <a:rPr lang="ko-KR" altLang="en-US" sz="2500" dirty="0"/>
-              <a:t>그래서 우리는 두 단계로 나눠서 합니다</a:t>
-            </a:r>
-            <a:r>
-              <a:rPr lang="en-US" altLang="ko-KR" sz="2500" dirty="0"/>
-              <a:t>.</a:t>
-            </a:r>
-          </a:p>
-          <a:p>
-            <a:pPr marL="0" indent="0">
-              <a:buNone/>
-            </a:pPr>
-            <a:r>
-              <a:rPr lang="en-US" altLang="ko-KR" sz="2500" dirty="0"/>
-              <a:t>Stage 1 : </a:t>
-            </a:r>
-            <a:r>
-              <a:rPr lang="en-US" altLang="ko-KR" sz="2500" dirty="0" err="1"/>
-              <a:t>libc</a:t>
-            </a:r>
-            <a:r>
-              <a:rPr lang="ko-KR" altLang="en-US" sz="2500" dirty="0"/>
-              <a:t> </a:t>
-            </a:r>
-            <a:r>
-              <a:rPr lang="en-US" altLang="ko-KR" sz="2500" dirty="0"/>
-              <a:t>leak -&gt; main</a:t>
-            </a:r>
-            <a:r>
-              <a:rPr lang="ko-KR" altLang="en-US" sz="2500" dirty="0"/>
-              <a:t>으로 </a:t>
-            </a:r>
-            <a:r>
-              <a:rPr lang="en-US" altLang="ko-KR" sz="2500" dirty="0"/>
-              <a:t>return</a:t>
-            </a:r>
-          </a:p>
-          <a:p>
-            <a:pPr marL="0" indent="0">
-              <a:buNone/>
-            </a:pPr>
-            <a:r>
-              <a:rPr lang="en-US" altLang="ko-KR" sz="2500" dirty="0"/>
-              <a:t>Stage 2 : system(“/bin/</a:t>
-            </a:r>
-            <a:r>
-              <a:rPr lang="en-US" altLang="ko-KR" sz="2500" dirty="0" err="1"/>
-              <a:t>sh</a:t>
-            </a:r>
-            <a:r>
-              <a:rPr lang="en-US" altLang="ko-KR" sz="2500" dirty="0"/>
-              <a:t>”);</a:t>
-            </a:r>
-          </a:p>
-          <a:p>
-            <a:pPr marL="0" indent="0">
-              <a:buNone/>
-            </a:pPr>
             <a:endParaRPr lang="en-US" altLang="ko-KR" sz="2500" dirty="0"/>
-          </a:p>
-          <a:p>
-            <a:pPr marL="0" indent="0">
-              <a:buNone/>
-            </a:pPr>
-            <a:r>
-              <a:rPr lang="en-US" altLang="ko-KR" sz="2500" dirty="0"/>
-              <a:t>“/bin/</a:t>
-            </a:r>
-            <a:r>
-              <a:rPr lang="en-US" altLang="ko-KR" sz="2500" dirty="0" err="1"/>
-              <a:t>sh</a:t>
-            </a:r>
-            <a:r>
-              <a:rPr lang="en-US" altLang="ko-KR" sz="2500" dirty="0"/>
-              <a:t>” </a:t>
-            </a:r>
-            <a:r>
-              <a:rPr lang="ko-KR" altLang="en-US" sz="2500" dirty="0"/>
-              <a:t>문자열은 언제 넣어줘도 상관 없겠죠</a:t>
-            </a:r>
-            <a:r>
-              <a:rPr lang="en-US" altLang="ko-KR" sz="2500" dirty="0"/>
-              <a:t>?</a:t>
-            </a:r>
           </a:p>
         </p:txBody>
       </p:sp>
     </p:spTree>
     <p:extLst>
       <p:ext uri="{BB962C8B-B14F-4D97-AF65-F5344CB8AC3E}">
-        <p14:creationId xmlns:p14="http://schemas.microsoft.com/office/powerpoint/2010/main" val="4256706394"/>
+        <p14:creationId xmlns:p14="http://schemas.microsoft.com/office/powerpoint/2010/main" val="2475445101"/>
       </p:ext>
     </p:extLst>
   </p:cSld>
@@ -8272,7 +8405,7 @@
           <p:cNvPr id="2" name="제목 1">
             <a:extLst>
               <a:ext uri="{FF2B5EF4-FFF2-40B4-BE49-F238E27FC236}">
-                <a16:creationId xmlns:a16="http://schemas.microsoft.com/office/drawing/2014/main" id="{EA5118B0-6BDC-C5C0-2DF6-CAD0F5BC39BA}"/>
+                <a16:creationId xmlns:a16="http://schemas.microsoft.com/office/drawing/2014/main" id="{5757FD89-1D48-DD15-4078-9149A96C1843}"/>
               </a:ext>
             </a:extLst>
           </p:cNvPr>
@@ -8289,8 +8422,16 @@
           <a:lstStyle/>
           <a:p>
             <a:r>
+              <a:rPr lang="ko-KR" altLang="en-US" dirty="0" err="1"/>
+              <a:t>국룰</a:t>
+            </a:r>
+            <a:r>
+              <a:rPr lang="ko-KR" altLang="en-US" dirty="0"/>
+              <a:t> </a:t>
+            </a:r>
+            <a:r>
               <a:rPr lang="en-US" altLang="ko-KR" dirty="0"/>
-              <a:t>ROP….</a:t>
+              <a:t>ROP Scenario</a:t>
             </a:r>
             <a:endParaRPr lang="ko-KR" altLang="en-US" dirty="0"/>
           </a:p>
@@ -8301,7 +8442,7 @@
           <p:cNvPr id="3" name="내용 개체 틀 2">
             <a:extLst>
               <a:ext uri="{FF2B5EF4-FFF2-40B4-BE49-F238E27FC236}">
-                <a16:creationId xmlns:a16="http://schemas.microsoft.com/office/drawing/2014/main" id="{CC76998D-6ED8-CD7F-3173-D4F9E7EAA7B4}"/>
+                <a16:creationId xmlns:a16="http://schemas.microsoft.com/office/drawing/2014/main" id="{EFE90ACD-8353-D05C-5263-71EC71094045}"/>
               </a:ext>
             </a:extLst>
           </p:cNvPr>
@@ -8314,235 +8455,183 @@
         </p:nvSpPr>
         <p:spPr/>
         <p:txBody>
-          <a:bodyPr/>
+          <a:bodyPr>
+            <a:normAutofit/>
+          </a:bodyPr>
           <a:lstStyle/>
           <a:p>
             <a:pPr marL="0" indent="0">
               <a:buNone/>
             </a:pPr>
             <a:r>
-              <a:rPr lang="ko-KR" altLang="en-US" sz="2300" dirty="0"/>
-              <a:t>결국 이름처럼 </a:t>
-            </a:r>
-            <a:r>
-              <a:rPr lang="en-US" altLang="ko-KR" sz="2300" dirty="0"/>
+              <a:rPr lang="en-US" altLang="ko-KR" sz="2500" dirty="0" err="1"/>
+              <a:t>Libc</a:t>
+            </a:r>
+            <a:r>
+              <a:rPr lang="ko-KR" altLang="en-US" sz="2500" dirty="0"/>
+              <a:t> </a:t>
+            </a:r>
+            <a:r>
+              <a:rPr lang="en-US" altLang="ko-KR" sz="2500" dirty="0"/>
+              <a:t>leak</a:t>
+            </a:r>
+            <a:r>
+              <a:rPr lang="ko-KR" altLang="en-US" sz="2500" dirty="0"/>
+              <a:t>과 </a:t>
+            </a:r>
+            <a:r>
+              <a:rPr lang="en-US" altLang="ko-KR" sz="2500" dirty="0"/>
+              <a:t>system()</a:t>
+            </a:r>
+            <a:r>
+              <a:rPr lang="ko-KR" altLang="en-US" sz="2500" dirty="0"/>
+              <a:t>함수의 </a:t>
+            </a:r>
+            <a:r>
+              <a:rPr lang="en-US" altLang="ko-KR" sz="2500" dirty="0"/>
+              <a:t>call</a:t>
+            </a:r>
+            <a:r>
+              <a:rPr lang="ko-KR" altLang="en-US" sz="2500" dirty="0"/>
+              <a:t>이 </a:t>
+            </a:r>
+            <a:r>
+              <a:rPr lang="en-US" altLang="ko-KR" sz="2500" dirty="0"/>
+              <a:t>onetime</a:t>
+            </a:r>
+            <a:r>
+              <a:rPr lang="ko-KR" altLang="en-US" sz="2500" dirty="0"/>
+              <a:t>에 이루어지기는 힘듦</a:t>
+            </a:r>
+            <a:r>
+              <a:rPr lang="en-US" altLang="ko-KR" sz="2500" dirty="0"/>
+              <a:t>.</a:t>
+            </a:r>
+          </a:p>
+          <a:p>
+            <a:pPr marL="0" indent="0">
+              <a:buNone/>
+            </a:pPr>
+            <a:r>
+              <a:rPr lang="en-US" altLang="ko-KR" sz="2500" dirty="0"/>
+              <a:t>Why?</a:t>
+            </a:r>
+          </a:p>
+          <a:p>
+            <a:pPr marL="0" indent="0">
+              <a:buNone/>
+            </a:pPr>
+            <a:r>
+              <a:rPr lang="ko-KR" altLang="en-US" sz="2500" dirty="0"/>
+              <a:t>특정 함수의 주소를 출력해서 우리가 계산해주는 단계가 필요하기 때문</a:t>
+            </a:r>
+            <a:r>
+              <a:rPr lang="en-US" altLang="ko-KR" sz="2500" dirty="0"/>
+              <a:t>.</a:t>
+            </a:r>
+          </a:p>
+          <a:p>
+            <a:pPr marL="0" indent="0">
+              <a:buNone/>
+            </a:pPr>
+            <a:endParaRPr lang="en-US" altLang="ko-KR" sz="2500" dirty="0"/>
+          </a:p>
+          <a:p>
+            <a:pPr marL="0" indent="0">
+              <a:buNone/>
+            </a:pPr>
+            <a:r>
+              <a:rPr lang="ko-KR" altLang="en-US" sz="2500" dirty="0"/>
+              <a:t>그래서 우리는 두 단계로 나눠서 합니다</a:t>
+            </a:r>
+            <a:r>
+              <a:rPr lang="en-US" altLang="ko-KR" sz="2500" dirty="0"/>
+              <a:t>.</a:t>
+            </a:r>
+          </a:p>
+          <a:p>
+            <a:pPr marL="0" indent="0">
+              <a:buNone/>
+            </a:pPr>
+            <a:r>
+              <a:rPr lang="en-US" altLang="ko-KR" sz="2500" dirty="0"/>
+              <a:t>Stage 1 : </a:t>
+            </a:r>
+            <a:r>
+              <a:rPr lang="en-US" altLang="ko-KR" sz="2500" dirty="0" err="1"/>
+              <a:t>libc</a:t>
+            </a:r>
+            <a:r>
+              <a:rPr lang="ko-KR" altLang="en-US" sz="2500" dirty="0"/>
+              <a:t> </a:t>
+            </a:r>
+            <a:r>
+              <a:rPr lang="en-US" altLang="ko-KR" sz="2500" dirty="0"/>
+              <a:t>leak -&gt; main</a:t>
+            </a:r>
+            <a:r>
+              <a:rPr lang="ko-KR" altLang="en-US" sz="2500" dirty="0"/>
+              <a:t>으로 </a:t>
+            </a:r>
+            <a:r>
+              <a:rPr lang="en-US" altLang="ko-KR" sz="2500" dirty="0"/>
               <a:t>return</a:t>
             </a:r>
-            <a:r>
-              <a:rPr lang="ko-KR" altLang="en-US" sz="2300" dirty="0"/>
-              <a:t>을 기반으로 함수 흐름을 </a:t>
-            </a:r>
-            <a:r>
-              <a:rPr lang="ko-KR" altLang="en-US" sz="2300" dirty="0" err="1"/>
-              <a:t>주루룩</a:t>
-            </a:r>
-            <a:r>
-              <a:rPr lang="ko-KR" altLang="en-US" sz="2300" dirty="0"/>
-              <a:t> 만들어야 함</a:t>
-            </a:r>
-            <a:r>
-              <a:rPr lang="en-US" altLang="ko-KR" sz="2300" dirty="0"/>
-              <a:t>.</a:t>
-            </a:r>
-          </a:p>
-          <a:p>
-            <a:pPr marL="0" indent="0">
-              <a:buNone/>
-            </a:pPr>
-            <a:endParaRPr lang="en-US" altLang="ko-KR" sz="2300" dirty="0"/>
-          </a:p>
-          <a:p>
-            <a:pPr marL="0" indent="0">
-              <a:buNone/>
-            </a:pPr>
-            <a:r>
-              <a:rPr lang="ko-KR" altLang="en-US" sz="2300" dirty="0"/>
-              <a:t>그 말은 사고의 틀을 좀 </a:t>
-            </a:r>
-            <a:r>
-              <a:rPr lang="ko-KR" altLang="en-US" sz="2300" dirty="0" err="1"/>
-              <a:t>넓히는게</a:t>
-            </a:r>
-            <a:r>
-              <a:rPr lang="ko-KR" altLang="en-US" sz="2300" dirty="0"/>
-              <a:t> 좋다</a:t>
-            </a:r>
-            <a:r>
-              <a:rPr lang="en-US" altLang="ko-KR" sz="2300" dirty="0"/>
-              <a:t>~</a:t>
-            </a:r>
-          </a:p>
-          <a:p>
-            <a:pPr marL="0" indent="0">
-              <a:buNone/>
-            </a:pPr>
-            <a:endParaRPr lang="en-US" altLang="ko-KR" sz="2300" dirty="0"/>
-          </a:p>
-          <a:p>
-            <a:pPr marL="0" indent="0">
-              <a:buNone/>
-            </a:pPr>
-            <a:r>
-              <a:rPr lang="ko-KR" altLang="en-US" sz="2300" dirty="0"/>
-              <a:t>또</a:t>
-            </a:r>
-            <a:r>
-              <a:rPr lang="en-US" altLang="ko-KR" sz="2300" dirty="0"/>
-              <a:t>, </a:t>
-            </a:r>
-            <a:r>
-              <a:rPr lang="en-US" altLang="ko-KR" sz="2300" dirty="0" err="1"/>
-              <a:t>rop</a:t>
-            </a:r>
-            <a:r>
-              <a:rPr lang="ko-KR" altLang="en-US" sz="2300" dirty="0"/>
-              <a:t>를 이용할 때 뒤에 할 </a:t>
-            </a:r>
-            <a:r>
-              <a:rPr lang="en-US" altLang="ko-KR" sz="2300" dirty="0"/>
-              <a:t>example</a:t>
-            </a:r>
-            <a:r>
-              <a:rPr lang="ko-KR" altLang="en-US" sz="2300" dirty="0"/>
-              <a:t>같은 경우 그냥 </a:t>
-            </a:r>
-            <a:r>
-              <a:rPr lang="en-US" altLang="ko-KR" sz="2300" dirty="0" err="1"/>
-              <a:t>bof</a:t>
-            </a:r>
-            <a:r>
-              <a:rPr lang="ko-KR" altLang="en-US" sz="2300" dirty="0"/>
-              <a:t>가 있어서 바로 </a:t>
-            </a:r>
-            <a:r>
-              <a:rPr lang="en-US" altLang="ko-KR" sz="2300" dirty="0" err="1"/>
-              <a:t>rop</a:t>
-            </a:r>
-            <a:r>
-              <a:rPr lang="ko-KR" altLang="en-US" sz="2300" dirty="0"/>
-              <a:t>를 해줄 수 있지만</a:t>
-            </a:r>
-            <a:r>
-              <a:rPr lang="en-US" altLang="ko-KR" sz="2300" dirty="0"/>
-              <a:t>, </a:t>
-            </a:r>
-            <a:r>
-              <a:rPr lang="ko-KR" altLang="en-US" sz="2300" dirty="0"/>
-              <a:t>꼭 </a:t>
-            </a:r>
-            <a:r>
-              <a:rPr lang="en-US" altLang="ko-KR" sz="2300" dirty="0" err="1"/>
-              <a:t>bof</a:t>
-            </a:r>
-            <a:r>
-              <a:rPr lang="ko-KR" altLang="en-US" sz="2300" dirty="0"/>
-              <a:t>만을 이용할 필요는 없음</a:t>
-            </a:r>
-            <a:r>
-              <a:rPr lang="en-US" altLang="ko-KR" sz="2300" dirty="0"/>
-              <a:t>.</a:t>
-            </a:r>
-          </a:p>
-          <a:p>
-            <a:pPr marL="0" indent="0">
-              <a:buNone/>
-            </a:pPr>
-            <a:endParaRPr lang="en-US" altLang="ko-KR" sz="2300" dirty="0"/>
-          </a:p>
-          <a:p>
-            <a:pPr marL="0" indent="0">
-              <a:buNone/>
-            </a:pPr>
-            <a:r>
-              <a:rPr lang="en-US" altLang="ko-KR" sz="2300" dirty="0"/>
-              <a:t>Ex) </a:t>
-            </a:r>
-            <a:r>
-              <a:rPr lang="en-US" altLang="ko-KR" sz="2300" dirty="0" err="1"/>
-              <a:t>oob</a:t>
-            </a:r>
-            <a:r>
-              <a:rPr lang="ko-KR" altLang="en-US" sz="2300" dirty="0"/>
-              <a:t>로 임의 주소 </a:t>
-            </a:r>
-            <a:r>
-              <a:rPr lang="en-US" altLang="ko-KR" sz="2300" dirty="0"/>
-              <a:t>read/write</a:t>
-            </a:r>
-            <a:r>
-              <a:rPr lang="ko-KR" altLang="en-US" sz="2300" dirty="0"/>
-              <a:t>될 때</a:t>
-            </a:r>
-            <a:r>
-              <a:rPr lang="en-US" altLang="ko-KR" sz="2300" dirty="0"/>
-              <a:t>, </a:t>
-            </a:r>
-            <a:r>
-              <a:rPr lang="ko-KR" altLang="en-US" sz="2300" dirty="0"/>
-              <a:t>그냥 코드 로직상 임의 주소 </a:t>
-            </a:r>
-            <a:r>
-              <a:rPr lang="en-US" altLang="ko-KR" sz="2300" dirty="0"/>
-              <a:t>read/write</a:t>
-            </a:r>
-            <a:r>
-              <a:rPr lang="ko-KR" altLang="en-US" sz="2300" dirty="0"/>
-              <a:t>될 때</a:t>
-            </a:r>
-            <a:r>
-              <a:rPr lang="en-US" altLang="ko-KR" sz="2300" dirty="0"/>
-              <a:t> </a:t>
-            </a:r>
-            <a:r>
-              <a:rPr lang="ko-KR" altLang="en-US" sz="2300" dirty="0" err="1"/>
-              <a:t>가능할때</a:t>
-            </a:r>
-            <a:r>
-              <a:rPr lang="ko-KR" altLang="en-US" sz="2300" dirty="0"/>
-              <a:t> 등등</a:t>
-            </a:r>
-            <a:r>
-              <a:rPr lang="en-US" altLang="ko-KR" sz="2300" dirty="0"/>
-              <a:t>…</a:t>
-            </a:r>
-          </a:p>
-          <a:p>
-            <a:pPr marL="0" indent="0">
-              <a:buNone/>
-            </a:pPr>
-            <a:r>
-              <a:rPr lang="ko-KR" altLang="en-US" sz="2300" b="1" dirty="0"/>
-              <a:t>다양한 사고가 필요하다</a:t>
-            </a:r>
-            <a:r>
-              <a:rPr lang="en-US" altLang="ko-KR" sz="2300" b="1" dirty="0"/>
-              <a:t>! -&gt; </a:t>
-            </a:r>
-            <a:r>
-              <a:rPr lang="ko-KR" altLang="en-US" sz="2300" b="1" dirty="0"/>
-              <a:t>과제 풀면서 </a:t>
-            </a:r>
-            <a:r>
-              <a:rPr lang="ko-KR" altLang="en-US" sz="2300" b="1" dirty="0" err="1"/>
-              <a:t>늘려보자구요</a:t>
-            </a:r>
-            <a:r>
-              <a:rPr lang="en-US" altLang="ko-KR" sz="2300" b="1" dirty="0"/>
-              <a:t>~</a:t>
-            </a:r>
-          </a:p>
-          <a:p>
-            <a:pPr marL="0" indent="0">
-              <a:buNone/>
-            </a:pPr>
-            <a:endParaRPr lang="en-US" altLang="ko-KR" dirty="0"/>
+          </a:p>
+          <a:p>
+            <a:pPr marL="0" indent="0">
+              <a:buNone/>
+            </a:pPr>
+            <a:r>
+              <a:rPr lang="en-US" altLang="ko-KR" sz="2500" dirty="0"/>
+              <a:t>Stage 2 : system(“/bin/</a:t>
+            </a:r>
+            <a:r>
+              <a:rPr lang="en-US" altLang="ko-KR" sz="2500" dirty="0" err="1"/>
+              <a:t>sh</a:t>
+            </a:r>
+            <a:r>
+              <a:rPr lang="en-US" altLang="ko-KR" sz="2500" dirty="0"/>
+              <a:t>”);</a:t>
+            </a:r>
+          </a:p>
+          <a:p>
+            <a:pPr marL="0" indent="0">
+              <a:buNone/>
+            </a:pPr>
+            <a:endParaRPr lang="en-US" altLang="ko-KR" sz="2500" dirty="0"/>
+          </a:p>
+          <a:p>
+            <a:pPr marL="0" indent="0">
+              <a:buNone/>
+            </a:pPr>
+            <a:r>
+              <a:rPr lang="en-US" altLang="ko-KR" sz="2500" dirty="0"/>
+              <a:t>“/bin/</a:t>
+            </a:r>
+            <a:r>
+              <a:rPr lang="en-US" altLang="ko-KR" sz="2500" dirty="0" err="1"/>
+              <a:t>sh</a:t>
+            </a:r>
+            <a:r>
+              <a:rPr lang="en-US" altLang="ko-KR" sz="2500" dirty="0"/>
+              <a:t>” </a:t>
+            </a:r>
+            <a:r>
+              <a:rPr lang="ko-KR" altLang="en-US" sz="2500" dirty="0"/>
+              <a:t>문자열은 언제 넣어줘도 상관 없겠죠</a:t>
+            </a:r>
+            <a:r>
+              <a:rPr lang="en-US" altLang="ko-KR" sz="2500" dirty="0"/>
+              <a:t>?</a:t>
+            </a:r>
           </a:p>
         </p:txBody>
       </p:sp>
     </p:spTree>
     <p:extLst>
       <p:ext uri="{BB962C8B-B14F-4D97-AF65-F5344CB8AC3E}">
-        <p14:creationId xmlns:p14="http://schemas.microsoft.com/office/powerpoint/2010/main" val="3910344136"/>
+        <p14:creationId xmlns:p14="http://schemas.microsoft.com/office/powerpoint/2010/main" val="4256706394"/>
       </p:ext>
     </p:extLst>
   </p:cSld>

--- a/ROP_FSB.pptx
+++ b/ROP_FSB.pptx
@@ -5197,7 +5197,15 @@
             </a:pPr>
             <a:r>
               <a:rPr lang="ko-KR" altLang="en-US" dirty="0"/>
-              <a:t>아래와 같이 다양한 지정 서식자가 존재함</a:t>
+              <a:t>아래와 같이 </a:t>
+            </a:r>
+            <a:r>
+              <a:rPr lang="ko-KR" altLang="en-US"/>
+              <a:t>다양한 서식 지정자가 </a:t>
+            </a:r>
+            <a:r>
+              <a:rPr lang="ko-KR" altLang="en-US" dirty="0"/>
+              <a:t>존재함</a:t>
             </a:r>
             <a:r>
               <a:rPr lang="en-US" altLang="ko-KR" dirty="0"/>

--- a/ROP_FSB.pptx
+++ b/ROP_FSB.pptx
@@ -5,7 +5,7 @@
     <p:sldMasterId id="2147483648" r:id="rId1"/>
   </p:sldMasterIdLst>
   <p:notesMasterIdLst>
-    <p:notesMasterId r:id="rId26"/>
+    <p:notesMasterId r:id="rId27"/>
   </p:notesMasterIdLst>
   <p:sldIdLst>
     <p:sldId id="256" r:id="rId2"/>
@@ -26,12 +26,13 @@
     <p:sldId id="280" r:id="rId17"/>
     <p:sldId id="271" r:id="rId18"/>
     <p:sldId id="281" r:id="rId19"/>
-    <p:sldId id="277" r:id="rId20"/>
-    <p:sldId id="278" r:id="rId21"/>
-    <p:sldId id="279" r:id="rId22"/>
-    <p:sldId id="272" r:id="rId23"/>
-    <p:sldId id="273" r:id="rId24"/>
-    <p:sldId id="276" r:id="rId25"/>
+    <p:sldId id="284" r:id="rId20"/>
+    <p:sldId id="277" r:id="rId21"/>
+    <p:sldId id="278" r:id="rId22"/>
+    <p:sldId id="279" r:id="rId23"/>
+    <p:sldId id="272" r:id="rId24"/>
+    <p:sldId id="273" r:id="rId25"/>
+    <p:sldId id="276" r:id="rId26"/>
   </p:sldIdLst>
   <p:sldSz cx="12192000" cy="6858000"/>
   <p:notesSz cx="6858000" cy="9144000"/>
@@ -5197,15 +5198,7 @@
             </a:pPr>
             <a:r>
               <a:rPr lang="ko-KR" altLang="en-US" dirty="0"/>
-              <a:t>아래와 같이 </a:t>
-            </a:r>
-            <a:r>
-              <a:rPr lang="ko-KR" altLang="en-US"/>
-              <a:t>다양한 서식 지정자가 </a:t>
-            </a:r>
-            <a:r>
-              <a:rPr lang="ko-KR" altLang="en-US" dirty="0"/>
-              <a:t>존재함</a:t>
+              <a:t>아래와 같이 다양한 서식 지정자가 존재함</a:t>
             </a:r>
             <a:r>
               <a:rPr lang="en-US" altLang="ko-KR" dirty="0"/>
@@ -5703,6 +5696,36 @@
           </a:p>
         </p:txBody>
       </p:sp>
+      <p:pic>
+        <p:nvPicPr>
+          <p:cNvPr id="5" name="그림 4">
+            <a:extLst>
+              <a:ext uri="{FF2B5EF4-FFF2-40B4-BE49-F238E27FC236}">
+                <a16:creationId xmlns:a16="http://schemas.microsoft.com/office/drawing/2014/main" id="{F368ADCD-F1FD-B53C-3F4B-904C1EAA106E}"/>
+              </a:ext>
+            </a:extLst>
+          </p:cNvPr>
+          <p:cNvPicPr>
+            <a:picLocks noChangeAspect="1"/>
+          </p:cNvPicPr>
+          <p:nvPr/>
+        </p:nvPicPr>
+        <p:blipFill>
+          <a:blip r:embed="rId2"/>
+          <a:stretch>
+            <a:fillRect/>
+          </a:stretch>
+        </p:blipFill>
+        <p:spPr>
+          <a:xfrm>
+            <a:off x="5786104" y="2506662"/>
+            <a:ext cx="5777586" cy="3737872"/>
+          </a:xfrm>
+          <a:prstGeom prst="rect">
+            <a:avLst/>
+          </a:prstGeom>
+        </p:spPr>
+      </p:pic>
     </p:spTree>
     <p:extLst>
       <p:ext uri="{BB962C8B-B14F-4D97-AF65-F5344CB8AC3E}">
@@ -5717,6 +5740,282 @@
 </file>
 
 <file path=ppt/slides/slide19.xml><?xml version="1.0" encoding="utf-8"?>
+<p:sld xmlns:a="http://schemas.openxmlformats.org/drawingml/2006/main" xmlns:r="http://schemas.openxmlformats.org/officeDocument/2006/relationships" xmlns:p="http://schemas.openxmlformats.org/presentationml/2006/main">
+  <p:cSld>
+    <p:spTree>
+      <p:nvGrpSpPr>
+        <p:cNvPr id="1" name=""/>
+        <p:cNvGrpSpPr/>
+        <p:nvPr/>
+      </p:nvGrpSpPr>
+      <p:grpSpPr>
+        <a:xfrm>
+          <a:off x="0" y="0"/>
+          <a:ext cx="0" cy="0"/>
+          <a:chOff x="0" y="0"/>
+          <a:chExt cx="0" cy="0"/>
+        </a:xfrm>
+      </p:grpSpPr>
+      <p:sp>
+        <p:nvSpPr>
+          <p:cNvPr id="2" name="제목 1">
+            <a:extLst>
+              <a:ext uri="{FF2B5EF4-FFF2-40B4-BE49-F238E27FC236}">
+                <a16:creationId xmlns:a16="http://schemas.microsoft.com/office/drawing/2014/main" id="{F8526EBE-34C9-76AF-2864-8C320233CE1A}"/>
+              </a:ext>
+            </a:extLst>
+          </p:cNvPr>
+          <p:cNvSpPr>
+            <a:spLocks noGrp="1"/>
+          </p:cNvSpPr>
+          <p:nvPr>
+            <p:ph type="title"/>
+          </p:nvPr>
+        </p:nvSpPr>
+        <p:spPr/>
+        <p:txBody>
+          <a:bodyPr/>
+          <a:lstStyle/>
+          <a:p>
+            <a:r>
+              <a:rPr lang="en-US" altLang="ko-KR" dirty="0"/>
+              <a:t>Example 0</a:t>
+            </a:r>
+            <a:endParaRPr lang="ko-KR" altLang="en-US" dirty="0"/>
+          </a:p>
+        </p:txBody>
+      </p:sp>
+      <p:sp>
+        <p:nvSpPr>
+          <p:cNvPr id="3" name="내용 개체 틀 2">
+            <a:extLst>
+              <a:ext uri="{FF2B5EF4-FFF2-40B4-BE49-F238E27FC236}">
+                <a16:creationId xmlns:a16="http://schemas.microsoft.com/office/drawing/2014/main" id="{7A898C0D-A876-9035-0B44-66E908E9D29E}"/>
+              </a:ext>
+            </a:extLst>
+          </p:cNvPr>
+          <p:cNvSpPr>
+            <a:spLocks noGrp="1"/>
+          </p:cNvSpPr>
+          <p:nvPr>
+            <p:ph idx="1"/>
+          </p:nvPr>
+        </p:nvSpPr>
+        <p:spPr/>
+        <p:txBody>
+          <a:bodyPr/>
+          <a:lstStyle/>
+          <a:p>
+            <a:pPr marL="0" indent="0">
+              <a:buNone/>
+            </a:pPr>
+            <a:r>
+              <a:rPr lang="ko-KR" altLang="en-US" dirty="0"/>
+              <a:t>여러가지 </a:t>
+            </a:r>
+            <a:r>
+              <a:rPr lang="en-US" altLang="ko-KR" dirty="0"/>
+              <a:t>format string </a:t>
+            </a:r>
+            <a:r>
+              <a:rPr lang="ko-KR" altLang="en-US" dirty="0"/>
+              <a:t>트릭을 직접 해보자</a:t>
+            </a:r>
+            <a:r>
+              <a:rPr lang="en-US" altLang="ko-KR" dirty="0"/>
+              <a:t>!</a:t>
+            </a:r>
+          </a:p>
+          <a:p>
+            <a:pPr marL="0" indent="0">
+              <a:buNone/>
+            </a:pPr>
+            <a:endParaRPr lang="en-US" altLang="ko-KR" dirty="0"/>
+          </a:p>
+          <a:p>
+            <a:pPr marL="0" indent="0">
+              <a:buNone/>
+            </a:pPr>
+            <a:endParaRPr lang="en-US" altLang="ko-KR" dirty="0"/>
+          </a:p>
+          <a:p>
+            <a:pPr marL="0" indent="0">
+              <a:buNone/>
+            </a:pPr>
+            <a:r>
+              <a:rPr lang="en-US" altLang="ko-KR" dirty="0"/>
+              <a:t>+ </a:t>
+            </a:r>
+            <a:r>
+              <a:rPr lang="ko-KR" altLang="en-US" dirty="0"/>
+              <a:t>어떤 코드가 </a:t>
+            </a:r>
+            <a:r>
+              <a:rPr lang="en-US" altLang="ko-KR" dirty="0" err="1"/>
+              <a:t>fsb</a:t>
+            </a:r>
+            <a:r>
+              <a:rPr lang="ko-KR" altLang="en-US" dirty="0"/>
+              <a:t>에 취약한데</a:t>
+            </a:r>
+            <a:r>
+              <a:rPr lang="en-US" altLang="ko-KR"/>
+              <a:t>?</a:t>
+            </a:r>
+            <a:endParaRPr lang="en-US" altLang="ko-KR" dirty="0"/>
+          </a:p>
+          <a:p>
+            <a:pPr marL="0" indent="0">
+              <a:buNone/>
+            </a:pPr>
+            <a:endParaRPr lang="en-US" altLang="ko-KR" dirty="0"/>
+          </a:p>
+          <a:p>
+            <a:pPr marL="0" indent="0">
+              <a:buNone/>
+            </a:pPr>
+            <a:endParaRPr lang="en-US" altLang="ko-KR" dirty="0"/>
+          </a:p>
+        </p:txBody>
+      </p:sp>
+    </p:spTree>
+    <p:extLst>
+      <p:ext uri="{BB962C8B-B14F-4D97-AF65-F5344CB8AC3E}">
+        <p14:creationId xmlns:p14="http://schemas.microsoft.com/office/powerpoint/2010/main" val="284653916"/>
+      </p:ext>
+    </p:extLst>
+  </p:cSld>
+  <p:clrMapOvr>
+    <a:masterClrMapping/>
+  </p:clrMapOvr>
+</p:sld>
+</file>
+
+<file path=ppt/slides/slide2.xml><?xml version="1.0" encoding="utf-8"?>
+<p:sld xmlns:a="http://schemas.openxmlformats.org/drawingml/2006/main" xmlns:r="http://schemas.openxmlformats.org/officeDocument/2006/relationships" xmlns:p="http://schemas.openxmlformats.org/presentationml/2006/main">
+  <p:cSld>
+    <p:spTree>
+      <p:nvGrpSpPr>
+        <p:cNvPr id="1" name=""/>
+        <p:cNvGrpSpPr/>
+        <p:nvPr/>
+      </p:nvGrpSpPr>
+      <p:grpSpPr>
+        <a:xfrm>
+          <a:off x="0" y="0"/>
+          <a:ext cx="0" cy="0"/>
+          <a:chOff x="0" y="0"/>
+          <a:chExt cx="0" cy="0"/>
+        </a:xfrm>
+      </p:grpSpPr>
+      <p:sp>
+        <p:nvSpPr>
+          <p:cNvPr id="2" name="제목 1">
+            <a:extLst>
+              <a:ext uri="{FF2B5EF4-FFF2-40B4-BE49-F238E27FC236}">
+                <a16:creationId xmlns:a16="http://schemas.microsoft.com/office/drawing/2014/main" id="{307C4873-D646-0334-5881-ADE66AE5E5CE}"/>
+              </a:ext>
+            </a:extLst>
+          </p:cNvPr>
+          <p:cNvSpPr>
+            <a:spLocks noGrp="1"/>
+          </p:cNvSpPr>
+          <p:nvPr>
+            <p:ph type="title"/>
+          </p:nvPr>
+        </p:nvSpPr>
+        <p:spPr/>
+        <p:txBody>
+          <a:bodyPr/>
+          <a:lstStyle/>
+          <a:p>
+            <a:r>
+              <a:rPr lang="ko-KR" altLang="en-US" dirty="0"/>
+              <a:t>목차</a:t>
+            </a:r>
+          </a:p>
+        </p:txBody>
+      </p:sp>
+      <p:sp>
+        <p:nvSpPr>
+          <p:cNvPr id="3" name="내용 개체 틀 2">
+            <a:extLst>
+              <a:ext uri="{FF2B5EF4-FFF2-40B4-BE49-F238E27FC236}">
+                <a16:creationId xmlns:a16="http://schemas.microsoft.com/office/drawing/2014/main" id="{42F5FDB6-20BE-9731-8B70-9D4EAB85B97C}"/>
+              </a:ext>
+            </a:extLst>
+          </p:cNvPr>
+          <p:cNvSpPr>
+            <a:spLocks noGrp="1"/>
+          </p:cNvSpPr>
+          <p:nvPr>
+            <p:ph idx="1"/>
+          </p:nvPr>
+        </p:nvSpPr>
+        <p:spPr/>
+        <p:txBody>
+          <a:bodyPr/>
+          <a:lstStyle/>
+          <a:p>
+            <a:pPr marL="514350" indent="-514350">
+              <a:buAutoNum type="arabicPeriod"/>
+            </a:pPr>
+            <a:r>
+              <a:rPr lang="en-US" altLang="ko-KR" dirty="0"/>
+              <a:t>ROP </a:t>
+            </a:r>
+            <a:r>
+              <a:rPr lang="ko-KR" altLang="en-US" dirty="0"/>
+              <a:t>그게 </a:t>
+            </a:r>
+            <a:r>
+              <a:rPr lang="ko-KR" altLang="en-US" dirty="0" err="1"/>
+              <a:t>뭔데</a:t>
+            </a:r>
+            <a:r>
+              <a:rPr lang="ko-KR" altLang="en-US" dirty="0"/>
+              <a:t> </a:t>
+            </a:r>
+            <a:r>
+              <a:rPr lang="ko-KR" altLang="en-US" dirty="0" err="1"/>
+              <a:t>뭐하는건데</a:t>
+            </a:r>
+            <a:endParaRPr lang="en-US" altLang="ko-KR" dirty="0"/>
+          </a:p>
+          <a:p>
+            <a:pPr marL="514350" indent="-514350">
+              <a:buAutoNum type="arabicPeriod"/>
+            </a:pPr>
+            <a:r>
+              <a:rPr lang="en-US" altLang="ko-KR" dirty="0"/>
+              <a:t>FSB</a:t>
+            </a:r>
+            <a:r>
+              <a:rPr lang="ko-KR" altLang="en-US" dirty="0"/>
+              <a:t> 넌 또 </a:t>
+            </a:r>
+            <a:r>
+              <a:rPr lang="ko-KR" altLang="en-US" dirty="0" err="1"/>
+              <a:t>뭔데</a:t>
+            </a:r>
+            <a:endParaRPr lang="en-US" altLang="ko-KR" dirty="0"/>
+          </a:p>
+        </p:txBody>
+      </p:sp>
+    </p:spTree>
+    <p:extLst>
+      <p:ext uri="{BB962C8B-B14F-4D97-AF65-F5344CB8AC3E}">
+        <p14:creationId xmlns:p14="http://schemas.microsoft.com/office/powerpoint/2010/main" val="2086213918"/>
+      </p:ext>
+    </p:extLst>
+  </p:cSld>
+  <p:clrMapOvr>
+    <a:masterClrMapping/>
+  </p:clrMapOvr>
+</p:sld>
+</file>
+
+<file path=ppt/slides/slide20.xml><?xml version="1.0" encoding="utf-8"?>
 <p:sld xmlns:a="http://schemas.openxmlformats.org/drawingml/2006/main" xmlns:r="http://schemas.openxmlformats.org/officeDocument/2006/relationships" xmlns:p="http://schemas.openxmlformats.org/presentationml/2006/main">
   <p:cSld>
     <p:spTree>
@@ -5948,131 +6247,7 @@
 </p:sld>
 </file>
 
-<file path=ppt/slides/slide2.xml><?xml version="1.0" encoding="utf-8"?>
-<p:sld xmlns:a="http://schemas.openxmlformats.org/drawingml/2006/main" xmlns:r="http://schemas.openxmlformats.org/officeDocument/2006/relationships" xmlns:p="http://schemas.openxmlformats.org/presentationml/2006/main">
-  <p:cSld>
-    <p:spTree>
-      <p:nvGrpSpPr>
-        <p:cNvPr id="1" name=""/>
-        <p:cNvGrpSpPr/>
-        <p:nvPr/>
-      </p:nvGrpSpPr>
-      <p:grpSpPr>
-        <a:xfrm>
-          <a:off x="0" y="0"/>
-          <a:ext cx="0" cy="0"/>
-          <a:chOff x="0" y="0"/>
-          <a:chExt cx="0" cy="0"/>
-        </a:xfrm>
-      </p:grpSpPr>
-      <p:sp>
-        <p:nvSpPr>
-          <p:cNvPr id="2" name="제목 1">
-            <a:extLst>
-              <a:ext uri="{FF2B5EF4-FFF2-40B4-BE49-F238E27FC236}">
-                <a16:creationId xmlns:a16="http://schemas.microsoft.com/office/drawing/2014/main" id="{307C4873-D646-0334-5881-ADE66AE5E5CE}"/>
-              </a:ext>
-            </a:extLst>
-          </p:cNvPr>
-          <p:cNvSpPr>
-            <a:spLocks noGrp="1"/>
-          </p:cNvSpPr>
-          <p:nvPr>
-            <p:ph type="title"/>
-          </p:nvPr>
-        </p:nvSpPr>
-        <p:spPr/>
-        <p:txBody>
-          <a:bodyPr/>
-          <a:lstStyle/>
-          <a:p>
-            <a:r>
-              <a:rPr lang="ko-KR" altLang="en-US" dirty="0"/>
-              <a:t>목차</a:t>
-            </a:r>
-          </a:p>
-        </p:txBody>
-      </p:sp>
-      <p:sp>
-        <p:nvSpPr>
-          <p:cNvPr id="3" name="내용 개체 틀 2">
-            <a:extLst>
-              <a:ext uri="{FF2B5EF4-FFF2-40B4-BE49-F238E27FC236}">
-                <a16:creationId xmlns:a16="http://schemas.microsoft.com/office/drawing/2014/main" id="{42F5FDB6-20BE-9731-8B70-9D4EAB85B97C}"/>
-              </a:ext>
-            </a:extLst>
-          </p:cNvPr>
-          <p:cNvSpPr>
-            <a:spLocks noGrp="1"/>
-          </p:cNvSpPr>
-          <p:nvPr>
-            <p:ph idx="1"/>
-          </p:nvPr>
-        </p:nvSpPr>
-        <p:spPr/>
-        <p:txBody>
-          <a:bodyPr/>
-          <a:lstStyle/>
-          <a:p>
-            <a:pPr marL="514350" indent="-514350">
-              <a:buAutoNum type="arabicPeriod"/>
-            </a:pPr>
-            <a:r>
-              <a:rPr lang="en-US" altLang="ko-KR" dirty="0"/>
-              <a:t>ROP </a:t>
-            </a:r>
-            <a:r>
-              <a:rPr lang="ko-KR" altLang="en-US" dirty="0"/>
-              <a:t>그게 </a:t>
-            </a:r>
-            <a:r>
-              <a:rPr lang="ko-KR" altLang="en-US" dirty="0" err="1"/>
-              <a:t>뭔데</a:t>
-            </a:r>
-            <a:r>
-              <a:rPr lang="ko-KR" altLang="en-US" dirty="0"/>
-              <a:t> </a:t>
-            </a:r>
-            <a:r>
-              <a:rPr lang="ko-KR" altLang="en-US" dirty="0" err="1"/>
-              <a:t>뭐하는건데</a:t>
-            </a:r>
-            <a:endParaRPr lang="en-US" altLang="ko-KR" dirty="0"/>
-          </a:p>
-          <a:p>
-            <a:pPr marL="514350" indent="-514350">
-              <a:buAutoNum type="arabicPeriod"/>
-            </a:pPr>
-            <a:r>
-              <a:rPr lang="en-US" altLang="ko-KR" dirty="0"/>
-              <a:t>FSB</a:t>
-            </a:r>
-            <a:r>
-              <a:rPr lang="ko-KR" altLang="en-US" dirty="0"/>
-              <a:t> 넌 또 </a:t>
-            </a:r>
-            <a:r>
-              <a:rPr lang="ko-KR" altLang="en-US" dirty="0" err="1"/>
-              <a:t>뭔데</a:t>
-            </a:r>
-            <a:endParaRPr lang="en-US" altLang="ko-KR" dirty="0"/>
-          </a:p>
-        </p:txBody>
-      </p:sp>
-    </p:spTree>
-    <p:extLst>
-      <p:ext uri="{BB962C8B-B14F-4D97-AF65-F5344CB8AC3E}">
-        <p14:creationId xmlns:p14="http://schemas.microsoft.com/office/powerpoint/2010/main" val="2086213918"/>
-      </p:ext>
-    </p:extLst>
-  </p:cSld>
-  <p:clrMapOvr>
-    <a:masterClrMapping/>
-  </p:clrMapOvr>
-</p:sld>
-</file>
-
-<file path=ppt/slides/slide20.xml><?xml version="1.0" encoding="utf-8"?>
+<file path=ppt/slides/slide21.xml><?xml version="1.0" encoding="utf-8"?>
 <p:sld xmlns:a="http://schemas.openxmlformats.org/drawingml/2006/main" xmlns:r="http://schemas.openxmlformats.org/officeDocument/2006/relationships" xmlns:p="http://schemas.openxmlformats.org/presentationml/2006/main">
   <p:cSld>
     <p:spTree>
@@ -6303,7 +6478,7 @@
 </p:sld>
 </file>
 
-<file path=ppt/slides/slide21.xml><?xml version="1.0" encoding="utf-8"?>
+<file path=ppt/slides/slide22.xml><?xml version="1.0" encoding="utf-8"?>
 <p:sld xmlns:a="http://schemas.openxmlformats.org/drawingml/2006/main" xmlns:r="http://schemas.openxmlformats.org/officeDocument/2006/relationships" xmlns:p="http://schemas.openxmlformats.org/presentationml/2006/main">
   <p:cSld>
     <p:spTree>
@@ -6499,71 +6674,6 @@
 </p:sld>
 </file>
 
-<file path=ppt/slides/slide22.xml><?xml version="1.0" encoding="utf-8"?>
-<p:sld xmlns:a="http://schemas.openxmlformats.org/drawingml/2006/main" xmlns:r="http://schemas.openxmlformats.org/officeDocument/2006/relationships" xmlns:p="http://schemas.openxmlformats.org/presentationml/2006/main">
-  <p:cSld>
-    <p:spTree>
-      <p:nvGrpSpPr>
-        <p:cNvPr id="1" name=""/>
-        <p:cNvGrpSpPr/>
-        <p:nvPr/>
-      </p:nvGrpSpPr>
-      <p:grpSpPr>
-        <a:xfrm>
-          <a:off x="0" y="0"/>
-          <a:ext cx="0" cy="0"/>
-          <a:chOff x="0" y="0"/>
-          <a:chExt cx="0" cy="0"/>
-        </a:xfrm>
-      </p:grpSpPr>
-      <p:sp>
-        <p:nvSpPr>
-          <p:cNvPr id="2" name="제목 1">
-            <a:extLst>
-              <a:ext uri="{FF2B5EF4-FFF2-40B4-BE49-F238E27FC236}">
-                <a16:creationId xmlns:a16="http://schemas.microsoft.com/office/drawing/2014/main" id="{35C64855-B9DF-02B9-1899-86EBFDAEBDF0}"/>
-              </a:ext>
-            </a:extLst>
-          </p:cNvPr>
-          <p:cNvSpPr>
-            <a:spLocks noGrp="1"/>
-          </p:cNvSpPr>
-          <p:nvPr>
-            <p:ph type="title"/>
-          </p:nvPr>
-        </p:nvSpPr>
-        <p:spPr>
-          <a:xfrm>
-            <a:off x="838200" y="2766218"/>
-            <a:ext cx="10515600" cy="1325563"/>
-          </a:xfrm>
-        </p:spPr>
-        <p:txBody>
-          <a:bodyPr/>
-          <a:lstStyle/>
-          <a:p>
-            <a:pPr algn="ctr"/>
-            <a:r>
-              <a:rPr lang="en-US" altLang="ko-KR" b="1" dirty="0"/>
-              <a:t>FSB Q&amp;A</a:t>
-            </a:r>
-            <a:endParaRPr lang="ko-KR" altLang="en-US" b="1" dirty="0"/>
-          </a:p>
-        </p:txBody>
-      </p:sp>
-    </p:spTree>
-    <p:extLst>
-      <p:ext uri="{BB962C8B-B14F-4D97-AF65-F5344CB8AC3E}">
-        <p14:creationId xmlns:p14="http://schemas.microsoft.com/office/powerpoint/2010/main" val="3495985305"/>
-      </p:ext>
-    </p:extLst>
-  </p:cSld>
-  <p:clrMapOvr>
-    <a:masterClrMapping/>
-  </p:clrMapOvr>
-</p:sld>
-</file>
-
 <file path=ppt/slides/slide23.xml><?xml version="1.0" encoding="utf-8"?>
 <p:sld xmlns:a="http://schemas.openxmlformats.org/drawingml/2006/main" xmlns:r="http://schemas.openxmlformats.org/officeDocument/2006/relationships" xmlns:p="http://schemas.openxmlformats.org/presentationml/2006/main">
   <p:cSld>
@@ -6586,6 +6696,71 @@
           <p:cNvPr id="2" name="제목 1">
             <a:extLst>
               <a:ext uri="{FF2B5EF4-FFF2-40B4-BE49-F238E27FC236}">
+                <a16:creationId xmlns:a16="http://schemas.microsoft.com/office/drawing/2014/main" id="{35C64855-B9DF-02B9-1899-86EBFDAEBDF0}"/>
+              </a:ext>
+            </a:extLst>
+          </p:cNvPr>
+          <p:cNvSpPr>
+            <a:spLocks noGrp="1"/>
+          </p:cNvSpPr>
+          <p:nvPr>
+            <p:ph type="title"/>
+          </p:nvPr>
+        </p:nvSpPr>
+        <p:spPr>
+          <a:xfrm>
+            <a:off x="838200" y="2766218"/>
+            <a:ext cx="10515600" cy="1325563"/>
+          </a:xfrm>
+        </p:spPr>
+        <p:txBody>
+          <a:bodyPr/>
+          <a:lstStyle/>
+          <a:p>
+            <a:pPr algn="ctr"/>
+            <a:r>
+              <a:rPr lang="en-US" altLang="ko-KR" b="1" dirty="0"/>
+              <a:t>FSB Q&amp;A</a:t>
+            </a:r>
+            <a:endParaRPr lang="ko-KR" altLang="en-US" b="1" dirty="0"/>
+          </a:p>
+        </p:txBody>
+      </p:sp>
+    </p:spTree>
+    <p:extLst>
+      <p:ext uri="{BB962C8B-B14F-4D97-AF65-F5344CB8AC3E}">
+        <p14:creationId xmlns:p14="http://schemas.microsoft.com/office/powerpoint/2010/main" val="3495985305"/>
+      </p:ext>
+    </p:extLst>
+  </p:cSld>
+  <p:clrMapOvr>
+    <a:masterClrMapping/>
+  </p:clrMapOvr>
+</p:sld>
+</file>
+
+<file path=ppt/slides/slide24.xml><?xml version="1.0" encoding="utf-8"?>
+<p:sld xmlns:a="http://schemas.openxmlformats.org/drawingml/2006/main" xmlns:r="http://schemas.openxmlformats.org/officeDocument/2006/relationships" xmlns:p="http://schemas.openxmlformats.org/presentationml/2006/main">
+  <p:cSld>
+    <p:spTree>
+      <p:nvGrpSpPr>
+        <p:cNvPr id="1" name=""/>
+        <p:cNvGrpSpPr/>
+        <p:nvPr/>
+      </p:nvGrpSpPr>
+      <p:grpSpPr>
+        <a:xfrm>
+          <a:off x="0" y="0"/>
+          <a:ext cx="0" cy="0"/>
+          <a:chOff x="0" y="0"/>
+          <a:chExt cx="0" cy="0"/>
+        </a:xfrm>
+      </p:grpSpPr>
+      <p:sp>
+        <p:nvSpPr>
+          <p:cNvPr id="2" name="제목 1">
+            <a:extLst>
+              <a:ext uri="{FF2B5EF4-FFF2-40B4-BE49-F238E27FC236}">
                 <a16:creationId xmlns:a16="http://schemas.microsoft.com/office/drawing/2014/main" id="{BB0F8140-9F37-5091-0C63-98368C79C91C}"/>
               </a:ext>
             </a:extLst>
@@ -6927,7 +7102,7 @@
 </p:sld>
 </file>
 
-<file path=ppt/slides/slide24.xml><?xml version="1.0" encoding="utf-8"?>
+<file path=ppt/slides/slide25.xml><?xml version="1.0" encoding="utf-8"?>
 <p:sld xmlns:a="http://schemas.openxmlformats.org/drawingml/2006/main" xmlns:r="http://schemas.openxmlformats.org/officeDocument/2006/relationships" xmlns:p="http://schemas.openxmlformats.org/presentationml/2006/main">
   <p:cSld>
     <p:spTree>
